--- a/visualization.pptx
+++ b/visualization.pptx
@@ -8,6 +8,7 @@
     <p:sldId id="256" r:id="rId2"/>
     <p:sldId id="257" r:id="rId3"/>
     <p:sldId id="258" r:id="rId4"/>
+    <p:sldId id="259" r:id="rId5"/>
   </p:sldIdLst>
   <p:sldSz cx="12192000" cy="6858000"/>
   <p:notesSz cx="6858000" cy="9144000"/>
@@ -653,49 +654,6 @@
     <inkml:context xml:id="ctx0">
       <inkml:inkSource xml:id="inkSrc0">
         <inkml:traceFormat>
-          <inkml:channel name="X" type="integer" max="27388" units="cm"/>
-          <inkml:channel name="Y" type="integer" max="18258" units="cm"/>
-          <inkml:channel name="F" type="integer" max="65535" units="dev"/>
-          <inkml:channel name="T" type="integer" max="2.14748E9" units="dev"/>
-        </inkml:traceFormat>
-        <inkml:channelProperties>
-          <inkml:channelProperty channel="X" name="resolution" value="1000.29218" units="1/cm"/>
-          <inkml:channelProperty channel="Y" name="resolution" value="1000.43835" units="1/cm"/>
-          <inkml:channelProperty channel="F" name="resolution" value="0" units="1/dev"/>
-          <inkml:channelProperty channel="T" name="resolution" value="1" units="1/dev"/>
-        </inkml:channelProperties>
-      </inkml:inkSource>
-      <inkml:timestamp xml:id="ts0" timeString="2022-03-25T09:41:02.259"/>
-    </inkml:context>
-    <inkml:brush xml:id="br0">
-      <inkml:brushProperty name="width" value="0.05292" units="cm"/>
-      <inkml:brushProperty name="height" value="0.05292" units="cm"/>
-      <inkml:brushProperty name="color" value="#FF0000"/>
-    </inkml:brush>
-  </inkml:definitions>
-  <inkml:trace contextRef="#ctx0" brushRef="#br0">6143 10536 29487 0,'13'-16'2624'0,"0"0"-2112"0,0 6-512 0,-4 2 0 0,1 2 272 0,6-7-48 16,13-9-16-16,15-11 0 15,16-7-208-15,4 2 0 0,-2 8-144 0,-9 13 144 16,-8 9-192-16,-45 8 48 0,63 11 16 0,-63-11 0 31,0 0-976-31,39 51-192 0,-35-27-48 0,-7 2 0 16,-2 4-400-16,-3 1-96 0,-5 3-16 0,0-2 0 16,0-4-736-16,-3 1-160 0,-3 0-16 0,-1 1-16 15,1-1 816-15,4-3 176 0,1-4 16 0,1-2 16 0,3 1 2112 0,4 0 416 0,1-2 96 0,4 2 16 16,1 2 1376-16,0 1 288 0,2 4 48 0,1-1 16 15,1-1-704-15,-4-26-144 0,12 50-32 0,-12-50 0 16,16 44-736-16,-16-44-160 0,0 0-16 0,31 53-16 16,-31-53-560-16,0 0-112 0,27 43-128 0,-27-43 176 15,0 0-176-15,11 44 0 0,-12-31 0 0,-1-1 0 16,-2 1-576 0,-2-2 16-16,0-1 0 0,-3-3 0 0,-1-1-480 15,0-3-112-15,-1-3 0 0,0-4-16 0,1-1-256 0,-2-5-48 16,0-2-16-16,0-2 0 0,2 2 16 0,-1-4 16 0,0-4 0 0,1 0 0 15,0-3 448-15,1 1 96 0,2-2 16 16,2-4 0-16,0 1 1088 0,3-1 208 0,0 4 48 0,1 3 16 16,1 2 768-16,0-2 160 0,0 2 16 0,1 2 16 0,1 2-368 15,-2 4-80-15,1 4-16 0,0 2 0 0,-1 4-208 16,-1 2-48-16,0 4-16 0,-1 1 0 0,0 6 160 0,-2 3 48 16,1 2 0-16,-4 6 0 0,2 1-336 0,-1 0-64 15,1-1-16-15,0 6 0 0,-2 7-160 0,0 5-48 16,-1 4 0-16,-1 2 0 0,1 3 288 0,-1-2 48 15,0-2 16-15,1-2 0 0,-1 0 80 0,0 0 32 16,1-4 0-16,-1 2 0 0,2 1-240 0,-1-2-48 16,1 1-16-16,1-4 0 0,0 0-240 0,-1-3-32 0,2-4-16 15,0-4 0-15,2-1-16 0,0-5 0 0,1 0 0 16,2-3 0-16,0-2-128 0,0-16 0 16,0 0 0-16,0 0 0 15,11 38-848-15,-7-37-160 0,2-1-16 0,0-1-7072 0,1-4-1408 0</inkml:trace>
-  <inkml:trace contextRef="#ctx0" brushRef="#br0" timeOffset="279.2">6904 10622 20271 0,'-2'-8'1792'0,"2"3"-1424"0,3 4-368 0,1-1 0 0,-1 2 1152 0,1 0 176 16,2 2 16-16,-6-2 16 0,0 0-816 0,53 6-160 15,-53-6-48-15,61 9 0 0,-61-9-336 0,62 11 0 16,-62-11 0-16,54 10 0 15,-54-10-400-15,0 0-160 0,66 11-16 0,-66-11-10560 0</inkml:trace>
-  <inkml:trace contextRef="#ctx0" brushRef="#br0" timeOffset="1036.44">7085 10415 17503 0,'-13'0'768'0,"3"1"176"0,0 2-752 0,3-1-192 0,3 1 0 0,0 1 0 16,1 1 480-16,-5 2 64 0,-4 8 16 0,-4 5 0 15,-3 6-304-15,-2 3-64 0,1 6-16 0,-1 4 0 16,0 5-176-16,1-1 0 0,-1 5 144 0,2-4-144 16,1-2 0-16,2-3-192 0,1 1 32 0,3-6 0 0,1-3-16 0,2 0 0 15,3-2 0-15,1-1 0 16,1 0 176-16,2-3 0 0,1 0 0 0,2-3 0 15,-1-22 0-15,9 39 144 0,-9-39-144 0,0 0 160 16,26 44 720-16,-26-44 144 0,0 0 16 0,50 27 16 16,-50-27-288-16,0 0-48 0,71 6-16 0,-71-6 0 15,57-6-352-15,-57 6-80 0,61-15-16 0,-61 15 0 0,64-18-256 16,-35 7-304-16,0 1 64 0,-3-1 16 16,-3 2-608-16,-2-2-112 0,-1 1-16 0,-2 0-16 15,1 1-464-15,-4-2-96 0,-2 1 0 0,0 1-16 16,-2-3-192-16,-1 0-48 0,-3 2 0 0,-1-2 0 15,-2-1 208-15,-3 1 48 0,-2 0 0 0,-3 1 0 16,-3-1 544-16,-3 1 112 0,-2 3 32 0,-2-1 0 0,-3 0 848 0,1 1 0 16,-2 0 128-16,4 5 0 0,1-1 752 0,1 3 144 15,1 2 16-15,0 3 16 0,1 2 416 0,1 1 96 16,2 3 16-16,1-1 0 0,1 1-80 0,1 2-16 16,3 2 0-16,-1 3 0 0,1 0-400 0,2 5-96 15,1 7-16-15,-1 1 0 0,3 5-368 0,-1 7-80 16,1-1-16-16,0 1 0 0,-1 2-128 0,1-7-16 15,-1 0-16-15,-2-1 0 0,1-2-208 0,0 0-144 16,0-2 192-16,0-4-192 0,-2-28 0 0,3 45 0 0,-3-22 0 0,-1-3-192 16,-1 0-96-16,1-5-16 0,-1-2 0 0,-1-2 0 15,2 1-80-15,-1-6-32 0,-1-1 0 16,-1-4 0 0,1-1-992-16,-2-4-192 0,-1-3-32 0,-2-3-16 15,-1-2-80-15,1-3-32 0,-3 0 0 0,0-5 0 0,-2 0 928 16,0-6 192-16,-2 0 48 0,-1-2 0 0,1 1 592 0,-1-3 0 0,-3-2 224 0,2 0-64 0,2 2-160 0,-2 0 0 0,-1 1 0 15,1 0 128 1,2 7-128-16,0 1 0 0,3 7 0 0,1 4 0 16,-1 7 576-16,-1 2 256 0,3 4 32 0,0 3 16 15,2 3 1488-15,0 5 288 0,2-2 64 0,1 4 16 0,2-3-1424 16,1 3-288-16,1 3-48 0,1-19-16 0,4 44-608 0,-4-44-128 16,10 42-32-16,-10-42 0 0,13 43-64 0,-13-43-128 15,0 0 176-15,29 53-176 0,-29-53 176 0,0 0-176 16,38 37 160-16,-38-37-160 15,0 0-480-15,0 0-192 0,50 18-32 0,-50-18-16 16,0 0-1136-16,38-7-240 0</inkml:trace>
-  <inkml:trace contextRef="#ctx0" brushRef="#br0" timeOffset="1250.34">7267 11247 10127 0,'0'0'448'0,"0"0"96"0,0 0-544 0,35-8 0 16,-30 8 0-16,-3 0 0 0,-2 0 576 0,0 0 0 15,0 0 0-15,0 0 0 0,71 26-144 0,-71-26-32 94,0 0 0-94,58 31 0 0,-58-31-16 16,0 0 0-16,49 26 0 0,-49-26 0 0,0 0-528 0,51 15-112 0,-51-15-32 0,0 0-6112 0</inkml:trace>
-  <inkml:trace contextRef="#ctx0" brushRef="#br0" timeOffset="3489.68">7792 11205 6447 0,'4'-2'272'0,"1"-1"80"0,0 2-352 0,0 1 0 0,-1 0 0 0,0 0 0 16,-4 0 1392-16,0 0 208 0,0 0 32 0,50 3 16 16,-50-3-48-16,50 3-16 0,-50-3 0 0,48 0 0 15,-48 0-704-15,43-5-144 0,-43 5-32 0,39-4 0 16,-39 4-416-16,36-8-96 0,-36 8 0 0,27-10-16 16,-27 10-176-16,23-11 0 0,-14 4-160 0,-3 0 160 15,0-2-576-15,-3 0-32 0,-1-1 0 0,-2 0 0 16,-1 0-112-16,-3-1-32 0,1 2 0 0,-4-2 0 0,2 1 432 0,-3 1 64 15,-3-5 32-15,-2-1 0 0,0 2 224 0,-2-4 0 16,0 1 0-16,0-1 160 0,-1 0-160 0,1-2 0 16,3 2 0-16,1 0 0 0,1-1 0 0,2 1 0 15,4 6 0-15,-1 0-176 0,2 4 384 0,1 3 80 16,-1 0 16-16,1 4 0 0,-1 1 896 0,1 3 176 0,0 2 32 0,2-6 16 16,0 0-464-16,2 36-112 15,-2-36-16-15,3 47 0 0,-1-19-240 0,-1 7-48 0,-1 0-16 0,-1 0 0 0,-2 5 288 0,-1 3 48 31,0-3 16-31,0-1 0 0,0 1-480 0,0-5-80 0,3-6-32 0,-1-2 0 0,2-27-288 0,-2 46 0 16,2-46 0 0,0 40 0-1,0-40-704-15,0 28-112 0,0-28-16 0,0 0 0 16,0 0-752-16,0 0-144 0,0 0-48 0,0 0 0 16,0 0-112-16,19-11-32 0,-13-6 0 0,-1-1 0 0,0 1 784 0,-1 0 160 0,-2-2 16 0,1 4 16 15,-1 4 800-15,1 5 144 0,-1 1 0 0,-2 5 0 16,0 0 1440-16,0 0 208 0,0 0 32 0,0 0 16 0,32 42 672 0,-32-42 128 0,0 0 16 0,26 55 16 31,-26-55-1056-31,19 44-192 0,-19-44-64 0,21 42 0 0,-21-42-720 0,0 0-160 16,31 50-16-16,-31-50-16 0,0 0-304 0,0 0 0 15,36 37 0-15,-36-37 0 16,0 0-400 0,0 0-48-16,0 0 0 0,44-1 0 0,-34-9-704 15,1-3-160-15,2-3-32 0,-2-2 0 0,0-3-784 16,1-5-176-16,2-6-16 0,-1-3-16 0,0-1 352 15,-1-4 80-15,-1 1 16 0,0-4 0 0,-2 3 960 0,-3 0 192 16,-1-2 32-16,-1 2 16 0,1 1 464 0,-1 1 96 0,0 2 128 0,3 1-208 0,0 7 1040 16,2 6 224-16,1 4 32 0,-2 7 16 0,-2 3 944 0,-6 8 176 15,0 0 32-15,0 0 16 0,0 0-336 0,0 0-64 16,29 45-16-16,-29-45 0 0,2 54-592 0,-2-20-128 16,-1 2-32-16,0 1 0 0,1-2-720 0,-1-1-128 15,-1 1-48-15,1 1 0 0,-1-1-208 0,-1-2 0 16,1-1 0-16,-2-2 0 0,0-2 0 0,-1-2 128 15,0 0-128-15,0-4 0 0,2-2 128 0,-2-3-128 16,-1 1 0-16,1-3 0 0,1-2 896 0,0-7 64 0,3-1 32 16,1-5 0-1,0-3-1984-15,3-5-400 0,0-5-80 0,2-5 0 16,0 3 304-16,1-7 64 0,2-5 16 0,0-6 0 16,1-2-80-16,-2-1-16 0,0-1 0 0,-2 0 0 0,-3 0 432 0,1 2 96 15,-2 1 16-15,-1-1 0 0,0-2 480 0,1 2 160 0,-1 1 0 0,2 0 0 0,6 5 0 0,-1 0 0 0,2 7 128 0,1 3-128 31,1 3 848-31,0 4 80 0,0 3 16 0,0 3 0 16,-11 6 288-16,0 0 64 0,0 0 16 0,46 6 0 16,-46-6-704-16,0 0-144 0,0 0-16 0,43 55-16 15,-43-55-32-15,0 0 0 0,24 63 0 0,-24-63 0 16,11 55-80-16,-11-55-32 0,7 62 0 0,-7-62 0 16,4 63-80-16,-3-33-16 0,-1 3 0 0,0 1 0 0,0 0 32 15,-1-5 0-15,-1 0 0 0,-1-3 0 0,1-5-224 16,-2-1 0-16,-1-1 0 0,0-4 0 15,0-3-544-15,0-5-48 0,2-2-16 0,-2-1 0 16,0-4-480-16,0 0-80 0,-3-5-32 0,2-1 0 16,-1-4-304-16,-1-2-64 0,-2-4-16 0,0-3 0 15,2-3-16-15,-3-2 0 0,0-4 0 0,-1-1 0 16,1-3-80-16,0 0-32 0,0 2 0 0,1-1 0 16,2 3 304-16,-1 0 64 0,5 0 16 0,3 5 0 0,2 2 1472 0,0 7 304 15,2 4 48-15,-1 7 16 0,0 3 1920 0,-2 0 384 16,0 0 64-16,0 0 32 0,0 0-384 0,14 57-80 0,-14-57-16 15,8 50 0-15,-8-50-1120 0,7 60-224 16,-6-31-64-16,-1-29 0 0,4 53-528 0,-4-53-112 0,4 44-32 16,-4-44 0-16,0 0-352 0,0 0 144 0,22 44-144 0,-22-44 0 15,0 0 0-15,0 0-144 0,35-7-16 16,-23-6 0 0,3-4-320-16,1-5-64 0,4-4-16 0,-2-5 0 0,1 0 208 0,-1-4 32 0,2-3 16 0,-1 0 0 31,-1 1-720-31,-2-3-160 0,-1-2-32 0,-2 6 0 0,-5 7 240 0,0-2 32 0,-3 5 16 0,0 3 0 0,0 4 720 15,-2 5 208-15,2 4 0 0,-1 5 0 0,0 4 480 0,-4 1 224 16,0 0 32-16,0 0 16 16,12 38 816-16,-12-38 160 0,2 46 48 0,-2-19 0 15,2 2 272-15,-1-1 48 0,0 2 16 0,-1-30 0 16,6 57-2240-16,-6-57-448 0,10 53-96 0,-10-53-16 16,11 48 688-16,-11-48 0 0,12 45 208 0,-12-45-48 15,0 0-160-15,13 48 0 0,-13-48 0 0,0 0 0 16,0 0 0-16,0 0 0 0,19 43 0 0,-17-42 0 0,-1-2-336 0,2-3 0 0,-2-1 0 15,0-3 0 1,-1-2-320-16,2-2-64 0,-1-8-16 0,0 0 0 0,-1-6 288 0,0 0 64 16,-1-1 16-16,0-3 0 0,-1-3 240 0,0-2 128 15,-2 2-160-15,0-2 160 0,-1-1 0 0,2 2 0 16,-2 1 0-16,1 0 0 0,2 5 0 0,0 4 0 16,1 3-144-16,-1 5 144 0,-1 6-176 0,1 3 176 15,-2 3-208-15,-1 4 80 0,1 4 128 0,-1 3 0 16,2 4 160-16,-1 5-160 0,2 5 0 0,2-21 0 15,-3 51 0-15,2-22 0 0,1 0 0 0,-3 3 0 0,1 1 0 0,-1 2 0 16,0 1 0-16,-2 3 320 0,1-4-32 0,-1 1-16 16,1-1-272-16,-1 1 128 0,1-4-128 15,-1 0 0-15,1 0 0 0,1-6 0 0,0-2 0 0,0-2 0 16,1-2 0-16,-1-3 0 0,1-1 0 16,-1-3 0-16,1-5 0 0,-1 0 0 0,1-5 0 0,-1 0 0 15,2-7 0-15,1-2-272 0,-1-4 48 0,2-5 16 31,0-2-400-31,2-9-80 0,1-3-16 0,-1-5 0 0,0-2 160 16,0-4 32-16,1-4 0 0,-1-1 0 16,0 5 0-16,0-11 0 0,2-7 0 0,1-7 0 0,3 0-112 15,1-4-16-15,2-4 0 0,4-2 0 0,5-1-464 16,4-1-112-16,6 3 0 0,1 1-16 0,1 1 512 16,-1 7 96-16,0 8 32 0,-3 6 0 0,-2 5 432 0,-2 7 160 0,0 2 0 0,-3 7-144 15,-4 7 528-15,-4 5 128 0,-2 7 0 0,-2 5 16 16,-10 6-16-16,0 0 0 0,0 0 0 0,0 0 0 0,11 64-240 0,-17-32-48 15,-2 3-16-15,-5 1 0 16,-2 8-512-16,-1 1-96 0,-2 3-32 0,-2-2 0 16,0 2-304-16,0-7-64 0,3-3-16 0,2-4 0 15,4-6 240-15,4-4 32 0,3-2 16 0,4-22 0 0,0 0 528 0,0 0 304 16,18 42-48-16,-18-42 0 0,0 0 912 0,44-1 176 16,-44 1 48-16,42-15 0 0,-22 6-384 0,3-4-80 15,3-1-16-15,1-1 0 0,-2 4-912 0,-2 2 0 0,0 1-160 0,-23 8 16 16,0 0-448-16,41 0-96 0,-41 0-16 0,0 0 0 31,0 0-16-31,0 0-16 0,13 48 0 0,-15-35 0 0,-2 4 416 0,-1 0 96 16,1 1 16-16,1-2 0 0,0-1 48 0,3-15 16 0,0 30 0 0,0-30 0 15,0 0 672-15,0 0 144 0,42 38 32 0,-42-38 0 16,51 11 752-16,-51-11 144 16,62 7 48-16,-62-7 0 0,68 0-1104 0,-68 0-224 0,69 0-32 0,-69 0-16 0,59 0-272 0,-59 0-176 15,50 2 32-15,-50-2 0 16,0 0-128-16,54 14-32 0,-54-14 0 0,0 0 0 0,39 34-16 15,-39-34-16-15,0 0 0 0,19 52 0 16,-19-52 336-16,-2 51 240 0,-2-26-48 0,-3 2 0 0,-1 0 16 16,-3-1 0-16,0 1 0 0,-1-1 0 15,-1-1-496-15,1 0-96 16,0-1-32-16,2-1 0 0,1-2 416 0,3-1-160 0,1-2 160 0,5-18 0 0,-3 38 0 16,3-38 128-16,3 36 0 0,-3-36 16 0,0 0 592 0,17 58 112 15,-17-58 32-15,0 0 0 0,35 57 208 16,-35-57 64-16,34 36 0 0,-34-36 0 0,40 35-528 0,-40-35-112 15,51 36 0-15,-51-36-16 0,65 40-256 0,-65-40-48 16,73 46-16-16,-73-46 0 0,61 39 48 0,-61-39 16 16,62 43 0-16,-62-43 0 0,55 47 16 0,-55-47 0 0,47 50 0 0,-47-50 0 15,35 54 688-15,-35-54 144 16,18 54 16-16,-18-54 16 16,-1 53-1680-16,-7-22-336 0,-7-2-64 0,-6 2 0 15,-4 2 384-15,-5 0 64 0,-2 1 32 0,-7-5 0 16,-5 2-176-16,-4-2-48 0,2-5 0 0,-7-4 0 15,-3 0 80-15,-2-8 16 0,1 0 0 0,1-8 0 16,0-6-400-16,0-4-80 0,1-7 0 0,1-5-16 16,4-3 224-16,3-8 48 0,5-3 16 0,8-5 0 0,12-4 496 0,15-2 112 0,14-1 16 15,14-3 0-15,14 0 1552 0,15-8 320 0,16-3 64 0,4 1 16 16,2 5 480-16,27-13 112 0,28-9 16 16,21-6 0-16,10 0-992 0,14-2-192 0,11 0-32 0,5 6-16512 0</inkml:trace>
-  <inkml:trace contextRef="#ctx0" brushRef="#br0" timeOffset="5047.85">6978 14282 15663 0,'-1'-1'1392'0,"1"0"-1120"16,1 2-272-16,0 0 0 0,0 2 544 0,2-1 48 15,1 3 16-15,2 5 0 0,-6-10-432 0,0 0-176 16,32 57 128-16,-32-57-128 0,27 50 304 0,-27-50-32 16,36 57 0-16,-36-57 0 0,39 62 48 0,-39-62 16 15,43 72 0-15,-22-30 0 0,0-1-80 0,-2 0 0 0,-19-41-16 0,36 74 0 31,-36-74-880-31,32 63-192 0,-32-63-16 0,28 55-16 16,-28-55-896-16,19 51-176 0,-19-51-48 0,19 45-4032 0</inkml:trace>
-  <inkml:trace contextRef="#ctx0" brushRef="#br0" timeOffset="5249.09">6721 14485 7359 0,'-9'5'656'0,"3"1"-528"0,3 0-128 0,2-1 0 15,0 1 1600-15,0 4 272 0,-4 5 64 0,-3 15 16 0,1 7-1120 0,1 6-208 16,3 4-48-16,4-4-16 0,3-6-400 0,2-3-160 16,2-4 128-16,-8-30-128 0,23 48 0 0,-23-48 0 15,0 0 0-15,44 50-4864 16,-44-50-1024-16</inkml:trace>
-  <inkml:trace contextRef="#ctx0" brushRef="#br0" timeOffset="5432.44">7685 14455 18367 0,'6'5'400'0,"-1"-1"96"0,1 1 16 0,-1 1 0 0,0-1-512 0,0 0 0 16,0 2 0-16,-5-7 0 0,0 0 912 0,46 46 96 15,-46-46 16-15,47 47 0 0,-47-47-848 0,40 42-176 16,-40-42 0-16,0 0 0 31,49 51-656-31,-49-51-96 0,0 0-16 0</inkml:trace>
-  <inkml:trace contextRef="#ctx0" brushRef="#br0" timeOffset="5745.87">8392 14140 16575 0,'12'-6'736'0,"-4"3"160"15,2-2-720-15,-1 4-176 0,-2 1 0 0,-1 1 0 0,-6-1 1088 0,0 0 176 16,0 0 32-16,81 16 16 0,-81-16-704 0,60 18-144 0,-60-18-16 0,0 0-16 15,58 42-208-15,-58-42-32 16,0 0-16-16,23 62 0 0,-24-37-176 0,-4 1 0 0,-4 3-192 0,-2-1 192 31,-4 3-672-31,-1-2-16 0,0-5 0 0,-2 4 0 16,-1-5 176-16,-1 1 16 0,1-2 16 0,1-1 0 16,1-4 16-16,-1-4 0 0,2 0 0 0,-1-3 0 0,2 0-640 0,-1-5-128 15,2-1-32-15,1-4-5152 0</inkml:trace>
-  <inkml:trace contextRef="#ctx0" brushRef="#br0" timeOffset="5917.48">8303 14434 6447 0,'12'-18'272'0,"-4"5"80"0,0 3-352 0,-2 4 0 0,-1 2 0 0,-2 4 0 0,2-1 1488 0,5 0 240 15,-10 1 32-15,40-5 16 0,-40 5 96 0,56 10 32 16,-56-10 0-16,54 21 0 0,-54-21-816 0,51 32-176 16,-51-32-16-16,0 0-16 0,61 51-560 0,-61-51-96 15,0 0-32-15,49 51 0 0,-49-51-192 0,0 0-208 0,0 0 32 0,45 50 16 47,-45-50-992-47,0 0-192 0,0 0-32 0,0 0-4592 0,0 0-928 0</inkml:trace>
-  <inkml:trace contextRef="#ctx0" brushRef="#br0" timeOffset="6297.11">9183 13842 6447 0,'13'-52'272'0,"-3"16"80"0,-1 4-352 0,-3 7 0 16,-2 13 0-16,-3 3 0 0,3-2 1248 0,2-10 176 15,2-9 48-15,1-1 0 0,-1 3-640 0,-5 9-128 0,-2 10-32 0,-3 7 0 16,-3 8-672-16,-2 6 0 16,-2 5 0-16,-2 4 0 15,-2 2-480-15,1 3-32 0,-1-1 0 0,-1 2 0 16,3 2 0-16,1-4-16 0,2-3 0 0,5-1 0 0,3-6 528 0,0-15 0 0,0 0 0 0,0 0 0 16,27 48 0-16,-27-48 272 0,0 0-48 0,0 0-16 15,56 37 160-15,-56-37 16 16,0 0 16-16,61 20 0 0,-61-20 688 0,54 11 144 0,-54-11 32 15,59 7 0-15,-59-7-288 0,56 9-48 0,-56-9-16 16,60 9 0-16,-60-9-576 0,58 14-112 0,-58-14-32 0,0 0 0 16,68 24-192-16,-68-24 176 0,0 0-176 0,50 38 160 15,-50-38-160-15,0 0 160 0,28 52-160 0,-28-52 160 16,8 35 208-16,-8-13 32 0,-3 2 16 0,-3 3 0 16,-4 1-128-16,-3 1-32 0,-2-1 0 0,-1-2 0 15,-4 1-256-15,-1-1 0 0,-1-2 128 0,-2-2-128 16,2-3-432-16,-3-1-144 15,0 2-16-15,1-7-16 0,1 0-544 0,1-3-96 0,-1 0-32 16,-1-4 0-16,6-1-512 0,-2-4-96 0</inkml:trace>
-  <inkml:trace contextRef="#ctx0" brushRef="#br0" timeOffset="6875.32">9143 14411 911 0,'-2'-2'0'0,"3"2"0"16,-1 0 0-16,-1-5 0 0,-2-1 1104 0,2-6 144 0,1-8 32 0,2-3 0 16,7-1 656-16,3 3 144 0,6 3 32 0,0 5 0 15,3 0 336-15,2 4 80 0,1 3 16 0,2-3 0 0,0 2-1008 0,1 1-208 16,-1-3-48-16,0 1 0 15,2 1-832-15,-3-3-192 16,1 4-16-16,-1-4-16 0,-1 3-224 0,-3-3 0 16,-2 2 0-16,-2 0 0 15,-4 0-640-15,-3 2-64 0,-1 1 0 0,-4 1-16 16,-3 1-256-16,-1 0-48 0,-2 1-16 0,-1 2 0 16,-1-4 208-16,-2 3 32 0,-2 1 16 0,-3 2 0 15,-4 2 224-15,-2 2 48 0,-1 2 16 0,-3 3 0 16,-1 4-80-16,-1 2 0 0,-3 4-16 0,-1-1 0 15,0 6 128-15,-1-3 16 0,2 1 16 0,2 0 0 0,-2 1 48 0,2 0 16 0,3-4 0 16,0 1 0-16,3-2 368 0,-1 1 0 0,4-1 0 0,1-2 0 16,5-3 320-16,1-1 192 0,4-4 48 0,0 0 0 15,4-2 496-15,2 0 96 0,2-2 32 0,-5-6 0 16,0 0-144-16,0 0-16 0,0 0-16 0,0 0 0 16,57 15-16-16,-57-15 0 0,39-4 0 0,-39 4 0 0,57-4-240 0,-57 4-48 15,64-4-16-15,-64 4 0 0,73-4-352 16,-73 4-64-16,76-3-16 0,-76 3 0 15,67 3-64-15,-67-3 0 0,66 1-16 0,-66-1 0 16,65 5-176-16,-65-5 0 0,57 7 0 0,-57-7 0 16,0 0 208-16,60 15-32 0,-60-15-16 0,0 0 0 15,48 36 48-15,-48-36 16 0,0 0 0 0,25 49 0 16,-25-49 112-16,3 41 32 0,-5-20 0 0,-4 1 0 0,0-1 32 16,-4 4 16-16,0-3 0 0,-3 2 0 0,-1-2-176 15,3-5-48-15,0-3 0 0,-4 5 0 0,-9 7-192 0,-9 7 0 16,-7 2 0-16,-2-2 0 0,-1 0 0 0,-3-3 0 15,-2 1 0-15,-1-4 0 0,2-1-192 16,1-6 0-16,3 0 16 0,1-8 0 0,1-3 16 0,2-7 0 0,5-4 0 16,0-7 0-16,5-3-32 15,0-9 0-15,5 0 0 0,5-2 0 16,7 4-352-16,7-2-80 0,6 1-16 0,8-2 0 0,2 2-288 0,7 0-64 0,5-1-16 0,5-1 0 16,7 2 304-16,5-2 64 0,7-2 16 0,4 2-6736 15,4 2-1344-15</inkml:trace>
-  <inkml:trace contextRef="#ctx0" brushRef="#br0" timeOffset="7583.93">10579 14243 12895 0,'5'-3'1152'0,"1"3"-928"15,-6 0-224-15,0 0 0 0,0 0 1232 0,0 0 208 16,46 3 32-16,-46-3 16 0,63 0-416 0,-63 0-96 16,74 2-16-16,-74-2 0 0,59 5-608 0,-59-5-128 15,46 6-32-15,-46-6 0 0,0 0-192 0,0 0 0 16,57 31 0-16,-57-31 0 15,0 0-432-15,0 0-16 0,8 52-16 0,-14-35 0 16,-1-1-240-16,-4 4-32 0,-3 0-16 0,-3 1 0 0,-2 1 464 0,0 0 96 0,-3-2 0 0,0 3 16 16,-1-2 176-16,-1 1-128 0,1-4 128 0,-3 3-128 0,0-3 128 0,-1 0-208 15,-3 3 80-15,-1-2 128 16,0-1-544-16,-1 2 16 0,2-3 0 0,-1-2 0 16,5 0-480-16,-1 0-80 0,2-5-32 0,2-2 0 15,1 0-96-15,3-4 0 0,4-4-16 0,2-4 0 0,2-4 720 0,2-4 128 0,4-5 48 16,3-5 0-1,3-6 336-15,4 1 0 0,5 0 0 0,3-3 128 16,4 3 16-16,3 1 0 0,-2 5 0 0,-1 4 0 16,-1 1 640-16,4-2 128 0,3 2 32 0,2 3 0 0,1 2 656 0,-1 4 128 15,-25 7 16-15,48-1 16 0,-48 1-80 16,0 0-16-16,63 19 0 0,-63-19 0 16,0 0-576-16,54 31-128 0,-54-31-32 0,0 0 0 15,51 35-480-15,-51-35-80 0,0 0-32 0,50 36 0 0,-50-36-336 16,0 0 0-16,39 40 0 0,-39-40 0 0,0 0 0 0,0 0-160 15,34 49 160-15,-34-49-160 0,0 0-176 0,0 0-48 16,16 46 0-16,-16-46 0 16,0 0-128-16,0 0-48 0,0 0 0 0,0 0 0 15,0 0-16-15,0 0-16 0,0 0 0 0,0 0 0 16,0 0-1248-16,0 0-240 0</inkml:trace>
-  <inkml:trace contextRef="#ctx0" brushRef="#br0" timeOffset="8504.51">11360 13747 9215 0,'10'-19'400'0,"-4"7"96"0,0 4-496 0,-2 5 0 15,-3 4 0-15,1 1 0 0,-2 3 1440 0,0 4 192 0,0-9 32 0,-2 30 16 16,-3-6-784-16,-3 1-144 0,-3 1-48 0,0-2 0 16,-1-3-704-16,1-4 0 0,1 0 0 0,3-2-208 31,2-6-304-31,1-1-48 0,3 0-16 0,1-2 0 15,1-1-176-15,2 0-32 0,-3-5-16 0,0 0 0 0,0 0 480 0,0 0 112 0,0 0 16 0,59 36 0 16,-59-36 800-16,0 0 160 0,55 22 48 0,-55-22 0 16,0 0 224-16,61 20 48 0,-61-20 16 0,46 12 0 15,-46-12-256-15,47 5-48 0,-47-5-16 0,46 4 0 0,-46-4-80 0,41 5 0 16,-41-5-16-16,0 0 0 0,57 16-272 0,-57-16-48 16,0 0-16-16,47 32 0 0,-47-32-128 0,0 0-32 0,39 51 0 15,-39-51 0 1,21 45 128-16,-21-45 32 0,13 51 0 0,-13-51 0 0,3 52-128 0,-3-52-32 0,-2 51 0 0,-1-27 0 15,-2 2-64-15,0-2-128 0,-1-2 176 0,-1 2-176 0,-3 0 0 16,-2 2 0 0,-2-1 0-16,-1 1 0 0,-1-2 0 0,-1-2-224 15,-2 1 16-15,-1-4 0 16,-1-1-880-16,-2 1-192 0,-2-5-16 0,-1-2-16 16,1-2-624-16,-1-3-128 0,2-3-32 0,0-3 0 15,3-3 48-15,3-3 0 0,2-5 0 0,2-1 0 16,3-2 832-16,2-1 192 0,3-4 16 0,4 0 16 0,0-1 992 0,4-3 0 0,4-2 144 15,4-2 0-15,3-1 480 0,2 1 80 16,1 0 32-16,1 0 0 0,2 2 416 0,-3 0 64 0,1 5 32 16,-3 2 0-16,0 5 160 0,-5-2 16 0,3 6 16 0,-4-2 0 15,1 2-96-15,-2 0-32 0,2 0 0 0,-3 2 0 0,2 0-384 0,-2-2-80 16,0 2-16-16,0-1 0 0,-1-1-320 0,-1 3-64 16,-1-1 0-16,-3 1-16 0,-1 4-224 0,-1-3-32 15,-2 4-16-15,-2 4 0 0,-2-3-352 0,-1 4-80 0,-3 3-16 16,-1 2 0-1,-1-2 0-15,-3 6 0 0,-2-2 0 0,-2 5 0 16,0 2 288-16,2 1 0 0,-1-2 0 0,2 1 0 16,2-2 0-16,2 3 0 0,-3 2-144 0,3-1 144 15,0 4 0-15,2-4 0 0,1 4 0 0,2-5 0 16,3 1 0-16,1 0 0 0,5-21 0 0,-4 37 0 0,4-37 0 0,0 0 0 16,6 52 0-16,-6-52 0 0,0 0 0 0,0 0 0 15,30 53 0-15,-30-53 0 0,0 0 208 0,0 0 96 0,54 36 16 0,-54-36 0 16,0 0 352-16,65 27 80 15,-65-27 16-15,53 18 0 0,-53-18-256 0,55 19-64 16,-55-19 0-16,59 20 0 0,-59-20-16 0,54 17-16 16,-54-17 0-16,49 19 0 0,-49-19-240 0,0 0-48 15,65 29-128-15,-65-29 192 0,0 0-192 0,45 32 0 0,-45-32 0 16,0 0 0-16,35 43 0 0,-35-43 144 0,0 0-144 0,14 46 128 16,-14-46 96-16,-4 33 16 0,-1-16 0 0,-2 3 0 15,-3-3-16-15,-4 5 0 0,-1-3 0 0,-3 2 0 0,-2-1-224 0,-2-1 128 31,-2 0-128-31,-2-2 0 0,-1 1 0 0,-1-4 0 0,-2 1 0 0,0-1 0 16,-4-3-304-16,-1-4 48 0,2 0 16 16,-2-4 0-16,4-1-16 0,0-4-16 15,4-1 0-15,-1-4 0 0,2-2 272 0,5-4 0 0,4 0 0 16,9-6 0-16,5-1-272 0,9-3 0 0,9-8 0 16,14-4 0-1,8-2-592-15,14-5-112 0,12-1-32 0,15-5 0 0,16-1-592 16,6 0-112-16</inkml:trace>
-</inkml:ink>
-</file>
-
-<file path=ppt/ink/ink115.xml><?xml version="1.0" encoding="utf-8"?>
-<inkml:ink xmlns:inkml="http://www.w3.org/2003/InkML">
-  <inkml:definitions>
-    <inkml:context xml:id="ctx0">
-      <inkml:inkSource xml:id="inkSrc0">
-        <inkml:traceFormat>
           <inkml:channel name="X" type="integer" min="-2.14748E9" max="2.14748E9" units="cm"/>
           <inkml:channel name="Y" type="integer" min="-2.14748E9" max="2.14748E9" units="cm"/>
           <inkml:channel name="F" type="integer" max="32767" units="dev"/>
@@ -721,7 +679,7 @@
 </inkml:ink>
 </file>
 
-<file path=ppt/ink/ink116.xml><?xml version="1.0" encoding="utf-8"?>
+<file path=ppt/ink/ink115.xml><?xml version="1.0" encoding="utf-8"?>
 <inkml:ink xmlns:inkml="http://www.w3.org/2003/InkML">
   <inkml:definitions>
     <inkml:context xml:id="ctx0">
@@ -752,7 +710,7 @@
 </inkml:ink>
 </file>
 
-<file path=ppt/ink/ink117.xml><?xml version="1.0" encoding="utf-8"?>
+<file path=ppt/ink/ink116.xml><?xml version="1.0" encoding="utf-8"?>
 <inkml:ink xmlns:inkml="http://www.w3.org/2003/InkML">
   <inkml:definitions>
     <inkml:context xml:id="ctx0">
@@ -783,7 +741,7 @@
 </inkml:ink>
 </file>
 
-<file path=ppt/ink/ink118.xml><?xml version="1.0" encoding="utf-8"?>
+<file path=ppt/ink/ink117.xml><?xml version="1.0" encoding="utf-8"?>
 <inkml:ink xmlns:inkml="http://www.w3.org/2003/InkML">
   <inkml:definitions>
     <inkml:context xml:id="ctx0">
@@ -815,7 +773,7 @@
 </inkml:ink>
 </file>
 
-<file path=ppt/ink/ink119.xml><?xml version="1.0" encoding="utf-8"?>
+<file path=ppt/ink/ink118.xml><?xml version="1.0" encoding="utf-8"?>
 <inkml:ink xmlns:inkml="http://www.w3.org/2003/InkML">
   <inkml:definitions>
     <inkml:context xml:id="ctx0">
@@ -843,6 +801,37 @@
     </inkml:brush>
   </inkml:definitions>
   <inkml:trace contextRef="#ctx0" brushRef="#br0">0 164 3679 0 0,'5'-6'342'0'0,"1"1"-1"0"0,-1-1 0 0 0,1 1 0 0 0,0 0 0 0 0,0 0 1 0 0,10-5-1 0 0,44-21 5896 0 0,-25 14-3872 0 0,-35 17-2352 0 0,109-50 6036 0 0,-96 45-5991 0 0,1 0 1 0 0,0 1-1 0 0,1 1 1 0 0,-1 1 0 0 0,0 0-1 0 0,19 0 1 0 0,-22 2-7626 0 0</inkml:trace>
+</inkml:ink>
+</file>
+
+<file path=ppt/ink/ink119.xml><?xml version="1.0" encoding="utf-8"?>
+<inkml:ink xmlns:inkml="http://www.w3.org/2003/InkML">
+  <inkml:definitions>
+    <inkml:context xml:id="ctx0">
+      <inkml:inkSource xml:id="inkSrc0">
+        <inkml:traceFormat>
+          <inkml:channel name="X" type="integer" min="-2.14748E9" max="2.14748E9" units="cm"/>
+          <inkml:channel name="Y" type="integer" min="-2.14748E9" max="2.14748E9" units="cm"/>
+          <inkml:channel name="F" type="integer" max="32767" units="dev"/>
+          <inkml:channel name="OA" type="integer" max="360" units="deg"/>
+          <inkml:channel name="OE" type="integer" max="90" units="deg"/>
+        </inkml:traceFormat>
+        <inkml:channelProperties>
+          <inkml:channelProperty channel="X" name="resolution" value="1000" units="1/cm"/>
+          <inkml:channelProperty channel="Y" name="resolution" value="1000" units="1/cm"/>
+          <inkml:channelProperty channel="F" name="resolution" value="0" units="1/dev"/>
+          <inkml:channelProperty channel="OA" name="resolution" value="1000" units="1/deg"/>
+          <inkml:channelProperty channel="OE" name="resolution" value="1000" units="1/deg"/>
+        </inkml:channelProperties>
+      </inkml:inkSource>
+      <inkml:timestamp xml:id="ts0" timeString="2022-03-25T03:32:46.914"/>
+    </inkml:context>
+    <inkml:brush xml:id="br0">
+      <inkml:brushProperty name="width" value="0.05" units="cm"/>
+      <inkml:brushProperty name="height" value="0.05" units="cm"/>
+    </inkml:brush>
+  </inkml:definitions>
+  <inkml:trace contextRef="#ctx0" brushRef="#br0">10 223 7367 0 0,'-1'-2'168'0'0,"0"-1"0"0"0,-1 1 0 0 0,1-1 0 0 0,0 1 0 0 0,0-1-1 0 0,1 0 1 0 0,-1 1 0 0 0,0-1 0 0 0,1 0 0 0 0,0 0 0 0 0,0 0-1 0 0,0 0 1 0 0,0 1 0 0 0,0-1 0 0 0,1-3 0 0 0,0-2 769 0 0,0 1-1 0 0,1 0 1 0 0,0 0 0 0 0,5-11 0 0 0,-7 17-826 0 0,1 1 0 0 0,-1-1 0 0 0,0 1 0 0 0,0-1 0 0 0,0 1-1 0 0,1-1 1 0 0,-1 1 0 0 0,0-1 0 0 0,0 1 0 0 0,1-1 0 0 0,-1 1 0 0 0,0-1 0 0 0,1 1 0 0 0,-1 0 0 0 0,1-1 0 0 0,-1 1 0 0 0,1 0 0 0 0,-1-1 0 0 0,1 1 0 0 0,-1 0 0 0 0,0 0 0 0 0,1-1 0 0 0,0 1 0 0 0,-1 0 0 0 0,1 0 0 0 0,-1 0 0 0 0,1 0 0 0 0,-1-1 0 0 0,1 1 0 0 0,-1 0 0 0 0,2 0 0 0 0,-1 1 8 0 0,0-1 0 0 0,0 1 1 0 0,0 0-1 0 0,0-1 0 0 0,0 1 0 0 0,0 0 1 0 0,0-1-1 0 0,0 1 0 0 0,0 0 0 0 0,-1 0 0 0 0,1 0 1 0 0,0 0-1 0 0,0 2 0 0 0,3 3 125 0 0,0 0 0 0 0,-1 0 0 0 0,4 12 0 0 0,-3 0-152 0 0,0-1 0 0 0,-1 0 0 0 0,-1 1 0 0 0,-1-1 1 0 0,-1 28-1 0 0,-3-6 117 0 0,-11 52-1 0 0,14-88-208 0 0,-2 11-32 0 0,-1-1 0 0 0,0 1 0 0 0,-1-1 0 0 0,-7 15 0 0 0,6-55-641 0 0,5-32-369 0 0,3-1-1 0 0,19-112 1 0 0,-17 144 768 0 0,12-36-1 0 0,-14 54 240 0 0,0 0 1 0 0,2 1-1 0 0,-1-1 0 0 0,1 1 1 0 0,1-1-1 0 0,11-14 0 0 0,-14 19 36 0 0,-2 4 0 0 0,0 0-1 0 0,0-1 1 0 0,0 1 0 0 0,1 0-1 0 0,-1 0 1 0 0,0 0-1 0 0,0-1 1 0 0,1 1-1 0 0,-1 1 1 0 0,1-1-1 0 0,-1 0 1 0 0,1 0 0 0 0,-1 0-1 0 0,1 1 1 0 0,0-1-1 0 0,-1 1 1 0 0,1-1-1 0 0,0 1 1 0 0,-1 0-1 0 0,1 0 1 0 0,2 0 0 0 0,-3 0 3 0 0,-1 0 0 0 0,1 0 0 0 0,0 0 0 0 0,0 1 0 0 0,-1-1 0 0 0,1 0 1 0 0,0 1-1 0 0,0-1 0 0 0,-1 1 0 0 0,1-1 0 0 0,-1 1 0 0 0,1-1 1 0 0,0 1-1 0 0,-1-1 0 0 0,1 1 0 0 0,-1 0 0 0 0,1 0 0 0 0,41 39 116 0 0,-39-36-85 0 0,0-1-1 0 0,0 1 1 0 0,0 0-1 0 0,-1 0 1 0 0,0 0-1 0 0,0 0 1 0 0,0 0-1 0 0,0 1 1 0 0,-1-1-1 0 0,1 0 1 0 0,-1 1-1 0 0,0-1 1 0 0,-1 1-1 0 0,1 0 1 0 0,-1-1-1 0 0,0 1 1 0 0,0 5-1 0 0,0 1 81 0 0,-1 22 293 0 0,-5 38-1 0 0,0 21 218 0 0,5-91-614 0 0,1 0 1 0 0,0 0-1 0 0,0 0 0 0 0,0 0 0 0 0,0 0 0 0 0,1 0 1 0 0,-1 0-1 0 0,0 0 0 0 0,0 0 0 0 0,1 0 0 0 0,-1-1 1 0 0,0 1-1 0 0,1 0 0 0 0,0 1 0 0 0,-1-2-8 0 0,0 1-1 0 0,1-1 1 0 0,-1 0 0 0 0,0 0-1 0 0,0 0 1 0 0,0 0-1 0 0,1 0 1 0 0,-1 0 0 0 0,0 0-1 0 0,1 0 1 0 0,-1 0-1 0 0,0 0 1 0 0,0 0 0 0 0,1 0-1 0 0,-1 0 1 0 0,0 0-1 0 0,0 0 1 0 0,0 0 0 0 0,1 0-1 0 0,-1 0 1 0 0,0-1-1 0 0,0 1 1 0 0,1 0 0 0 0,-1 0-1 0 0,0 0 1 0 0,0 0-1 0 0,0 0 1 0 0,1-1 0 0 0,-1 1-1 0 0,0 0 1 0 0,0 0-1 0 0,0 0 1 0 0,1-1 0 0 0,1-2 8 0 0,1 0 1 0 0,-1 0-1 0 0,0-1 1 0 0,0 1-1 0 0,2-5 1 0 0,31-79-2 0 0,-25 57-109 0 0,2 0 0 0 0,2 1 0 0 0,31-53 0 0 0,-42 78 46 0 0,0 0 0 0 0,0 0 1 0 0,1 0-1 0 0,-1 1 0 0 0,1 0 0 0 0,0-1 0 0 0,7-3 0 0 0,-10 6 49 0 0,0 0 0 0 0,0 1 0 0 0,0-1-1 0 0,0 1 1 0 0,0 0 0 0 0,0-1 0 0 0,0 1 0 0 0,0 0 0 0 0,0 0-1 0 0,0-1 1 0 0,1 1 0 0 0,-1 0 0 0 0,0 0 0 0 0,0 0 0 0 0,0 0 0 0 0,0 1-1 0 0,0-1 1 0 0,1 0 0 0 0,-1 0 0 0 0,0 1 0 0 0,0-1 0 0 0,0 1-1 0 0,0-1 1 0 0,0 1 0 0 0,0-1 0 0 0,0 1 0 0 0,0 0 0 0 0,0-1-1 0 0,0 1 1 0 0,-1 0 0 0 0,1 0 0 0 0,0-1 0 0 0,0 1 0 0 0,-1 0 0 0 0,1 0-1 0 0,0 0 1 0 0,-1 0 0 0 0,2 2 0 0 0,0 2 48 0 0,0-1 0 0 0,-1 1 0 0 0,1 0 1 0 0,-1 0-1 0 0,0 0 0 0 0,0 0 0 0 0,0 0 0 0 0,-1 0 1 0 0,1 0-1 0 0,-1 1 0 0 0,-1 6 0 0 0,-2 10 321 0 0,-6 28 1 0 0,5-34-215 0 0,-14 59 353 0 0,8-32-90 0 0,-7 47 0 0 0,17-68-354 0 0,0-21-59 0 0,0-1-1 0 0,0 0 0 0 0,1 0 0 0 0,-1 0 1 0 0,0 0-1 0 0,0 1 0 0 0,0-1 0 0 0,0 0 0 0 0,0 0 1 0 0,0 0-1 0 0,0 1 0 0 0,0-1 0 0 0,0 0 1 0 0,0 0-1 0 0,1 0 0 0 0,-1 0 0 0 0,0 0 1 0 0,0 1-1 0 0,0-1 0 0 0,0 0 0 0 0,1 0 0 0 0,-1 0 1 0 0,0 0-1 0 0,0 0 0 0 0,0 0 0 0 0,0 0 1 0 0,1 0-1 0 0,-1 0 0 0 0,0 0 0 0 0,0 1 0 0 0,1-1 1 0 0,8-8-130 0 0,-5 2-114 0 0,0 0 1 0 0,0-1-1 0 0,5-12 1 0 0,-6 14-15 0 0,7-19-850 0 0</inkml:trace>
 </inkml:ink>
 </file>
 
@@ -898,37 +887,6 @@
           <inkml:channelProperty channel="OE" name="resolution" value="1000" units="1/deg"/>
         </inkml:channelProperties>
       </inkml:inkSource>
-      <inkml:timestamp xml:id="ts0" timeString="2022-03-25T03:32:46.914"/>
-    </inkml:context>
-    <inkml:brush xml:id="br0">
-      <inkml:brushProperty name="width" value="0.05" units="cm"/>
-      <inkml:brushProperty name="height" value="0.05" units="cm"/>
-    </inkml:brush>
-  </inkml:definitions>
-  <inkml:trace contextRef="#ctx0" brushRef="#br0">10 223 7367 0 0,'-1'-2'168'0'0,"0"-1"0"0"0,-1 1 0 0 0,1-1 0 0 0,0 1 0 0 0,0-1-1 0 0,1 0 1 0 0,-1 1 0 0 0,0-1 0 0 0,1 0 0 0 0,0 0 0 0 0,0 0-1 0 0,0 0 1 0 0,0 1 0 0 0,0-1 0 0 0,1-3 0 0 0,0-2 769 0 0,0 1-1 0 0,1 0 1 0 0,0 0 0 0 0,5-11 0 0 0,-7 17-826 0 0,1 1 0 0 0,-1-1 0 0 0,0 1 0 0 0,0-1 0 0 0,0 1-1 0 0,1-1 1 0 0,-1 1 0 0 0,0-1 0 0 0,0 1 0 0 0,1-1 0 0 0,-1 1 0 0 0,0-1 0 0 0,1 1 0 0 0,-1 0 0 0 0,1-1 0 0 0,-1 1 0 0 0,1 0 0 0 0,-1-1 0 0 0,1 1 0 0 0,-1 0 0 0 0,0 0 0 0 0,1-1 0 0 0,0 1 0 0 0,-1 0 0 0 0,1 0 0 0 0,-1 0 0 0 0,1 0 0 0 0,-1-1 0 0 0,1 1 0 0 0,-1 0 0 0 0,2 0 0 0 0,-1 1 8 0 0,0-1 0 0 0,0 1 1 0 0,0 0-1 0 0,0-1 0 0 0,0 1 0 0 0,0 0 1 0 0,0-1-1 0 0,0 1 0 0 0,0 0 0 0 0,-1 0 0 0 0,1 0 1 0 0,0 0-1 0 0,0 2 0 0 0,3 3 125 0 0,0 0 0 0 0,-1 0 0 0 0,4 12 0 0 0,-3 0-152 0 0,0-1 0 0 0,-1 0 0 0 0,-1 1 0 0 0,-1-1 1 0 0,-1 28-1 0 0,-3-6 117 0 0,-11 52-1 0 0,14-88-208 0 0,-2 11-32 0 0,-1-1 0 0 0,0 1 0 0 0,-1-1 0 0 0,-7 15 0 0 0,6-55-641 0 0,5-32-369 0 0,3-1-1 0 0,19-112 1 0 0,-17 144 768 0 0,12-36-1 0 0,-14 54 240 0 0,0 0 1 0 0,2 1-1 0 0,-1-1 0 0 0,1 1 1 0 0,1-1-1 0 0,11-14 0 0 0,-14 19 36 0 0,-2 4 0 0 0,0 0-1 0 0,0-1 1 0 0,0 1 0 0 0,1 0-1 0 0,-1 0 1 0 0,0 0-1 0 0,0-1 1 0 0,1 1-1 0 0,-1 1 1 0 0,1-1-1 0 0,-1 0 1 0 0,1 0 0 0 0,-1 0-1 0 0,1 1 1 0 0,0-1-1 0 0,-1 1 1 0 0,1-1-1 0 0,0 1 1 0 0,-1 0-1 0 0,1 0 1 0 0,2 0 0 0 0,-3 0 3 0 0,-1 0 0 0 0,1 0 0 0 0,0 0 0 0 0,0 1 0 0 0,-1-1 0 0 0,1 0 1 0 0,0 1-1 0 0,0-1 0 0 0,-1 1 0 0 0,1-1 0 0 0,-1 1 0 0 0,1-1 1 0 0,0 1-1 0 0,-1-1 0 0 0,1 1 0 0 0,-1 0 0 0 0,1 0 0 0 0,41 39 116 0 0,-39-36-85 0 0,0-1-1 0 0,0 1 1 0 0,0 0-1 0 0,-1 0 1 0 0,0 0-1 0 0,0 0 1 0 0,0 0-1 0 0,0 1 1 0 0,-1-1-1 0 0,1 0 1 0 0,-1 1-1 0 0,0-1 1 0 0,-1 1-1 0 0,1 0 1 0 0,-1-1-1 0 0,0 1 1 0 0,0 5-1 0 0,0 1 81 0 0,-1 22 293 0 0,-5 38-1 0 0,0 21 218 0 0,5-91-614 0 0,1 0 1 0 0,0 0-1 0 0,0 0 0 0 0,0 0 0 0 0,0 0 0 0 0,1 0 1 0 0,-1 0-1 0 0,0 0 0 0 0,0 0 0 0 0,1 0 0 0 0,-1-1 1 0 0,0 1-1 0 0,1 0 0 0 0,0 1 0 0 0,-1-2-8 0 0,0 1-1 0 0,1-1 1 0 0,-1 0 0 0 0,0 0-1 0 0,0 0 1 0 0,0 0-1 0 0,1 0 1 0 0,-1 0 0 0 0,0 0-1 0 0,1 0 1 0 0,-1 0-1 0 0,0 0 1 0 0,0 0 0 0 0,1 0-1 0 0,-1 0 1 0 0,0 0-1 0 0,0 0 1 0 0,0 0 0 0 0,1 0-1 0 0,-1 0 1 0 0,0-1-1 0 0,0 1 1 0 0,1 0 0 0 0,-1 0-1 0 0,0 0 1 0 0,0 0-1 0 0,0 0 1 0 0,1-1 0 0 0,-1 1-1 0 0,0 0 1 0 0,0 0-1 0 0,0 0 1 0 0,1-1 0 0 0,1-2 8 0 0,1 0 1 0 0,-1 0-1 0 0,0-1 1 0 0,0 1-1 0 0,2-5 1 0 0,31-79-2 0 0,-25 57-109 0 0,2 0 0 0 0,2 1 0 0 0,31-53 0 0 0,-42 78 46 0 0,0 0 0 0 0,0 0 1 0 0,1 0-1 0 0,-1 1 0 0 0,1 0 0 0 0,0-1 0 0 0,7-3 0 0 0,-10 6 49 0 0,0 0 0 0 0,0 1 0 0 0,0-1-1 0 0,0 1 1 0 0,0 0 0 0 0,0-1 0 0 0,0 1 0 0 0,0 0 0 0 0,0 0-1 0 0,0-1 1 0 0,1 1 0 0 0,-1 0 0 0 0,0 0 0 0 0,0 0 0 0 0,0 0 0 0 0,0 1-1 0 0,0-1 1 0 0,1 0 0 0 0,-1 0 0 0 0,0 1 0 0 0,0-1 0 0 0,0 1-1 0 0,0-1 1 0 0,0 1 0 0 0,0-1 0 0 0,0 1 0 0 0,0 0 0 0 0,0-1-1 0 0,0 1 1 0 0,-1 0 0 0 0,1 0 0 0 0,0-1 0 0 0,0 1 0 0 0,-1 0 0 0 0,1 0-1 0 0,0 0 1 0 0,-1 0 0 0 0,2 2 0 0 0,0 2 48 0 0,0-1 0 0 0,-1 1 0 0 0,1 0 1 0 0,-1 0-1 0 0,0 0 0 0 0,0 0 0 0 0,0 0 0 0 0,-1 0 1 0 0,1 0-1 0 0,-1 1 0 0 0,-1 6 0 0 0,-2 10 321 0 0,-6 28 1 0 0,5-34-215 0 0,-14 59 353 0 0,8-32-90 0 0,-7 47 0 0 0,17-68-354 0 0,0-21-59 0 0,0-1-1 0 0,0 0 0 0 0,1 0 0 0 0,-1 0 1 0 0,0 0-1 0 0,0 1 0 0 0,0-1 0 0 0,0 0 0 0 0,0 0 1 0 0,0 0-1 0 0,0 1 0 0 0,0-1 0 0 0,0 0 1 0 0,0 0-1 0 0,1 0 0 0 0,-1 0 0 0 0,0 0 1 0 0,0 1-1 0 0,0-1 0 0 0,0 0 0 0 0,1 0 0 0 0,-1 0 1 0 0,0 0-1 0 0,0 0 0 0 0,0 0 0 0 0,0 0 1 0 0,1 0-1 0 0,-1 0 0 0 0,0 0 0 0 0,0 1 0 0 0,1-1 1 0 0,8-8-130 0 0,-5 2-114 0 0,0 0 1 0 0,0-1-1 0 0,5-12 1 0 0,-6 14-15 0 0,7-19-850 0 0</inkml:trace>
-</inkml:ink>
-</file>
-
-<file path=ppt/ink/ink121.xml><?xml version="1.0" encoding="utf-8"?>
-<inkml:ink xmlns:inkml="http://www.w3.org/2003/InkML">
-  <inkml:definitions>
-    <inkml:context xml:id="ctx0">
-      <inkml:inkSource xml:id="inkSrc0">
-        <inkml:traceFormat>
-          <inkml:channel name="X" type="integer" min="-2.14748E9" max="2.14748E9" units="cm"/>
-          <inkml:channel name="Y" type="integer" min="-2.14748E9" max="2.14748E9" units="cm"/>
-          <inkml:channel name="F" type="integer" max="32767" units="dev"/>
-          <inkml:channel name="OA" type="integer" max="360" units="deg"/>
-          <inkml:channel name="OE" type="integer" max="90" units="deg"/>
-        </inkml:traceFormat>
-        <inkml:channelProperties>
-          <inkml:channelProperty channel="X" name="resolution" value="1000" units="1/cm"/>
-          <inkml:channelProperty channel="Y" name="resolution" value="1000" units="1/cm"/>
-          <inkml:channelProperty channel="F" name="resolution" value="0" units="1/dev"/>
-          <inkml:channelProperty channel="OA" name="resolution" value="1000" units="1/deg"/>
-          <inkml:channelProperty channel="OE" name="resolution" value="1000" units="1/deg"/>
-        </inkml:channelProperties>
-      </inkml:inkSource>
       <inkml:timestamp xml:id="ts0" timeString="2022-03-25T03:32:47.313"/>
     </inkml:context>
     <inkml:brush xml:id="br0">
@@ -940,7 +898,7 @@
 </inkml:ink>
 </file>
 
-<file path=ppt/ink/ink122.xml><?xml version="1.0" encoding="utf-8"?>
+<file path=ppt/ink/ink121.xml><?xml version="1.0" encoding="utf-8"?>
 <inkml:ink xmlns:inkml="http://www.w3.org/2003/InkML">
   <inkml:definitions>
     <inkml:context xml:id="ctx0">
@@ -971,7 +929,7 @@
 </inkml:ink>
 </file>
 
-<file path=ppt/ink/ink123.xml><?xml version="1.0" encoding="utf-8"?>
+<file path=ppt/ink/ink122.xml><?xml version="1.0" encoding="utf-8"?>
 <inkml:ink xmlns:inkml="http://www.w3.org/2003/InkML">
   <inkml:definitions>
     <inkml:context xml:id="ctx0">
@@ -1002,7 +960,7 @@
 </inkml:ink>
 </file>
 
-<file path=ppt/ink/ink124.xml><?xml version="1.0" encoding="utf-8"?>
+<file path=ppt/ink/ink123.xml><?xml version="1.0" encoding="utf-8"?>
 <inkml:ink xmlns:inkml="http://www.w3.org/2003/InkML">
   <inkml:definitions>
     <inkml:context xml:id="ctx0">
@@ -1033,7 +991,7 @@
 </inkml:ink>
 </file>
 
-<file path=ppt/ink/ink125.xml><?xml version="1.0" encoding="utf-8"?>
+<file path=ppt/ink/ink124.xml><?xml version="1.0" encoding="utf-8"?>
 <inkml:ink xmlns:inkml="http://www.w3.org/2003/InkML">
   <inkml:definitions>
     <inkml:context xml:id="ctx0">
@@ -1065,7 +1023,7 @@
 </inkml:ink>
 </file>
 
-<file path=ppt/ink/ink126.xml><?xml version="1.0" encoding="utf-8"?>
+<file path=ppt/ink/ink125.xml><?xml version="1.0" encoding="utf-8"?>
 <inkml:ink xmlns:inkml="http://www.w3.org/2003/InkML">
   <inkml:definitions>
     <inkml:context xml:id="ctx0">
@@ -1096,7 +1054,7 @@
 </inkml:ink>
 </file>
 
-<file path=ppt/ink/ink127.xml><?xml version="1.0" encoding="utf-8"?>
+<file path=ppt/ink/ink126.xml><?xml version="1.0" encoding="utf-8"?>
 <inkml:ink xmlns:inkml="http://www.w3.org/2003/InkML">
   <inkml:definitions>
     <inkml:context xml:id="ctx0">
@@ -1127,7 +1085,7 @@
 </inkml:ink>
 </file>
 
-<file path=ppt/ink/ink128.xml><?xml version="1.0" encoding="utf-8"?>
+<file path=ppt/ink/ink127.xml><?xml version="1.0" encoding="utf-8"?>
 <inkml:ink xmlns:inkml="http://www.w3.org/2003/InkML">
   <inkml:definitions>
     <inkml:context xml:id="ctx0">
@@ -1158,7 +1116,7 @@
 </inkml:ink>
 </file>
 
-<file path=ppt/ink/ink129.xml><?xml version="1.0" encoding="utf-8"?>
+<file path=ppt/ink/ink128.xml><?xml version="1.0" encoding="utf-8"?>
 <inkml:ink xmlns:inkml="http://www.w3.org/2003/InkML">
   <inkml:definitions>
     <inkml:context xml:id="ctx0">
@@ -1187,6 +1145,38 @@
   </inkml:definitions>
   <inkml:trace contextRef="#ctx0" brushRef="#br0">74 1 7367 0 0,'-1'0'171'0'0,"0"0"-1"0"0,0 1 0 0 0,0-1 1 0 0,0 1-1 0 0,-1-1 0 0 0,1 1 0 0 0,0-1 1 0 0,0 1-1 0 0,0 0 0 0 0,1-1 1 0 0,-1 1-1 0 0,0 0 0 0 0,0 0 0 0 0,0 0 1 0 0,0-1-1 0 0,1 1 0 0 0,-1 0 1 0 0,0 0-1 0 0,0 2 0 0 0,-13 24 4041 0 0,12-22-4124 0 0,-5 12 1082 0 0,1 2-1 0 0,0-1 1 0 0,2 1 0 0 0,0-1-1 0 0,-3 31 1 0 0,3 97-307 0 0,4-133-752 0 0,-1 5-97 0 0,2 0 1 0 0,0 0-1 0 0,1 0 0 0 0,5 24 1 0 0,-6-40-165 0 0,-1 0 1 0 0,1 0 0 0 0,0 0-1 0 0,0 0 1 0 0,0 0-1 0 0,0-1 1 0 0,0 1-1 0 0,0 0 1 0 0,0 0 0 0 0,3 2-1 0 0</inkml:trace>
   <inkml:trace contextRef="#ctx0" brushRef="#br0" timeOffset="1">230 120 10135 0 0,'1'-2'280'0'0,"1"-1"-1"0"0,0 1 0 0 0,0-1 0 0 0,0 1 1 0 0,0-1-1 0 0,0 1 0 0 0,0 0 1 0 0,1 0-1 0 0,-1 0 0 0 0,1 1 0 0 0,3-3 1 0 0,35-14 4284 0 0,-26 12-4162 0 0,2 0 503 0 0,0 0 1 0 0,0 1-1 0 0,35-5 1 0 0,20 6-1613 0 0,-65 4-262 0 0</inkml:trace>
+</inkml:ink>
+</file>
+
+<file path=ppt/ink/ink129.xml><?xml version="1.0" encoding="utf-8"?>
+<inkml:ink xmlns:inkml="http://www.w3.org/2003/InkML">
+  <inkml:definitions>
+    <inkml:context xml:id="ctx0">
+      <inkml:inkSource xml:id="inkSrc0">
+        <inkml:traceFormat>
+          <inkml:channel name="X" type="integer" min="-2.14748E9" max="2.14748E9" units="cm"/>
+          <inkml:channel name="Y" type="integer" min="-2.14748E9" max="2.14748E9" units="cm"/>
+          <inkml:channel name="F" type="integer" max="32767" units="dev"/>
+          <inkml:channel name="OA" type="integer" max="360" units="deg"/>
+          <inkml:channel name="OE" type="integer" max="90" units="deg"/>
+        </inkml:traceFormat>
+        <inkml:channelProperties>
+          <inkml:channelProperty channel="X" name="resolution" value="1000" units="1/cm"/>
+          <inkml:channelProperty channel="Y" name="resolution" value="1000" units="1/cm"/>
+          <inkml:channelProperty channel="F" name="resolution" value="0" units="1/dev"/>
+          <inkml:channelProperty channel="OA" name="resolution" value="1000" units="1/deg"/>
+          <inkml:channelProperty channel="OE" name="resolution" value="1000" units="1/deg"/>
+        </inkml:channelProperties>
+      </inkml:inkSource>
+      <inkml:timestamp xml:id="ts0" timeString="2022-03-25T03:32:52.623"/>
+    </inkml:context>
+    <inkml:brush xml:id="br0">
+      <inkml:brushProperty name="width" value="0.05" units="cm"/>
+      <inkml:brushProperty name="height" value="0.05" units="cm"/>
+    </inkml:brush>
+  </inkml:definitions>
+  <inkml:trace contextRef="#ctx0" brushRef="#br0">60 1 4607 0 0,'-2'1'296'0'0,"0"0"-1"0"0,0 0 0 0 0,0 0 1 0 0,0 1-1 0 0,0-1 0 0 0,1 1 1 0 0,-1-1-1 0 0,0 1 0 0 0,1 0 1 0 0,0 0-1 0 0,-1-1 0 0 0,1 1 0 0 0,0 0 1 0 0,0 0-1 0 0,0 0 0 0 0,0 0 1 0 0,-1 3-1 0 0,-13 40 3935 0 0,14-41-3901 0 0,-4 16 1025 0 0,1-1 0 0 0,2 1 0 0 0,-1-1 0 0 0,2 22 0 0 0,6 78 528 0 0,0-35-1474 0 0,-4-67-389 0 0,0 36 92 0 0,10 58 0 0 0,-11-110-136 0 0,0 1 0 0 0,1 0 0 0 0,-1-1 0 0 0,0 1 0 0 0,1-1 0 0 0,-1 1 0 0 0,1-1 0 0 0,0 1 0 0 0,-1-1 0 0 0,1 1 0 0 0,0-1 0 0 0,0 0 0 0 0,0 1 0 0 0,0-1 0 0 0,0 0 0 0 0,2 2 0 0 0,2-2-438 0 0</inkml:trace>
+  <inkml:trace contextRef="#ctx0" brushRef="#br0" timeOffset="1">251 280 11975 0 0,'1'2'136'0'0,"0"0"0"0"0,-1 0 0 0 0,1-1 0 0 0,0 1 0 0 0,0-1 0 0 0,0 1 0 0 0,0-1-1 0 0,0 1 1 0 0,1-1 0 0 0,-1 0 0 0 0,0 1 0 0 0,1-1 0 0 0,-1 0 0 0 0,0 0 0 0 0,1 0-1 0 0,0 0 1 0 0,-1 0 0 0 0,1 0 0 0 0,0-1 0 0 0,1 2 0 0 0,2 0 3226 0 0,9 2-2384 0 0,40 11-125 0 0,-40-12 726 0 0,1-3-1164 0 0,47-1-139 0 0,-57 1-247 0 0,0-1-1 0 0,0 0 0 0 0,1 0 1 0 0,-1 0-1 0 0,0-1 0 0 0,0 1 1 0 0,0-1-1 0 0,-1-1 0 0 0,1 1 1 0 0,0-1-1 0 0,-1 1 0 0 0,0-1 1 0 0,1-1-1 0 0,-1 1 0 0 0,0 0 1 0 0,-1-1-1 0 0,1 0 0 0 0,-1 0 1 0 0,5-6-1 0 0,-4 4-21 0 0,0 1 1 0 0,0-1-1 0 0,-1 0 1 0 0,1 0-1 0 0,-1-1 0 0 0,-1 1 1 0 0,1-1-1 0 0,-1 0 0 0 0,0 1 1 0 0,0-1-1 0 0,0-9 0 0 0,-2 13-129 0 0,0-1 0 0 0,0 1-1 0 0,0 0 1 0 0,0-1 0 0 0,-1 1-1 0 0,1 0 1 0 0,-1-1 0 0 0,0 1-1 0 0,0 0 1 0 0,0 0 0 0 0,0 0 0 0 0,-1 0-1 0 0,1 0 1 0 0,-1 0 0 0 0,0 0-1 0 0,0 0 1 0 0,0 1 0 0 0,0-1-1 0 0,0 1 1 0 0,0-1 0 0 0,-1 1-1 0 0,1 0 1 0 0,-1 0 0 0 0,0 0-1 0 0,-4-2 1 0 0,-4-2-454 0 0,-1 2 0 0 0,1-1 0 0 0,-1 1 0 0 0,1 1 0 0 0,-1 0 0 0 0,-20-2-1 0 0,12 3-380 0 0,-2 1 0 0 0,-41 4 0 0 0,59-3 815 0 0,-1 1-1 0 0,1 0 1 0 0,-1 0-1 0 0,1 0 1 0 0,-1 0 0 0 0,1 1-1 0 0,0-1 1 0 0,-1 1-1 0 0,1 0 1 0 0,0 1-1 0 0,-7 4 1 0 0,8-4 172 0 0,0 0-1 0 0,0 0 1 0 0,1 1 0 0 0,-1-1 0 0 0,1 0 0 0 0,0 1 0 0 0,0-1-1 0 0,0 1 1 0 0,0 0 0 0 0,1 0 0 0 0,-1-1 0 0 0,1 1-1 0 0,-1 8 1 0 0,-1 4 982 0 0,2 1 0 0 0,0 0-1 0 0,0 0 1 0 0,2 0 0 0 0,4 30-1 0 0,25 84 1873 0 0,-19-89-3023 0 0,20 63 1138 0 0,-29-100-906 0 0,3 4-12 0 0,17 28-30 0 0,-22-37-56 0 0,0 1-1 0 0,0-1 1 0 0,1 1 0 0 0,-1-1 0 0 0,0 1-1 0 0,0-1 1 0 0,0 0 0 0 0,1 1 0 0 0,-1-1-1 0 0,0 1 1 0 0,1-1 0 0 0,-1 0 0 0 0,0 1 0 0 0,1-1-1 0 0,-1 0 1 0 0,0 1 0 0 0,1-1 0 0 0,-1 0-1 0 0,1 0 1 0 0,-1 1 0 0 0,1-1 0 0 0,-1 0-1 0 0,0 0 1 0 0,1 0 0 0 0,-1 0 0 0 0,1 0-1 0 0,-1 1 1 0 0,1-1 0 0 0,-1 0 0 0 0,1 0 0 0 0,-1 0-1 0 0,1 0 1 0 0,-1 0 0 0 0,1 0 0 0 0,-1-1-1 0 0,1 1 1 0 0,-1 0 0 0 0,1 0 0 0 0,-1 0-1 0 0,1-1 1 0 0,44-8-853 0 0,-43 9 779 0 0,-1-1 1 0 0,1 1-1 0 0,0-1 1 0 0,-1 0 0 0 0,0 1-1 0 0,1-1 1 0 0,-1 0-1 0 0,1 0 1 0 0,-1 0 0 0 0,0 0-1 0 0,0 0 1 0 0,1-1 0 0 0,0-1-1 0 0</inkml:trace>
 </inkml:ink>
 </file>
 
@@ -1241,38 +1231,6 @@
           <inkml:channelProperty channel="OE" name="resolution" value="1000" units="1/deg"/>
         </inkml:channelProperties>
       </inkml:inkSource>
-      <inkml:timestamp xml:id="ts0" timeString="2022-03-25T03:32:52.623"/>
-    </inkml:context>
-    <inkml:brush xml:id="br0">
-      <inkml:brushProperty name="width" value="0.05" units="cm"/>
-      <inkml:brushProperty name="height" value="0.05" units="cm"/>
-    </inkml:brush>
-  </inkml:definitions>
-  <inkml:trace contextRef="#ctx0" brushRef="#br0">60 1 4607 0 0,'-2'1'296'0'0,"0"0"-1"0"0,0 0 0 0 0,0 0 1 0 0,0 1-1 0 0,0-1 0 0 0,1 1 1 0 0,-1-1-1 0 0,0 1 0 0 0,1 0 1 0 0,0 0-1 0 0,-1-1 0 0 0,1 1 0 0 0,0 0 1 0 0,0 0-1 0 0,0 0 0 0 0,0 0 1 0 0,-1 3-1 0 0,-13 40 3935 0 0,14-41-3901 0 0,-4 16 1025 0 0,1-1 0 0 0,2 1 0 0 0,-1-1 0 0 0,2 22 0 0 0,6 78 528 0 0,0-35-1474 0 0,-4-67-389 0 0,0 36 92 0 0,10 58 0 0 0,-11-110-136 0 0,0 1 0 0 0,1 0 0 0 0,-1-1 0 0 0,0 1 0 0 0,1-1 0 0 0,-1 1 0 0 0,1-1 0 0 0,0 1 0 0 0,-1-1 0 0 0,1 1 0 0 0,0-1 0 0 0,0 0 0 0 0,0 1 0 0 0,0-1 0 0 0,0 0 0 0 0,2 2 0 0 0,2-2-438 0 0</inkml:trace>
-  <inkml:trace contextRef="#ctx0" brushRef="#br0" timeOffset="1">251 280 11975 0 0,'1'2'136'0'0,"0"0"0"0"0,-1 0 0 0 0,1-1 0 0 0,0 1 0 0 0,0-1 0 0 0,0 1 0 0 0,0-1-1 0 0,0 1 1 0 0,1-1 0 0 0,-1 0 0 0 0,0 1 0 0 0,1-1 0 0 0,-1 0 0 0 0,0 0 0 0 0,1 0-1 0 0,0 0 1 0 0,-1 0 0 0 0,1 0 0 0 0,0-1 0 0 0,1 2 0 0 0,2 0 3226 0 0,9 2-2384 0 0,40 11-125 0 0,-40-12 726 0 0,1-3-1164 0 0,47-1-139 0 0,-57 1-247 0 0,0-1-1 0 0,0 0 0 0 0,1 0 1 0 0,-1 0-1 0 0,0-1 0 0 0,0 1 1 0 0,0-1-1 0 0,-1-1 0 0 0,1 1 1 0 0,0-1-1 0 0,-1 1 0 0 0,0-1 1 0 0,1-1-1 0 0,-1 1 0 0 0,0 0 1 0 0,-1-1-1 0 0,1 0 0 0 0,-1 0 1 0 0,5-6-1 0 0,-4 4-21 0 0,0 1 1 0 0,0-1-1 0 0,-1 0 1 0 0,1 0-1 0 0,-1-1 0 0 0,-1 1 1 0 0,1-1-1 0 0,-1 0 0 0 0,0 1 1 0 0,0-1-1 0 0,0-9 0 0 0,-2 13-129 0 0,0-1 0 0 0,0 1-1 0 0,0 0 1 0 0,0-1 0 0 0,-1 1-1 0 0,1 0 1 0 0,-1-1 0 0 0,0 1-1 0 0,0 0 1 0 0,0 0 0 0 0,0 0 0 0 0,-1 0-1 0 0,1 0 1 0 0,-1 0 0 0 0,0 0-1 0 0,0 0 1 0 0,0 1 0 0 0,0-1-1 0 0,0 1 1 0 0,0-1 0 0 0,-1 1-1 0 0,1 0 1 0 0,-1 0 0 0 0,0 0-1 0 0,-4-2 1 0 0,-4-2-454 0 0,-1 2 0 0 0,1-1 0 0 0,-1 1 0 0 0,1 1 0 0 0,-1 0 0 0 0,-20-2-1 0 0,12 3-380 0 0,-2 1 0 0 0,-41 4 0 0 0,59-3 815 0 0,-1 1-1 0 0,1 0 1 0 0,-1 0-1 0 0,1 0 1 0 0,-1 0 0 0 0,1 1-1 0 0,0-1 1 0 0,-1 1-1 0 0,1 0 1 0 0,0 1-1 0 0,-7 4 1 0 0,8-4 172 0 0,0 0-1 0 0,0 0 1 0 0,1 1 0 0 0,-1-1 0 0 0,1 0 0 0 0,0 1 0 0 0,0-1-1 0 0,0 1 1 0 0,0 0 0 0 0,1 0 0 0 0,-1-1 0 0 0,1 1-1 0 0,-1 8 1 0 0,-1 4 982 0 0,2 1 0 0 0,0 0-1 0 0,0 0 1 0 0,2 0 0 0 0,4 30-1 0 0,25 84 1873 0 0,-19-89-3023 0 0,20 63 1138 0 0,-29-100-906 0 0,3 4-12 0 0,17 28-30 0 0,-22-37-56 0 0,0 1-1 0 0,0-1 1 0 0,1 1 0 0 0,-1-1 0 0 0,0 1-1 0 0,0-1 1 0 0,0 0 0 0 0,1 1 0 0 0,-1-1-1 0 0,0 1 1 0 0,1-1 0 0 0,-1 0 0 0 0,0 1 0 0 0,1-1-1 0 0,-1 0 1 0 0,0 1 0 0 0,1-1 0 0 0,-1 0-1 0 0,1 0 1 0 0,-1 1 0 0 0,1-1 0 0 0,-1 0-1 0 0,0 0 1 0 0,1 0 0 0 0,-1 0 0 0 0,1 0-1 0 0,-1 1 1 0 0,1-1 0 0 0,-1 0 0 0 0,1 0 0 0 0,-1 0-1 0 0,1 0 1 0 0,-1 0 0 0 0,1 0 0 0 0,-1-1-1 0 0,1 1 1 0 0,-1 0 0 0 0,1 0 0 0 0,-1 0-1 0 0,1-1 1 0 0,44-8-853 0 0,-43 9 779 0 0,-1-1 1 0 0,1 1-1 0 0,0-1 1 0 0,-1 0 0 0 0,0 1-1 0 0,1-1 1 0 0,-1 0-1 0 0,1 0 1 0 0,-1 0 0 0 0,0 0-1 0 0,0 0 1 0 0,1-1 0 0 0,0-1-1 0 0</inkml:trace>
-</inkml:ink>
-</file>
-
-<file path=ppt/ink/ink131.xml><?xml version="1.0" encoding="utf-8"?>
-<inkml:ink xmlns:inkml="http://www.w3.org/2003/InkML">
-  <inkml:definitions>
-    <inkml:context xml:id="ctx0">
-      <inkml:inkSource xml:id="inkSrc0">
-        <inkml:traceFormat>
-          <inkml:channel name="X" type="integer" min="-2.14748E9" max="2.14748E9" units="cm"/>
-          <inkml:channel name="Y" type="integer" min="-2.14748E9" max="2.14748E9" units="cm"/>
-          <inkml:channel name="F" type="integer" max="32767" units="dev"/>
-          <inkml:channel name="OA" type="integer" max="360" units="deg"/>
-          <inkml:channel name="OE" type="integer" max="90" units="deg"/>
-        </inkml:traceFormat>
-        <inkml:channelProperties>
-          <inkml:channelProperty channel="X" name="resolution" value="1000" units="1/cm"/>
-          <inkml:channelProperty channel="Y" name="resolution" value="1000" units="1/cm"/>
-          <inkml:channelProperty channel="F" name="resolution" value="0" units="1/dev"/>
-          <inkml:channelProperty channel="OA" name="resolution" value="1000" units="1/deg"/>
-          <inkml:channelProperty channel="OE" name="resolution" value="1000" units="1/deg"/>
-        </inkml:channelProperties>
-      </inkml:inkSource>
       <inkml:timestamp xml:id="ts0" timeString="2022-03-25T03:32:53.063"/>
     </inkml:context>
     <inkml:brush xml:id="br0">
@@ -1284,7 +1242,7 @@
 </inkml:ink>
 </file>
 
-<file path=ppt/ink/ink132.xml><?xml version="1.0" encoding="utf-8"?>
+<file path=ppt/ink/ink131.xml><?xml version="1.0" encoding="utf-8"?>
 <inkml:ink xmlns:inkml="http://www.w3.org/2003/InkML">
   <inkml:definitions>
     <inkml:context xml:id="ctx0">
@@ -1316,7 +1274,7 @@
 </inkml:ink>
 </file>
 
-<file path=ppt/ink/ink133.xml><?xml version="1.0" encoding="utf-8"?>
+<file path=ppt/ink/ink132.xml><?xml version="1.0" encoding="utf-8"?>
 <inkml:ink xmlns:inkml="http://www.w3.org/2003/InkML">
   <inkml:definitions>
     <inkml:context xml:id="ctx0">
@@ -1347,7 +1305,7 @@
 </inkml:ink>
 </file>
 
-<file path=ppt/ink/ink134.xml><?xml version="1.0" encoding="utf-8"?>
+<file path=ppt/ink/ink133.xml><?xml version="1.0" encoding="utf-8"?>
 <inkml:ink xmlns:inkml="http://www.w3.org/2003/InkML">
   <inkml:definitions>
     <inkml:context xml:id="ctx0">
@@ -1378,7 +1336,7 @@
 </inkml:ink>
 </file>
 
-<file path=ppt/ink/ink135.xml><?xml version="1.0" encoding="utf-8"?>
+<file path=ppt/ink/ink134.xml><?xml version="1.0" encoding="utf-8"?>
 <inkml:ink xmlns:inkml="http://www.w3.org/2003/InkML">
   <inkml:definitions>
     <inkml:context xml:id="ctx0">
@@ -1410,7 +1368,7 @@
 </inkml:ink>
 </file>
 
-<file path=ppt/ink/ink136.xml><?xml version="1.0" encoding="utf-8"?>
+<file path=ppt/ink/ink135.xml><?xml version="1.0" encoding="utf-8"?>
 <inkml:ink xmlns:inkml="http://www.w3.org/2003/InkML">
   <inkml:definitions>
     <inkml:context xml:id="ctx0">
@@ -1442,7 +1400,7 @@
 </inkml:ink>
 </file>
 
-<file path=ppt/ink/ink137.xml><?xml version="1.0" encoding="utf-8"?>
+<file path=ppt/ink/ink136.xml><?xml version="1.0" encoding="utf-8"?>
 <inkml:ink xmlns:inkml="http://www.w3.org/2003/InkML">
   <inkml:definitions>
     <inkml:context xml:id="ctx0">
@@ -1474,7 +1432,7 @@
 </inkml:ink>
 </file>
 
-<file path=ppt/ink/ink138.xml><?xml version="1.0" encoding="utf-8"?>
+<file path=ppt/ink/ink137.xml><?xml version="1.0" encoding="utf-8"?>
 <inkml:ink xmlns:inkml="http://www.w3.org/2003/InkML">
   <inkml:definitions>
     <inkml:context xml:id="ctx0">
@@ -1506,7 +1464,7 @@
 </inkml:ink>
 </file>
 
-<file path=ppt/ink/ink139.xml><?xml version="1.0" encoding="utf-8"?>
+<file path=ppt/ink/ink138.xml><?xml version="1.0" encoding="utf-8"?>
 <inkml:ink xmlns:inkml="http://www.w3.org/2003/InkML">
   <inkml:definitions>
     <inkml:context xml:id="ctx0">
@@ -1535,6 +1493,38 @@
     </inkml:brush>
   </inkml:definitions>
   <inkml:trace contextRef="#ctx0" brushRef="#br0">279 120 6911 0 0,'0'-2'389'0'0,"-1"-1"-1"0"0,1 1 0 0 0,-1-1 0 0 0,1 0 1 0 0,-1 1-1 0 0,0-1 0 0 0,0 1 1 0 0,0-1-1 0 0,0 1 0 0 0,0 0 0 0 0,-1 0 1 0 0,1-1-1 0 0,-1 1 0 0 0,1 0 1 0 0,-1 0-1 0 0,0 0 0 0 0,0 0 0 0 0,-3-2 1 0 0,4 4-308 0 0,0 0 0 0 0,1-1 0 0 0,-1 1 0 0 0,1 0 0 0 0,-1 0 1 0 0,0 0-1 0 0,1 0 0 0 0,-1 1 0 0 0,1-1 0 0 0,-1 0 0 0 0,0 0 1 0 0,1 0-1 0 0,-1 0 0 0 0,1 1 0 0 0,-1-1 0 0 0,1 0 0 0 0,-1 0 1 0 0,1 1-1 0 0,-1-1 0 0 0,1 0 0 0 0,-1 1 0 0 0,1-1 1 0 0,-1 1-1 0 0,1-1 0 0 0,-1 1 0 0 0,1-1 0 0 0,0 1 0 0 0,-1 0 1 0 0,-11 18 835 0 0,11-18-831 0 0,-18 39 563 0 0,1 1 1 0 0,-16 59 0 0 0,6-15-574 0 0,-5 2-122 0 0,-55 106-1 0 0,83-186-113 0 0,7-13 33 0 0,5-12-122 0 0,69-154-1974 0 0,8-16 534 0 0,-57 133 1264 0 0,47-68-1 0 0,-11 41 206 0 0,-63 81 220 0 0,1 0-1 0 0,-1 1 1 0 0,1-1-1 0 0,-1 0 1 0 0,1 1-1 0 0,0-1 1 0 0,-1 1-1 0 0,1-1 1 0 0,-1 1-1 0 0,1-1 1 0 0,0 1-1 0 0,0-1 1 0 0,-1 1-1 0 0,1 0 1 0 0,0-1-1 0 0,0 1 1 0 0,0-1-1 0 0,0 2 1 0 0,-1-1 0 0 0,0 0 0 0 0,1 0-1 0 0,-1 0 1 0 0,0 0 0 0 0,0 1 0 0 0,1-1-1 0 0,-1 0 1 0 0,0 0 0 0 0,0 0-1 0 0,1 1 1 0 0,-1-1 0 0 0,0 0 0 0 0,0 0-1 0 0,0 1 1 0 0,0-1 0 0 0,1 0 0 0 0,-1 1-1 0 0,0-1 1 0 0,0 0 0 0 0,0 1 0 0 0,0-1-1 0 0,0 0 1 0 0,0 1 0 0 0,0-1-1 0 0,0 0 1 0 0,0 0 0 0 0,0 1 0 0 0,0 3 18 0 0,0 0 0 0 0,0 0 1 0 0,0 0-1 0 0,0 0 0 0 0,-2 5 1 0 0,-19 58 783 0 0,-34 73 0 0 0,12-33-352 0 0,9-12-136 0 0,7-17-49 0 0,-44 87 0 0 0,54-137-216 0 0,10-17-23 0 0,5-9-24 0 0,3-3-13 0 0,32-59-232 0 0,-13 21-212 0 0,63-128-1623 0 0,-13 26 1464 0 0,-62 124 531 0 0,42-71-232 0 0,-40 71 253 0 0,1 2 1 0 0,0-1-1 0 0,17-16 0 0 0,-27 31 61 0 0,-1 1 1 0 0,1-1-1 0 0,-1 0 1 0 0,1 1-1 0 0,0-1 0 0 0,0 1 1 0 0,-1-1-1 0 0,1 1 0 0 0,0-1 1 0 0,0 1-1 0 0,-1-1 1 0 0,1 1-1 0 0,0 0 0 0 0,0-1 1 0 0,0 1-1 0 0,1 0 1 0 0,-2 0 0 0 0,0 0-1 0 0,1 0 1 0 0,-1 0 0 0 0,0 0 0 0 0,0 1 0 0 0,1-1 0 0 0,-1 0 0 0 0,0 0 0 0 0,0 0 0 0 0,0 1 0 0 0,1-1 0 0 0,-1 0 0 0 0,0 0 0 0 0,0 1 0 0 0,0-1 0 0 0,0 0 0 0 0,0 1 0 0 0,1-1 0 0 0,-1 0 0 0 0,0 1 0 0 0,0-1 0 0 0,0 0 0 0 0,0 0 0 0 0,0 1 0 0 0,0-1 0 0 0,0 0 0 0 0,0 1-1 0 0,0-1 1 0 0,0 1 0 0 0,-6 31 95 0 0,5-29-66 0 0,-39 139 806 0 0,-67 157-1 0 0,31-129-282 0 0,1-2-226 0 0,44-95-263 0 0,-32 92-60 0 0,63-163-3 0 0,-5 18 0 0 0,6-13 0 0 0,-1-7 0 0 0,0 0 0 0 0,0 0 0 0 0,0 0 0 0 0,1 0 0 0 0,-1 0 0 0 0,0 0 0 0 0,0 0 0 0 0,1 0 0 0 0,-1 0 0 0 0,0 0 0 0 0,0 0 0 0 0,0 0 0 0 0,1 0 0 0 0,-1 0 0 0 0,0 0 0 0 0,0 0 0 0 0,1 0 0 0 0,-1 0 0 0 0,0 0 0 0 0,0 0 0 0 0,0 0 0 0 0,1-1 0 0 0,-1 1 0 0 0,0 0 0 0 0,0 0 0 0 0,0 0 0 0 0,0 0 0 0 0,1 0 0 0 0,-1-1 0 0 0,0 1 0 0 0,8-8 0 0 0,0-1 0 0 0,-1 0 0 0 0,0 0 0 0 0,0 0 0 0 0,6-14 0 0 0,1 1 0 0 0,67-112 63 0 0,6-9 67 0 0,-66 112-106 0 0,1 2 0 0 0,40-41-1 0 0,-41 54-59 0 0,-21 16 35 0 0,0-1 0 0 0,1 1 0 0 0,-1 0 0 0 0,0 0 0 0 0,1 0 0 0 0,-1 0-1 0 0,1 0 1 0 0,-1-1 0 0 0,0 1 0 0 0,1 0 0 0 0,-1 0 0 0 0,1 0 0 0 0,-1 0 0 0 0,0 0-1 0 0,1 0 1 0 0,-1 0 0 0 0,1 0 0 0 0,-1 0 0 0 0,0 1 0 0 0,1-1 0 0 0,0 0 0 0 0,-1 0 0 0 0,0 1 0 0 0,1-1 1 0 0,-1 1-1 0 0,0-1 1 0 0,0 1-1 0 0,1-1 1 0 0,-1 1-1 0 0,0-1 1 0 0,0 1-1 0 0,0-1 1 0 0,0 1-1 0 0,0-1 1 0 0,0 1-1 0 0,0-1 1 0 0,0 1-1 0 0,0 0 1 0 0,0-1-1 0 0,0 1 1 0 0,0-1-1 0 0,0 1 1 0 0,0 0-1 0 0,-3 10 28 0 0,0-1-1 0 0,0 1 0 0 0,-1-1 1 0 0,-10 17-1 0 0,-2 8 96 0 0,-53 140 585 0 0,-80 187 267 0 0,144-352-943 0 0,2-3-14 0 0,0 0 1 0 0,0-1 0 0 0,1 1 0 0 0,0 0-1 0 0,-2 9 1 0 0,4-16-18 0 0,0 1 0 0 0,0-1 0 0 0,0 0 0 0 0,0 0 0 0 0,0 0 0 0 0,0 1 0 0 0,0-1 0 0 0,0 0 0 0 0,0 0 0 0 0,0 0 0 0 0,0 0 0 0 0,0 1 0 0 0,0-1 0 0 0,0 0 0 0 0,0 0 0 0 0,0 0 0 0 0,0 1 0 0 0,0-1 0 0 0,0 0 0 0 0,0 0 0 0 0,0 0 0 0 0,0 0 0 0 0,0 1 0 0 0,0-1 0 0 0,0 0 0 0 0,0 0 0 0 0,0 0 0 0 0,1 0 0 0 0,-1 0 0 0 0,0 1 0 0 0,0-1 0 0 0,0 0 0 0 0,0 0 0 0 0,0 0 0 0 0,1 0 0 0 0,-1 0 0 0 0,0 0 0 0 0,0 0 0 0 0,0 0 0 0 0,0 1 0 0 0,1-1 0 0 0,-1 0 0 0 0,0 0 0 0 0,0 0 0 0 0,0 0 0 0 0,1 0 0 0 0,10-6 0 0 0,8-12 0 0 0,86-125-228 0 0,-66 86-306 0 0,64-71 0 0 0,-101 125 497 0 0,0 1 13 0 0,1-1 1 0 0,-1 1-1 0 0,1 0 1 0 0,-1 0-1 0 0,1 0 1 0 0,-1 0-1 0 0,4-2 1 0 0,-6 4 20 0 0,0 0 0 0 0,1 0 0 0 0,-1 0 0 0 0,0 0 0 0 0,0 0-1 0 0,0 0 1 0 0,0 0 0 0 0,0 0 0 0 0,0 0 0 0 0,1 0 0 0 0,-1 0 0 0 0,0 0 0 0 0,0 0 0 0 0,0 0 0 0 0,0 0 0 0 0,0 0 0 0 0,1 0 0 0 0,-1 0-1 0 0,0 0 1 0 0,0 0 0 0 0,0 0 0 0 0,0 0 0 0 0,0 0 0 0 0,1 0 0 0 0,-1 0 0 0 0,0 0 0 0 0,0 0 0 0 0,0 0 0 0 0,0 0 0 0 0,0 0 0 0 0,0 0-1 0 0,1 0 1 0 0,-1 1 0 0 0,0-1 0 0 0,0 0 0 0 0,0 0 0 0 0,0 0 0 0 0,0 0 0 0 0,0 0 0 0 0,0 1 0 0 0,2 7-29 0 0,-5 10 53 0 0,-16 59 605 0 0,7-44-69 0 0,-22 44 0 0 0,12-28-341 0 0,-19 62 0 0 0,35-95-290 0 0,4-12 5 0 0,0 0 0 0 0,0 1 1 0 0,1-1-1 0 0,0 0 0 0 0,0 1 1 0 0,-1 8-1 0 0,4-7-1295 0 0</inkml:trace>
+</inkml:ink>
+</file>
+
+<file path=ppt/ink/ink139.xml><?xml version="1.0" encoding="utf-8"?>
+<inkml:ink xmlns:inkml="http://www.w3.org/2003/InkML">
+  <inkml:definitions>
+    <inkml:context xml:id="ctx0">
+      <inkml:inkSource xml:id="inkSrc0">
+        <inkml:traceFormat>
+          <inkml:channel name="X" type="integer" min="-2.14748E9" max="2.14748E9" units="cm"/>
+          <inkml:channel name="Y" type="integer" min="-2.14748E9" max="2.14748E9" units="cm"/>
+          <inkml:channel name="F" type="integer" max="32767" units="dev"/>
+          <inkml:channel name="OA" type="integer" max="360" units="deg"/>
+          <inkml:channel name="OE" type="integer" max="90" units="deg"/>
+        </inkml:traceFormat>
+        <inkml:channelProperties>
+          <inkml:channelProperty channel="X" name="resolution" value="1000" units="1/cm"/>
+          <inkml:channelProperty channel="Y" name="resolution" value="1000" units="1/cm"/>
+          <inkml:channelProperty channel="F" name="resolution" value="0" units="1/dev"/>
+          <inkml:channelProperty channel="OA" name="resolution" value="1000" units="1/deg"/>
+          <inkml:channelProperty channel="OE" name="resolution" value="1000" units="1/deg"/>
+        </inkml:channelProperties>
+      </inkml:inkSource>
+      <inkml:timestamp xml:id="ts0" timeString="2022-03-25T03:33:57.836"/>
+    </inkml:context>
+    <inkml:brush xml:id="br0">
+      <inkml:brushProperty name="width" value="0.05" units="cm"/>
+      <inkml:brushProperty name="height" value="0.05" units="cm"/>
+      <inkml:brushProperty name="color" value="#00A0D7"/>
+    </inkml:brush>
+  </inkml:definitions>
+  <inkml:trace contextRef="#ctx0" brushRef="#br0">89 1 4607 0 0,'0'71'7507'0'0,"-4"170"-346"0"0,-36 134-3772 0 0,-1 14-2574 0 0,37-138-607 0 0,9-233-232 0 0,-2-16-6 0 0,0-11-12 0 0,-1-18-345 0 0,-1 0 0 0 0,-4-36-1 0 0,0 21-1027 0 0,2-2-3772 0 0,-1-2-1625 0 0</inkml:trace>
 </inkml:ink>
 </file>
 
@@ -1589,38 +1579,6 @@
           <inkml:channelProperty channel="OE" name="resolution" value="1000" units="1/deg"/>
         </inkml:channelProperties>
       </inkml:inkSource>
-      <inkml:timestamp xml:id="ts0" timeString="2022-03-25T03:33:57.836"/>
-    </inkml:context>
-    <inkml:brush xml:id="br0">
-      <inkml:brushProperty name="width" value="0.05" units="cm"/>
-      <inkml:brushProperty name="height" value="0.05" units="cm"/>
-      <inkml:brushProperty name="color" value="#00A0D7"/>
-    </inkml:brush>
-  </inkml:definitions>
-  <inkml:trace contextRef="#ctx0" brushRef="#br0">89 1 4607 0 0,'0'71'7507'0'0,"-4"170"-346"0"0,-36 134-3772 0 0,-1 14-2574 0 0,37-138-607 0 0,9-233-232 0 0,-2-16-6 0 0,0-11-12 0 0,-1-18-345 0 0,-1 0 0 0 0,-4-36-1 0 0,0 21-1027 0 0,2-2-3772 0 0,-1-2-1625 0 0</inkml:trace>
-</inkml:ink>
-</file>
-
-<file path=ppt/ink/ink141.xml><?xml version="1.0" encoding="utf-8"?>
-<inkml:ink xmlns:inkml="http://www.w3.org/2003/InkML">
-  <inkml:definitions>
-    <inkml:context xml:id="ctx0">
-      <inkml:inkSource xml:id="inkSrc0">
-        <inkml:traceFormat>
-          <inkml:channel name="X" type="integer" min="-2.14748E9" max="2.14748E9" units="cm"/>
-          <inkml:channel name="Y" type="integer" min="-2.14748E9" max="2.14748E9" units="cm"/>
-          <inkml:channel name="F" type="integer" max="32767" units="dev"/>
-          <inkml:channel name="OA" type="integer" max="360" units="deg"/>
-          <inkml:channel name="OE" type="integer" max="90" units="deg"/>
-        </inkml:traceFormat>
-        <inkml:channelProperties>
-          <inkml:channelProperty channel="X" name="resolution" value="1000" units="1/cm"/>
-          <inkml:channelProperty channel="Y" name="resolution" value="1000" units="1/cm"/>
-          <inkml:channelProperty channel="F" name="resolution" value="0" units="1/dev"/>
-          <inkml:channelProperty channel="OA" name="resolution" value="1000" units="1/deg"/>
-          <inkml:channelProperty channel="OE" name="resolution" value="1000" units="1/deg"/>
-        </inkml:channelProperties>
-      </inkml:inkSource>
       <inkml:timestamp xml:id="ts0" timeString="2022-03-25T03:33:58.245"/>
     </inkml:context>
     <inkml:brush xml:id="br0">
@@ -1633,7 +1591,7 @@
 </inkml:ink>
 </file>
 
-<file path=ppt/ink/ink142.xml><?xml version="1.0" encoding="utf-8"?>
+<file path=ppt/ink/ink141.xml><?xml version="1.0" encoding="utf-8"?>
 <inkml:ink xmlns:inkml="http://www.w3.org/2003/InkML">
   <inkml:definitions>
     <inkml:context xml:id="ctx0">
@@ -1665,7 +1623,7 @@
 </inkml:ink>
 </file>
 
-<file path=ppt/ink/ink143.xml><?xml version="1.0" encoding="utf-8"?>
+<file path=ppt/ink/ink142.xml><?xml version="1.0" encoding="utf-8"?>
 <inkml:ink xmlns:inkml="http://www.w3.org/2003/InkML">
   <inkml:definitions>
     <inkml:context xml:id="ctx0">
@@ -1697,7 +1655,7 @@
 </inkml:ink>
 </file>
 
-<file path=ppt/ink/ink144.xml><?xml version="1.0" encoding="utf-8"?>
+<file path=ppt/ink/ink143.xml><?xml version="1.0" encoding="utf-8"?>
 <inkml:ink xmlns:inkml="http://www.w3.org/2003/InkML">
   <inkml:definitions>
     <inkml:context xml:id="ctx0">
@@ -1729,7 +1687,7 @@
 </inkml:ink>
 </file>
 
-<file path=ppt/ink/ink145.xml><?xml version="1.0" encoding="utf-8"?>
+<file path=ppt/ink/ink144.xml><?xml version="1.0" encoding="utf-8"?>
 <inkml:ink xmlns:inkml="http://www.w3.org/2003/InkML">
   <inkml:definitions>
     <inkml:context xml:id="ctx0">
@@ -1761,7 +1719,7 @@
 </inkml:ink>
 </file>
 
-<file path=ppt/ink/ink146.xml><?xml version="1.0" encoding="utf-8"?>
+<file path=ppt/ink/ink145.xml><?xml version="1.0" encoding="utf-8"?>
 <inkml:ink xmlns:inkml="http://www.w3.org/2003/InkML">
   <inkml:definitions>
     <inkml:context xml:id="ctx0">
@@ -1793,7 +1751,7 @@
 </inkml:ink>
 </file>
 
-<file path=ppt/ink/ink147.xml><?xml version="1.0" encoding="utf-8"?>
+<file path=ppt/ink/ink146.xml><?xml version="1.0" encoding="utf-8"?>
 <inkml:ink xmlns:inkml="http://www.w3.org/2003/InkML">
   <inkml:definitions>
     <inkml:context xml:id="ctx0">
@@ -1825,7 +1783,7 @@
 </inkml:ink>
 </file>
 
-<file path=ppt/ink/ink148.xml><?xml version="1.0" encoding="utf-8"?>
+<file path=ppt/ink/ink147.xml><?xml version="1.0" encoding="utf-8"?>
 <inkml:ink xmlns:inkml="http://www.w3.org/2003/InkML">
   <inkml:definitions>
     <inkml:context xml:id="ctx0">
@@ -1857,7 +1815,7 @@
 </inkml:ink>
 </file>
 
-<file path=ppt/ink/ink149.xml><?xml version="1.0" encoding="utf-8"?>
+<file path=ppt/ink/ink148.xml><?xml version="1.0" encoding="utf-8"?>
 <inkml:ink xmlns:inkml="http://www.w3.org/2003/InkML">
   <inkml:definitions>
     <inkml:context xml:id="ctx0">
@@ -1886,6 +1844,34 @@
     </inkml:brush>
   </inkml:definitions>
   <inkml:trace contextRef="#ctx0" brushRef="#br0">1 1 7367 0 0,'49'11'8745'0'0,"-43"-9"-5263"0"0,10-1-2805 0 0,46 4-59 0 0,-46-4 308 0 0,-1 3-691 0 0,4 1-174 0 0,-5-3 0 0 0,-1 1 0 0 0,21 9 0 0 0,-32-11-54 0 0,0-1 1 0 0,-1 1-1 0 0,1 0 1 0 0,-1 0 0 0 0,0 0-1 0 0,1 0 1 0 0,-1 0-1 0 0,0 1 1 0 0,1-1-1 0 0,-1 0 1 0 0,0 1 0 0 0,0-1-1 0 0,0 1 1 0 0,0-1-1 0 0,-1 1 1 0 0,1-1-1 0 0,0 1 1 0 0,-1 0-1 0 0,1-1 1 0 0,-1 1 0 0 0,1 0-1 0 0,-1-1 1 0 0,0 1-1 0 0,1 0 1 0 0,-1 0-1 0 0,0-1 1 0 0,0 1-1 0 0,-1 0 1 0 0,1 3 0 0 0,-2 4-3 0 0,1 0 0 0 0,-1-1 0 0 0,-1 1 0 0 0,-4 12 0 0 0,2-11 3 0 0,1-1-1 0 0,-1 0 1 0 0,0 0 0 0 0,-1 0-1 0 0,0-1 1 0 0,-1 1 0 0 0,1-1 0 0 0,-1-1-1 0 0,-1 1 1 0 0,-8 5 0 0 0,-9 5 14 0 0,0 0 0 0 0,-31 13 0 0 0,36-20-3 0 0,16-9-17 0 0,1 0 0 0 0,-1 1-1 0 0,1-1 1 0 0,-1 1 0 0 0,1-1-1 0 0,-5 6 1 0 0,8-7-2 0 0,-1-1 0 0 0,1 1 0 0 0,0-1 0 0 0,0 0 0 0 0,-1 1 0 0 0,1-1 0 0 0,0 1 0 0 0,0-1 0 0 0,0 1-1 0 0,0-1 1 0 0,-1 1 0 0 0,1-1 0 0 0,0 1 0 0 0,0-1 0 0 0,0 1 0 0 0,0-1 0 0 0,0 1 0 0 0,0-1 0 0 0,0 1 0 0 0,0-1 0 0 0,0 1 0 0 0,1-1 0 0 0,-1 0 0 0 0,0 2 0 0 0,1-1 0 0 0,0 0 0 0 0,0-1 0 0 0,-1 1 0 0 0,1 0 0 0 0,0 0 0 0 0,0 0 0 0 0,0 0 0 0 0,0-1 0 0 0,0 1 0 0 0,1-1 0 0 0,-1 1 0 0 0,0 0 0 0 0,0-1 0 0 0,2 1 0 0 0,19 6 0 0 0,4-6 0 0 0,47-4 11 0 0,-8 2 62 0 0,-52 1 443 0 0,0 7-369 0 0,37 19-118 0 0,-49-26-29 0 0,0 1 0 0 0,0-1 0 0 0,-1 1-1 0 0,1-1 1 0 0,0 1 0 0 0,0-1 0 0 0,0 1 0 0 0,-1 0 0 0 0,1 0 0 0 0,0-1-1 0 0,-1 1 1 0 0,1 0 0 0 0,-1 0 0 0 0,1 0 0 0 0,-1 0 0 0 0,1-1-1 0 0,-1 1 1 0 0,1 0 0 0 0,-1 0 0 0 0,0 0 0 0 0,0 0 0 0 0,1 0-1 0 0,-1 0 1 0 0,0 0 0 0 0,0 0 0 0 0,0 0 0 0 0,0 0 0 0 0,0 0-1 0 0,0 0 1 0 0,-1 0 0 0 0,1 0 0 0 0,0 0 0 0 0,0 0 0 0 0,-1 2-1 0 0,-1 2-9 0 0,-1 11 85 0 0,-1 0 0 0 0,-1 0 0 0 0,-1-1 0 0 0,0 1 0 0 0,-1-1 0 0 0,0 0 0 0 0,-1-1-1 0 0,-1 0 1 0 0,-1 0 0 0 0,0-1 0 0 0,0-1 0 0 0,-1 1 0 0 0,-1-1 0 0 0,0-1 0 0 0,-18 13 0 0 0,22-18-8 0 0,-1-1 0 0 0,0 1-1 0 0,0-1 1 0 0,-1-1 0 0 0,-10 4 0 0 0,16-6-191 0 0,-1-1 1 0 0,1 0-1 0 0,-1 0 1 0 0,0 0-1 0 0,1-1 1 0 0,-1 1-1 0 0,0-1 1 0 0,1 0-1 0 0,-1 0 1 0 0,0-1-1 0 0,1 1 1 0 0,-1-1-1 0 0,-6-2 1 0 0,-1-3-8244 0 0</inkml:trace>
+</inkml:ink>
+</file>
+
+<file path=ppt/ink/ink149.xml><?xml version="1.0" encoding="utf-8"?>
+<inkml:ink xmlns:inkml="http://www.w3.org/2003/InkML">
+  <inkml:definitions>
+    <inkml:context xml:id="ctx0">
+      <inkml:inkSource xml:id="inkSrc0">
+        <inkml:traceFormat>
+          <inkml:channel name="X" type="integer" min="-2.14748E9" max="2.14748E9" units="cm"/>
+          <inkml:channel name="Y" type="integer" min="-2.14748E9" max="2.14748E9" units="cm"/>
+          <inkml:channel name="F" type="integer" max="32767" units="dev"/>
+        </inkml:traceFormat>
+        <inkml:channelProperties>
+          <inkml:channelProperty channel="X" name="resolution" value="1000" units="1/cm"/>
+          <inkml:channelProperty channel="Y" name="resolution" value="1000" units="1/cm"/>
+          <inkml:channelProperty channel="F" name="resolution" value="0" units="1/dev"/>
+        </inkml:channelProperties>
+      </inkml:inkSource>
+      <inkml:timestamp xml:id="ts0" timeString="2022-03-25T03:36:15.180"/>
+    </inkml:context>
+    <inkml:brush xml:id="br0">
+      <inkml:brushProperty name="width" value="0.05" units="cm"/>
+      <inkml:brushProperty name="height" value="0.05" units="cm"/>
+      <inkml:brushProperty name="color" value="#E71224"/>
+    </inkml:brush>
+  </inkml:definitions>
+  <inkml:trace contextRef="#ctx0" brushRef="#br0">56 110 24575,'0'0'0,"-14"-8"0,-5-4 0,1-3 0,14-1 0,7 2 0,5 3 0,0 2 0,1 4 0,-2 1 0,-1 0 0,-2 1 0,-1-2 0,-1 1 0</inkml:trace>
 </inkml:ink>
 </file>
 
@@ -1929,34 +1915,6 @@
           <inkml:channel name="X" type="integer" min="-2.14748E9" max="2.14748E9" units="cm"/>
           <inkml:channel name="Y" type="integer" min="-2.14748E9" max="2.14748E9" units="cm"/>
           <inkml:channel name="F" type="integer" max="32767" units="dev"/>
-        </inkml:traceFormat>
-        <inkml:channelProperties>
-          <inkml:channelProperty channel="X" name="resolution" value="1000" units="1/cm"/>
-          <inkml:channelProperty channel="Y" name="resolution" value="1000" units="1/cm"/>
-          <inkml:channelProperty channel="F" name="resolution" value="0" units="1/dev"/>
-        </inkml:channelProperties>
-      </inkml:inkSource>
-      <inkml:timestamp xml:id="ts0" timeString="2022-03-25T03:36:15.180"/>
-    </inkml:context>
-    <inkml:brush xml:id="br0">
-      <inkml:brushProperty name="width" value="0.05" units="cm"/>
-      <inkml:brushProperty name="height" value="0.05" units="cm"/>
-      <inkml:brushProperty name="color" value="#E71224"/>
-    </inkml:brush>
-  </inkml:definitions>
-  <inkml:trace contextRef="#ctx0" brushRef="#br0">56 110 24575,'0'0'0,"-14"-8"0,-5-4 0,1-3 0,14-1 0,7 2 0,5 3 0,0 2 0,1 4 0,-2 1 0,-1 0 0,-2 1 0,-1-2 0,-1 1 0</inkml:trace>
-</inkml:ink>
-</file>
-
-<file path=ppt/ink/ink151.xml><?xml version="1.0" encoding="utf-8"?>
-<inkml:ink xmlns:inkml="http://www.w3.org/2003/InkML">
-  <inkml:definitions>
-    <inkml:context xml:id="ctx0">
-      <inkml:inkSource xml:id="inkSrc0">
-        <inkml:traceFormat>
-          <inkml:channel name="X" type="integer" min="-2.14748E9" max="2.14748E9" units="cm"/>
-          <inkml:channel name="Y" type="integer" min="-2.14748E9" max="2.14748E9" units="cm"/>
-          <inkml:channel name="F" type="integer" max="32767" units="dev"/>
           <inkml:channel name="OA" type="integer" max="360" units="deg"/>
           <inkml:channel name="OE" type="integer" max="90" units="deg"/>
         </inkml:traceFormat>
@@ -1980,7 +1938,7 @@
 </inkml:ink>
 </file>
 
-<file path=ppt/ink/ink152.xml><?xml version="1.0" encoding="utf-8"?>
+<file path=ppt/ink/ink151.xml><?xml version="1.0" encoding="utf-8"?>
 <inkml:ink xmlns:inkml="http://www.w3.org/2003/InkML">
   <inkml:definitions>
     <inkml:context xml:id="ctx0">
@@ -2012,7 +1970,7 @@
 </inkml:ink>
 </file>
 
-<file path=ppt/ink/ink153.xml><?xml version="1.0" encoding="utf-8"?>
+<file path=ppt/ink/ink152.xml><?xml version="1.0" encoding="utf-8"?>
 <inkml:ink xmlns:inkml="http://www.w3.org/2003/InkML">
   <inkml:definitions>
     <inkml:context xml:id="ctx0">
@@ -2044,7 +2002,7 @@
 </inkml:ink>
 </file>
 
-<file path=ppt/ink/ink154.xml><?xml version="1.0" encoding="utf-8"?>
+<file path=ppt/ink/ink153.xml><?xml version="1.0" encoding="utf-8"?>
 <inkml:ink xmlns:inkml="http://www.w3.org/2003/InkML">
   <inkml:definitions>
     <inkml:context xml:id="ctx0">
@@ -2076,7 +2034,7 @@
 </inkml:ink>
 </file>
 
-<file path=ppt/ink/ink155.xml><?xml version="1.0" encoding="utf-8"?>
+<file path=ppt/ink/ink154.xml><?xml version="1.0" encoding="utf-8"?>
 <inkml:ink xmlns:inkml="http://www.w3.org/2003/InkML">
   <inkml:definitions>
     <inkml:context xml:id="ctx0">
@@ -2108,7 +2066,7 @@
 </inkml:ink>
 </file>
 
-<file path=ppt/ink/ink156.xml><?xml version="1.0" encoding="utf-8"?>
+<file path=ppt/ink/ink155.xml><?xml version="1.0" encoding="utf-8"?>
 <inkml:ink xmlns:inkml="http://www.w3.org/2003/InkML">
   <inkml:definitions>
     <inkml:context xml:id="ctx0">
@@ -2140,7 +2098,7 @@
 </inkml:ink>
 </file>
 
-<file path=ppt/ink/ink157.xml><?xml version="1.0" encoding="utf-8"?>
+<file path=ppt/ink/ink156.xml><?xml version="1.0" encoding="utf-8"?>
 <inkml:ink xmlns:inkml="http://www.w3.org/2003/InkML">
   <inkml:definitions>
     <inkml:context xml:id="ctx0">
@@ -2172,7 +2130,7 @@
 </inkml:ink>
 </file>
 
-<file path=ppt/ink/ink158.xml><?xml version="1.0" encoding="utf-8"?>
+<file path=ppt/ink/ink157.xml><?xml version="1.0" encoding="utf-8"?>
 <inkml:ink xmlns:inkml="http://www.w3.org/2003/InkML">
   <inkml:definitions>
     <inkml:context xml:id="ctx0">
@@ -2204,7 +2162,7 @@
 </inkml:ink>
 </file>
 
-<file path=ppt/ink/ink159.xml><?xml version="1.0" encoding="utf-8"?>
+<file path=ppt/ink/ink158.xml><?xml version="1.0" encoding="utf-8"?>
 <inkml:ink xmlns:inkml="http://www.w3.org/2003/InkML">
   <inkml:definitions>
     <inkml:context xml:id="ctx0">
@@ -2233,6 +2191,38 @@
     </inkml:brush>
   </inkml:definitions>
   <inkml:trace contextRef="#ctx0" brushRef="#br0">0 70 10591 0 0,'12'-23'4747'0'0,"-12"22"-4610"0"0,1 0 0 0 0,-1 1-1 0 0,1-1 1 0 0,0 0 0 0 0,-1 1 0 0 0,1-1 0 0 0,0 1-1 0 0,0-1 1 0 0,-1 1 0 0 0,1-1 0 0 0,0 1 0 0 0,0 0-1 0 0,0-1 1 0 0,0 1 0 0 0,0 0 0 0 0,-1 0 0 0 0,1 0-1 0 0,0-1 1 0 0,0 1 0 0 0,0 0 0 0 0,0 0 0 0 0,0 0-1 0 0,1 1 1 0 0,-1-1-24 0 0,1 1-1 0 0,-1-1 0 0 0,0 1 0 0 0,0 0 1 0 0,0 0-1 0 0,0-1 0 0 0,0 1 1 0 0,0 0-1 0 0,0 0 0 0 0,0 0 1 0 0,-1 0-1 0 0,1 0 0 0 0,0 0 0 0 0,1 2 1 0 0,1 4 78 0 0,1 1 0 0 0,-1-1 0 0 0,-1 1 0 0 0,3 8 0 0 0,-5-16-182 0 0,4 19 108 0 0,-1 0 0 0 0,0 0 0 0 0,-1 1 0 0 0,-2 31-1 0 0,-2-15 4 0 0,-11 56 0 0 0,10-80-93 0 0,1 2 7 0 0,-1 0 0 0 0,0 0 1 0 0,-11 26-1 0 0,14-40-33 0 0,0 0-1 0 0,0 0 1 0 0,0 0 0 0 0,0 0 0 0 0,0 1 0 0 0,0-1 0 0 0,0 0-1 0 0,0 0 1 0 0,0 0 0 0 0,0 0 0 0 0,0 0 0 0 0,0 0 0 0 0,0 0-1 0 0,-1 0 1 0 0,1 0 0 0 0,0 0 0 0 0,0 0 0 0 0,0 0-1 0 0,0 0 1 0 0,0 0 0 0 0,0 0 0 0 0,0 0 0 0 0,0 0 0 0 0,0 0-1 0 0,0 0 1 0 0,0 0 0 0 0,0 1 0 0 0,0-1 0 0 0,0 0 0 0 0,0 0-1 0 0,0 0 1 0 0,0 0 0 0 0,-1 0 0 0 0,1 0 0 0 0,0 0-1 0 0,0 0 1 0 0,0 0 0 0 0,0 0 0 0 0,0 0 0 0 0,0 0 0 0 0,0 0-1 0 0,0 0 1 0 0,0 0 0 0 0,0-1 0 0 0,0 1 0 0 0,0 0-1 0 0,0 0 1 0 0,0 0 0 0 0,-1 0 0 0 0,1 0 0 0 0,0 0 0 0 0,0 0-1 0 0,0 0 1 0 0,0 0 0 0 0,0 0 0 0 0,0 0 0 0 0,0 0 0 0 0,0 0-1 0 0,0 0 1 0 0,0 0 0 0 0,-2-7 7 0 0,-1-6-13 0 0,1-25-7 0 0,1 0-1 0 0,3 1 1 0 0,1-1 0 0 0,1 1-1 0 0,2 0 1 0 0,2 0 0 0 0,20-59-1 0 0,-24 86-5 0 0,1 0-1 0 0,7-14 0 0 0,-11 22 20 0 0,0 0-1 0 0,1 0 0 0 0,-1 0 0 0 0,1 1 0 0 0,-1-1 0 0 0,1 0 0 0 0,-1 0 1 0 0,1 1-1 0 0,0-1 0 0 0,0 1 0 0 0,0 0 0 0 0,0-1 0 0 0,0 1 0 0 0,0 0 1 0 0,0 0-1 0 0,0 0 0 0 0,0 0 0 0 0,3 0 0 0 0,-3 1 0 0 0,-1 0 0 0 0,1 0 0 0 0,-1 1 0 0 0,1-1 0 0 0,0 0 0 0 0,-1 1 0 0 0,1-1 0 0 0,-1 1 0 0 0,1-1 0 0 0,-1 1 0 0 0,1 0 0 0 0,-1 0 0 0 0,0-1 0 0 0,1 1 0 0 0,-1 0 0 0 0,0 0 0 0 0,0 1 0 0 0,0-1 0 0 0,0 0 0 0 0,1 0 0 0 0,-1 0 0 0 0,-1 1 0 0 0,1-1 0 0 0,1 3 0 0 0,1 2 0 0 0,0 0 0 0 0,0 0 0 0 0,-1 0 0 0 0,3 11 0 0 0,-1 3 39 0 0,-1 0-1 0 0,-1 0 1 0 0,-1 29 0 0 0,-1-25 104 0 0,6 44 0 0 0,-6-67-141 0 0,0-1-1 0 0,0 1 0 0 0,0-1 0 0 0,0 1 0 0 0,0-1 0 0 0,0 1 0 0 0,0 0 0 0 0,1-1 0 0 0,-1 1 0 0 0,0-1 0 0 0,0 1 0 0 0,0-1 0 0 0,1 1 0 0 0,-1-1 0 0 0,0 1 0 0 0,1-1 0 0 0,-1 0 0 0 0,0 1 0 0 0,1-1 0 0 0,-1 1 0 0 0,1-1 0 0 0,-1 0 0 0 0,1 1 0 0 0,0-1 0 0 0,-1 0 1 0 0,1 0-1 0 0,-1 0 0 0 0,1 0 0 0 0,-1-1 0 0 0,1 1 1 0 0,-1 0-1 0 0,1 0 0 0 0,-1 0 0 0 0,0-1 1 0 0,1 1-1 0 0,-1 0 0 0 0,1-1 0 0 0,-1 1 0 0 0,0 0 1 0 0,1-1-1 0 0,-1 1 0 0 0,0-1 0 0 0,1 1 1 0 0,-1-1-1 0 0,13-25 27 0 0,8-46-28 0 0,-15 48 0 0 0,1 1 0 0 0,1 0 0 0 0,13-26 0 0 0,-19 46-2 0 0,0 0-1 0 0,-1 0 0 0 0,2 0 1 0 0,-1 0-1 0 0,0 0 1 0 0,0 0-1 0 0,1 1 1 0 0,0-1-1 0 0,-1 1 0 0 0,1 0 1 0 0,0 0-1 0 0,0 0 1 0 0,5-2-1 0 0,-6 3 2 0 0,-1 0 0 0 0,1 1-1 0 0,0-1 1 0 0,0 1 0 0 0,-1 0 0 0 0,1-1-1 0 0,0 1 1 0 0,0 0 0 0 0,0 0 0 0 0,-1 0-1 0 0,1 1 1 0 0,0-1 0 0 0,0 0 0 0 0,0 1 0 0 0,-1-1-1 0 0,1 1 1 0 0,0-1 0 0 0,-1 1 0 0 0,1 0-1 0 0,0 0 1 0 0,-1 0 0 0 0,1 0 0 0 0,-1 0-1 0 0,1 0 1 0 0,-1 0 0 0 0,0 0 0 0 0,1 0-1 0 0,0 2 1 0 0,2 2 13 0 0,0 0-1 0 0,0 1 0 0 0,0-1 1 0 0,-1 1-1 0 0,0 0 0 0 0,0-1 1 0 0,-1 1-1 0 0,1 1 0 0 0,-1-1 1 0 0,2 12-1 0 0,-1 1 72 0 0,-2 1-1 0 0,0 24 1 0 0,-1-29-50 0 0,0 1-1 0 0,1-1 1 0 0,1 0-1 0 0,0 0 1 0 0,5 17-1 0 0,0-19-1772 0 0</inkml:trace>
+</inkml:ink>
+</file>
+
+<file path=ppt/ink/ink159.xml><?xml version="1.0" encoding="utf-8"?>
+<inkml:ink xmlns:inkml="http://www.w3.org/2003/InkML">
+  <inkml:definitions>
+    <inkml:context xml:id="ctx0">
+      <inkml:inkSource xml:id="inkSrc0">
+        <inkml:traceFormat>
+          <inkml:channel name="X" type="integer" min="-2.14748E9" max="2.14748E9" units="cm"/>
+          <inkml:channel name="Y" type="integer" min="-2.14748E9" max="2.14748E9" units="cm"/>
+          <inkml:channel name="F" type="integer" max="32767" units="dev"/>
+          <inkml:channel name="OA" type="integer" max="360" units="deg"/>
+          <inkml:channel name="OE" type="integer" max="90" units="deg"/>
+        </inkml:traceFormat>
+        <inkml:channelProperties>
+          <inkml:channelProperty channel="X" name="resolution" value="1000" units="1/cm"/>
+          <inkml:channelProperty channel="Y" name="resolution" value="1000" units="1/cm"/>
+          <inkml:channelProperty channel="F" name="resolution" value="0" units="1/dev"/>
+          <inkml:channelProperty channel="OA" name="resolution" value="1000" units="1/deg"/>
+          <inkml:channelProperty channel="OE" name="resolution" value="1000" units="1/deg"/>
+        </inkml:channelProperties>
+      </inkml:inkSource>
+      <inkml:timestamp xml:id="ts0" timeString="2022-03-25T03:36:18.536"/>
+    </inkml:context>
+    <inkml:brush xml:id="br0">
+      <inkml:brushProperty name="width" value="0.05" units="cm"/>
+      <inkml:brushProperty name="height" value="0.05" units="cm"/>
+      <inkml:brushProperty name="color" value="#E71224"/>
+    </inkml:brush>
+  </inkml:definitions>
+  <inkml:trace contextRef="#ctx0" brushRef="#br0">46 0 9671 0 0,'-4'3'864'0'0,"0"-1"-696"0"0,3-2-168 0 0,-1 0 0 0 0,1 0 872 0 0,-1 1 144 0 0,-3 3 24 0 0,-2 0 8 0 0,-1 3-248 0 0,1-1-56 0 0,3 0-8 0 0</inkml:trace>
 </inkml:ink>
 </file>
 
@@ -2287,38 +2277,6 @@
           <inkml:channelProperty channel="OE" name="resolution" value="1000" units="1/deg"/>
         </inkml:channelProperties>
       </inkml:inkSource>
-      <inkml:timestamp xml:id="ts0" timeString="2022-03-25T03:36:18.536"/>
-    </inkml:context>
-    <inkml:brush xml:id="br0">
-      <inkml:brushProperty name="width" value="0.05" units="cm"/>
-      <inkml:brushProperty name="height" value="0.05" units="cm"/>
-      <inkml:brushProperty name="color" value="#E71224"/>
-    </inkml:brush>
-  </inkml:definitions>
-  <inkml:trace contextRef="#ctx0" brushRef="#br0">46 0 9671 0 0,'-4'3'864'0'0,"0"-1"-696"0"0,3-2-168 0 0,-1 0 0 0 0,1 0 872 0 0,-1 1 144 0 0,-3 3 24 0 0,-2 0 8 0 0,-1 3-248 0 0,1-1-56 0 0,3 0-8 0 0</inkml:trace>
-</inkml:ink>
-</file>
-
-<file path=ppt/ink/ink161.xml><?xml version="1.0" encoding="utf-8"?>
-<inkml:ink xmlns:inkml="http://www.w3.org/2003/InkML">
-  <inkml:definitions>
-    <inkml:context xml:id="ctx0">
-      <inkml:inkSource xml:id="inkSrc0">
-        <inkml:traceFormat>
-          <inkml:channel name="X" type="integer" min="-2.14748E9" max="2.14748E9" units="cm"/>
-          <inkml:channel name="Y" type="integer" min="-2.14748E9" max="2.14748E9" units="cm"/>
-          <inkml:channel name="F" type="integer" max="32767" units="dev"/>
-          <inkml:channel name="OA" type="integer" max="360" units="deg"/>
-          <inkml:channel name="OE" type="integer" max="90" units="deg"/>
-        </inkml:traceFormat>
-        <inkml:channelProperties>
-          <inkml:channelProperty channel="X" name="resolution" value="1000" units="1/cm"/>
-          <inkml:channelProperty channel="Y" name="resolution" value="1000" units="1/cm"/>
-          <inkml:channelProperty channel="F" name="resolution" value="0" units="1/dev"/>
-          <inkml:channelProperty channel="OA" name="resolution" value="1000" units="1/deg"/>
-          <inkml:channelProperty channel="OE" name="resolution" value="1000" units="1/deg"/>
-        </inkml:channelProperties>
-      </inkml:inkSource>
       <inkml:timestamp xml:id="ts0" timeString="2022-03-25T03:36:19.126"/>
     </inkml:context>
     <inkml:brush xml:id="br0">
@@ -2331,7 +2289,7 @@
 </inkml:ink>
 </file>
 
-<file path=ppt/ink/ink162.xml><?xml version="1.0" encoding="utf-8"?>
+<file path=ppt/ink/ink161.xml><?xml version="1.0" encoding="utf-8"?>
 <inkml:ink xmlns:inkml="http://www.w3.org/2003/InkML">
   <inkml:definitions>
     <inkml:context xml:id="ctx0">
@@ -2363,7 +2321,7 @@
 </inkml:ink>
 </file>
 
-<file path=ppt/ink/ink163.xml><?xml version="1.0" encoding="utf-8"?>
+<file path=ppt/ink/ink162.xml><?xml version="1.0" encoding="utf-8"?>
 <inkml:ink xmlns:inkml="http://www.w3.org/2003/InkML">
   <inkml:definitions>
     <inkml:context xml:id="ctx0">
@@ -2395,7 +2353,7 @@
 </inkml:ink>
 </file>
 
-<file path=ppt/ink/ink164.xml><?xml version="1.0" encoding="utf-8"?>
+<file path=ppt/ink/ink163.xml><?xml version="1.0" encoding="utf-8"?>
 <inkml:ink xmlns:inkml="http://www.w3.org/2003/InkML">
   <inkml:definitions>
     <inkml:context xml:id="ctx0">
@@ -2427,7 +2385,7 @@
 </inkml:ink>
 </file>
 
-<file path=ppt/ink/ink165.xml><?xml version="1.0" encoding="utf-8"?>
+<file path=ppt/ink/ink164.xml><?xml version="1.0" encoding="utf-8"?>
 <inkml:ink xmlns:inkml="http://www.w3.org/2003/InkML">
   <inkml:definitions>
     <inkml:context xml:id="ctx0">
@@ -2459,7 +2417,7 @@
 </inkml:ink>
 </file>
 
-<file path=ppt/ink/ink166.xml><?xml version="1.0" encoding="utf-8"?>
+<file path=ppt/ink/ink165.xml><?xml version="1.0" encoding="utf-8"?>
 <inkml:ink xmlns:inkml="http://www.w3.org/2003/InkML">
   <inkml:definitions>
     <inkml:context xml:id="ctx0">
@@ -2491,7 +2449,7 @@
 </inkml:ink>
 </file>
 
-<file path=ppt/ink/ink167.xml><?xml version="1.0" encoding="utf-8"?>
+<file path=ppt/ink/ink166.xml><?xml version="1.0" encoding="utf-8"?>
 <inkml:ink xmlns:inkml="http://www.w3.org/2003/InkML">
   <inkml:definitions>
     <inkml:context xml:id="ctx0">
@@ -2523,7 +2481,7 @@
 </inkml:ink>
 </file>
 
-<file path=ppt/ink/ink168.xml><?xml version="1.0" encoding="utf-8"?>
+<file path=ppt/ink/ink167.xml><?xml version="1.0" encoding="utf-8"?>
 <inkml:ink xmlns:inkml="http://www.w3.org/2003/InkML">
   <inkml:definitions>
     <inkml:context xml:id="ctx0">
@@ -2555,7 +2513,7 @@
 </inkml:ink>
 </file>
 
-<file path=ppt/ink/ink169.xml><?xml version="1.0" encoding="utf-8"?>
+<file path=ppt/ink/ink168.xml><?xml version="1.0" encoding="utf-8"?>
 <inkml:ink xmlns:inkml="http://www.w3.org/2003/InkML">
   <inkml:definitions>
     <inkml:context xml:id="ctx0">
@@ -2584,6 +2542,38 @@
     </inkml:brush>
   </inkml:definitions>
   <inkml:trace contextRef="#ctx0" brushRef="#br0">38 21 1375 0 0,'-2'-2'-25'0'0,"0"0"403"0"0,1 1 1 0 0,0-1-1 0 0,-1 1 1 0 0,1-1-1 0 0,-1 1 0 0 0,1 0 1 0 0,-1 0-1 0 0,0 0 0 0 0,1 0 1 0 0,-1 0-1 0 0,0 0 0 0 0,0 0 1 0 0,0 1-1 0 0,0-1 0 0 0,0 0 1 0 0,-4 0-1 0 0,6 1-324 0 0,0 0-1 0 0,0 0 1 0 0,0 1 0 0 0,0-1 0 0 0,0 0-1 0 0,0 0 1 0 0,0 0 0 0 0,-1 0-1 0 0,1 0 1 0 0,0 0 0 0 0,0 0-1 0 0,0 0 1 0 0,0 0 0 0 0,0 0 0 0 0,0 0-1 0 0,0 0 1 0 0,0 0 0 0 0,-1 0-1 0 0,1 0 1 0 0,0 0 0 0 0,0 1-1 0 0,0-1 1 0 0,0 0 0 0 0,0 0-1 0 0,0 0 1 0 0,0 0 0 0 0,0 0 0 0 0,0 0-1 0 0,0 0 1 0 0,0 1 0 0 0,0-1-1 0 0,0 0 1 0 0,0 0 0 0 0,0 0-1 0 0,0 0 1 0 0,0 0 0 0 0,0 0 0 0 0,0 0-1 0 0,0 1 1 0 0,0-1 0 0 0,0 0-1 0 0,0 0 1 0 0,0 0 0 0 0,0 0-1 0 0,0 0 1 0 0,0 0 0 0 0,0 0 0 0 0,0 1-1 0 0,0-1 1 0 0,0 0 0 0 0,0 0-1 0 0,0 0 1 0 0,0 0 0 0 0,1 0-1 0 0,-1 0 1 0 0,0 0 0 0 0,0 0 0 0 0,0 0-1 0 0,0 0 1 0 0,0 1 0 0 0,0-1-1 0 0,0 0 1 0 0,1 0 0 0 0,6 8 2070 0 0,-6-7-1773 0 0,2 2-92 0 0,0 0-1 0 0,1-1 1 0 0,-1 1-1 0 0,1-1 1 0 0,-1 0-1 0 0,1 0 1 0 0,0 0-1 0 0,-1 0 1 0 0,1-1 0 0 0,0 1-1 0 0,0-1 1 0 0,5 1-1 0 0,33 10 2154 0 0,-38-11-2319 0 0,9 0 232 0 0,-2-1 1 0 0,44 1-140 0 0,-42-1-24 0 0,3 0-2 0 0,61-2 168 0 0,-62 3-256 0 0,44 2-1 0 0,-44-2-6 0 0,-1 2-11 0 0,40 6-44 0 0,-52-8-9 0 0,0-1 0 0 0,0 0-1 0 0,0 1 1 0 0,0 0 0 0 0,0-1 0 0 0,0 1-1 0 0,0 0 1 0 0,0 0 0 0 0,-1 0 0 0 0,3 1 0 0 0,-3-1 0 0 0,-1 0 0 0 0,1-1 0 0 0,-1 1 0 0 0,1-1 0 0 0,-1 1 0 0 0,1 0 0 0 0,-1-1 0 0 0,0 1 0 0 0,1 0 0 0 0,-1-1 0 0 0,0 1 0 0 0,1 0 0 0 0,-1 0 0 0 0,0-1 0 0 0,0 1 1 0 0,0 0-1 0 0,0 1 0 0 0,0 1 2 0 0,0 0 1 0 0,-1-1-1 0 0,0 1 1 0 0,0-1-1 0 0,0 1 1 0 0,0-1-1 0 0,0 1 1 0 0,0-1-1 0 0,-3 4 1 0 0,1-1-3 0 0,1-1-1 0 0,-1 0 0 0 0,-1 0 0 0 0,1 0 0 0 0,0 0 0 0 0,-1 0 0 0 0,-6 4 0 0 0,-5 5 0 0 0,14-12 0 0 0,-1 1 1 0 0,0-1-1 0 0,0 0 0 0 0,0 0 0 0 0,0-1 0 0 0,0 1 0 0 0,0 0 1 0 0,0-1-1 0 0,-1 1 0 0 0,-2 0 0 0 0,-10 2-12 0 0,14-2 72 0 0,-2 0-1418 0 0</inkml:trace>
+</inkml:ink>
+</file>
+
+<file path=ppt/ink/ink169.xml><?xml version="1.0" encoding="utf-8"?>
+<inkml:ink xmlns:inkml="http://www.w3.org/2003/InkML">
+  <inkml:definitions>
+    <inkml:context xml:id="ctx0">
+      <inkml:inkSource xml:id="inkSrc0">
+        <inkml:traceFormat>
+          <inkml:channel name="X" type="integer" min="-2.14748E9" max="2.14748E9" units="cm"/>
+          <inkml:channel name="Y" type="integer" min="-2.14748E9" max="2.14748E9" units="cm"/>
+          <inkml:channel name="F" type="integer" max="32767" units="dev"/>
+          <inkml:channel name="OA" type="integer" max="360" units="deg"/>
+          <inkml:channel name="OE" type="integer" max="90" units="deg"/>
+        </inkml:traceFormat>
+        <inkml:channelProperties>
+          <inkml:channelProperty channel="X" name="resolution" value="1000" units="1/cm"/>
+          <inkml:channelProperty channel="Y" name="resolution" value="1000" units="1/cm"/>
+          <inkml:channelProperty channel="F" name="resolution" value="0" units="1/dev"/>
+          <inkml:channelProperty channel="OA" name="resolution" value="1000" units="1/deg"/>
+          <inkml:channelProperty channel="OE" name="resolution" value="1000" units="1/deg"/>
+        </inkml:channelProperties>
+      </inkml:inkSource>
+      <inkml:timestamp xml:id="ts0" timeString="2022-03-25T03:33:07.159"/>
+    </inkml:context>
+    <inkml:brush xml:id="br0">
+      <inkml:brushProperty name="width" value="0.05" units="cm"/>
+      <inkml:brushProperty name="height" value="0.05" units="cm"/>
+      <inkml:brushProperty name="color" value="#E71224"/>
+    </inkml:brush>
+  </inkml:definitions>
+  <inkml:trace contextRef="#ctx0" brushRef="#br0">71 6 919 0 0,'0'-1'32'0'0,"0"1"-1"0"0,0 0 0 0 0,0 0 1 0 0,0-1-1 0 0,0 1 0 0 0,0 0 0 0 0,0 0 1 0 0,0-1-1 0 0,0 1 0 0 0,0 0 1 0 0,0 0-1 0 0,-1 0 0 0 0,1-1 0 0 0,0 1 1 0 0,0 0-1 0 0,0 0 0 0 0,0 0 1 0 0,-1 0-1 0 0,1-1 0 0 0,0 1 0 0 0,0 0 1 0 0,0 0-1 0 0,0 0 0 0 0,-1 0 0 0 0,1 0 1 0 0,0-1-1 0 0,0 1 0 0 0,-1 0 1 0 0,1 0-1 0 0,0 0 0 0 0,0 0 0 0 0,-1 0 1 0 0,1 0-1 0 0,0 0 0 0 0,-3 10 2579 0 0,3 26 3104 0 0,0-24-4655 0 0,-9 251 5659 0 0,-25 422-2409 0 0,24-473-4085 0 0,7-96-85 0 0,0-82-133 0 0,1-24 3 0 0,1 0-1 0 0,0-1 1 0 0,1 1 0 0 0,0 0 0 0 0,3 17 0 0 0,-1-24-923 0 0</inkml:trace>
 </inkml:ink>
 </file>
 
@@ -2638,38 +2628,6 @@
           <inkml:channelProperty channel="OE" name="resolution" value="1000" units="1/deg"/>
         </inkml:channelProperties>
       </inkml:inkSource>
-      <inkml:timestamp xml:id="ts0" timeString="2022-03-25T03:33:07.159"/>
-    </inkml:context>
-    <inkml:brush xml:id="br0">
-      <inkml:brushProperty name="width" value="0.05" units="cm"/>
-      <inkml:brushProperty name="height" value="0.05" units="cm"/>
-      <inkml:brushProperty name="color" value="#E71224"/>
-    </inkml:brush>
-  </inkml:definitions>
-  <inkml:trace contextRef="#ctx0" brushRef="#br0">71 6 919 0 0,'0'-1'32'0'0,"0"1"-1"0"0,0 0 0 0 0,0 0 1 0 0,0-1-1 0 0,0 1 0 0 0,0 0 0 0 0,0 0 1 0 0,0-1-1 0 0,0 1 0 0 0,0 0 1 0 0,0 0-1 0 0,-1 0 0 0 0,1-1 0 0 0,0 1 1 0 0,0 0-1 0 0,0 0 0 0 0,0 0 1 0 0,-1 0-1 0 0,1-1 0 0 0,0 1 0 0 0,0 0 1 0 0,0 0-1 0 0,0 0 0 0 0,-1 0 0 0 0,1 0 1 0 0,0-1-1 0 0,0 1 0 0 0,-1 0 1 0 0,1 0-1 0 0,0 0 0 0 0,0 0 0 0 0,-1 0 1 0 0,1 0-1 0 0,0 0 0 0 0,-3 10 2579 0 0,3 26 3104 0 0,0-24-4655 0 0,-9 251 5659 0 0,-25 422-2409 0 0,24-473-4085 0 0,7-96-85 0 0,0-82-133 0 0,1-24 3 0 0,1 0-1 0 0,0-1 1 0 0,1 1 0 0 0,0 0 0 0 0,3 17 0 0 0,-1-24-923 0 0</inkml:trace>
-</inkml:ink>
-</file>
-
-<file path=ppt/ink/ink171.xml><?xml version="1.0" encoding="utf-8"?>
-<inkml:ink xmlns:inkml="http://www.w3.org/2003/InkML">
-  <inkml:definitions>
-    <inkml:context xml:id="ctx0">
-      <inkml:inkSource xml:id="inkSrc0">
-        <inkml:traceFormat>
-          <inkml:channel name="X" type="integer" min="-2.14748E9" max="2.14748E9" units="cm"/>
-          <inkml:channel name="Y" type="integer" min="-2.14748E9" max="2.14748E9" units="cm"/>
-          <inkml:channel name="F" type="integer" max="32767" units="dev"/>
-          <inkml:channel name="OA" type="integer" max="360" units="deg"/>
-          <inkml:channel name="OE" type="integer" max="90" units="deg"/>
-        </inkml:traceFormat>
-        <inkml:channelProperties>
-          <inkml:channelProperty channel="X" name="resolution" value="1000" units="1/cm"/>
-          <inkml:channelProperty channel="Y" name="resolution" value="1000" units="1/cm"/>
-          <inkml:channelProperty channel="F" name="resolution" value="0" units="1/dev"/>
-          <inkml:channelProperty channel="OA" name="resolution" value="1000" units="1/deg"/>
-          <inkml:channelProperty channel="OE" name="resolution" value="1000" units="1/deg"/>
-        </inkml:channelProperties>
-      </inkml:inkSource>
       <inkml:timestamp xml:id="ts0" timeString="2022-03-25T03:33:07.574"/>
     </inkml:context>
     <inkml:brush xml:id="br0">
@@ -2682,7 +2640,7 @@
 </inkml:ink>
 </file>
 
-<file path=ppt/ink/ink172.xml><?xml version="1.0" encoding="utf-8"?>
+<file path=ppt/ink/ink171.xml><?xml version="1.0" encoding="utf-8"?>
 <inkml:ink xmlns:inkml="http://www.w3.org/2003/InkML">
   <inkml:definitions>
     <inkml:context xml:id="ctx0">
@@ -2714,7 +2672,7 @@
 </inkml:ink>
 </file>
 
-<file path=ppt/ink/ink173.xml><?xml version="1.0" encoding="utf-8"?>
+<file path=ppt/ink/ink172.xml><?xml version="1.0" encoding="utf-8"?>
 <inkml:ink xmlns:inkml="http://www.w3.org/2003/InkML">
   <inkml:definitions>
     <inkml:context xml:id="ctx0">
@@ -2742,7 +2700,7 @@
 </inkml:ink>
 </file>
 
-<file path=ppt/ink/ink174.xml><?xml version="1.0" encoding="utf-8"?>
+<file path=ppt/ink/ink173.xml><?xml version="1.0" encoding="utf-8"?>
 <inkml:ink xmlns:inkml="http://www.w3.org/2003/InkML">
   <inkml:definitions>
     <inkml:context xml:id="ctx0">
@@ -2774,7 +2732,7 @@
 </inkml:ink>
 </file>
 
-<file path=ppt/ink/ink175.xml><?xml version="1.0" encoding="utf-8"?>
+<file path=ppt/ink/ink174.xml><?xml version="1.0" encoding="utf-8"?>
 <inkml:ink xmlns:inkml="http://www.w3.org/2003/InkML">
   <inkml:definitions>
     <inkml:context xml:id="ctx0">
@@ -2806,7 +2764,7 @@
 </inkml:ink>
 </file>
 
-<file path=ppt/ink/ink176.xml><?xml version="1.0" encoding="utf-8"?>
+<file path=ppt/ink/ink175.xml><?xml version="1.0" encoding="utf-8"?>
 <inkml:ink xmlns:inkml="http://www.w3.org/2003/InkML">
   <inkml:definitions>
     <inkml:context xml:id="ctx0">
@@ -2838,7 +2796,7 @@
 </inkml:ink>
 </file>
 
-<file path=ppt/ink/ink177.xml><?xml version="1.0" encoding="utf-8"?>
+<file path=ppt/ink/ink176.xml><?xml version="1.0" encoding="utf-8"?>
 <inkml:ink xmlns:inkml="http://www.w3.org/2003/InkML">
   <inkml:definitions>
     <inkml:context xml:id="ctx0">
@@ -2870,7 +2828,7 @@
 </inkml:ink>
 </file>
 
-<file path=ppt/ink/ink178.xml><?xml version="1.0" encoding="utf-8"?>
+<file path=ppt/ink/ink177.xml><?xml version="1.0" encoding="utf-8"?>
 <inkml:ink xmlns:inkml="http://www.w3.org/2003/InkML">
   <inkml:definitions>
     <inkml:context xml:id="ctx0">
@@ -2902,7 +2860,7 @@
 </inkml:ink>
 </file>
 
-<file path=ppt/ink/ink179.xml><?xml version="1.0" encoding="utf-8"?>
+<file path=ppt/ink/ink178.xml><?xml version="1.0" encoding="utf-8"?>
 <inkml:ink xmlns:inkml="http://www.w3.org/2003/InkML">
   <inkml:definitions>
     <inkml:context xml:id="ctx0">
@@ -2931,6 +2889,34 @@
     </inkml:brush>
   </inkml:definitions>
   <inkml:trace contextRef="#ctx0" brushRef="#br0">74 1 2303 0 0,'9'13'14898'0'0,"-7"-5"-12433"0"0,-6 8 823 0 0,0-4-3164 0 0,-28 101 839 0 0,20-76-393 0 0,1 0 0 0 0,-9 72 0 0 0,19-93-2287 0 0,2-2-6870 0 0</inkml:trace>
+</inkml:ink>
+</file>
+
+<file path=ppt/ink/ink179.xml><?xml version="1.0" encoding="utf-8"?>
+<inkml:ink xmlns:inkml="http://www.w3.org/2003/InkML">
+  <inkml:definitions>
+    <inkml:context xml:id="ctx0">
+      <inkml:inkSource xml:id="inkSrc0">
+        <inkml:traceFormat>
+          <inkml:channel name="X" type="integer" min="-2.14748E9" max="2.14748E9" units="cm"/>
+          <inkml:channel name="Y" type="integer" min="-2.14748E9" max="2.14748E9" units="cm"/>
+          <inkml:channel name="F" type="integer" max="32767" units="dev"/>
+        </inkml:traceFormat>
+        <inkml:channelProperties>
+          <inkml:channelProperty channel="X" name="resolution" value="1000" units="1/cm"/>
+          <inkml:channelProperty channel="Y" name="resolution" value="1000" units="1/cm"/>
+          <inkml:channelProperty channel="F" name="resolution" value="0" units="1/dev"/>
+        </inkml:channelProperties>
+      </inkml:inkSource>
+      <inkml:timestamp xml:id="ts0" timeString="2022-03-25T03:37:25.953"/>
+    </inkml:context>
+    <inkml:brush xml:id="br0">
+      <inkml:brushProperty name="width" value="0.05" units="cm"/>
+      <inkml:brushProperty name="height" value="0.05" units="cm"/>
+      <inkml:brushProperty name="color" value="#F6630D"/>
+    </inkml:brush>
+  </inkml:definitions>
+  <inkml:trace contextRef="#ctx0" brushRef="#br0">1 1 24575,'0'0'0</inkml:trace>
 </inkml:ink>
 </file>
 
@@ -2974,34 +2960,6 @@
           <inkml:channel name="X" type="integer" min="-2.14748E9" max="2.14748E9" units="cm"/>
           <inkml:channel name="Y" type="integer" min="-2.14748E9" max="2.14748E9" units="cm"/>
           <inkml:channel name="F" type="integer" max="32767" units="dev"/>
-        </inkml:traceFormat>
-        <inkml:channelProperties>
-          <inkml:channelProperty channel="X" name="resolution" value="1000" units="1/cm"/>
-          <inkml:channelProperty channel="Y" name="resolution" value="1000" units="1/cm"/>
-          <inkml:channelProperty channel="F" name="resolution" value="0" units="1/dev"/>
-        </inkml:channelProperties>
-      </inkml:inkSource>
-      <inkml:timestamp xml:id="ts0" timeString="2022-03-25T03:37:25.953"/>
-    </inkml:context>
-    <inkml:brush xml:id="br0">
-      <inkml:brushProperty name="width" value="0.05" units="cm"/>
-      <inkml:brushProperty name="height" value="0.05" units="cm"/>
-      <inkml:brushProperty name="color" value="#F6630D"/>
-    </inkml:brush>
-  </inkml:definitions>
-  <inkml:trace contextRef="#ctx0" brushRef="#br0">1 1 24575,'0'0'0</inkml:trace>
-</inkml:ink>
-</file>
-
-<file path=ppt/ink/ink181.xml><?xml version="1.0" encoding="utf-8"?>
-<inkml:ink xmlns:inkml="http://www.w3.org/2003/InkML">
-  <inkml:definitions>
-    <inkml:context xml:id="ctx0">
-      <inkml:inkSource xml:id="inkSrc0">
-        <inkml:traceFormat>
-          <inkml:channel name="X" type="integer" min="-2.14748E9" max="2.14748E9" units="cm"/>
-          <inkml:channel name="Y" type="integer" min="-2.14748E9" max="2.14748E9" units="cm"/>
-          <inkml:channel name="F" type="integer" max="32767" units="dev"/>
           <inkml:channel name="OA" type="integer" max="360" units="deg"/>
           <inkml:channel name="OE" type="integer" max="90" units="deg"/>
         </inkml:traceFormat>
@@ -3025,7 +2983,7 @@
 </inkml:ink>
 </file>
 
-<file path=ppt/ink/ink182.xml><?xml version="1.0" encoding="utf-8"?>
+<file path=ppt/ink/ink181.xml><?xml version="1.0" encoding="utf-8"?>
 <inkml:ink xmlns:inkml="http://www.w3.org/2003/InkML">
   <inkml:definitions>
     <inkml:context xml:id="ctx0">
@@ -3057,7 +3015,7 @@
 </inkml:ink>
 </file>
 
-<file path=ppt/ink/ink183.xml><?xml version="1.0" encoding="utf-8"?>
+<file path=ppt/ink/ink182.xml><?xml version="1.0" encoding="utf-8"?>
 <inkml:ink xmlns:inkml="http://www.w3.org/2003/InkML">
   <inkml:definitions>
     <inkml:context xml:id="ctx0">
@@ -3089,7 +3047,7 @@
 </inkml:ink>
 </file>
 
-<file path=ppt/ink/ink184.xml><?xml version="1.0" encoding="utf-8"?>
+<file path=ppt/ink/ink183.xml><?xml version="1.0" encoding="utf-8"?>
 <inkml:ink xmlns:inkml="http://www.w3.org/2003/InkML">
   <inkml:definitions>
     <inkml:context xml:id="ctx0">
@@ -3121,7 +3079,7 @@
 </inkml:ink>
 </file>
 
-<file path=ppt/ink/ink185.xml><?xml version="1.0" encoding="utf-8"?>
+<file path=ppt/ink/ink184.xml><?xml version="1.0" encoding="utf-8"?>
 <inkml:ink xmlns:inkml="http://www.w3.org/2003/InkML">
   <inkml:definitions>
     <inkml:context xml:id="ctx0">
@@ -3154,7 +3112,7 @@
 </inkml:ink>
 </file>
 
-<file path=ppt/ink/ink186.xml><?xml version="1.0" encoding="utf-8"?>
+<file path=ppt/ink/ink185.xml><?xml version="1.0" encoding="utf-8"?>
 <inkml:ink xmlns:inkml="http://www.w3.org/2003/InkML">
   <inkml:definitions>
     <inkml:context xml:id="ctx0">
@@ -3182,7 +3140,7 @@
 </inkml:ink>
 </file>
 
-<file path=ppt/ink/ink187.xml><?xml version="1.0" encoding="utf-8"?>
+<file path=ppt/ink/ink186.xml><?xml version="1.0" encoding="utf-8"?>
 <inkml:ink xmlns:inkml="http://www.w3.org/2003/InkML">
   <inkml:definitions>
     <inkml:context xml:id="ctx0">
@@ -3214,7 +3172,7 @@
 </inkml:ink>
 </file>
 
-<file path=ppt/ink/ink188.xml><?xml version="1.0" encoding="utf-8"?>
+<file path=ppt/ink/ink187.xml><?xml version="1.0" encoding="utf-8"?>
 <inkml:ink xmlns:inkml="http://www.w3.org/2003/InkML">
   <inkml:definitions>
     <inkml:context xml:id="ctx0">
@@ -3246,7 +3204,7 @@
 </inkml:ink>
 </file>
 
-<file path=ppt/ink/ink189.xml><?xml version="1.0" encoding="utf-8"?>
+<file path=ppt/ink/ink188.xml><?xml version="1.0" encoding="utf-8"?>
 <inkml:ink xmlns:inkml="http://www.w3.org/2003/InkML">
   <inkml:definitions>
     <inkml:context xml:id="ctx0">
@@ -3275,6 +3233,38 @@
     </inkml:brush>
   </inkml:definitions>
   <inkml:trace contextRef="#ctx0" brushRef="#br0">1 97 4607 0 0,'0'-1'134'0'0,"0"1"-1"0"0,0 0 0 0 0,0-1 0 0 0,1 1 1 0 0,-1-1-1 0 0,0 1 0 0 0,0 0 0 0 0,1-1 1 0 0,-1 1-1 0 0,0 0 0 0 0,0-1 0 0 0,1 1 0 0 0,-1 0 1 0 0,0-1-1 0 0,1 1 0 0 0,-1 0 0 0 0,0 0 1 0 0,1-1-1 0 0,-1 1 0 0 0,1 0 0 0 0,-1 0 0 0 0,0 0 1 0 0,1 0-1 0 0,-1 0 0 0 0,1-1 0 0 0,-1 1 1 0 0,0 0-1 0 0,1 0 0 0 0,-1 0 0 0 0,1 0 1 0 0,-1 0-1 0 0,1 0 0 0 0,0 0 0 0 0,0 1 105 0 0,0 0-1 0 0,0-1 0 0 0,0 1 0 0 0,1 0 1 0 0,-1 0-1 0 0,0 0 0 0 0,0-1 0 0 0,-1 1 1 0 0,1 0-1 0 0,0 0 0 0 0,1 2 0 0 0,2 3 511 0 0,-1-1-1 0 0,0 1 1 0 0,5 12-1 0 0,-4-4-254 0 0,0 1 0 0 0,-1 1 0 0 0,-1-1 0 0 0,0 0 1 0 0,-1 20-1 0 0,-8 79 1168 0 0,4-81-1208 0 0,3-130 171 0 0,2 36-624 0 0,-1 23 0 0 0,1-1 0 0 0,2 1 0 0 0,10-41 0 0 0,-13 75 2 0 0,0 1 0 0 0,0-1 0 0 0,0 1 0 0 0,1-1 0 0 0,-1 1 0 0 0,1 0 0 0 0,0 0 0 0 0,2-3 0 0 0,-3 5 0 0 0,0 0-1 0 0,-1 1 0 0 0,1-1 1 0 0,-1 1-1 0 0,1-1 1 0 0,0 1-1 0 0,0-1 1 0 0,-1 1-1 0 0,1-1 0 0 0,0 1 1 0 0,0 0-1 0 0,0 0 1 0 0,-1-1-1 0 0,1 1 1 0 0,0 0-1 0 0,0 0 0 0 0,0 0 1 0 0,0 0-1 0 0,0 0 1 0 0,-1 0-1 0 0,1 0 0 0 0,0 0 1 0 0,0 0-1 0 0,0 0 1 0 0,0 0-1 0 0,0 1 1 0 0,-1-1-1 0 0,1 0 0 0 0,0 1 1 0 0,0-1-1 0 0,0 0 1 0 0,-1 1-1 0 0,1-1 1 0 0,0 1-1 0 0,-1-1 0 0 0,1 1 1 0 0,1 1-1 0 0,2 2 35 0 0,0 0 0 0 0,0 0 0 0 0,-1 0 0 0 0,1 1 0 0 0,-1-1-1 0 0,0 1 1 0 0,0 0 0 0 0,3 7 0 0 0,15 45 307 0 0,-15-39-222 0 0,-2-8-50 0 0,-1-1-1 0 0,1 1 1 0 0,1-1 0 0 0,8 15-1 0 0,-12-23-59 0 0,0 0-1 0 0,0 1 1 0 0,1-1 0 0 0,-1 0-1 0 0,0 1 1 0 0,0-1-1 0 0,1 0 1 0 0,-1 0-1 0 0,1 0 1 0 0,-1 0-1 0 0,1-1 1 0 0,-1 1 0 0 0,1 0-1 0 0,-1-1 1 0 0,3 2-1 0 0,-2-2-6 0 0,-1 0 0 0 0,1 0 1 0 0,-1-1-1 0 0,1 1 0 0 0,-1 0 0 0 0,1 0 0 0 0,-1-1 0 0 0,1 1 0 0 0,-1-1 1 0 0,0 1-1 0 0,1-1 0 0 0,-1 0 0 0 0,0 0 0 0 0,1 1 0 0 0,-1-1 0 0 0,0 0 1 0 0,0 0-1 0 0,0 0 0 0 0,0 0 0 0 0,0 0 0 0 0,1-2 0 0 0,5-6-4 0 0,0 0 1 0 0,-1-1-1 0 0,-1 1 0 0 0,0-1 0 0 0,0-1 0 0 0,4-13 1 0 0,5-10 61 0 0,13-2 13 0 0,-26 35-68 0 0,-1 0 1 0 0,1 0-1 0 0,0 0 1 0 0,-1 0-1 0 0,1 0 1 0 0,0 0-1 0 0,0 0 1 0 0,0 0-1 0 0,0 0 1 0 0,0 0-1 0 0,0 1 1 0 0,0-1-1 0 0,0 0 1 0 0,0 1-1 0 0,0-1 1 0 0,3 0-1 0 0,-4 1 4 0 0,1-1 0 0 0,0 1-1 0 0,0 0 1 0 0,0 0 0 0 0,-1 1 0 0 0,1-1 0 0 0,0 0-1 0 0,0 0 1 0 0,-1 0 0 0 0,1 0 0 0 0,0 1 0 0 0,0-1-1 0 0,-1 0 1 0 0,1 1 0 0 0,0-1 0 0 0,-1 1 0 0 0,1-1-1 0 0,0 0 1 0 0,-1 1 0 0 0,2 0 0 0 0,0 2 23 0 0,0 0 1 0 0,0 0-1 0 0,0 0 1 0 0,0 0-1 0 0,0 0 1 0 0,0 0-1 0 0,-1 0 1 0 0,0 1-1 0 0,1-1 1 0 0,0 4-1 0 0,1 15 144 0 0,3 41 0 0 0,-5-46-71 0 0,1 1 0 0 0,0-1 0 0 0,9 34 0 0 0,-10-48-306 0 0,-1-1 0 0 0,1 0 1 0 0,0 0-1 0 0,0 0 0 0 0,0-1 0 0 0,1 1 0 0 0,2 4 0 0 0</inkml:trace>
+</inkml:ink>
+</file>
+
+<file path=ppt/ink/ink189.xml><?xml version="1.0" encoding="utf-8"?>
+<inkml:ink xmlns:inkml="http://www.w3.org/2003/InkML">
+  <inkml:definitions>
+    <inkml:context xml:id="ctx0">
+      <inkml:inkSource xml:id="inkSrc0">
+        <inkml:traceFormat>
+          <inkml:channel name="X" type="integer" min="-2.14748E9" max="2.14748E9" units="cm"/>
+          <inkml:channel name="Y" type="integer" min="-2.14748E9" max="2.14748E9" units="cm"/>
+          <inkml:channel name="F" type="integer" max="32767" units="dev"/>
+          <inkml:channel name="OA" type="integer" max="360" units="deg"/>
+          <inkml:channel name="OE" type="integer" max="90" units="deg"/>
+        </inkml:traceFormat>
+        <inkml:channelProperties>
+          <inkml:channelProperty channel="X" name="resolution" value="1000" units="1/cm"/>
+          <inkml:channelProperty channel="Y" name="resolution" value="1000" units="1/cm"/>
+          <inkml:channelProperty channel="F" name="resolution" value="0" units="1/dev"/>
+          <inkml:channelProperty channel="OA" name="resolution" value="1000" units="1/deg"/>
+          <inkml:channelProperty channel="OE" name="resolution" value="1000" units="1/deg"/>
+        </inkml:channelProperties>
+      </inkml:inkSource>
+      <inkml:timestamp xml:id="ts0" timeString="2022-03-25T03:37:36.179"/>
+    </inkml:context>
+    <inkml:brush xml:id="br0">
+      <inkml:brushProperty name="width" value="0.05" units="cm"/>
+      <inkml:brushProperty name="height" value="0.05" units="cm"/>
+      <inkml:brushProperty name="color" value="#00A0D7"/>
+    </inkml:brush>
+  </inkml:definitions>
+  <inkml:trace contextRef="#ctx0" brushRef="#br0">50 1 5063 0 0,'-5'4'548'0'0,"1"0"0"0"0,0 0-1 0 0,0 0 1 0 0,0 1 0 0 0,1 0 0 0 0,-1 0-1 0 0,1 0 1 0 0,0 0 0 0 0,1 0-1 0 0,-1 1 1 0 0,1-1 0 0 0,0 1-1 0 0,1 0 1 0 0,-1 0 0 0 0,1-1-1 0 0,0 1 1 0 0,0 0 0 0 0,1 0 0 0 0,0 0-1 0 0,0 0 1 0 0,2 9 0 0 0,-2-12-490 0 0,1-1 0 0 0,0 1 0 0 0,0 0 0 0 0,0-1 0 0 0,0 1 0 0 0,1-1 0 0 0,-1 0 0 0 0,3 4 0 0 0,1 0-118 0 0</inkml:trace>
 </inkml:ink>
 </file>
 
@@ -3329,38 +3319,6 @@
           <inkml:channelProperty channel="OE" name="resolution" value="1000" units="1/deg"/>
         </inkml:channelProperties>
       </inkml:inkSource>
-      <inkml:timestamp xml:id="ts0" timeString="2022-03-25T03:37:36.179"/>
-    </inkml:context>
-    <inkml:brush xml:id="br0">
-      <inkml:brushProperty name="width" value="0.05" units="cm"/>
-      <inkml:brushProperty name="height" value="0.05" units="cm"/>
-      <inkml:brushProperty name="color" value="#00A0D7"/>
-    </inkml:brush>
-  </inkml:definitions>
-  <inkml:trace contextRef="#ctx0" brushRef="#br0">50 1 5063 0 0,'-5'4'548'0'0,"1"0"0"0"0,0 0-1 0 0,0 0 1 0 0,0 1 0 0 0,1 0 0 0 0,-1 0-1 0 0,1 0 1 0 0,0 0 0 0 0,1 0-1 0 0,-1 1 1 0 0,1-1 0 0 0,0 1-1 0 0,1 0 1 0 0,-1 0 0 0 0,1-1-1 0 0,0 1 1 0 0,0 0 0 0 0,1 0 0 0 0,0 0-1 0 0,0 0 1 0 0,2 9 0 0 0,-2-12-490 0 0,1-1 0 0 0,0 1 0 0 0,0 0 0 0 0,0-1 0 0 0,0 1 0 0 0,1-1 0 0 0,-1 0 0 0 0,3 4 0 0 0,1 0-118 0 0</inkml:trace>
-</inkml:ink>
-</file>
-
-<file path=ppt/ink/ink191.xml><?xml version="1.0" encoding="utf-8"?>
-<inkml:ink xmlns:inkml="http://www.w3.org/2003/InkML">
-  <inkml:definitions>
-    <inkml:context xml:id="ctx0">
-      <inkml:inkSource xml:id="inkSrc0">
-        <inkml:traceFormat>
-          <inkml:channel name="X" type="integer" min="-2.14748E9" max="2.14748E9" units="cm"/>
-          <inkml:channel name="Y" type="integer" min="-2.14748E9" max="2.14748E9" units="cm"/>
-          <inkml:channel name="F" type="integer" max="32767" units="dev"/>
-          <inkml:channel name="OA" type="integer" max="360" units="deg"/>
-          <inkml:channel name="OE" type="integer" max="90" units="deg"/>
-        </inkml:traceFormat>
-        <inkml:channelProperties>
-          <inkml:channelProperty channel="X" name="resolution" value="1000" units="1/cm"/>
-          <inkml:channelProperty channel="Y" name="resolution" value="1000" units="1/cm"/>
-          <inkml:channelProperty channel="F" name="resolution" value="0" units="1/dev"/>
-          <inkml:channelProperty channel="OA" name="resolution" value="1000" units="1/deg"/>
-          <inkml:channelProperty channel="OE" name="resolution" value="1000" units="1/deg"/>
-        </inkml:channelProperties>
-      </inkml:inkSource>
       <inkml:timestamp xml:id="ts0" timeString="2022-03-25T03:37:36.573"/>
     </inkml:context>
     <inkml:brush xml:id="br0">
@@ -3373,7 +3331,7 @@
 </inkml:ink>
 </file>
 
-<file path=ppt/ink/ink192.xml><?xml version="1.0" encoding="utf-8"?>
+<file path=ppt/ink/ink191.xml><?xml version="1.0" encoding="utf-8"?>
 <inkml:ink xmlns:inkml="http://www.w3.org/2003/InkML">
   <inkml:definitions>
     <inkml:context xml:id="ctx0">
@@ -3405,7 +3363,7 @@
 </inkml:ink>
 </file>
 
-<file path=ppt/ink/ink193.xml><?xml version="1.0" encoding="utf-8"?>
+<file path=ppt/ink/ink192.xml><?xml version="1.0" encoding="utf-8"?>
 <inkml:ink xmlns:inkml="http://www.w3.org/2003/InkML">
   <inkml:definitions>
     <inkml:context xml:id="ctx0">
@@ -3437,7 +3395,7 @@
 </inkml:ink>
 </file>
 
-<file path=ppt/ink/ink194.xml><?xml version="1.0" encoding="utf-8"?>
+<file path=ppt/ink/ink193.xml><?xml version="1.0" encoding="utf-8"?>
 <inkml:ink xmlns:inkml="http://www.w3.org/2003/InkML">
   <inkml:definitions>
     <inkml:context xml:id="ctx0">
@@ -3469,7 +3427,7 @@
 </inkml:ink>
 </file>
 
-<file path=ppt/ink/ink195.xml><?xml version="1.0" encoding="utf-8"?>
+<file path=ppt/ink/ink194.xml><?xml version="1.0" encoding="utf-8"?>
 <inkml:ink xmlns:inkml="http://www.w3.org/2003/InkML">
   <inkml:definitions>
     <inkml:context xml:id="ctx0">
@@ -3501,7 +3459,7 @@
 </inkml:ink>
 </file>
 
-<file path=ppt/ink/ink196.xml><?xml version="1.0" encoding="utf-8"?>
+<file path=ppt/ink/ink195.xml><?xml version="1.0" encoding="utf-8"?>
 <inkml:ink xmlns:inkml="http://www.w3.org/2003/InkML">
   <inkml:definitions>
     <inkml:context xml:id="ctx0">
@@ -3529,7 +3487,7 @@
 </inkml:ink>
 </file>
 
-<file path=ppt/ink/ink197.xml><?xml version="1.0" encoding="utf-8"?>
+<file path=ppt/ink/ink196.xml><?xml version="1.0" encoding="utf-8"?>
 <inkml:ink xmlns:inkml="http://www.w3.org/2003/InkML">
   <inkml:definitions>
     <inkml:context xml:id="ctx0">
@@ -3561,7 +3519,7 @@
 </inkml:ink>
 </file>
 
-<file path=ppt/ink/ink198.xml><?xml version="1.0" encoding="utf-8"?>
+<file path=ppt/ink/ink197.xml><?xml version="1.0" encoding="utf-8"?>
 <inkml:ink xmlns:inkml="http://www.w3.org/2003/InkML">
   <inkml:definitions>
     <inkml:context xml:id="ctx0">
@@ -3593,7 +3551,7 @@
 </inkml:ink>
 </file>
 
-<file path=ppt/ink/ink199.xml><?xml version="1.0" encoding="utf-8"?>
+<file path=ppt/ink/ink198.xml><?xml version="1.0" encoding="utf-8"?>
 <inkml:ink xmlns:inkml="http://www.w3.org/2003/InkML">
   <inkml:definitions>
     <inkml:context xml:id="ctx0">
@@ -3622,6 +3580,38 @@
     </inkml:brush>
   </inkml:definitions>
   <inkml:trace contextRef="#ctx0" brushRef="#br0">37 1 9671 0 0,'-3'5'691'0'0,"1"1"0"0"0,0-1 0 0 0,0 1 0 0 0,0 0 0 0 0,1 0 0 0 0,0 0 0 0 0,0 0 0 0 0,1 6 0 0 0,-5 24 1641 0 0,-10 37 735 0 0,12-41-8861 0 0,3-21-862 0 0</inkml:trace>
+</inkml:ink>
+</file>
+
+<file path=ppt/ink/ink199.xml><?xml version="1.0" encoding="utf-8"?>
+<inkml:ink xmlns:inkml="http://www.w3.org/2003/InkML">
+  <inkml:definitions>
+    <inkml:context xml:id="ctx0">
+      <inkml:inkSource xml:id="inkSrc0">
+        <inkml:traceFormat>
+          <inkml:channel name="X" type="integer" min="-2.14748E9" max="2.14748E9" units="cm"/>
+          <inkml:channel name="Y" type="integer" min="-2.14748E9" max="2.14748E9" units="cm"/>
+          <inkml:channel name="F" type="integer" max="32767" units="dev"/>
+          <inkml:channel name="OA" type="integer" max="360" units="deg"/>
+          <inkml:channel name="OE" type="integer" max="90" units="deg"/>
+        </inkml:traceFormat>
+        <inkml:channelProperties>
+          <inkml:channelProperty channel="X" name="resolution" value="1000" units="1/cm"/>
+          <inkml:channelProperty channel="Y" name="resolution" value="1000" units="1/cm"/>
+          <inkml:channelProperty channel="F" name="resolution" value="0" units="1/dev"/>
+          <inkml:channelProperty channel="OA" name="resolution" value="1000" units="1/deg"/>
+          <inkml:channelProperty channel="OE" name="resolution" value="1000" units="1/deg"/>
+        </inkml:channelProperties>
+      </inkml:inkSource>
+      <inkml:timestamp xml:id="ts0" timeString="2022-03-25T10:40:46.490"/>
+    </inkml:context>
+    <inkml:brush xml:id="br0">
+      <inkml:brushProperty name="width" value="0.05" units="cm"/>
+      <inkml:brushProperty name="height" value="0.05" units="cm"/>
+      <inkml:brushProperty name="color" value="#F6630D"/>
+    </inkml:brush>
+  </inkml:definitions>
+  <inkml:trace contextRef="#ctx0" brushRef="#br0">83 19 6447 0 0,'0'0'94'0'0,"0"0"-1"0"0,-1 0 0 0 0,1 0 0 0 0,0 0 1 0 0,0 0-1 0 0,0 0 0 0 0,-1 0 0 0 0,1 0 1 0 0,0-1-1 0 0,0 1 0 0 0,0 0 0 0 0,0 0 1 0 0,0 0-1 0 0,0 0 0 0 0,-1-1 0 0 0,1 1 1 0 0,0 0-1 0 0,0 0 0 0 0,0 0 0 0 0,0-1 1 0 0,0 1-1 0 0,0 0 0 0 0,0 0 0 0 0,0 0 0 0 0,0-1 1 0 0,0 1-1 0 0,0 0 0 0 0,0 0 0 0 0,0 0 1 0 0,0-1-1 0 0,0 1 0 0 0,0 0 0 0 0,0 0 1 0 0,0 0-1 0 0,0-1 0 0 0,0 1 0 0 0,0 0 1 0 0,0 0-1 0 0,0 0 0 0 0,0 0 0 0 0,1-1 1 0 0,-1 1-1 0 0,0 0 0 0 0,0 0 0 0 0,0 0 1 0 0,0 0-1 0 0,0-1 0 0 0,1 1 0 0 0,-1 0 1 0 0,0 0-1 0 0,0 0 0 0 0,0 0 0 0 0,1 0 1 0 0,-1 0 50 0 0,1 0 0 0 0,-1 0 0 0 0,1 0 0 0 0,-1 0 0 0 0,1 0 0 0 0,-1 0 0 0 0,1 0 0 0 0,-1 1 1 0 0,1-1-1 0 0,-1 0 0 0 0,1 0 0 0 0,-1 1 0 0 0,0-1 0 0 0,1 0 0 0 0,-1 0 0 0 0,1 1 0 0 0,-1-1 1 0 0,0 1-1 0 0,1-1 0 0 0,-1 0 0 0 0,0 1 0 0 0,0-1 0 0 0,1 1 0 0 0,-1-1 0 0 0,0 1 0 0 0,0-1 1 0 0,1 0-1 0 0,-1 1 0 0 0,0 0 0 0 0,4 12 323 0 0,0 0 0 0 0,0 1 0 0 0,-2-1 0 0 0,0 1-1 0 0,0 0 1 0 0,-1 16 0 0 0,-7 84 822 0 0,6-105-1199 0 0,-2 12 21 0 0,0 0 0 0 0,-1 0 0 0 0,-2 0 0 0 0,0 0 1 0 0,-1-1-1 0 0,-11 25 0 0 0,16-42-107 0 0,0-1 0 0 0,-1 0-1 0 0,1 0 1 0 0,-1 0 0 0 0,1 0-1 0 0,-1 0 1 0 0,0 0 0 0 0,0 0 0 0 0,0 0-1 0 0,0-1 1 0 0,0 1 0 0 0,0-1-1 0 0,-4 3 1 0 0,5-4-3 0 0,0 1 0 0 0,0-1-1 0 0,0 0 1 0 0,0 0 0 0 0,0 0-1 0 0,0 0 1 0 0,0 0 0 0 0,0 0-1 0 0,0 0 1 0 0,0 0 0 0 0,0 0 0 0 0,0 0-1 0 0,0 0 1 0 0,1-1 0 0 0,-1 1-1 0 0,0 0 1 0 0,0-1 0 0 0,0 1-1 0 0,0 0 1 0 0,0-1 0 0 0,0 1 0 0 0,1-1-1 0 0,-1 0 1 0 0,0 1 0 0 0,1-1-1 0 0,-1 0 1 0 0,0 1 0 0 0,1-1-1 0 0,-1 0 1 0 0,0 0 0 0 0,1 1 0 0 0,-1-1-1 0 0,1 0 1 0 0,0 0 0 0 0,-1 0-1 0 0,1 0 1 0 0,0 0 0 0 0,-1 0-1 0 0,1-1 1 0 0,-2-5-4 0 0,0-1-1 0 0,0 0 1 0 0,1 1-1 0 0,0-1 0 0 0,1 0 1 0 0,-1 0-1 0 0,2 0 1 0 0,0-12-1 0 0,3-2-12 0 0,11-39 0 0 0,-15 59 16 0 0,11-36 0 0 0,1 0 0 0 0,2 1 0 0 0,19-37 0 0 0,-28 66 0 0 0,0 0 0 0 0,1 0 0 0 0,0 1 0 0 0,11-11 0 0 0,-14 14 0 0 0,0 1 0 0 0,1 0 0 0 0,0 0 0 0 0,0 1 0 0 0,0-1 0 0 0,0 1 0 0 0,0-1 0 0 0,1 1 0 0 0,-1 1 0 0 0,0-1 0 0 0,6-1 0 0 0,-8 3 4 0 0,-1 0-1 0 0,1 0 1 0 0,-1 0 0 0 0,1-1-1 0 0,0 1 1 0 0,-1 1-1 0 0,1-1 1 0 0,-1 0 0 0 0,1 0-1 0 0,0 1 1 0 0,-1-1-1 0 0,1 1 1 0 0,-1-1-1 0 0,1 1 1 0 0,-1-1 0 0 0,0 1-1 0 0,1 0 1 0 0,-1 0-1 0 0,0 0 1 0 0,2 1 0 0 0,-1 0 12 0 0,0 1 1 0 0,0-1 0 0 0,0 0 0 0 0,-1 1 0 0 0,1 0-1 0 0,-1-1 1 0 0,1 1 0 0 0,-1 0 0 0 0,2 5 0 0 0,-1 4 48 0 0,1 0 1 0 0,-1 0 0 0 0,0 24 0 0 0,-3 15 118 0 0,-13 89 1 0 0,7-86-93 0 0,4-32-67 0 0,-2 21 22 0 0,23-76 17 0 0,13-52-57 0 0,-20 52-21 0 0,0 2 0 0 0,3-1-1 0 0,0 2 1 0 0,20-30 0 0 0,-29 52 14 0 0,1 0 0 0 0,0 1 0 0 0,12-11 0 0 0,-15 16 0 0 0,-1 0 0 0 0,1-1 0 0 0,-1 1 0 0 0,1 1 0 0 0,0-1 0 0 0,0 0 0 0 0,0 1 0 0 0,0 0 0 0 0,0-1 0 0 0,1 1 0 0 0,-1 0 0 0 0,0 1 0 0 0,7-2 0 0 0,-9 2 3 0 0,0 1 0 0 0,0-1 0 0 0,0 1 0 0 0,1-1 0 0 0,-1 1 0 0 0,0-1 0 0 0,0 1 1 0 0,0-1-1 0 0,0 1 0 0 0,0 0 0 0 0,0 0 0 0 0,0 0 0 0 0,-1-1 0 0 0,1 1 0 0 0,0 0 0 0 0,0 0 0 0 0,-1 0 0 0 0,1 0 0 0 0,0 0 0 0 0,-1 0 0 0 0,1 1 0 0 0,-1-1 0 0 0,1 2 0 0 0,8 30 92 0 0,-5-6 35 0 0,-2 0-1 0 0,0 1 1 0 0,-3 0-1 0 0,-3 32 1 0 0,1-26 11 0 0,2 0 1 0 0,3 41-1 0 0,-2-73-143 0 0,1 0 1 0 0,-1 0-1 0 0,1 0 0 0 0,-1 0 0 0 0,1-1 0 0 0,0 1 1 0 0,-1 0-1 0 0,1 0 0 0 0,0 0 0 0 0,0-1 0 0 0,0 1 1 0 0,0-1-1 0 0,1 1 0 0 0,-1 0 0 0 0,0-1 0 0 0,1 0 1 0 0,-1 1-1 0 0,1-1 0 0 0,-1 0 0 0 0,3 1 0 0 0,14 5-6621 0 0,-9-5-628 0 0</inkml:trace>
 </inkml:ink>
 </file>
 
@@ -3707,38 +3697,6 @@
           <inkml:channelProperty channel="OE" name="resolution" value="1000" units="1/deg"/>
         </inkml:channelProperties>
       </inkml:inkSource>
-      <inkml:timestamp xml:id="ts0" timeString="2022-03-25T10:40:46.490"/>
-    </inkml:context>
-    <inkml:brush xml:id="br0">
-      <inkml:brushProperty name="width" value="0.05" units="cm"/>
-      <inkml:brushProperty name="height" value="0.05" units="cm"/>
-      <inkml:brushProperty name="color" value="#F6630D"/>
-    </inkml:brush>
-  </inkml:definitions>
-  <inkml:trace contextRef="#ctx0" brushRef="#br0">83 19 6447 0 0,'0'0'94'0'0,"0"0"-1"0"0,-1 0 0 0 0,1 0 0 0 0,0 0 1 0 0,0 0-1 0 0,0 0 0 0 0,-1 0 0 0 0,1 0 1 0 0,0-1-1 0 0,0 1 0 0 0,0 0 0 0 0,0 0 1 0 0,0 0-1 0 0,0 0 0 0 0,-1-1 0 0 0,1 1 1 0 0,0 0-1 0 0,0 0 0 0 0,0 0 0 0 0,0-1 1 0 0,0 1-1 0 0,0 0 0 0 0,0 0 0 0 0,0 0 0 0 0,0-1 1 0 0,0 1-1 0 0,0 0 0 0 0,0 0 0 0 0,0 0 1 0 0,0-1-1 0 0,0 1 0 0 0,0 0 0 0 0,0 0 1 0 0,0 0-1 0 0,0-1 0 0 0,0 1 0 0 0,0 0 1 0 0,0 0-1 0 0,0 0 0 0 0,0 0 0 0 0,1-1 1 0 0,-1 1-1 0 0,0 0 0 0 0,0 0 0 0 0,0 0 1 0 0,0 0-1 0 0,0-1 0 0 0,1 1 0 0 0,-1 0 1 0 0,0 0-1 0 0,0 0 0 0 0,0 0 0 0 0,1 0 1 0 0,-1 0 50 0 0,1 0 0 0 0,-1 0 0 0 0,1 0 0 0 0,-1 0 0 0 0,1 0 0 0 0,-1 0 0 0 0,1 0 0 0 0,-1 1 1 0 0,1-1-1 0 0,-1 0 0 0 0,1 0 0 0 0,-1 1 0 0 0,0-1 0 0 0,1 0 0 0 0,-1 0 0 0 0,1 1 0 0 0,-1-1 1 0 0,0 1-1 0 0,1-1 0 0 0,-1 0 0 0 0,0 1 0 0 0,0-1 0 0 0,1 1 0 0 0,-1-1 0 0 0,0 1 0 0 0,0-1 1 0 0,1 0-1 0 0,-1 1 0 0 0,0 0 0 0 0,4 12 323 0 0,0 0 0 0 0,0 1 0 0 0,-2-1 0 0 0,0 1-1 0 0,0 0 1 0 0,-1 16 0 0 0,-7 84 822 0 0,6-105-1199 0 0,-2 12 21 0 0,0 0 0 0 0,-1 0 0 0 0,-2 0 0 0 0,0 0 1 0 0,-1-1-1 0 0,-11 25 0 0 0,16-42-107 0 0,0-1 0 0 0,-1 0-1 0 0,1 0 1 0 0,-1 0 0 0 0,1 0-1 0 0,-1 0 1 0 0,0 0 0 0 0,0 0 0 0 0,0 0-1 0 0,0-1 1 0 0,0 1 0 0 0,0-1-1 0 0,-4 3 1 0 0,5-4-3 0 0,0 1 0 0 0,0-1-1 0 0,0 0 1 0 0,0 0 0 0 0,0 0-1 0 0,0 0 1 0 0,0 0 0 0 0,0 0-1 0 0,0 0 1 0 0,0 0 0 0 0,0 0 0 0 0,0 0-1 0 0,0 0 1 0 0,1-1 0 0 0,-1 1-1 0 0,0 0 1 0 0,0-1 0 0 0,0 1-1 0 0,0 0 1 0 0,0-1 0 0 0,0 1 0 0 0,1-1-1 0 0,-1 0 1 0 0,0 1 0 0 0,1-1-1 0 0,-1 0 1 0 0,0 1 0 0 0,1-1-1 0 0,-1 0 1 0 0,0 0 0 0 0,1 1 0 0 0,-1-1-1 0 0,1 0 1 0 0,0 0 0 0 0,-1 0-1 0 0,1 0 1 0 0,0 0 0 0 0,-1 0-1 0 0,1-1 1 0 0,-2-5-4 0 0,0-1-1 0 0,0 0 1 0 0,1 1-1 0 0,0-1 0 0 0,1 0 1 0 0,-1 0-1 0 0,2 0 1 0 0,0-12-1 0 0,3-2-12 0 0,11-39 0 0 0,-15 59 16 0 0,11-36 0 0 0,1 0 0 0 0,2 1 0 0 0,19-37 0 0 0,-28 66 0 0 0,0 0 0 0 0,1 0 0 0 0,0 1 0 0 0,11-11 0 0 0,-14 14 0 0 0,0 1 0 0 0,1 0 0 0 0,0 0 0 0 0,0 1 0 0 0,0-1 0 0 0,0 1 0 0 0,0-1 0 0 0,1 1 0 0 0,-1 1 0 0 0,0-1 0 0 0,6-1 0 0 0,-8 3 4 0 0,-1 0-1 0 0,1 0 1 0 0,-1 0 0 0 0,1-1-1 0 0,0 1 1 0 0,-1 1-1 0 0,1-1 1 0 0,-1 0 0 0 0,1 0-1 0 0,0 1 1 0 0,-1-1-1 0 0,1 1 1 0 0,-1-1-1 0 0,1 1 1 0 0,-1-1 0 0 0,0 1-1 0 0,1 0 1 0 0,-1 0-1 0 0,0 0 1 0 0,2 1 0 0 0,-1 0 12 0 0,0 1 1 0 0,0-1 0 0 0,0 0 0 0 0,-1 1 0 0 0,1 0-1 0 0,-1-1 1 0 0,1 1 0 0 0,-1 0 0 0 0,2 5 0 0 0,-1 4 48 0 0,1 0 1 0 0,-1 0 0 0 0,0 24 0 0 0,-3 15 118 0 0,-13 89 1 0 0,7-86-93 0 0,4-32-67 0 0,-2 21 22 0 0,23-76 17 0 0,13-52-57 0 0,-20 52-21 0 0,0 2 0 0 0,3-1-1 0 0,0 2 1 0 0,20-30 0 0 0,-29 52 14 0 0,1 0 0 0 0,0 1 0 0 0,12-11 0 0 0,-15 16 0 0 0,-1 0 0 0 0,1-1 0 0 0,-1 1 0 0 0,1 1 0 0 0,0-1 0 0 0,0 0 0 0 0,0 1 0 0 0,0 0 0 0 0,0-1 0 0 0,1 1 0 0 0,-1 0 0 0 0,0 1 0 0 0,7-2 0 0 0,-9 2 3 0 0,0 1 0 0 0,0-1 0 0 0,0 1 0 0 0,1-1 0 0 0,-1 1 0 0 0,0-1 0 0 0,0 1 1 0 0,0-1-1 0 0,0 1 0 0 0,0 0 0 0 0,0 0 0 0 0,0 0 0 0 0,-1-1 0 0 0,1 1 0 0 0,0 0 0 0 0,0 0 0 0 0,-1 0 0 0 0,1 0 0 0 0,0 0 0 0 0,-1 0 0 0 0,1 1 0 0 0,-1-1 0 0 0,1 2 0 0 0,8 30 92 0 0,-5-6 35 0 0,-2 0-1 0 0,0 1 1 0 0,-3 0-1 0 0,-3 32 1 0 0,1-26 11 0 0,2 0 1 0 0,3 41-1 0 0,-2-73-143 0 0,1 0 1 0 0,-1 0-1 0 0,1 0 0 0 0,-1 0 0 0 0,1-1 0 0 0,0 1 1 0 0,-1 0-1 0 0,1 0 0 0 0,0 0 0 0 0,0-1 0 0 0,0 1 1 0 0,0-1-1 0 0,1 1 0 0 0,-1 0 0 0 0,0-1 0 0 0,1 0 1 0 0,-1 1-1 0 0,1-1 0 0 0,-1 0 0 0 0,3 1 0 0 0,14 5-6621 0 0,-9-5-628 0 0</inkml:trace>
-</inkml:ink>
-</file>
-
-<file path=ppt/ink/ink201.xml><?xml version="1.0" encoding="utf-8"?>
-<inkml:ink xmlns:inkml="http://www.w3.org/2003/InkML">
-  <inkml:definitions>
-    <inkml:context xml:id="ctx0">
-      <inkml:inkSource xml:id="inkSrc0">
-        <inkml:traceFormat>
-          <inkml:channel name="X" type="integer" min="-2.14748E9" max="2.14748E9" units="cm"/>
-          <inkml:channel name="Y" type="integer" min="-2.14748E9" max="2.14748E9" units="cm"/>
-          <inkml:channel name="F" type="integer" max="32767" units="dev"/>
-          <inkml:channel name="OA" type="integer" max="360" units="deg"/>
-          <inkml:channel name="OE" type="integer" max="90" units="deg"/>
-        </inkml:traceFormat>
-        <inkml:channelProperties>
-          <inkml:channelProperty channel="X" name="resolution" value="1000" units="1/cm"/>
-          <inkml:channelProperty channel="Y" name="resolution" value="1000" units="1/cm"/>
-          <inkml:channelProperty channel="F" name="resolution" value="0" units="1/dev"/>
-          <inkml:channelProperty channel="OA" name="resolution" value="1000" units="1/deg"/>
-          <inkml:channelProperty channel="OE" name="resolution" value="1000" units="1/deg"/>
-        </inkml:channelProperties>
-      </inkml:inkSource>
       <inkml:timestamp xml:id="ts0" timeString="2022-03-25T10:40:46.862"/>
     </inkml:context>
     <inkml:brush xml:id="br0">
@@ -3751,7 +3709,7 @@
 </inkml:ink>
 </file>
 
-<file path=ppt/ink/ink202.xml><?xml version="1.0" encoding="utf-8"?>
+<file path=ppt/ink/ink201.xml><?xml version="1.0" encoding="utf-8"?>
 <inkml:ink xmlns:inkml="http://www.w3.org/2003/InkML">
   <inkml:definitions>
     <inkml:context xml:id="ctx0">
@@ -3783,7 +3741,7 @@
 </inkml:ink>
 </file>
 
-<file path=ppt/ink/ink203.xml><?xml version="1.0" encoding="utf-8"?>
+<file path=ppt/ink/ink202.xml><?xml version="1.0" encoding="utf-8"?>
 <inkml:ink xmlns:inkml="http://www.w3.org/2003/InkML">
   <inkml:definitions>
     <inkml:context xml:id="ctx0">
@@ -3815,7 +3773,7 @@
 </inkml:ink>
 </file>
 
-<file path=ppt/ink/ink204.xml><?xml version="1.0" encoding="utf-8"?>
+<file path=ppt/ink/ink203.xml><?xml version="1.0" encoding="utf-8"?>
 <inkml:ink xmlns:inkml="http://www.w3.org/2003/InkML">
   <inkml:definitions>
     <inkml:context xml:id="ctx0">
@@ -3847,7 +3805,7 @@
 </inkml:ink>
 </file>
 
-<file path=ppt/ink/ink205.xml><?xml version="1.0" encoding="utf-8"?>
+<file path=ppt/ink/ink204.xml><?xml version="1.0" encoding="utf-8"?>
 <inkml:ink xmlns:inkml="http://www.w3.org/2003/InkML">
   <inkml:definitions>
     <inkml:context xml:id="ctx0">
@@ -3879,7 +3837,7 @@
 </inkml:ink>
 </file>
 
-<file path=ppt/ink/ink206.xml><?xml version="1.0" encoding="utf-8"?>
+<file path=ppt/ink/ink205.xml><?xml version="1.0" encoding="utf-8"?>
 <inkml:ink xmlns:inkml="http://www.w3.org/2003/InkML">
   <inkml:definitions>
     <inkml:context xml:id="ctx0">
@@ -3911,7 +3869,7 @@
 </inkml:ink>
 </file>
 
-<file path=ppt/ink/ink207.xml><?xml version="1.0" encoding="utf-8"?>
+<file path=ppt/ink/ink206.xml><?xml version="1.0" encoding="utf-8"?>
 <inkml:ink xmlns:inkml="http://www.w3.org/2003/InkML">
   <inkml:definitions>
     <inkml:context xml:id="ctx0">
@@ -3943,7 +3901,7 @@
 </inkml:ink>
 </file>
 
-<file path=ppt/ink/ink208.xml><?xml version="1.0" encoding="utf-8"?>
+<file path=ppt/ink/ink207.xml><?xml version="1.0" encoding="utf-8"?>
 <inkml:ink xmlns:inkml="http://www.w3.org/2003/InkML">
   <inkml:definitions>
     <inkml:context xml:id="ctx0">
@@ -3975,7 +3933,7 @@
 </inkml:ink>
 </file>
 
-<file path=ppt/ink/ink209.xml><?xml version="1.0" encoding="utf-8"?>
+<file path=ppt/ink/ink208.xml><?xml version="1.0" encoding="utf-8"?>
 <inkml:ink xmlns:inkml="http://www.w3.org/2003/InkML">
   <inkml:definitions>
     <inkml:context xml:id="ctx0">
@@ -4004,6 +3962,38 @@
     </inkml:brush>
   </inkml:definitions>
   <inkml:trace contextRef="#ctx0" brushRef="#br0">154 53 6911 0 0,'-2'-2'225'0'0,"0"0"0"0"0,0 0-1 0 0,0-1 1 0 0,0 1-1 0 0,0-1 1 0 0,1 1 0 0 0,0-1-1 0 0,-2-4 1 0 0,3 6-20 0 0,0 0 1 0 0,0 0-1 0 0,0 0 1 0 0,0 0-1 0 0,0 0 1 0 0,0 0-1 0 0,0 0 1 0 0,1 0-1 0 0,-1 0 1 0 0,0 0-1 0 0,1 1 1 0 0,-1-1-1 0 0,1 0 1 0 0,-1 0-1 0 0,1 0 1 0 0,-1 0-1 0 0,1 1 1 0 0,-1-1-1 0 0,1 0 1 0 0,0 1-1 0 0,-1-1 1 0 0,1 0-1 0 0,0 1 1 0 0,0-1-1 0 0,0 1 1 0 0,-1-1-1 0 0,1 1 1 0 0,0 0-1 0 0,0-1 1 0 0,2 0-1 0 0,-2 1-34 0 0,1-1 0 0 0,0 1 1 0 0,0-1-1 0 0,-1 1 0 0 0,1 0 0 0 0,0 0 0 0 0,0 0 0 0 0,0 0 0 0 0,0 0 0 0 0,-1 0 0 0 0,1 0 0 0 0,0 0 0 0 0,0 1 1 0 0,0-1-1 0 0,-1 1 0 0 0,1-1 0 0 0,0 1 0 0 0,-1 0 0 0 0,1 0 0 0 0,0-1 0 0 0,-1 1 0 0 0,1 0 0 0 0,-1 1 1 0 0,0-1-1 0 0,3 2 0 0 0,3 4 267 0 0,0 0 0 0 0,0 0 0 0 0,7 12 1 0 0,-12-16-309 0 0,3 4-86 0 0,0 0-1 0 0,-1 1 1 0 0,0 0 0 0 0,0 0-1 0 0,-1 0 1 0 0,0 1 0 0 0,0-1-1 0 0,-1 1 1 0 0,0-1 0 0 0,-1 1-1 0 0,0 0 1 0 0,0 0 0 0 0,-1 16-1 0 0,-1-19-23 0 0,1 0 0 0 0,-1 0-1 0 0,0 0 1 0 0,-1 0 0 0 0,1 0-1 0 0,-1 0 1 0 0,0-1 0 0 0,0 1-1 0 0,-1-1 1 0 0,0 1 0 0 0,0-1-1 0 0,0 0 1 0 0,-1 0 0 0 0,1 0-1 0 0,-1-1 1 0 0,0 1 0 0 0,-1-1-1 0 0,1 0 1 0 0,-1 0 0 0 0,0 0-1 0 0,-5 3 1 0 0,3-3-20 0 0,0-1 0 0 0,-1 1 0 0 0,1-1 0 0 0,-1 0 0 0 0,0-1 0 0 0,0 1 0 0 0,0-2 0 0 0,-16 3 0 0 0,86-15 11 0 0,-37 8 43 0 0,25-4 17 0 0,-24 6-11 0 0,30 3-36 0 0,-42-1 35 0 0,-3 5-5 0 0,33 22-31 0 0,-43-27-21 0 0,0-1 0 0 0,0 1 0 0 0,0 0 0 0 0,0 0 0 0 0,0-1 0 0 0,0 1-1 0 0,-1 0 1 0 0,1 0 0 0 0,0 0 0 0 0,-1 0 0 0 0,1 0 0 0 0,0 0 0 0 0,-1 0 0 0 0,1 0 0 0 0,-1 0 0 0 0,1 0 0 0 0,-1 0-1 0 0,0 0 1 0 0,0 0 0 0 0,1 1 0 0 0,-1-1 0 0 0,0 0 0 0 0,0 0 0 0 0,0 0 0 0 0,0 0 0 0 0,0 1 0 0 0,0-1-1 0 0,-1 0 1 0 0,1 0 0 0 0,0 0 0 0 0,0 0 0 0 0,-1 0 0 0 0,1 0 0 0 0,-1 2 0 0 0,-1 1 10 0 0,-2 7 49 0 0,0-1 1 0 0,-1-1-1 0 0,0 1 1 0 0,0-1-1 0 0,-1 0 1 0 0,0 0-1 0 0,-1 0 1 0 0,0-1-1 0 0,0 0 1 0 0,-14 11-1 0 0,-3 1 93 0 0,0-2-1 0 0,-40 23 0 0 0,59-38-144 0 0,-101 57 135 0 0,87-51-160 0 0,0-1 0 0 0,0-1 0 0 0,-38 10 0 0 0,53-18-182 0 0,6-3-259 0 0,0 2 228 0 0,2-4-459 0 0</inkml:trace>
+</inkml:ink>
+</file>
+
+<file path=ppt/ink/ink209.xml><?xml version="1.0" encoding="utf-8"?>
+<inkml:ink xmlns:inkml="http://www.w3.org/2003/InkML">
+  <inkml:definitions>
+    <inkml:context xml:id="ctx0">
+      <inkml:inkSource xml:id="inkSrc0">
+        <inkml:traceFormat>
+          <inkml:channel name="X" type="integer" min="-2.14748E9" max="2.14748E9" units="cm"/>
+          <inkml:channel name="Y" type="integer" min="-2.14748E9" max="2.14748E9" units="cm"/>
+          <inkml:channel name="F" type="integer" max="32767" units="dev"/>
+          <inkml:channel name="OA" type="integer" max="360" units="deg"/>
+          <inkml:channel name="OE" type="integer" max="90" units="deg"/>
+        </inkml:traceFormat>
+        <inkml:channelProperties>
+          <inkml:channelProperty channel="X" name="resolution" value="1000" units="1/cm"/>
+          <inkml:channelProperty channel="Y" name="resolution" value="1000" units="1/cm"/>
+          <inkml:channelProperty channel="F" name="resolution" value="0" units="1/dev"/>
+          <inkml:channelProperty channel="OA" name="resolution" value="1000" units="1/deg"/>
+          <inkml:channelProperty channel="OE" name="resolution" value="1000" units="1/deg"/>
+        </inkml:channelProperties>
+      </inkml:inkSource>
+      <inkml:timestamp xml:id="ts0" timeString="2022-03-25T10:40:53.970"/>
+    </inkml:context>
+    <inkml:brush xml:id="br0">
+      <inkml:brushProperty name="width" value="0.05" units="cm"/>
+      <inkml:brushProperty name="height" value="0.05" units="cm"/>
+      <inkml:brushProperty name="color" value="#00A0D7"/>
+    </inkml:brush>
+  </inkml:definitions>
+  <inkml:trace contextRef="#ctx0" brushRef="#br0">100 0 7367 0 0,'-3'2'308'0'0,"-1"-1"1"0"0,1 0-1 0 0,0 1 0 0 0,0 0 0 0 0,1 0 0 0 0,-1 0 0 0 0,0 0 0 0 0,0 0 0 0 0,1 0 0 0 0,0 1 0 0 0,-1 0 0 0 0,1-1 0 0 0,0 1 0 0 0,0 0 1 0 0,-2 4-1 0 0,-4 7 490 0 0,1 0 0 0 0,1 1-1 0 0,0-1 1 0 0,1 2 0 0 0,1-1 0 0 0,0 0 0 0 0,-2 23 0 0 0,-3 113 2173 0 0,9-123-2576 0 0,10 471 1957 0 0,-9-473-2287 0 0,1-1 1 0 0,2 1-1 0 0,0-1 1 0 0,2 1 0 0 0,10 25-1 0 0,-16-49-65 0 0,1 0 0 0 0,0 0 1 0 0,1 0-1 0 0,-1 0 0 0 0,0 0 0 0 0,0 0 0 0 0,1 0 1 0 0,-1 0-1 0 0,1 0 0 0 0,0-1 0 0 0,0 1 0 0 0,3 2 0 0 0,-4-3-1 0 0,0-1 0 0 0,0 1 0 0 0,0-1 0 0 0,0 0 0 0 0,1 1 0 0 0,-1-1 0 0 0,0 0 0 0 0,0 0 0 0 0,0 1 0 0 0,0-1 0 0 0,0 0 0 0 0,0 0 0 0 0,1 0 0 0 0,-1 0 0 0 0,0-1 0 0 0,0 1 0 0 0,0 0 0 0 0,0 0 0 0 0,0-1 0 0 0,0 1 0 0 0,1 0 0 0 0,-1-1 0 0 0,0 1 0 0 0,0-1 0 0 0,0 0 0 0 0,0 1 0 0 0,1-2-1 0 0,3-3-413 0 0,1 1 0 0 0,-1-1-1 0 0,-1 0 1 0 0,7-8-1 0 0,2-5-7720 0 0</inkml:trace>
 </inkml:ink>
 </file>
 
@@ -4058,38 +4048,6 @@
           <inkml:channelProperty channel="OE" name="resolution" value="1000" units="1/deg"/>
         </inkml:channelProperties>
       </inkml:inkSource>
-      <inkml:timestamp xml:id="ts0" timeString="2022-03-25T10:40:53.970"/>
-    </inkml:context>
-    <inkml:brush xml:id="br0">
-      <inkml:brushProperty name="width" value="0.05" units="cm"/>
-      <inkml:brushProperty name="height" value="0.05" units="cm"/>
-      <inkml:brushProperty name="color" value="#00A0D7"/>
-    </inkml:brush>
-  </inkml:definitions>
-  <inkml:trace contextRef="#ctx0" brushRef="#br0">100 0 7367 0 0,'-3'2'308'0'0,"-1"-1"1"0"0,1 0-1 0 0,0 1 0 0 0,0 0 0 0 0,1 0 0 0 0,-1 0 0 0 0,0 0 0 0 0,0 0 0 0 0,1 0 0 0 0,0 1 0 0 0,-1 0 0 0 0,1-1 0 0 0,0 1 0 0 0,0 0 1 0 0,-2 4-1 0 0,-4 7 490 0 0,1 0 0 0 0,1 1-1 0 0,0-1 1 0 0,1 2 0 0 0,1-1 0 0 0,0 0 0 0 0,-2 23 0 0 0,-3 113 2173 0 0,9-123-2576 0 0,10 471 1957 0 0,-9-473-2287 0 0,1-1 1 0 0,2 1-1 0 0,0-1 1 0 0,2 1 0 0 0,10 25-1 0 0,-16-49-65 0 0,1 0 0 0 0,0 0 1 0 0,1 0-1 0 0,-1 0 0 0 0,0 0 0 0 0,0 0 0 0 0,1 0 1 0 0,-1 0-1 0 0,1 0 0 0 0,0-1 0 0 0,0 1 0 0 0,3 2 0 0 0,-4-3-1 0 0,0-1 0 0 0,0 1 0 0 0,0-1 0 0 0,0 0 0 0 0,1 1 0 0 0,-1-1 0 0 0,0 0 0 0 0,0 0 0 0 0,0 1 0 0 0,0-1 0 0 0,0 0 0 0 0,0 0 0 0 0,1 0 0 0 0,-1 0 0 0 0,0-1 0 0 0,0 1 0 0 0,0 0 0 0 0,0 0 0 0 0,0-1 0 0 0,0 1 0 0 0,1 0 0 0 0,-1-1 0 0 0,0 1 0 0 0,0-1 0 0 0,0 0 0 0 0,0 1 0 0 0,1-2-1 0 0,3-3-413 0 0,1 1 0 0 0,-1-1-1 0 0,-1 0 1 0 0,7-8-1 0 0,2-5-7720 0 0</inkml:trace>
-</inkml:ink>
-</file>
-
-<file path=ppt/ink/ink211.xml><?xml version="1.0" encoding="utf-8"?>
-<inkml:ink xmlns:inkml="http://www.w3.org/2003/InkML">
-  <inkml:definitions>
-    <inkml:context xml:id="ctx0">
-      <inkml:inkSource xml:id="inkSrc0">
-        <inkml:traceFormat>
-          <inkml:channel name="X" type="integer" min="-2.14748E9" max="2.14748E9" units="cm"/>
-          <inkml:channel name="Y" type="integer" min="-2.14748E9" max="2.14748E9" units="cm"/>
-          <inkml:channel name="F" type="integer" max="32767" units="dev"/>
-          <inkml:channel name="OA" type="integer" max="360" units="deg"/>
-          <inkml:channel name="OE" type="integer" max="90" units="deg"/>
-        </inkml:traceFormat>
-        <inkml:channelProperties>
-          <inkml:channelProperty channel="X" name="resolution" value="1000" units="1/cm"/>
-          <inkml:channelProperty channel="Y" name="resolution" value="1000" units="1/cm"/>
-          <inkml:channelProperty channel="F" name="resolution" value="0" units="1/dev"/>
-          <inkml:channelProperty channel="OA" name="resolution" value="1000" units="1/deg"/>
-          <inkml:channelProperty channel="OE" name="resolution" value="1000" units="1/deg"/>
-        </inkml:channelProperties>
-      </inkml:inkSource>
       <inkml:timestamp xml:id="ts0" timeString="2022-03-25T10:41:05.944"/>
     </inkml:context>
     <inkml:brush xml:id="br0">
@@ -4102,7 +4060,7 @@
 </inkml:ink>
 </file>
 
-<file path=ppt/ink/ink212.xml><?xml version="1.0" encoding="utf-8"?>
+<file path=ppt/ink/ink211.xml><?xml version="1.0" encoding="utf-8"?>
 <inkml:ink xmlns:inkml="http://www.w3.org/2003/InkML">
   <inkml:definitions>
     <inkml:context xml:id="ctx0">
@@ -4134,7 +4092,7 @@
 </inkml:ink>
 </file>
 
-<file path=ppt/ink/ink213.xml><?xml version="1.0" encoding="utf-8"?>
+<file path=ppt/ink/ink212.xml><?xml version="1.0" encoding="utf-8"?>
 <inkml:ink xmlns:inkml="http://www.w3.org/2003/InkML">
   <inkml:definitions>
     <inkml:context xml:id="ctx0">
@@ -4166,7 +4124,7 @@
 </inkml:ink>
 </file>
 
-<file path=ppt/ink/ink214.xml><?xml version="1.0" encoding="utf-8"?>
+<file path=ppt/ink/ink213.xml><?xml version="1.0" encoding="utf-8"?>
 <inkml:ink xmlns:inkml="http://www.w3.org/2003/InkML">
   <inkml:definitions>
     <inkml:context xml:id="ctx0">
@@ -4198,7 +4156,7 @@
 </inkml:ink>
 </file>
 
-<file path=ppt/ink/ink215.xml><?xml version="1.0" encoding="utf-8"?>
+<file path=ppt/ink/ink214.xml><?xml version="1.0" encoding="utf-8"?>
 <inkml:ink xmlns:inkml="http://www.w3.org/2003/InkML">
   <inkml:definitions>
     <inkml:context xml:id="ctx0">
@@ -4230,7 +4188,7 @@
 </inkml:ink>
 </file>
 
-<file path=ppt/ink/ink216.xml><?xml version="1.0" encoding="utf-8"?>
+<file path=ppt/ink/ink215.xml><?xml version="1.0" encoding="utf-8"?>
 <inkml:ink xmlns:inkml="http://www.w3.org/2003/InkML">
   <inkml:definitions>
     <inkml:context xml:id="ctx0">
@@ -4262,7 +4220,7 @@
 </inkml:ink>
 </file>
 
-<file path=ppt/ink/ink217.xml><?xml version="1.0" encoding="utf-8"?>
+<file path=ppt/ink/ink216.xml><?xml version="1.0" encoding="utf-8"?>
 <inkml:ink xmlns:inkml="http://www.w3.org/2003/InkML">
   <inkml:definitions>
     <inkml:context xml:id="ctx0">
@@ -4294,7 +4252,7 @@
 </inkml:ink>
 </file>
 
-<file path=ppt/ink/ink218.xml><?xml version="1.0" encoding="utf-8"?>
+<file path=ppt/ink/ink217.xml><?xml version="1.0" encoding="utf-8"?>
 <inkml:ink xmlns:inkml="http://www.w3.org/2003/InkML">
   <inkml:definitions>
     <inkml:context xml:id="ctx0">
@@ -4327,7 +4285,7 @@
 </inkml:ink>
 </file>
 
-<file path=ppt/ink/ink219.xml><?xml version="1.0" encoding="utf-8"?>
+<file path=ppt/ink/ink218.xml><?xml version="1.0" encoding="utf-8"?>
 <inkml:ink xmlns:inkml="http://www.w3.org/2003/InkML">
   <inkml:definitions>
     <inkml:context xml:id="ctx0">
@@ -4356,6 +4314,39 @@
     </inkml:brush>
   </inkml:definitions>
   <inkml:trace contextRef="#ctx0" brushRef="#br0">7 4 8287 0 0,'0'-1'50'0'0,"0"1"-1"0"0,0 0 1 0 0,0 0-1 0 0,0 0 1 0 0,-1 0-1 0 0,1 0 1 0 0,0 0-1 0 0,0-1 1 0 0,0 1-1 0 0,0 0 1 0 0,0 0-1 0 0,0 0 1 0 0,0 0-1 0 0,0 0 1 0 0,0 0-1 0 0,0 0 1 0 0,-1 0-1 0 0,1-1 1 0 0,0 1-1 0 0,0 0 1 0 0,0 0-1 0 0,0 0 1 0 0,0 0-1 0 0,0 0 1 0 0,-1 0-1 0 0,1 0 1 0 0,0 0-1 0 0,0 0 1 0 0,0 0-1 0 0,0 0 1 0 0,0 0-1 0 0,-1 0 1 0 0,1 0-1 0 0,0 0 1 0 0,0 0-1 0 0,0 0 1 0 0,0 0-1 0 0,0 0 1 0 0,-1 0-1 0 0,1 0 1 0 0,0 0-1 0 0,0 0 1 0 0,0 0-1 0 0,0 1 1 0 0,0-1-1 0 0,0 0 1 0 0,0 0-1 0 0,-1 0 1 0 0,1 0-1 0 0,0 0 1 0 0,0 0-1 0 0,0 0 1 0 0,0 0 0 0 0,0 1-1 0 0,0-1 1 0 0,0 0-1 0 0,0 0 1 0 0,0 0-1 0 0,0 0 1 0 0,0 0-1 0 0,-1 15 1838 0 0,9 25 345 0 0,-7-36-1831 0 0,28 222 3002 0 0,-9-54-3348 0 0,-16-150-1411 0 0,-1-6-5070 0 0</inkml:trace>
+</inkml:ink>
+</file>
+
+<file path=ppt/ink/ink219.xml><?xml version="1.0" encoding="utf-8"?>
+<inkml:ink xmlns:inkml="http://www.w3.org/2003/InkML">
+  <inkml:definitions>
+    <inkml:context xml:id="ctx0">
+      <inkml:inkSource xml:id="inkSrc0">
+        <inkml:traceFormat>
+          <inkml:channel name="X" type="integer" min="-2.14748E9" max="2.14748E9" units="cm"/>
+          <inkml:channel name="Y" type="integer" min="-2.14748E9" max="2.14748E9" units="cm"/>
+          <inkml:channel name="F" type="integer" max="32767" units="dev"/>
+          <inkml:channel name="OA" type="integer" max="360" units="deg"/>
+          <inkml:channel name="OE" type="integer" max="90" units="deg"/>
+        </inkml:traceFormat>
+        <inkml:channelProperties>
+          <inkml:channelProperty channel="X" name="resolution" value="1000" units="1/cm"/>
+          <inkml:channelProperty channel="Y" name="resolution" value="1000" units="1/cm"/>
+          <inkml:channelProperty channel="F" name="resolution" value="0" units="1/dev"/>
+          <inkml:channelProperty channel="OA" name="resolution" value="1000" units="1/deg"/>
+          <inkml:channelProperty channel="OE" name="resolution" value="1000" units="1/deg"/>
+        </inkml:channelProperties>
+      </inkml:inkSource>
+      <inkml:timestamp xml:id="ts0" timeString="2022-03-25T10:43:47.980"/>
+    </inkml:context>
+    <inkml:brush xml:id="br0">
+      <inkml:brushProperty name="width" value="0.05" units="cm"/>
+      <inkml:brushProperty name="height" value="0.05" units="cm"/>
+      <inkml:brushProperty name="color" value="#00A0D7"/>
+    </inkml:brush>
+  </inkml:definitions>
+  <inkml:trace contextRef="#ctx0" brushRef="#br0">0 136 2303 0 0,'0'-1'63'0'0,"0"0"0"0"0,1 0 0 0 0,-1 0 0 0 0,0 0 0 0 0,0 1 0 0 0,1-1 0 0 0,-1 0 0 0 0,0 0 0 0 0,1 1 0 0 0,-1-1 0 0 0,0 0 0 0 0,1 1 0 0 0,-1-1 0 0 0,1 0-1 0 0,0 1 1 0 0,-1-1 0 0 0,1 1 0 0 0,-1-1 0 0 0,1 1 0 0 0,0-1 0 0 0,-1 1 0 0 0,1-1 0 0 0,0 1 0 0 0,0 0 0 0 0,1-1 0 0 0,19-5 2482 0 0,-15 5-101 0 0,11-3-1272 0 0,51-12-111 0 0,-51 12-49 0 0,58-15 944 0 0,-60 15-1192 0 0,1-1-85 0 0,48-12-21 0 0,-48 12-47 0 0,0 1-192 0 0,65-14 230 0 0,-17 5-105 0 0,-51 10 109 0 0,1 5-458 0 0,46 3-10 0 0,-57-4-145 0 0,0-1 0 0 0,0 0 0 0 0,0 1-1 0 0,0-1 1 0 0,0 1 0 0 0,0 0 0 0 0,0 0 0 0 0,-1 0 0 0 0,1 0-1 0 0,0 1 1 0 0,0-1 0 0 0,-1 1 0 0 0,1-1 0 0 0,-1 1 0 0 0,0 0-1 0 0,1 0 1 0 0,-1 0 0 0 0,0 1 0 0 0,0-1 0 0 0,0 0-1 0 0,-1 1 1 0 0,1-1 0 0 0,0 1 0 0 0,-1-1 0 0 0,0 1 0 0 0,0 0-1 0 0,1 0 1 0 0,0 5 0 0 0,-1 1 91 0 0,0 1 0 0 0,0 0 0 0 0,-1 0 0 0 0,0 0 0 0 0,-1 0 0 0 0,-2 13 0 0 0,3-19-99 0 0,-3 10-59 0 0,0-1 0 0 0,-1 0-1 0 0,0 1 1 0 0,-1-2 0 0 0,-1 1 0 0 0,0 0 0 0 0,0-1-1 0 0,-2 0 1 0 0,1-1 0 0 0,-1 0 0 0 0,-1 0-1 0 0,0 0 1 0 0,-13 11 0 0 0,7-11-665 0 0,-1-1-19 0 0</inkml:trace>
+  <inkml:trace contextRef="#ctx0" brushRef="#br0" timeOffset="1">198 447 1375 0 0,'-11'6'128'0'0,"37"-8"3982"0"0,6-5-529 0 0,19-3-2249 0 0,-37 7-156 0 0,2 0-7 0 0,49-9-46 0 0,-49 10-192 0 0,0-1-89 0 0,47-7-11 0 0,-48 7-82 0 0,0-1-319 0 0,44-10-140 0 0,-45 10-30 0 0,0 0-46 0 0,42-9-186 0 0,-42 9-102 0 0</inkml:trace>
 </inkml:ink>
 </file>
 
@@ -4410,39 +4401,6 @@
           <inkml:channelProperty channel="OE" name="resolution" value="1000" units="1/deg"/>
         </inkml:channelProperties>
       </inkml:inkSource>
-      <inkml:timestamp xml:id="ts0" timeString="2022-03-25T10:43:47.980"/>
-    </inkml:context>
-    <inkml:brush xml:id="br0">
-      <inkml:brushProperty name="width" value="0.05" units="cm"/>
-      <inkml:brushProperty name="height" value="0.05" units="cm"/>
-      <inkml:brushProperty name="color" value="#00A0D7"/>
-    </inkml:brush>
-  </inkml:definitions>
-  <inkml:trace contextRef="#ctx0" brushRef="#br0">0 136 2303 0 0,'0'-1'63'0'0,"0"0"0"0"0,1 0 0 0 0,-1 0 0 0 0,0 0 0 0 0,0 1 0 0 0,1-1 0 0 0,-1 0 0 0 0,0 0 0 0 0,1 1 0 0 0,-1-1 0 0 0,0 0 0 0 0,1 1 0 0 0,-1-1 0 0 0,1 0-1 0 0,0 1 1 0 0,-1-1 0 0 0,1 1 0 0 0,-1-1 0 0 0,1 1 0 0 0,0-1 0 0 0,-1 1 0 0 0,1-1 0 0 0,0 1 0 0 0,0 0 0 0 0,1-1 0 0 0,19-5 2482 0 0,-15 5-101 0 0,11-3-1272 0 0,51-12-111 0 0,-51 12-49 0 0,58-15 944 0 0,-60 15-1192 0 0,1-1-85 0 0,48-12-21 0 0,-48 12-47 0 0,0 1-192 0 0,65-14 230 0 0,-17 5-105 0 0,-51 10 109 0 0,1 5-458 0 0,46 3-10 0 0,-57-4-145 0 0,0-1 0 0 0,0 0 0 0 0,0 1-1 0 0,0-1 1 0 0,0 1 0 0 0,0 0 0 0 0,0 0 0 0 0,-1 0 0 0 0,1 0-1 0 0,0 1 1 0 0,0-1 0 0 0,-1 1 0 0 0,1-1 0 0 0,-1 1 0 0 0,0 0-1 0 0,1 0 1 0 0,-1 0 0 0 0,0 1 0 0 0,0-1 0 0 0,0 0-1 0 0,-1 1 1 0 0,1-1 0 0 0,0 1 0 0 0,-1-1 0 0 0,0 1 0 0 0,0 0-1 0 0,1 0 1 0 0,0 5 0 0 0,-1 1 91 0 0,0 1 0 0 0,0 0 0 0 0,-1 0 0 0 0,0 0 0 0 0,-1 0 0 0 0,-2 13 0 0 0,3-19-99 0 0,-3 10-59 0 0,0-1 0 0 0,-1 0-1 0 0,0 1 1 0 0,-1-2 0 0 0,-1 1 0 0 0,0 0 0 0 0,0-1-1 0 0,-2 0 1 0 0,1-1 0 0 0,-1 0 0 0 0,-1 0-1 0 0,0 0 1 0 0,-13 11 0 0 0,7-11-665 0 0,-1-1-19 0 0</inkml:trace>
-  <inkml:trace contextRef="#ctx0" brushRef="#br0" timeOffset="1">198 447 1375 0 0,'-11'6'128'0'0,"37"-8"3982"0"0,6-5-529 0 0,19-3-2249 0 0,-37 7-156 0 0,2 0-7 0 0,49-9-46 0 0,-49 10-192 0 0,0-1-89 0 0,47-7-11 0 0,-48 7-82 0 0,0-1-319 0 0,44-10-140 0 0,-45 10-30 0 0,0 0-46 0 0,42-9-186 0 0,-42 9-102 0 0</inkml:trace>
-</inkml:ink>
-</file>
-
-<file path=ppt/ink/ink221.xml><?xml version="1.0" encoding="utf-8"?>
-<inkml:ink xmlns:inkml="http://www.w3.org/2003/InkML">
-  <inkml:definitions>
-    <inkml:context xml:id="ctx0">
-      <inkml:inkSource xml:id="inkSrc0">
-        <inkml:traceFormat>
-          <inkml:channel name="X" type="integer" min="-2.14748E9" max="2.14748E9" units="cm"/>
-          <inkml:channel name="Y" type="integer" min="-2.14748E9" max="2.14748E9" units="cm"/>
-          <inkml:channel name="F" type="integer" max="32767" units="dev"/>
-          <inkml:channel name="OA" type="integer" max="360" units="deg"/>
-          <inkml:channel name="OE" type="integer" max="90" units="deg"/>
-        </inkml:traceFormat>
-        <inkml:channelProperties>
-          <inkml:channelProperty channel="X" name="resolution" value="1000" units="1/cm"/>
-          <inkml:channelProperty channel="Y" name="resolution" value="1000" units="1/cm"/>
-          <inkml:channelProperty channel="F" name="resolution" value="0" units="1/dev"/>
-          <inkml:channelProperty channel="OA" name="resolution" value="1000" units="1/deg"/>
-          <inkml:channelProperty channel="OE" name="resolution" value="1000" units="1/deg"/>
-        </inkml:channelProperties>
-      </inkml:inkSource>
       <inkml:timestamp xml:id="ts0" timeString="2022-03-25T10:44:12.580"/>
     </inkml:context>
     <inkml:brush xml:id="br0">
@@ -4455,7 +4413,7 @@
 </inkml:ink>
 </file>
 
-<file path=ppt/ink/ink222.xml><?xml version="1.0" encoding="utf-8"?>
+<file path=ppt/ink/ink221.xml><?xml version="1.0" encoding="utf-8"?>
 <inkml:ink xmlns:inkml="http://www.w3.org/2003/InkML">
   <inkml:definitions>
     <inkml:context xml:id="ctx0">
@@ -4487,7 +4445,7 @@
 </inkml:ink>
 </file>
 
-<file path=ppt/ink/ink223.xml><?xml version="1.0" encoding="utf-8"?>
+<file path=ppt/ink/ink222.xml><?xml version="1.0" encoding="utf-8"?>
 <inkml:ink xmlns:inkml="http://www.w3.org/2003/InkML">
   <inkml:definitions>
     <inkml:context xml:id="ctx0">
@@ -4519,7 +4477,7 @@
 </inkml:ink>
 </file>
 
-<file path=ppt/ink/ink224.xml><?xml version="1.0" encoding="utf-8"?>
+<file path=ppt/ink/ink223.xml><?xml version="1.0" encoding="utf-8"?>
 <inkml:ink xmlns:inkml="http://www.w3.org/2003/InkML">
   <inkml:definitions>
     <inkml:context xml:id="ctx0">
@@ -4551,7 +4509,7 @@
 </inkml:ink>
 </file>
 
-<file path=ppt/ink/ink225.xml><?xml version="1.0" encoding="utf-8"?>
+<file path=ppt/ink/ink224.xml><?xml version="1.0" encoding="utf-8"?>
 <inkml:ink xmlns:inkml="http://www.w3.org/2003/InkML">
   <inkml:definitions>
     <inkml:context xml:id="ctx0">
@@ -4583,7 +4541,7 @@
 </inkml:ink>
 </file>
 
-<file path=ppt/ink/ink226.xml><?xml version="1.0" encoding="utf-8"?>
+<file path=ppt/ink/ink225.xml><?xml version="1.0" encoding="utf-8"?>
 <inkml:ink xmlns:inkml="http://www.w3.org/2003/InkML">
   <inkml:definitions>
     <inkml:context xml:id="ctx0">
@@ -4615,7 +4573,7 @@
 </inkml:ink>
 </file>
 
-<file path=ppt/ink/ink227.xml><?xml version="1.0" encoding="utf-8"?>
+<file path=ppt/ink/ink226.xml><?xml version="1.0" encoding="utf-8"?>
 <inkml:ink xmlns:inkml="http://www.w3.org/2003/InkML">
   <inkml:definitions>
     <inkml:context xml:id="ctx0">
@@ -4647,7 +4605,7 @@
 </inkml:ink>
 </file>
 
-<file path=ppt/ink/ink228.xml><?xml version="1.0" encoding="utf-8"?>
+<file path=ppt/ink/ink227.xml><?xml version="1.0" encoding="utf-8"?>
 <inkml:ink xmlns:inkml="http://www.w3.org/2003/InkML">
   <inkml:definitions>
     <inkml:context xml:id="ctx0">
@@ -4679,7 +4637,7 @@
 </inkml:ink>
 </file>
 
-<file path=ppt/ink/ink229.xml><?xml version="1.0" encoding="utf-8"?>
+<file path=ppt/ink/ink228.xml><?xml version="1.0" encoding="utf-8"?>
 <inkml:ink xmlns:inkml="http://www.w3.org/2003/InkML">
   <inkml:definitions>
     <inkml:context xml:id="ctx0">
@@ -4708,6 +4666,38 @@
     </inkml:brush>
   </inkml:definitions>
   <inkml:trace contextRef="#ctx0" brushRef="#br0">1 0 7367 0 0,'0'1'284'0'0,"1"0"-1"0"0,0 0 0 0 0,-1 1 0 0 0,1-1 0 0 0,-1 0 1 0 0,1 0-1 0 0,-1 0 0 0 0,1 1 0 0 0,-1-1 1 0 0,0 0-1 0 0,0 0 0 0 0,1 1 0 0 0,-1-1 0 0 0,0 0 1 0 0,0 1-1 0 0,0 0 0 0 0,0 2 238 0 0,4 75 5074 0 0,-8 41-2260 0 0,1-60-2546 0 0,0 5-570 0 0,4 0 0 0 0,15 116 0 0 0,-11-159-299 0 0</inkml:trace>
+</inkml:ink>
+</file>
+
+<file path=ppt/ink/ink229.xml><?xml version="1.0" encoding="utf-8"?>
+<inkml:ink xmlns:inkml="http://www.w3.org/2003/InkML">
+  <inkml:definitions>
+    <inkml:context xml:id="ctx0">
+      <inkml:inkSource xml:id="inkSrc0">
+        <inkml:traceFormat>
+          <inkml:channel name="X" type="integer" min="-2.14748E9" max="2.14748E9" units="cm"/>
+          <inkml:channel name="Y" type="integer" min="-2.14748E9" max="2.14748E9" units="cm"/>
+          <inkml:channel name="F" type="integer" max="32767" units="dev"/>
+          <inkml:channel name="OA" type="integer" max="360" units="deg"/>
+          <inkml:channel name="OE" type="integer" max="90" units="deg"/>
+        </inkml:traceFormat>
+        <inkml:channelProperties>
+          <inkml:channelProperty channel="X" name="resolution" value="1000" units="1/cm"/>
+          <inkml:channelProperty channel="Y" name="resolution" value="1000" units="1/cm"/>
+          <inkml:channelProperty channel="F" name="resolution" value="0" units="1/dev"/>
+          <inkml:channelProperty channel="OA" name="resolution" value="1000" units="1/deg"/>
+          <inkml:channelProperty channel="OE" name="resolution" value="1000" units="1/deg"/>
+        </inkml:channelProperties>
+      </inkml:inkSource>
+      <inkml:timestamp xml:id="ts0" timeString="2022-03-25T10:45:08.157"/>
+    </inkml:context>
+    <inkml:brush xml:id="br0">
+      <inkml:brushProperty name="width" value="0.05" units="cm"/>
+      <inkml:brushProperty name="height" value="0.05" units="cm"/>
+      <inkml:brushProperty name="color" value="#00A0D7"/>
+    </inkml:brush>
+  </inkml:definitions>
+  <inkml:trace contextRef="#ctx0" brushRef="#br0">8 34 6679 0 0,'-1'0'56'0'0,"1"0"-1"0"0,-1 0 1 0 0,1 0-1 0 0,0 0 1 0 0,-1-1 0 0 0,1 1-1 0 0,-1 0 1 0 0,1 0-1 0 0,0-1 1 0 0,-1 1-1 0 0,1 0 1 0 0,0 0-1 0 0,-1-1 1 0 0,1 1-1 0 0,0 0 1 0 0,0-1-1 0 0,-1 1 1 0 0,1-1-1 0 0,0 1 1 0 0,-1-1-1 0 0,8-2 1201 0 0,16 3 125 0 0,-21 0-1504 0 0,0 0 461 0 0,12-2 12 0 0,42-4 2 0 0,-42 4-8 0 0,5 0-33 0 0,57-6-14 0 0,-41 5-1 0 0,28 1 4 0 0,-30 2 18 0 0,36 2 8 0 0,-33 1 2 0 0,38 7 7 0 0,-37-5 28 0 0,38 6 11 0 0,-34-4 2 0 0,49 8-25 0 0,-43-7-106 0 0,-45-7-241 0 0,203 50 388 0 0,123 70 184 0 0,-251-92-453 0 0,1-2 0 0 0,124 24-1 0 0,83 15 194 0 0,106 20 144 0 0,-260-65-286 0 0,176 23 519 0 0,-216-34-480 0 0,-47-6 3 0 0,41 3-1 0 0,-45-4-6 0 0,33 3-1 0 0,-37-4 0 0 0,34 1-8 0 0,-36-2-32 0 0,32 0-9 0 0,-36-1-6 0 0,25 1-15 0 0,-26-1-54 0 0,47 0-10 0 0,11 1-266 0 0,-85-1 88 0 0</inkml:trace>
 </inkml:ink>
 </file>
 
@@ -4762,38 +4752,6 @@
           <inkml:channelProperty channel="OE" name="resolution" value="1000" units="1/deg"/>
         </inkml:channelProperties>
       </inkml:inkSource>
-      <inkml:timestamp xml:id="ts0" timeString="2022-03-25T10:45:08.157"/>
-    </inkml:context>
-    <inkml:brush xml:id="br0">
-      <inkml:brushProperty name="width" value="0.05" units="cm"/>
-      <inkml:brushProperty name="height" value="0.05" units="cm"/>
-      <inkml:brushProperty name="color" value="#00A0D7"/>
-    </inkml:brush>
-  </inkml:definitions>
-  <inkml:trace contextRef="#ctx0" brushRef="#br0">8 34 6679 0 0,'-1'0'56'0'0,"1"0"-1"0"0,-1 0 1 0 0,1 0-1 0 0,0 0 1 0 0,-1-1 0 0 0,1 1-1 0 0,-1 0 1 0 0,1 0-1 0 0,0-1 1 0 0,-1 1-1 0 0,1 0 1 0 0,0 0-1 0 0,-1-1 1 0 0,1 1-1 0 0,0 0 1 0 0,0-1-1 0 0,-1 1 1 0 0,1-1-1 0 0,0 1 1 0 0,-1-1-1 0 0,8-2 1201 0 0,16 3 125 0 0,-21 0-1504 0 0,0 0 461 0 0,12-2 12 0 0,42-4 2 0 0,-42 4-8 0 0,5 0-33 0 0,57-6-14 0 0,-41 5-1 0 0,28 1 4 0 0,-30 2 18 0 0,36 2 8 0 0,-33 1 2 0 0,38 7 7 0 0,-37-5 28 0 0,38 6 11 0 0,-34-4 2 0 0,49 8-25 0 0,-43-7-106 0 0,-45-7-241 0 0,203 50 388 0 0,123 70 184 0 0,-251-92-453 0 0,1-2 0 0 0,124 24-1 0 0,83 15 194 0 0,106 20 144 0 0,-260-65-286 0 0,176 23 519 0 0,-216-34-480 0 0,-47-6 3 0 0,41 3-1 0 0,-45-4-6 0 0,33 3-1 0 0,-37-4 0 0 0,34 1-8 0 0,-36-2-32 0 0,32 0-9 0 0,-36-1-6 0 0,25 1-15 0 0,-26-1-54 0 0,47 0-10 0 0,11 1-266 0 0,-85-1 88 0 0</inkml:trace>
-</inkml:ink>
-</file>
-
-<file path=ppt/ink/ink231.xml><?xml version="1.0" encoding="utf-8"?>
-<inkml:ink xmlns:inkml="http://www.w3.org/2003/InkML">
-  <inkml:definitions>
-    <inkml:context xml:id="ctx0">
-      <inkml:inkSource xml:id="inkSrc0">
-        <inkml:traceFormat>
-          <inkml:channel name="X" type="integer" min="-2.14748E9" max="2.14748E9" units="cm"/>
-          <inkml:channel name="Y" type="integer" min="-2.14748E9" max="2.14748E9" units="cm"/>
-          <inkml:channel name="F" type="integer" max="32767" units="dev"/>
-          <inkml:channel name="OA" type="integer" max="360" units="deg"/>
-          <inkml:channel name="OE" type="integer" max="90" units="deg"/>
-        </inkml:traceFormat>
-        <inkml:channelProperties>
-          <inkml:channelProperty channel="X" name="resolution" value="1000" units="1/cm"/>
-          <inkml:channelProperty channel="Y" name="resolution" value="1000" units="1/cm"/>
-          <inkml:channelProperty channel="F" name="resolution" value="0" units="1/dev"/>
-          <inkml:channelProperty channel="OA" name="resolution" value="1000" units="1/deg"/>
-          <inkml:channelProperty channel="OE" name="resolution" value="1000" units="1/deg"/>
-        </inkml:channelProperties>
-      </inkml:inkSource>
       <inkml:timestamp xml:id="ts0" timeString="2022-03-25T10:45:08.996"/>
     </inkml:context>
     <inkml:brush xml:id="br0">
@@ -4806,7 +4764,7 @@
 </inkml:ink>
 </file>
 
-<file path=ppt/ink/ink232.xml><?xml version="1.0" encoding="utf-8"?>
+<file path=ppt/ink/ink231.xml><?xml version="1.0" encoding="utf-8"?>
 <inkml:ink xmlns:inkml="http://www.w3.org/2003/InkML">
   <inkml:definitions>
     <inkml:context xml:id="ctx0">
@@ -4838,7 +4796,7 @@
 </inkml:ink>
 </file>
 
-<file path=ppt/ink/ink233.xml><?xml version="1.0" encoding="utf-8"?>
+<file path=ppt/ink/ink232.xml><?xml version="1.0" encoding="utf-8"?>
 <inkml:ink xmlns:inkml="http://www.w3.org/2003/InkML">
   <inkml:definitions>
     <inkml:context xml:id="ctx0">
@@ -4870,7 +4828,7 @@
 </inkml:ink>
 </file>
 
-<file path=ppt/ink/ink234.xml><?xml version="1.0" encoding="utf-8"?>
+<file path=ppt/ink/ink233.xml><?xml version="1.0" encoding="utf-8"?>
 <inkml:ink xmlns:inkml="http://www.w3.org/2003/InkML">
   <inkml:definitions>
     <inkml:context xml:id="ctx0">
@@ -4902,7 +4860,7 @@
 </inkml:ink>
 </file>
 
-<file path=ppt/ink/ink235.xml><?xml version="1.0" encoding="utf-8"?>
+<file path=ppt/ink/ink234.xml><?xml version="1.0" encoding="utf-8"?>
 <inkml:ink xmlns:inkml="http://www.w3.org/2003/InkML">
   <inkml:definitions>
     <inkml:context xml:id="ctx0">
@@ -4934,7 +4892,7 @@
 </inkml:ink>
 </file>
 
-<file path=ppt/ink/ink236.xml><?xml version="1.0" encoding="utf-8"?>
+<file path=ppt/ink/ink235.xml><?xml version="1.0" encoding="utf-8"?>
 <inkml:ink xmlns:inkml="http://www.w3.org/2003/InkML">
   <inkml:definitions>
     <inkml:context xml:id="ctx0">
@@ -4966,7 +4924,7 @@
 </inkml:ink>
 </file>
 
-<file path=ppt/ink/ink237.xml><?xml version="1.0" encoding="utf-8"?>
+<file path=ppt/ink/ink236.xml><?xml version="1.0" encoding="utf-8"?>
 <inkml:ink xmlns:inkml="http://www.w3.org/2003/InkML">
   <inkml:definitions>
     <inkml:context xml:id="ctx0">
@@ -4998,7 +4956,7 @@
 </inkml:ink>
 </file>
 
-<file path=ppt/ink/ink238.xml><?xml version="1.0" encoding="utf-8"?>
+<file path=ppt/ink/ink237.xml><?xml version="1.0" encoding="utf-8"?>
 <inkml:ink xmlns:inkml="http://www.w3.org/2003/InkML">
   <inkml:definitions>
     <inkml:context xml:id="ctx0">
@@ -5030,7 +4988,7 @@
 </inkml:ink>
 </file>
 
-<file path=ppt/ink/ink239.xml><?xml version="1.0" encoding="utf-8"?>
+<file path=ppt/ink/ink238.xml><?xml version="1.0" encoding="utf-8"?>
 <inkml:ink xmlns:inkml="http://www.w3.org/2003/InkML">
   <inkml:definitions>
     <inkml:context xml:id="ctx0">
@@ -5060,6 +5018,39 @@
   </inkml:definitions>
   <inkml:trace contextRef="#ctx0" brushRef="#br0">0 61 1839 0 0,'0'-2'22'0'0,"0"1"0"0"0,0 0 0 0 0,0 0-1 0 0,0 0 1 0 0,0-1 0 0 0,1 1-1 0 0,-1 0 1 0 0,0 0 0 0 0,1 0-1 0 0,-1 0 1 0 0,1-1 0 0 0,-1 1-1 0 0,1 0 1 0 0,-1 0 0 0 0,1 0 0 0 0,0 0-1 0 0,0 0 1 0 0,-1 0 0 0 0,2-1-1 0 0,2 0 834 0 0,0 0 0 0 0,0-1 0 0 0,0 1 0 0 0,0 1 0 0 0,0-1 0 0 0,0 1 0 0 0,7-2 0 0 0,44-12 511 0 0,-42 11 1945 0 0,2 4-2383 0 0,44-1-37 0 0,-45 1 570 0 0,-1 2-772 0 0,39 6-45 0 0,-40-6 198 0 0,1 2-480 0 0,37 8-28 0 0,-37-9 59 0 0,-3 3-232 0 0,34 18 5 0 0,-39-21-103 0 0,0 0 0 0 0,0 1 0 0 0,0 0 0 0 0,-1 0 0 0 0,0 0 0 0 0,0 0 0 0 0,0 1 0 0 0,0-1 0 0 0,-1 1 0 0 0,0 0 0 0 0,0 0 0 0 0,3 7 1 0 0,-1 1 128 0 0,0 0 1 0 0,-2 0 0 0 0,4 20-1 0 0,-6-28-146 0 0,8 56 167 0 0,-4 1 0 0 0,-1 73 0 0 0,-3-52-118 0 0,4 42-95 0 0,-7-107-1756 0 0,2-17 1546 0 0,0 0-1 0 0,0-1 1 0 0,0 1-1 0 0,0-1 1 0 0,-1 1-1 0 0,1 0 1 0 0,0-1-1 0 0,0 1 1 0 0,-1 0-1 0 0,1-1 1 0 0,0 1-1 0 0,-1-1 1 0 0,1 1-1 0 0,0-1 1 0 0,-1 1-1 0 0,1-1 1 0 0,-1 1-1 0 0,1-1 1 0 0,-1 0-1 0 0,1 1 1 0 0,-1-1-1 0 0,0 1 1 0 0,0-1-1 0 0</inkml:trace>
   <inkml:trace contextRef="#ctx0" brushRef="#br0" timeOffset="1">113 794 4607 0 0,'0'0'15'0'0,"0"0"-1"0"0,0 0 1 0 0,0 0-1 0 0,0 0 0 0 0,0 0 1 0 0,0 0-1 0 0,0-1 1 0 0,-1 1-1 0 0,1 0 0 0 0,0 0 1 0 0,0 0-1 0 0,0 0 0 0 0,0 0 1 0 0,0-1-1 0 0,0 1 1 0 0,0 0-1 0 0,0 0 0 0 0,0 0 1 0 0,0 0-1 0 0,0 0 1 0 0,0-1-1 0 0,0 1 0 0 0,0 0 1 0 0,0 0-1 0 0,0 0 0 0 0,0 0 1 0 0,0 0-1 0 0,0-1 1 0 0,0 1-1 0 0,0 0 0 0 0,0 0 1 0 0,1 0-1 0 0,-1 0 1 0 0,0 0-1 0 0,0 0 0 0 0,0-1 1 0 0,0 1-1 0 0,0 0 0 0 0,0 0 1 0 0,0 0-1 0 0,0 0 1 0 0,1 0-1 0 0,8-5 678 0 0,10 1 3396 0 0,-7 4-3422 0 0,1 0-1 0 0,17-4 1 0 0,-13 2-262 0 0,-3 0 724 0 0,1 2-336 0 0,43-1-148 0 0,-43 1-32 0 0,-8-1-452 0 0,0 0 0 0 0,0 0 0 0 0,0 1-1 0 0,11 1 1 0 0,-6 0-342 0 0,-1-1-1 0 0,1 0 1 0 0,-1-1-1 0 0,15-2 1 0 0,59-8-5329 0 0</inkml:trace>
+</inkml:ink>
+</file>
+
+<file path=ppt/ink/ink239.xml><?xml version="1.0" encoding="utf-8"?>
+<inkml:ink xmlns:inkml="http://www.w3.org/2003/InkML">
+  <inkml:definitions>
+    <inkml:context xml:id="ctx0">
+      <inkml:inkSource xml:id="inkSrc0">
+        <inkml:traceFormat>
+          <inkml:channel name="X" type="integer" min="-2.14748E9" max="2.14748E9" units="cm"/>
+          <inkml:channel name="Y" type="integer" min="-2.14748E9" max="2.14748E9" units="cm"/>
+          <inkml:channel name="F" type="integer" max="32767" units="dev"/>
+          <inkml:channel name="OA" type="integer" max="360" units="deg"/>
+          <inkml:channel name="OE" type="integer" max="90" units="deg"/>
+        </inkml:traceFormat>
+        <inkml:channelProperties>
+          <inkml:channelProperty channel="X" name="resolution" value="1000" units="1/cm"/>
+          <inkml:channelProperty channel="Y" name="resolution" value="1000" units="1/cm"/>
+          <inkml:channelProperty channel="F" name="resolution" value="0" units="1/dev"/>
+          <inkml:channelProperty channel="OA" name="resolution" value="1000" units="1/deg"/>
+          <inkml:channelProperty channel="OE" name="resolution" value="1000" units="1/deg"/>
+        </inkml:channelProperties>
+      </inkml:inkSource>
+      <inkml:timestamp xml:id="ts0" timeString="2022-03-25T10:45:33.662"/>
+    </inkml:context>
+    <inkml:brush xml:id="br0">
+      <inkml:brushProperty name="width" value="0.05" units="cm"/>
+      <inkml:brushProperty name="height" value="0.05" units="cm"/>
+      <inkml:brushProperty name="color" value="#00A0D7"/>
+    </inkml:brush>
+  </inkml:definitions>
+  <inkml:trace contextRef="#ctx0" brushRef="#br0">3 92 1375 0 0,'-2'-7'917'0'0,"6"10"2719"0"0,8 12 1029 0 0,-8-6-3349 0 0,-1-1 0 0 0,0 0 1 0 0,4 18-1 0 0,-3 1 251 0 0,1 28-1 0 0,-3-30-926 0 0,10 247 1642 0 0,-7-128-2248 0 0,-5-133-90 0 0,0-9 13 0 0,0 0-1 0 0,0 0 0 0 0,0 0 1 0 0,0 0-1 0 0,0 0 0 0 0,0 0 0 0 0,1 0 1 0 0,-1 0-1 0 0,1 0 0 0 0,-1 0 1 0 0,1 0-1 0 0,1 3 0 0 0,0-4-492 0 0,-1-3-28 0 0</inkml:trace>
+  <inkml:trace contextRef="#ctx0" brushRef="#br0" timeOffset="1">110 6 5527 0 0,'47'-4'3876'0'0,"-33"4"-2908"0"0,42-1 38 0 0,-41 1 991 0 0,-1 0-1154 0 0,42 0-62 0 0,-42 0 1375 0 0,1 3-1560 0 0,45 11-11 0 0,-56-13-463 0 0,0 0 0 0 0,0 0 0 0 0,1 1-1 0 0,-1 0 1 0 0,0 0 0 0 0,0 0 0 0 0,-1 0 0 0 0,1 1-1 0 0,0-1 1 0 0,-1 1 0 0 0,1 0 0 0 0,-1 0 0 0 0,0 0 0 0 0,0 0-1 0 0,0 1 1 0 0,3 5 0 0 0,-2-1 101 0 0,0 1-1 0 0,0 0 1 0 0,-1 0 0 0 0,0 0-1 0 0,3 12 1 0 0,-6-21-222 0 0,6 28 337 0 0,-2 1-1 0 0,3 39 0 0 0,-5 60-9 0 0,-2-97-280 0 0,-2 45-33 0 0,0-29-17 0 0,3-1 0 0 0,7 59 0 0 0,5-47-862 0 0,-11-50 107 0 0</inkml:trace>
 </inkml:ink>
 </file>
 
@@ -5114,39 +5105,6 @@
           <inkml:channelProperty channel="OE" name="resolution" value="1000" units="1/deg"/>
         </inkml:channelProperties>
       </inkml:inkSource>
-      <inkml:timestamp xml:id="ts0" timeString="2022-03-25T10:45:33.662"/>
-    </inkml:context>
-    <inkml:brush xml:id="br0">
-      <inkml:brushProperty name="width" value="0.05" units="cm"/>
-      <inkml:brushProperty name="height" value="0.05" units="cm"/>
-      <inkml:brushProperty name="color" value="#00A0D7"/>
-    </inkml:brush>
-  </inkml:definitions>
-  <inkml:trace contextRef="#ctx0" brushRef="#br0">3 92 1375 0 0,'-2'-7'917'0'0,"6"10"2719"0"0,8 12 1029 0 0,-8-6-3349 0 0,-1-1 0 0 0,0 0 1 0 0,4 18-1 0 0,-3 1 251 0 0,1 28-1 0 0,-3-30-926 0 0,10 247 1642 0 0,-7-128-2248 0 0,-5-133-90 0 0,0-9 13 0 0,0 0-1 0 0,0 0 0 0 0,0 0 1 0 0,0 0-1 0 0,0 0 0 0 0,0 0 0 0 0,1 0 1 0 0,-1 0-1 0 0,1 0 0 0 0,-1 0 1 0 0,1 0-1 0 0,1 3 0 0 0,0-4-492 0 0,-1-3-28 0 0</inkml:trace>
-  <inkml:trace contextRef="#ctx0" brushRef="#br0" timeOffset="1">110 6 5527 0 0,'47'-4'3876'0'0,"-33"4"-2908"0"0,42-1 38 0 0,-41 1 991 0 0,-1 0-1154 0 0,42 0-62 0 0,-42 0 1375 0 0,1 3-1560 0 0,45 11-11 0 0,-56-13-463 0 0,0 0 0 0 0,0 0 0 0 0,1 1-1 0 0,-1 0 1 0 0,0 0 0 0 0,0 0 0 0 0,-1 0 0 0 0,1 1-1 0 0,0-1 1 0 0,-1 1 0 0 0,1 0 0 0 0,-1 0 0 0 0,0 0 0 0 0,0 0-1 0 0,0 1 1 0 0,3 5 0 0 0,-2-1 101 0 0,0 1-1 0 0,0 0 1 0 0,-1 0 0 0 0,0 0-1 0 0,3 12 1 0 0,-6-21-222 0 0,6 28 337 0 0,-2 1-1 0 0,3 39 0 0 0,-5 60-9 0 0,-2-97-280 0 0,-2 45-33 0 0,0-29-17 0 0,3-1 0 0 0,7 59 0 0 0,5-47-862 0 0,-11-50 107 0 0</inkml:trace>
-</inkml:ink>
-</file>
-
-<file path=ppt/ink/ink241.xml><?xml version="1.0" encoding="utf-8"?>
-<inkml:ink xmlns:inkml="http://www.w3.org/2003/InkML">
-  <inkml:definitions>
-    <inkml:context xml:id="ctx0">
-      <inkml:inkSource xml:id="inkSrc0">
-        <inkml:traceFormat>
-          <inkml:channel name="X" type="integer" min="-2.14748E9" max="2.14748E9" units="cm"/>
-          <inkml:channel name="Y" type="integer" min="-2.14748E9" max="2.14748E9" units="cm"/>
-          <inkml:channel name="F" type="integer" max="32767" units="dev"/>
-          <inkml:channel name="OA" type="integer" max="360" units="deg"/>
-          <inkml:channel name="OE" type="integer" max="90" units="deg"/>
-        </inkml:traceFormat>
-        <inkml:channelProperties>
-          <inkml:channelProperty channel="X" name="resolution" value="1000" units="1/cm"/>
-          <inkml:channelProperty channel="Y" name="resolution" value="1000" units="1/cm"/>
-          <inkml:channelProperty channel="F" name="resolution" value="0" units="1/dev"/>
-          <inkml:channelProperty channel="OA" name="resolution" value="1000" units="1/deg"/>
-          <inkml:channelProperty channel="OE" name="resolution" value="1000" units="1/deg"/>
-        </inkml:channelProperties>
-      </inkml:inkSource>
       <inkml:timestamp xml:id="ts0" timeString="2022-03-25T10:45:34.032"/>
     </inkml:context>
     <inkml:brush xml:id="br0">
@@ -5159,7 +5117,7 @@
 </inkml:ink>
 </file>
 
-<file path=ppt/ink/ink242.xml><?xml version="1.0" encoding="utf-8"?>
+<file path=ppt/ink/ink241.xml><?xml version="1.0" encoding="utf-8"?>
 <inkml:ink xmlns:inkml="http://www.w3.org/2003/InkML">
   <inkml:definitions>
     <inkml:context xml:id="ctx0">
@@ -5191,7 +5149,7 @@
 </inkml:ink>
 </file>
 
-<file path=ppt/ink/ink243.xml><?xml version="1.0" encoding="utf-8"?>
+<file path=ppt/ink/ink242.xml><?xml version="1.0" encoding="utf-8"?>
 <inkml:ink xmlns:inkml="http://www.w3.org/2003/InkML">
   <inkml:definitions>
     <inkml:context xml:id="ctx0">
@@ -5223,7 +5181,7 @@
 </inkml:ink>
 </file>
 
-<file path=ppt/ink/ink244.xml><?xml version="1.0" encoding="utf-8"?>
+<file path=ppt/ink/ink243.xml><?xml version="1.0" encoding="utf-8"?>
 <inkml:ink xmlns:inkml="http://www.w3.org/2003/InkML">
   <inkml:definitions>
     <inkml:context xml:id="ctx0">
@@ -5255,7 +5213,7 @@
 </inkml:ink>
 </file>
 
-<file path=ppt/ink/ink245.xml><?xml version="1.0" encoding="utf-8"?>
+<file path=ppt/ink/ink244.xml><?xml version="1.0" encoding="utf-8"?>
 <inkml:ink xmlns:inkml="http://www.w3.org/2003/InkML">
   <inkml:definitions>
     <inkml:context xml:id="ctx0">
@@ -5287,7 +5245,7 @@
 </inkml:ink>
 </file>
 
-<file path=ppt/ink/ink246.xml><?xml version="1.0" encoding="utf-8"?>
+<file path=ppt/ink/ink245.xml><?xml version="1.0" encoding="utf-8"?>
 <inkml:ink xmlns:inkml="http://www.w3.org/2003/InkML">
   <inkml:definitions>
     <inkml:context xml:id="ctx0">
@@ -5319,7 +5277,7 @@
 </inkml:ink>
 </file>
 
-<file path=ppt/ink/ink247.xml><?xml version="1.0" encoding="utf-8"?>
+<file path=ppt/ink/ink246.xml><?xml version="1.0" encoding="utf-8"?>
 <inkml:ink xmlns:inkml="http://www.w3.org/2003/InkML">
   <inkml:definitions>
     <inkml:context xml:id="ctx0">
@@ -5351,7 +5309,7 @@
 </inkml:ink>
 </file>
 
-<file path=ppt/ink/ink248.xml><?xml version="1.0" encoding="utf-8"?>
+<file path=ppt/ink/ink247.xml><?xml version="1.0" encoding="utf-8"?>
 <inkml:ink xmlns:inkml="http://www.w3.org/2003/InkML">
   <inkml:definitions>
     <inkml:context xml:id="ctx0">
@@ -5384,7 +5342,7 @@
 </inkml:ink>
 </file>
 
-<file path=ppt/ink/ink249.xml><?xml version="1.0" encoding="utf-8"?>
+<file path=ppt/ink/ink248.xml><?xml version="1.0" encoding="utf-8"?>
 <inkml:ink xmlns:inkml="http://www.w3.org/2003/InkML">
   <inkml:definitions>
     <inkml:context xml:id="ctx0">
@@ -5413,6 +5371,38 @@
     </inkml:brush>
   </inkml:definitions>
   <inkml:trace contextRef="#ctx0" brushRef="#br0">14 162 4143 0 0,'-1'0'33'0'0,"1"0"0"0"0,-1 0-1 0 0,0-1 1 0 0,1 1-1 0 0,-1 0 1 0 0,1 0-1 0 0,-1 0 1 0 0,1-1-1 0 0,-1 1 1 0 0,0 0 0 0 0,1-1-1 0 0,-1 1 1 0 0,1 0-1 0 0,-1-1 1 0 0,1 1-1 0 0,0-1 1 0 0,-1 1 0 0 0,1-1-1 0 0,-1 1 1 0 0,1-1-1 0 0,0 1 1 0 0,-1-1-1 0 0,1 1 1 0 0,0-1-1 0 0,0 1 1 0 0,-1-1 0 0 0,1 0-1 0 0,0 1 1 0 0,0-1-1 0 0,0 1 1 0 0,0-1-1 0 0,0 0 1 0 0,0 1 0 0 0,0-1-1 0 0,0 0 1 0 0,0 1-1 0 0,0-2 1 0 0,1 0 186 0 0,1 0 0 0 0,-1 0 0 0 0,1-1 0 0 0,-1 1 0 0 0,1 0 0 0 0,0 0-1 0 0,-1 1 1 0 0,4-3 0 0 0,20-16 1068 0 0,-23 18-662 0 0,10-3-62 0 0,35-17-259 0 0,-35 16-117 0 0,2 2-25 0 0,55-17-28 0 0,6-1-820 0 0,9 0-2874 0 0</inkml:trace>
+</inkml:ink>
+</file>
+
+<file path=ppt/ink/ink249.xml><?xml version="1.0" encoding="utf-8"?>
+<inkml:ink xmlns:inkml="http://www.w3.org/2003/InkML">
+  <inkml:definitions>
+    <inkml:context xml:id="ctx0">
+      <inkml:inkSource xml:id="inkSrc0">
+        <inkml:traceFormat>
+          <inkml:channel name="X" type="integer" min="-2.14748E9" max="2.14748E9" units="cm"/>
+          <inkml:channel name="Y" type="integer" min="-2.14748E9" max="2.14748E9" units="cm"/>
+          <inkml:channel name="F" type="integer" max="32767" units="dev"/>
+          <inkml:channel name="OA" type="integer" max="360" units="deg"/>
+          <inkml:channel name="OE" type="integer" max="90" units="deg"/>
+        </inkml:traceFormat>
+        <inkml:channelProperties>
+          <inkml:channelProperty channel="X" name="resolution" value="1000" units="1/cm"/>
+          <inkml:channelProperty channel="Y" name="resolution" value="1000" units="1/cm"/>
+          <inkml:channelProperty channel="F" name="resolution" value="0" units="1/dev"/>
+          <inkml:channelProperty channel="OA" name="resolution" value="1000" units="1/deg"/>
+          <inkml:channelProperty channel="OE" name="resolution" value="1000" units="1/deg"/>
+        </inkml:channelProperties>
+      </inkml:inkSource>
+      <inkml:timestamp xml:id="ts0" timeString="2022-03-25T10:45:34.382"/>
+    </inkml:context>
+    <inkml:brush xml:id="br0">
+      <inkml:brushProperty name="width" value="0.05" units="cm"/>
+      <inkml:brushProperty name="height" value="0.05" units="cm"/>
+      <inkml:brushProperty name="color" value="#00A0D7"/>
+    </inkml:brush>
+  </inkml:definitions>
+  <inkml:trace contextRef="#ctx0" brushRef="#br0">20 11 2759 0 0,'-5'-5'-703'0'0,"-4"-1"4053"0"0,9 6-3178 0 0,-1 0-1 0 0,1 1 1 0 0,0-1 0 0 0,0 0 0 0 0,-1 0 0 0 0,1 0 0 0 0,0 1 0 0 0,0-1 0 0 0,-1 0 0 0 0,1 0 0 0 0,0 1 0 0 0,0-1 0 0 0,-1 0 0 0 0,1 1 0 0 0,0-1-1 0 0,0 0 1 0 0,0 1 0 0 0,0-1 0 0 0,0 0 0 0 0,-1 1 0 0 0,1-1 0 0 0,0 0 0 0 0,0 1 0 0 0,0-1 0 0 0,0 0 0 0 0,0 1 0 0 0,0-1 0 0 0,0 0 0 0 0,0 1-1 0 0,0-1 1 0 0,0 1 0 0 0,-1 102 7553 0 0,2-35-6039 0 0,4 134 363 0 0,0-78-1860 0 0,4 45-251 0 0,-5-152 11 0 0,-4-17 36 0 0,0 1-1 0 0,0-1 1 0 0,0 0 0 0 0,0 0-1 0 0,0 1 1 0 0,0-1-1 0 0,0 0 1 0 0,0 0 0 0 0,0 0-1 0 0,0 1 1 0 0,0-1 0 0 0,0 0-1 0 0,0 0 1 0 0,1 0-1 0 0,-1 1 1 0 0,0-1 0 0 0,0 0-1 0 0,0 0 1 0 0,0 0-1 0 0,0 0 1 0 0,0 1 0 0 0,1-1-1 0 0,-1 0 1 0 0,0 0-1 0 0,0 0 1 0 0,0 0 0 0 0,1 0-1 0 0,-1 1 1 0 0,0-1-1 0 0,0 0 1 0 0,0 0 0 0 0,1 0-1 0 0,-1 0 1 0 0,0 0-1 0 0,0 0 1 0 0,1 0 0 0 0,-1 0-1 0 0,0 0 1 0 0,0 0-1 0 0,0 0 1 0 0,1 0 0 0 0,-1 0-1 0 0,0 0 1 0 0,0 0 0 0 0,0 0-1 0 0,1 0 1 0 0,-1 0-1 0 0,0-1 1 0 0,0 1 0 0 0,1 0-1 0 0,-1 0 1 0 0,0 0-1 0 0,0 0 1 0 0,0 0 0 0 0,0 0-1 0 0,1-1 1 0 0,-1 1-1 0 0,0 0 1 0 0,0 0 0 0 0,0 0-1 0 0,0 0 1 0 0,0-1-1 0 0,0 1 1 0 0,1 0 0 0 0,-1 0-1 0 0,0 0 1 0 0,0-1 0 0 0,3-7-951 0 0</inkml:trace>
 </inkml:ink>
 </file>
 
@@ -5467,38 +5457,6 @@
           <inkml:channelProperty channel="OE" name="resolution" value="1000" units="1/deg"/>
         </inkml:channelProperties>
       </inkml:inkSource>
-      <inkml:timestamp xml:id="ts0" timeString="2022-03-25T10:45:34.382"/>
-    </inkml:context>
-    <inkml:brush xml:id="br0">
-      <inkml:brushProperty name="width" value="0.05" units="cm"/>
-      <inkml:brushProperty name="height" value="0.05" units="cm"/>
-      <inkml:brushProperty name="color" value="#00A0D7"/>
-    </inkml:brush>
-  </inkml:definitions>
-  <inkml:trace contextRef="#ctx0" brushRef="#br0">20 11 2759 0 0,'-5'-5'-703'0'0,"-4"-1"4053"0"0,9 6-3178 0 0,-1 0-1 0 0,1 1 1 0 0,0-1 0 0 0,0 0 0 0 0,-1 0 0 0 0,1 0 0 0 0,0 1 0 0 0,0-1 0 0 0,-1 0 0 0 0,1 0 0 0 0,0 1 0 0 0,0-1 0 0 0,-1 0 0 0 0,1 1 0 0 0,0-1-1 0 0,0 0 1 0 0,0 1 0 0 0,0-1 0 0 0,0 0 0 0 0,-1 1 0 0 0,1-1 0 0 0,0 0 0 0 0,0 1 0 0 0,0-1 0 0 0,0 0 0 0 0,0 1 0 0 0,0-1 0 0 0,0 0 0 0 0,0 1-1 0 0,0-1 1 0 0,0 1 0 0 0,-1 102 7553 0 0,2-35-6039 0 0,4 134 363 0 0,0-78-1860 0 0,4 45-251 0 0,-5-152 11 0 0,-4-17 36 0 0,0 1-1 0 0,0-1 1 0 0,0 0 0 0 0,0 0-1 0 0,0 1 1 0 0,0-1-1 0 0,0 0 1 0 0,0 0 0 0 0,0 0-1 0 0,0 1 1 0 0,0-1 0 0 0,0 0-1 0 0,0 0 1 0 0,1 0-1 0 0,-1 1 1 0 0,0-1 0 0 0,0 0-1 0 0,0 0 1 0 0,0 0-1 0 0,0 0 1 0 0,0 1 0 0 0,1-1-1 0 0,-1 0 1 0 0,0 0-1 0 0,0 0 1 0 0,0 0 0 0 0,1 0-1 0 0,-1 1 1 0 0,0-1-1 0 0,0 0 1 0 0,0 0 0 0 0,1 0-1 0 0,-1 0 1 0 0,0 0-1 0 0,0 0 1 0 0,1 0 0 0 0,-1 0-1 0 0,0 0 1 0 0,0 0-1 0 0,0 0 1 0 0,1 0 0 0 0,-1 0-1 0 0,0 0 1 0 0,0 0 0 0 0,0 0-1 0 0,1 0 1 0 0,-1 0-1 0 0,0-1 1 0 0,0 1 0 0 0,1 0-1 0 0,-1 0 1 0 0,0 0-1 0 0,0 0 1 0 0,0 0 0 0 0,0 0-1 0 0,1-1 1 0 0,-1 1-1 0 0,0 0 1 0 0,0 0 0 0 0,0 0-1 0 0,0 0 1 0 0,0-1-1 0 0,0 1 1 0 0,1 0 0 0 0,-1 0-1 0 0,0 0 1 0 0,0-1 0 0 0,3-7-951 0 0</inkml:trace>
-</inkml:ink>
-</file>
-
-<file path=ppt/ink/ink251.xml><?xml version="1.0" encoding="utf-8"?>
-<inkml:ink xmlns:inkml="http://www.w3.org/2003/InkML">
-  <inkml:definitions>
-    <inkml:context xml:id="ctx0">
-      <inkml:inkSource xml:id="inkSrc0">
-        <inkml:traceFormat>
-          <inkml:channel name="X" type="integer" min="-2.14748E9" max="2.14748E9" units="cm"/>
-          <inkml:channel name="Y" type="integer" min="-2.14748E9" max="2.14748E9" units="cm"/>
-          <inkml:channel name="F" type="integer" max="32767" units="dev"/>
-          <inkml:channel name="OA" type="integer" max="360" units="deg"/>
-          <inkml:channel name="OE" type="integer" max="90" units="deg"/>
-        </inkml:traceFormat>
-        <inkml:channelProperties>
-          <inkml:channelProperty channel="X" name="resolution" value="1000" units="1/cm"/>
-          <inkml:channelProperty channel="Y" name="resolution" value="1000" units="1/cm"/>
-          <inkml:channelProperty channel="F" name="resolution" value="0" units="1/dev"/>
-          <inkml:channelProperty channel="OA" name="resolution" value="1000" units="1/deg"/>
-          <inkml:channelProperty channel="OE" name="resolution" value="1000" units="1/deg"/>
-        </inkml:channelProperties>
-      </inkml:inkSource>
       <inkml:timestamp xml:id="ts0" timeString="2022-03-25T10:45:34.760"/>
     </inkml:context>
     <inkml:brush xml:id="br0">
@@ -5512,7 +5470,7 @@
 </inkml:ink>
 </file>
 
-<file path=ppt/ink/ink252.xml><?xml version="1.0" encoding="utf-8"?>
+<file path=ppt/ink/ink251.xml><?xml version="1.0" encoding="utf-8"?>
 <inkml:ink xmlns:inkml="http://www.w3.org/2003/InkML">
   <inkml:definitions>
     <inkml:context xml:id="ctx0">
@@ -5544,7 +5502,7 @@
 </inkml:ink>
 </file>
 
-<file path=ppt/ink/ink253.xml><?xml version="1.0" encoding="utf-8"?>
+<file path=ppt/ink/ink252.xml><?xml version="1.0" encoding="utf-8"?>
 <inkml:ink xmlns:inkml="http://www.w3.org/2003/InkML">
   <inkml:definitions>
     <inkml:context xml:id="ctx0">
@@ -5577,7 +5535,7 @@
 </inkml:ink>
 </file>
 
-<file path=ppt/ink/ink254.xml><?xml version="1.0" encoding="utf-8"?>
+<file path=ppt/ink/ink253.xml><?xml version="1.0" encoding="utf-8"?>
 <inkml:ink xmlns:inkml="http://www.w3.org/2003/InkML">
   <inkml:definitions>
     <inkml:context xml:id="ctx0">
@@ -5605,7 +5563,7 @@
 </inkml:ink>
 </file>
 
-<file path=ppt/ink/ink255.xml><?xml version="1.0" encoding="utf-8"?>
+<file path=ppt/ink/ink254.xml><?xml version="1.0" encoding="utf-8"?>
 <inkml:ink xmlns:inkml="http://www.w3.org/2003/InkML">
   <inkml:definitions>
     <inkml:context xml:id="ctx0">
@@ -5637,7 +5595,7 @@
 </inkml:ink>
 </file>
 
-<file path=ppt/ink/ink256.xml><?xml version="1.0" encoding="utf-8"?>
+<file path=ppt/ink/ink255.xml><?xml version="1.0" encoding="utf-8"?>
 <inkml:ink xmlns:inkml="http://www.w3.org/2003/InkML">
   <inkml:definitions>
     <inkml:context xml:id="ctx0">
@@ -5669,7 +5627,7 @@
 </inkml:ink>
 </file>
 
-<file path=ppt/ink/ink257.xml><?xml version="1.0" encoding="utf-8"?>
+<file path=ppt/ink/ink256.xml><?xml version="1.0" encoding="utf-8"?>
 <inkml:ink xmlns:inkml="http://www.w3.org/2003/InkML">
   <inkml:definitions>
     <inkml:context xml:id="ctx0">
@@ -5701,7 +5659,7 @@
 </inkml:ink>
 </file>
 
-<file path=ppt/ink/ink258.xml><?xml version="1.0" encoding="utf-8"?>
+<file path=ppt/ink/ink257.xml><?xml version="1.0" encoding="utf-8"?>
 <inkml:ink xmlns:inkml="http://www.w3.org/2003/InkML">
   <inkml:definitions>
     <inkml:context xml:id="ctx0">
@@ -5733,7 +5691,7 @@
 </inkml:ink>
 </file>
 
-<file path=ppt/ink/ink259.xml><?xml version="1.0" encoding="utf-8"?>
+<file path=ppt/ink/ink258.xml><?xml version="1.0" encoding="utf-8"?>
 <inkml:ink xmlns:inkml="http://www.w3.org/2003/InkML">
   <inkml:definitions>
     <inkml:context xml:id="ctx0">
@@ -5762,6 +5720,38 @@
     </inkml:brush>
   </inkml:definitions>
   <inkml:trace contextRef="#ctx0" brushRef="#br0">21 79 3223 0 0,'-19'3'813'0'0,"17"-4"840"0"0,13-3-36 0 0,54-12 1755 0 0,-62 15-2788 0 0,10-2-88 0 0,2-2-336 0 0,45-8 584 0 0,6 0-401 0 0,8-2-150 0 0,-28 6-196 0 0,-34 7-97 0 0</inkml:trace>
+</inkml:ink>
+</file>
+
+<file path=ppt/ink/ink259.xml><?xml version="1.0" encoding="utf-8"?>
+<inkml:ink xmlns:inkml="http://www.w3.org/2003/InkML">
+  <inkml:definitions>
+    <inkml:context xml:id="ctx0">
+      <inkml:inkSource xml:id="inkSrc0">
+        <inkml:traceFormat>
+          <inkml:channel name="X" type="integer" min="-2.14748E9" max="2.14748E9" units="cm"/>
+          <inkml:channel name="Y" type="integer" min="-2.14748E9" max="2.14748E9" units="cm"/>
+          <inkml:channel name="F" type="integer" max="32767" units="dev"/>
+          <inkml:channel name="OA" type="integer" max="360" units="deg"/>
+          <inkml:channel name="OE" type="integer" max="90" units="deg"/>
+        </inkml:traceFormat>
+        <inkml:channelProperties>
+          <inkml:channelProperty channel="X" name="resolution" value="1000" units="1/cm"/>
+          <inkml:channelProperty channel="Y" name="resolution" value="1000" units="1/cm"/>
+          <inkml:channelProperty channel="F" name="resolution" value="0" units="1/dev"/>
+          <inkml:channelProperty channel="OA" name="resolution" value="1000" units="1/deg"/>
+          <inkml:channelProperty channel="OE" name="resolution" value="1000" units="1/deg"/>
+        </inkml:channelProperties>
+      </inkml:inkSource>
+      <inkml:timestamp xml:id="ts0" timeString="2022-03-25T10:45:46.233"/>
+    </inkml:context>
+    <inkml:brush xml:id="br0">
+      <inkml:brushProperty name="width" value="0.05" units="cm"/>
+      <inkml:brushProperty name="height" value="0.05" units="cm"/>
+      <inkml:brushProperty name="color" value="#5B2D90"/>
+    </inkml:brush>
+  </inkml:definitions>
+  <inkml:trace contextRef="#ctx0" brushRef="#br0">26 13 5527 0 0,'-9'-7'-705'0'0,"-7"1"9083"0"0,16 16-5671 0 0,20 114 1935 0 0,-5-41-3530 0 0,-4-9-488 0 0,42 359 479 0 0,-51-396-1074 0 0,-2-19-21 0 0,0 1-1 0 0,2-1 1 0 0,0 0 0 0 0,2 0-1 0 0,5 19 1 0 0,-4-29 0 0 0,0-9-33 0 0,-4-1 19 0 0,0 1 0 0 0,0 0 0 0 0,-1 0-1 0 0,1-1 1 0 0,0 1 0 0 0,-1 0 0 0 0,1-1-1 0 0,-1 1 1 0 0,0 0 0 0 0,1-3 0 0 0,2-77-1822 0 0,-3 70 951 0 0,0-26-6597 0 0</inkml:trace>
 </inkml:ink>
 </file>
 
@@ -5816,38 +5806,6 @@
           <inkml:channelProperty channel="OE" name="resolution" value="1000" units="1/deg"/>
         </inkml:channelProperties>
       </inkml:inkSource>
-      <inkml:timestamp xml:id="ts0" timeString="2022-03-25T10:45:46.233"/>
-    </inkml:context>
-    <inkml:brush xml:id="br0">
-      <inkml:brushProperty name="width" value="0.05" units="cm"/>
-      <inkml:brushProperty name="height" value="0.05" units="cm"/>
-      <inkml:brushProperty name="color" value="#5B2D90"/>
-    </inkml:brush>
-  </inkml:definitions>
-  <inkml:trace contextRef="#ctx0" brushRef="#br0">26 13 5527 0 0,'-9'-7'-705'0'0,"-7"1"9083"0"0,16 16-5671 0 0,20 114 1935 0 0,-5-41-3530 0 0,-4-9-488 0 0,42 359 479 0 0,-51-396-1074 0 0,-2-19-21 0 0,0 1-1 0 0,2-1 1 0 0,0 0 0 0 0,2 0-1 0 0,5 19 1 0 0,-4-29 0 0 0,0-9-33 0 0,-4-1 19 0 0,0 1 0 0 0,0 0 0 0 0,-1 0-1 0 0,1-1 1 0 0,0 1 0 0 0,-1 0 0 0 0,1-1-1 0 0,-1 1 1 0 0,0 0 0 0 0,1-3 0 0 0,2-77-1822 0 0,-3 70 951 0 0,0-26-6597 0 0</inkml:trace>
-</inkml:ink>
-</file>
-
-<file path=ppt/ink/ink261.xml><?xml version="1.0" encoding="utf-8"?>
-<inkml:ink xmlns:inkml="http://www.w3.org/2003/InkML">
-  <inkml:definitions>
-    <inkml:context xml:id="ctx0">
-      <inkml:inkSource xml:id="inkSrc0">
-        <inkml:traceFormat>
-          <inkml:channel name="X" type="integer" min="-2.14748E9" max="2.14748E9" units="cm"/>
-          <inkml:channel name="Y" type="integer" min="-2.14748E9" max="2.14748E9" units="cm"/>
-          <inkml:channel name="F" type="integer" max="32767" units="dev"/>
-          <inkml:channel name="OA" type="integer" max="360" units="deg"/>
-          <inkml:channel name="OE" type="integer" max="90" units="deg"/>
-        </inkml:traceFormat>
-        <inkml:channelProperties>
-          <inkml:channelProperty channel="X" name="resolution" value="1000" units="1/cm"/>
-          <inkml:channelProperty channel="Y" name="resolution" value="1000" units="1/cm"/>
-          <inkml:channelProperty channel="F" name="resolution" value="0" units="1/dev"/>
-          <inkml:channelProperty channel="OA" name="resolution" value="1000" units="1/deg"/>
-          <inkml:channelProperty channel="OE" name="resolution" value="1000" units="1/deg"/>
-        </inkml:channelProperties>
-      </inkml:inkSource>
       <inkml:timestamp xml:id="ts0" timeString="2022-03-25T10:45:46.659"/>
     </inkml:context>
     <inkml:brush xml:id="br0">
@@ -5860,7 +5818,7 @@
 </inkml:ink>
 </file>
 
-<file path=ppt/ink/ink262.xml><?xml version="1.0" encoding="utf-8"?>
+<file path=ppt/ink/ink261.xml><?xml version="1.0" encoding="utf-8"?>
 <inkml:ink xmlns:inkml="http://www.w3.org/2003/InkML">
   <inkml:definitions>
     <inkml:context xml:id="ctx0">
@@ -5892,7 +5850,7 @@
 </inkml:ink>
 </file>
 
-<file path=ppt/ink/ink263.xml><?xml version="1.0" encoding="utf-8"?>
+<file path=ppt/ink/ink262.xml><?xml version="1.0" encoding="utf-8"?>
 <inkml:ink xmlns:inkml="http://www.w3.org/2003/InkML">
   <inkml:definitions>
     <inkml:context xml:id="ctx0">
@@ -5924,7 +5882,7 @@
 </inkml:ink>
 </file>
 
-<file path=ppt/ink/ink264.xml><?xml version="1.0" encoding="utf-8"?>
+<file path=ppt/ink/ink263.xml><?xml version="1.0" encoding="utf-8"?>
 <inkml:ink xmlns:inkml="http://www.w3.org/2003/InkML">
   <inkml:definitions>
     <inkml:context xml:id="ctx0">
@@ -5956,7 +5914,7 @@
 </inkml:ink>
 </file>
 
-<file path=ppt/ink/ink265.xml><?xml version="1.0" encoding="utf-8"?>
+<file path=ppt/ink/ink264.xml><?xml version="1.0" encoding="utf-8"?>
 <inkml:ink xmlns:inkml="http://www.w3.org/2003/InkML">
   <inkml:definitions>
     <inkml:context xml:id="ctx0">
@@ -5989,7 +5947,7 @@
 </inkml:ink>
 </file>
 
-<file path=ppt/ink/ink266.xml><?xml version="1.0" encoding="utf-8"?>
+<file path=ppt/ink/ink265.xml><?xml version="1.0" encoding="utf-8"?>
 <inkml:ink xmlns:inkml="http://www.w3.org/2003/InkML">
   <inkml:definitions>
     <inkml:context xml:id="ctx0">
@@ -6021,7 +5979,7 @@
 </inkml:ink>
 </file>
 
-<file path=ppt/ink/ink267.xml><?xml version="1.0" encoding="utf-8"?>
+<file path=ppt/ink/ink266.xml><?xml version="1.0" encoding="utf-8"?>
 <inkml:ink xmlns:inkml="http://www.w3.org/2003/InkML">
   <inkml:definitions>
     <inkml:context xml:id="ctx0">
@@ -6053,7 +6011,7 @@
 </inkml:ink>
 </file>
 
-<file path=ppt/ink/ink268.xml><?xml version="1.0" encoding="utf-8"?>
+<file path=ppt/ink/ink267.xml><?xml version="1.0" encoding="utf-8"?>
 <inkml:ink xmlns:inkml="http://www.w3.org/2003/InkML">
   <inkml:definitions>
     <inkml:context xml:id="ctx0">
@@ -6085,7 +6043,7 @@
 </inkml:ink>
 </file>
 
-<file path=ppt/ink/ink269.xml><?xml version="1.0" encoding="utf-8"?>
+<file path=ppt/ink/ink268.xml><?xml version="1.0" encoding="utf-8"?>
 <inkml:ink xmlns:inkml="http://www.w3.org/2003/InkML">
   <inkml:definitions>
     <inkml:context xml:id="ctx0">
@@ -6114,6 +6072,38 @@
     </inkml:brush>
   </inkml:definitions>
   <inkml:trace contextRef="#ctx0" brushRef="#br0">7 37 2759 0 0,'-6'-19'248'0'0,"7"2"6776"0"0,4 18-3088 0 0,1 1 16 0 0,7 1-3464 0 0,61 2-5840 0 0,-37-10-352 0 0</inkml:trace>
+</inkml:ink>
+</file>
+
+<file path=ppt/ink/ink269.xml><?xml version="1.0" encoding="utf-8"?>
+<inkml:ink xmlns:inkml="http://www.w3.org/2003/InkML">
+  <inkml:definitions>
+    <inkml:context xml:id="ctx0">
+      <inkml:inkSource xml:id="inkSrc0">
+        <inkml:traceFormat>
+          <inkml:channel name="X" type="integer" min="-2.14748E9" max="2.14748E9" units="cm"/>
+          <inkml:channel name="Y" type="integer" min="-2.14748E9" max="2.14748E9" units="cm"/>
+          <inkml:channel name="F" type="integer" max="32767" units="dev"/>
+          <inkml:channel name="OA" type="integer" max="360" units="deg"/>
+          <inkml:channel name="OE" type="integer" max="90" units="deg"/>
+        </inkml:traceFormat>
+        <inkml:channelProperties>
+          <inkml:channelProperty channel="X" name="resolution" value="1000" units="1/cm"/>
+          <inkml:channelProperty channel="Y" name="resolution" value="1000" units="1/cm"/>
+          <inkml:channelProperty channel="F" name="resolution" value="0" units="1/dev"/>
+          <inkml:channelProperty channel="OA" name="resolution" value="1000" units="1/deg"/>
+          <inkml:channelProperty channel="OE" name="resolution" value="1000" units="1/deg"/>
+        </inkml:channelProperties>
+      </inkml:inkSource>
+      <inkml:timestamp xml:id="ts0" timeString="2022-03-25T10:49:18.374"/>
+    </inkml:context>
+    <inkml:brush xml:id="br0">
+      <inkml:brushProperty name="width" value="0.05" units="cm"/>
+      <inkml:brushProperty name="height" value="0.05" units="cm"/>
+      <inkml:brushProperty name="color" value="#5B2D90"/>
+    </inkml:brush>
+  </inkml:definitions>
+  <inkml:trace contextRef="#ctx0" brushRef="#br0">920 0 5063 0 0,'-26'11'224'0'0,"0"2"0"0"0,1 0 0 0 0,0 1-1 0 0,-31 25 1 0 0,39-25-88 0 0,1 1 0 0 0,0 0-1 0 0,-14 19 1 0 0,23-26-84 0 0,-38 49 211 0 0,1 1-1 0 0,-37 68 1 0 0,-59 137 173 0 0,75-124-65 0 0,7 3 1 0 0,5 2-1 0 0,8 2 1 0 0,-35 190-1 0 0,53-172 560 0 0,-8 221-1 0 0,32-271-381 0 0,5 0-1 0 0,32 213 0 0 0,-21-259-423 0 0,3-1 1 0 0,3-1-1 0 0,3 0 1 0 0,2-1-1 0 0,4-2 1 0 0,36 62-1 0 0,-21-55 112 0 0,69 86 1 0 0,-90-132-132 0 0,34 37-2 0 0,-28-34 0 0 0,28 20-4 0 0,-29-27-17 0 0,25 15-10 0 0,-47-32-55 0 0,0 0 0 0 0,0 0 0 0 0,11 4 0 0 0,53 23 60 0 0,-33-16 22 0 0,42 9 10 0 0,-70-21-72 0 0,1 1-1 0 0,13 1 0 0 0,59 8 75 0 0,-73-10-74 0 0,1-1-1 0 0,14 0 0 0 0,58 0 75 0 0,-73-1-84 0 0,-1 0 0 0 0,1-1 0 0 0,9-1 0 0 0,3 0 2 0 0,16-3 43 0 0,65-17 0 0 0,-48 4 25 0 0,0-2 0 0 0,-2-2 0 0 0,-1-2 0 0 0,-1-3 1 0 0,-1-2-1 0 0,-2-1 0 0 0,0-3 0 0 0,-3-2 0 0 0,-1-1 0 0 0,50-56 0 0 0,-56 49 132 0 0,-1-2 0 0 0,-3-1-1 0 0,-2-2 1 0 0,-1 0 0 0 0,34-84 0 0 0,74-270 286 0 0,-85 209-446 0 0,-8-2 0 0 0,31-360 0 0 0,-69 464 206 0 0,-4-1 0 0 0,-18-155 0 0 0,8 189-100 0 0,-3 0-1 0 0,-3 1 0 0 0,-2 0 1 0 0,-2 2-1 0 0,-33-70 0 0 0,24 73-42 0 0,-1 0 1 0 0,-3 2-1 0 0,-62-76 0 0 0,65 93-67 0 0,-2 2 0 0 0,0 1 0 0 0,-3 1 0 0 0,0 2-1 0 0,-62-39 1 0 0,65 49-21 0 0,0 2 0 0 0,-1 1 0 0 0,0 1-1 0 0,-1 2 1 0 0,-1 1 0 0 0,1 2 0 0 0,-2 1 0 0 0,-39-4-1 0 0,29 9 5 0 0,-1 1-1 0 0,0 2 0 0 0,0 1 1 0 0,0 3-1 0 0,-73 18 0 0 0,68-10-43 0 0,0 2-1 0 0,2 2 0 0 0,0 2 0 0 0,1 2 0 0 0,1 2 0 0 0,1 2 1 0 0,-54 40-1 0 0,82-51-731 0 0,0 2 1 0 0,-21 23-1 0 0,19-17-6804 0 0</inkml:trace>
 </inkml:ink>
 </file>
 
@@ -6150,38 +6140,6 @@
   <inkml:trace contextRef="#ctx0" brushRef="#br0" timeOffset="3">1470 283 6911 0 0,'-1'0'80'0'0,"0"0"-1"0"0,1 0 0 0 0,-1-1 1 0 0,0 1-1 0 0,1 0 0 0 0,-1 0 0 0 0,0-1 1 0 0,1 1-1 0 0,-1-1 0 0 0,0 1 0 0 0,1 0 1 0 0,-3-2 2022 0 0,4 8 279 0 0,0 1-1171 0 0,-1 0 0 0 0,0 1 0 0 0,-1 11 0 0 0,-13 45 1894 0 0,9-44-2353 0 0,1 1-640 0 0,-31 111 1351 0 0,28-109-1203 0 0,-1 0-1 0 0,-2 0 0 0 0,-18 32 0 0 0,27-52-260 0 0,-1-1-1 0 0,1 0 0 0 0,0 0 1 0 0,-1 0-1 0 0,1 0 0 0 0,-1-1 1 0 0,0 1-1 0 0,0 0 1 0 0,1-1-1 0 0,-1 1 0 0 0,0-1 1 0 0,0 1-1 0 0,-1-1 1 0 0,1 0-1 0 0,0 0 0 0 0,0 0 1 0 0,-4 1-1 0 0,4-2-2 0 0,0 0-1 0 0,0 0 1 0 0,0 0-1 0 0,1 0 0 0 0,-1-1 1 0 0,0 1-1 0 0,0-1 1 0 0,1 1-1 0 0,-1-1 1 0 0,0 0-1 0 0,1 1 1 0 0,-1-1-1 0 0,0 0 1 0 0,1 0-1 0 0,-1 0 0 0 0,1 0 1 0 0,0 0-1 0 0,-1-1 1 0 0,1 1-1 0 0,0 0 1 0 0,0-1-1 0 0,0 1 1 0 0,-2-4-1 0 0,-2-2-455 0 0,1 0 0 0 0,0 0 0 0 0,-4-8 0 0 0,-1-11-7299 0 0</inkml:trace>
   <inkml:trace contextRef="#ctx0" brushRef="#br0" timeOffset="4">1346 0 10135 0 0,'29'26'7836'0'0,"10"18"-4361"0"0,-28-32-2978 0 0,0 0 1 0 0,12 22-1 0 0,-9-14-248 0 0,124 219 891 0 0,-77-125-1108 0 0,-21-38-2097 0 0</inkml:trace>
   <inkml:trace contextRef="#ctx0" brushRef="#br0" timeOffset="5">1913 282 11055 0 0,'-1'0'80'0'0,"0"0"0"0"0,0 0-1 0 0,0 1 1 0 0,1-1-1 0 0,-1 1 1 0 0,0-1-1 0 0,0 1 1 0 0,0-1 0 0 0,1 1-1 0 0,-1 0 1 0 0,0-1-1 0 0,1 1 1 0 0,-1 0 0 0 0,0 0-1 0 0,1-1 1 0 0,-1 2-1 0 0,1-1 127 0 0,0 0-1 0 0,0-1 0 0 0,1 1 0 0 0,-1 0 0 0 0,0 0 1 0 0,1-1-1 0 0,-1 1 0 0 0,0 0 0 0 0,1-1 0 0 0,-1 1 1 0 0,1 0-1 0 0,-1-1 0 0 0,1 1 0 0 0,-1-1 1 0 0,1 1-1 0 0,0-1 0 0 0,-1 1 0 0 0,1-1 0 0 0,1 1 1 0 0,6 5 3703 0 0,-1 0-2757 0 0,22 18-123 0 0,-21-17-150 0 0,0-1-587 0 0,23 18-30 0 0,-23-18-78 0 0,-3-1-30 0 0,6 6-60 0 0,-1 0 1 0 0,0 1-1 0 0,10 15 0 0 0,-18-24-78 0 0,1 1 0 0 0,-1 0 0 0 0,0 0 0 0 0,0 0 0 0 0,0 0 0 0 0,-1 0 0 0 0,0 0 0 0 0,1 0 0 0 0,-1 0 0 0 0,-1 0 0 0 0,1 1 0 0 0,-1-1 0 0 0,1 1 0 0 0,-1-1 0 0 0,-1 0 0 0 0,1 1 0 0 0,0-1 0 0 0,-3 8 0 0 0,2-10-16 0 0,0-1 0 0 0,0 1 0 0 0,0 0 0 0 0,0-1 0 0 0,0 1 0 0 0,-1-1 0 0 0,1 1 0 0 0,0-1 0 0 0,-1 1 0 0 0,0-1 0 0 0,1 0 0 0 0,-1 0 0 0 0,0 0 0 0 0,1 0 0 0 0,-1 0 0 0 0,0 0 0 0 0,-4 1 0 0 0,4-1 0 0 0,-1 0 0 0 0,0 0 0 0 0,1 1 0 0 0,-1-1 0 0 0,0 1 0 0 0,-3 3 0 0 0,6-5 4 0 0,0 0 0 0 0,-1 0-1 0 0,1 1 1 0 0,0-1 0 0 0,0 0 0 0 0,0 1-1 0 0,-1-1 1 0 0,1 0 0 0 0,0 0 0 0 0,0 1-1 0 0,0-1 1 0 0,0 0 0 0 0,-1 1 0 0 0,1-1-1 0 0,0 0 1 0 0,0 1 0 0 0,0-1 0 0 0,0 0-1 0 0,0 1 1 0 0,0-1 0 0 0,0 1 0 0 0,0-1-1 0 0,0 0 1 0 0,0 1 0 0 0,0-1 0 0 0,0 0-1 0 0,0 1 1 0 0,0-1 0 0 0,1 0 0 0 0,-1 1-1 0 0,0-1 1 0 0,0 0 0 0 0,0 1-1 0 0,0-1 1 0 0,1 1 0 0 0,10 7 217 0 0,-8-5-170 0 0,-2-3 195 0 0,11 5-160 0 0,33 14-16 0 0,-22-12-11 0 0,-23-7-59 0 0,19 3-571 0 0,23 2 1 0 0,-26-5-2429 0 0,26-3 1 0 0,-30 2-5076 0 0</inkml:trace>
-</inkml:ink>
-</file>
-
-<file path=ppt/ink/ink270.xml><?xml version="1.0" encoding="utf-8"?>
-<inkml:ink xmlns:inkml="http://www.w3.org/2003/InkML">
-  <inkml:definitions>
-    <inkml:context xml:id="ctx0">
-      <inkml:inkSource xml:id="inkSrc0">
-        <inkml:traceFormat>
-          <inkml:channel name="X" type="integer" min="-2.14748E9" max="2.14748E9" units="cm"/>
-          <inkml:channel name="Y" type="integer" min="-2.14748E9" max="2.14748E9" units="cm"/>
-          <inkml:channel name="F" type="integer" max="32767" units="dev"/>
-          <inkml:channel name="OA" type="integer" max="360" units="deg"/>
-          <inkml:channel name="OE" type="integer" max="90" units="deg"/>
-        </inkml:traceFormat>
-        <inkml:channelProperties>
-          <inkml:channelProperty channel="X" name="resolution" value="1000" units="1/cm"/>
-          <inkml:channelProperty channel="Y" name="resolution" value="1000" units="1/cm"/>
-          <inkml:channelProperty channel="F" name="resolution" value="0" units="1/dev"/>
-          <inkml:channelProperty channel="OA" name="resolution" value="1000" units="1/deg"/>
-          <inkml:channelProperty channel="OE" name="resolution" value="1000" units="1/deg"/>
-        </inkml:channelProperties>
-      </inkml:inkSource>
-      <inkml:timestamp xml:id="ts0" timeString="2022-03-25T10:49:18.374"/>
-    </inkml:context>
-    <inkml:brush xml:id="br0">
-      <inkml:brushProperty name="width" value="0.05" units="cm"/>
-      <inkml:brushProperty name="height" value="0.05" units="cm"/>
-      <inkml:brushProperty name="color" value="#5B2D90"/>
-    </inkml:brush>
-  </inkml:definitions>
-  <inkml:trace contextRef="#ctx0" brushRef="#br0">920 0 5063 0 0,'-26'11'224'0'0,"0"2"0"0"0,1 0 0 0 0,0 1-1 0 0,-31 25 1 0 0,39-25-88 0 0,1 1 0 0 0,0 0-1 0 0,-14 19 1 0 0,23-26-84 0 0,-38 49 211 0 0,1 1-1 0 0,-37 68 1 0 0,-59 137 173 0 0,75-124-65 0 0,7 3 1 0 0,5 2-1 0 0,8 2 1 0 0,-35 190-1 0 0,53-172 560 0 0,-8 221-1 0 0,32-271-381 0 0,5 0-1 0 0,32 213 0 0 0,-21-259-423 0 0,3-1 1 0 0,3-1-1 0 0,3 0 1 0 0,2-1-1 0 0,4-2 1 0 0,36 62-1 0 0,-21-55 112 0 0,69 86 1 0 0,-90-132-132 0 0,34 37-2 0 0,-28-34 0 0 0,28 20-4 0 0,-29-27-17 0 0,25 15-10 0 0,-47-32-55 0 0,0 0 0 0 0,0 0 0 0 0,11 4 0 0 0,53 23 60 0 0,-33-16 22 0 0,42 9 10 0 0,-70-21-72 0 0,1 1-1 0 0,13 1 0 0 0,59 8 75 0 0,-73-10-74 0 0,1-1-1 0 0,14 0 0 0 0,58 0 75 0 0,-73-1-84 0 0,-1 0 0 0 0,1-1 0 0 0,9-1 0 0 0,3 0 2 0 0,16-3 43 0 0,65-17 0 0 0,-48 4 25 0 0,0-2 0 0 0,-2-2 0 0 0,-1-2 0 0 0,-1-3 1 0 0,-1-2-1 0 0,-2-1 0 0 0,0-3 0 0 0,-3-2 0 0 0,-1-1 0 0 0,50-56 0 0 0,-56 49 132 0 0,-1-2 0 0 0,-3-1-1 0 0,-2-2 1 0 0,-1 0 0 0 0,34-84 0 0 0,74-270 286 0 0,-85 209-446 0 0,-8-2 0 0 0,31-360 0 0 0,-69 464 206 0 0,-4-1 0 0 0,-18-155 0 0 0,8 189-100 0 0,-3 0-1 0 0,-3 1 0 0 0,-2 0 1 0 0,-2 2-1 0 0,-33-70 0 0 0,24 73-42 0 0,-1 0 1 0 0,-3 2-1 0 0,-62-76 0 0 0,65 93-67 0 0,-2 2 0 0 0,0 1 0 0 0,-3 1 0 0 0,0 2-1 0 0,-62-39 1 0 0,65 49-21 0 0,0 2 0 0 0,-1 1 0 0 0,0 1-1 0 0,-1 2 1 0 0,-1 1 0 0 0,1 2 0 0 0,-2 1 0 0 0,-39-4-1 0 0,29 9 5 0 0,-1 1-1 0 0,0 2 0 0 0,0 1 1 0 0,0 3-1 0 0,-73 18 0 0 0,68-10-43 0 0,0 2-1 0 0,2 2 0 0 0,0 2 0 0 0,1 2 0 0 0,1 2 0 0 0,1 2 1 0 0,-54 40-1 0 0,82-51-731 0 0,0 2 1 0 0,-21 23-1 0 0,19-17-6804 0 0</inkml:trace>
 </inkml:ink>
 </file>
 
@@ -27379,8 +27337,8 @@
           </p:pic>
         </mc:Fallback>
       </mc:AlternateContent>
-      <mc:AlternateContent xmlns:mc="http://schemas.openxmlformats.org/markup-compatibility/2006">
-        <mc:Choice xmlns:p14="http://schemas.microsoft.com/office/powerpoint/2010/main" Requires="p14">
+      <mc:AlternateContent xmlns:mc="http://schemas.openxmlformats.org/markup-compatibility/2006" xmlns:p14="http://schemas.microsoft.com/office/powerpoint/2010/main">
+        <mc:Choice Requires="p14">
           <p:contentPart p14:bwMode="auto" r:id="rId221">
             <p14:nvContentPartPr>
               <p14:cNvPr id="2" name="墨迹 1">
@@ -27399,7 +27357,7 @@
             </p14:xfrm>
           </p:contentPart>
         </mc:Choice>
-        <mc:Fallback>
+        <mc:Fallback xmlns="">
           <p:pic>
             <p:nvPicPr>
               <p:cNvPr id="2" name="墨迹 1">
@@ -27450,8 +27408,8 @@
             <a:chExt cx="2736000" cy="721440"/>
           </a:xfrm>
         </p:grpSpPr>
-        <mc:AlternateContent xmlns:mc="http://schemas.openxmlformats.org/markup-compatibility/2006">
-          <mc:Choice xmlns:p14="http://schemas.microsoft.com/office/powerpoint/2010/main" Requires="p14">
+        <mc:AlternateContent xmlns:mc="http://schemas.openxmlformats.org/markup-compatibility/2006" xmlns:p14="http://schemas.microsoft.com/office/powerpoint/2010/main">
+          <mc:Choice Requires="p14">
             <p:contentPart p14:bwMode="auto" r:id="rId223">
               <p14:nvContentPartPr>
                 <p14:cNvPr id="3" name="墨迹 2">
@@ -27470,7 +27428,7 @@
               </p14:xfrm>
             </p:contentPart>
           </mc:Choice>
-          <mc:Fallback>
+          <mc:Fallback xmlns="">
             <p:pic>
               <p:nvPicPr>
                 <p:cNvPr id="3" name="墨迹 2">
@@ -27501,8 +27459,8 @@
             </p:pic>
           </mc:Fallback>
         </mc:AlternateContent>
-        <mc:AlternateContent xmlns:mc="http://schemas.openxmlformats.org/markup-compatibility/2006">
-          <mc:Choice xmlns:p14="http://schemas.microsoft.com/office/powerpoint/2010/main" Requires="p14">
+        <mc:AlternateContent xmlns:mc="http://schemas.openxmlformats.org/markup-compatibility/2006" xmlns:p14="http://schemas.microsoft.com/office/powerpoint/2010/main">
+          <mc:Choice Requires="p14">
             <p:contentPart p14:bwMode="auto" r:id="rId225">
               <p14:nvContentPartPr>
                 <p14:cNvPr id="231" name="墨迹 230">
@@ -27521,7 +27479,7 @@
               </p14:xfrm>
             </p:contentPart>
           </mc:Choice>
-          <mc:Fallback>
+          <mc:Fallback xmlns="">
             <p:pic>
               <p:nvPicPr>
                 <p:cNvPr id="231" name="墨迹 230">
@@ -27553,57 +27511,6 @@
           </mc:Fallback>
         </mc:AlternateContent>
       </p:grpSp>
-      <mc:AlternateContent xmlns:mc="http://schemas.openxmlformats.org/markup-compatibility/2006">
-        <mc:Choice xmlns:p14="http://schemas.microsoft.com/office/powerpoint/2010/main" Requires="p14">
-          <p:contentPart p14:bwMode="auto" r:id="rId227">
-            <p14:nvContentPartPr>
-              <p14:cNvPr id="233" name="墨迹 232">
-                <a:extLst>
-                  <a:ext uri="{FF2B5EF4-FFF2-40B4-BE49-F238E27FC236}">
-                    <a16:creationId xmlns:a16="http://schemas.microsoft.com/office/drawing/2014/main" id="{C9BE1AD5-7B51-4725-A30C-76AFCEFF1ACA}"/>
-                  </a:ext>
-                </a:extLst>
-              </p14:cNvPr>
-              <p14:cNvContentPartPr/>
-              <p14:nvPr/>
-            </p14:nvContentPartPr>
-            <p14:xfrm>
-              <a:off x="2211480" y="3553200"/>
-              <a:ext cx="2077200" cy="1986840"/>
-            </p14:xfrm>
-          </p:contentPart>
-        </mc:Choice>
-        <mc:Fallback>
-          <p:pic>
-            <p:nvPicPr>
-              <p:cNvPr id="233" name="墨迹 232">
-                <a:extLst>
-                  <a:ext uri="{FF2B5EF4-FFF2-40B4-BE49-F238E27FC236}">
-                    <a16:creationId xmlns:a16="http://schemas.microsoft.com/office/drawing/2014/main" id="{C9BE1AD5-7B51-4725-A30C-76AFCEFF1ACA}"/>
-                  </a:ext>
-                </a:extLst>
-              </p:cNvPr>
-              <p:cNvPicPr/>
-              <p:nvPr/>
-            </p:nvPicPr>
-            <p:blipFill>
-              <a:blip r:embed="rId228"/>
-              <a:stretch>
-                <a:fillRect/>
-              </a:stretch>
-            </p:blipFill>
-            <p:spPr>
-              <a:xfrm>
-                <a:off x="2202120" y="3543840"/>
-                <a:ext cx="2095920" cy="2005560"/>
-              </a:xfrm>
-              <a:prstGeom prst="rect">
-                <a:avLst/>
-              </a:prstGeom>
-            </p:spPr>
-          </p:pic>
-        </mc:Fallback>
-      </mc:AlternateContent>
     </p:spTree>
     <p:extLst>
       <p:ext uri="{BB962C8B-B14F-4D97-AF65-F5344CB8AC3E}">
@@ -31954,8 +31861,8 @@
           </mc:Fallback>
         </mc:AlternateContent>
       </p:grpSp>
-      <mc:AlternateContent xmlns:mc="http://schemas.openxmlformats.org/markup-compatibility/2006">
-        <mc:Choice xmlns:p14="http://schemas.microsoft.com/office/powerpoint/2010/main" Requires="p14">
+      <mc:AlternateContent xmlns:mc="http://schemas.openxmlformats.org/markup-compatibility/2006" xmlns:p14="http://schemas.microsoft.com/office/powerpoint/2010/main">
+        <mc:Choice Requires="p14">
           <p:contentPart p14:bwMode="auto" r:id="rId164">
             <p14:nvContentPartPr>
               <p14:cNvPr id="71" name="墨迹 70">
@@ -31974,7 +31881,7 @@
             </p14:xfrm>
           </p:contentPart>
         </mc:Choice>
-        <mc:Fallback>
+        <mc:Fallback xmlns="">
           <p:pic>
             <p:nvPicPr>
               <p:cNvPr id="71" name="墨迹 70">
@@ -32025,8 +31932,8 @@
             <a:chExt cx="723960" cy="435240"/>
           </a:xfrm>
         </p:grpSpPr>
-        <mc:AlternateContent xmlns:mc="http://schemas.openxmlformats.org/markup-compatibility/2006">
-          <mc:Choice xmlns:p14="http://schemas.microsoft.com/office/powerpoint/2010/main" Requires="p14">
+        <mc:AlternateContent xmlns:mc="http://schemas.openxmlformats.org/markup-compatibility/2006" xmlns:p14="http://schemas.microsoft.com/office/powerpoint/2010/main">
+          <mc:Choice Requires="p14">
             <p:contentPart p14:bwMode="auto" r:id="rId166">
               <p14:nvContentPartPr>
                 <p14:cNvPr id="72" name="墨迹 71">
@@ -32045,7 +31952,7 @@
               </p14:xfrm>
             </p:contentPart>
           </mc:Choice>
-          <mc:Fallback>
+          <mc:Fallback xmlns="">
             <p:pic>
               <p:nvPicPr>
                 <p:cNvPr id="72" name="墨迹 71">
@@ -32076,8 +31983,8 @@
             </p:pic>
           </mc:Fallback>
         </mc:AlternateContent>
-        <mc:AlternateContent xmlns:mc="http://schemas.openxmlformats.org/markup-compatibility/2006">
-          <mc:Choice xmlns:p14="http://schemas.microsoft.com/office/powerpoint/2010/main" Requires="p14">
+        <mc:AlternateContent xmlns:mc="http://schemas.openxmlformats.org/markup-compatibility/2006" xmlns:p14="http://schemas.microsoft.com/office/powerpoint/2010/main">
+          <mc:Choice Requires="p14">
             <p:contentPart p14:bwMode="auto" r:id="rId168">
               <p14:nvContentPartPr>
                 <p14:cNvPr id="73" name="墨迹 72">
@@ -32096,7 +32003,7 @@
               </p14:xfrm>
             </p:contentPart>
           </mc:Choice>
-          <mc:Fallback>
+          <mc:Fallback xmlns="">
             <p:pic>
               <p:nvPicPr>
                 <p:cNvPr id="73" name="墨迹 72">
@@ -32127,8 +32034,8 @@
             </p:pic>
           </mc:Fallback>
         </mc:AlternateContent>
-        <mc:AlternateContent xmlns:mc="http://schemas.openxmlformats.org/markup-compatibility/2006">
-          <mc:Choice xmlns:p14="http://schemas.microsoft.com/office/powerpoint/2010/main" Requires="p14">
+        <mc:AlternateContent xmlns:mc="http://schemas.openxmlformats.org/markup-compatibility/2006" xmlns:p14="http://schemas.microsoft.com/office/powerpoint/2010/main">
+          <mc:Choice Requires="p14">
             <p:contentPart p14:bwMode="auto" r:id="rId170">
               <p14:nvContentPartPr>
                 <p14:cNvPr id="83" name="墨迹 82">
@@ -32147,7 +32054,7 @@
               </p14:xfrm>
             </p:contentPart>
           </mc:Choice>
-          <mc:Fallback>
+          <mc:Fallback xmlns="">
             <p:pic>
               <p:nvPicPr>
                 <p:cNvPr id="83" name="墨迹 82">
@@ -32178,8 +32085,8 @@
             </p:pic>
           </mc:Fallback>
         </mc:AlternateContent>
-        <mc:AlternateContent xmlns:mc="http://schemas.openxmlformats.org/markup-compatibility/2006">
-          <mc:Choice xmlns:p14="http://schemas.microsoft.com/office/powerpoint/2010/main" Requires="p14">
+        <mc:AlternateContent xmlns:mc="http://schemas.openxmlformats.org/markup-compatibility/2006" xmlns:p14="http://schemas.microsoft.com/office/powerpoint/2010/main">
+          <mc:Choice Requires="p14">
             <p:contentPart p14:bwMode="auto" r:id="rId172">
               <p14:nvContentPartPr>
                 <p14:cNvPr id="86" name="墨迹 85">
@@ -32198,7 +32105,7 @@
               </p14:xfrm>
             </p:contentPart>
           </mc:Choice>
-          <mc:Fallback>
+          <mc:Fallback xmlns="">
             <p:pic>
               <p:nvPicPr>
                 <p:cNvPr id="86" name="墨迹 85">
@@ -32229,8 +32136,8 @@
             </p:pic>
           </mc:Fallback>
         </mc:AlternateContent>
-        <mc:AlternateContent xmlns:mc="http://schemas.openxmlformats.org/markup-compatibility/2006">
-          <mc:Choice xmlns:p14="http://schemas.microsoft.com/office/powerpoint/2010/main" Requires="p14">
+        <mc:AlternateContent xmlns:mc="http://schemas.openxmlformats.org/markup-compatibility/2006" xmlns:p14="http://schemas.microsoft.com/office/powerpoint/2010/main">
+          <mc:Choice Requires="p14">
             <p:contentPart p14:bwMode="auto" r:id="rId174">
               <p14:nvContentPartPr>
                 <p14:cNvPr id="87" name="墨迹 86">
@@ -32249,7 +32156,7 @@
               </p14:xfrm>
             </p:contentPart>
           </mc:Choice>
-          <mc:Fallback>
+          <mc:Fallback xmlns="">
             <p:pic>
               <p:nvPicPr>
                 <p:cNvPr id="87" name="墨迹 86">
@@ -32280,8 +32187,8 @@
             </p:pic>
           </mc:Fallback>
         </mc:AlternateContent>
-        <mc:AlternateContent xmlns:mc="http://schemas.openxmlformats.org/markup-compatibility/2006">
-          <mc:Choice xmlns:p14="http://schemas.microsoft.com/office/powerpoint/2010/main" Requires="p14">
+        <mc:AlternateContent xmlns:mc="http://schemas.openxmlformats.org/markup-compatibility/2006" xmlns:p14="http://schemas.microsoft.com/office/powerpoint/2010/main">
+          <mc:Choice Requires="p14">
             <p:contentPart p14:bwMode="auto" r:id="rId176">
               <p14:nvContentPartPr>
                 <p14:cNvPr id="88" name="墨迹 87">
@@ -32300,7 +32207,7 @@
               </p14:xfrm>
             </p:contentPart>
           </mc:Choice>
-          <mc:Fallback>
+          <mc:Fallback xmlns="">
             <p:pic>
               <p:nvPicPr>
                 <p:cNvPr id="88" name="墨迹 87">
@@ -32331,8 +32238,8 @@
             </p:pic>
           </mc:Fallback>
         </mc:AlternateContent>
-        <mc:AlternateContent xmlns:mc="http://schemas.openxmlformats.org/markup-compatibility/2006">
-          <mc:Choice xmlns:p14="http://schemas.microsoft.com/office/powerpoint/2010/main" Requires="p14">
+        <mc:AlternateContent xmlns:mc="http://schemas.openxmlformats.org/markup-compatibility/2006" xmlns:p14="http://schemas.microsoft.com/office/powerpoint/2010/main">
+          <mc:Choice Requires="p14">
             <p:contentPart p14:bwMode="auto" r:id="rId178">
               <p14:nvContentPartPr>
                 <p14:cNvPr id="98" name="墨迹 97">
@@ -32351,7 +32258,7 @@
               </p14:xfrm>
             </p:contentPart>
           </mc:Choice>
-          <mc:Fallback>
+          <mc:Fallback xmlns="">
             <p:pic>
               <p:nvPicPr>
                 <p:cNvPr id="98" name="墨迹 97">
@@ -32382,8 +32289,8 @@
             </p:pic>
           </mc:Fallback>
         </mc:AlternateContent>
-        <mc:AlternateContent xmlns:mc="http://schemas.openxmlformats.org/markup-compatibility/2006">
-          <mc:Choice xmlns:p14="http://schemas.microsoft.com/office/powerpoint/2010/main" Requires="p14">
+        <mc:AlternateContent xmlns:mc="http://schemas.openxmlformats.org/markup-compatibility/2006" xmlns:p14="http://schemas.microsoft.com/office/powerpoint/2010/main">
+          <mc:Choice Requires="p14">
             <p:contentPart p14:bwMode="auto" r:id="rId180">
               <p14:nvContentPartPr>
                 <p14:cNvPr id="99" name="墨迹 98">
@@ -32402,7 +32309,7 @@
               </p14:xfrm>
             </p:contentPart>
           </mc:Choice>
-          <mc:Fallback>
+          <mc:Fallback xmlns="">
             <p:pic>
               <p:nvPicPr>
                 <p:cNvPr id="99" name="墨迹 98">
@@ -32454,8 +32361,8 @@
             <a:chExt cx="831960" cy="434160"/>
           </a:xfrm>
         </p:grpSpPr>
-        <mc:AlternateContent xmlns:mc="http://schemas.openxmlformats.org/markup-compatibility/2006">
-          <mc:Choice xmlns:p14="http://schemas.microsoft.com/office/powerpoint/2010/main" Requires="p14">
+        <mc:AlternateContent xmlns:mc="http://schemas.openxmlformats.org/markup-compatibility/2006" xmlns:p14="http://schemas.microsoft.com/office/powerpoint/2010/main">
+          <mc:Choice Requires="p14">
             <p:contentPart p14:bwMode="auto" r:id="rId182">
               <p14:nvContentPartPr>
                 <p14:cNvPr id="90" name="墨迹 89">
@@ -32474,7 +32381,7 @@
               </p14:xfrm>
             </p:contentPart>
           </mc:Choice>
-          <mc:Fallback>
+          <mc:Fallback xmlns="">
             <p:pic>
               <p:nvPicPr>
                 <p:cNvPr id="90" name="墨迹 89">
@@ -32505,8 +32412,8 @@
             </p:pic>
           </mc:Fallback>
         </mc:AlternateContent>
-        <mc:AlternateContent xmlns:mc="http://schemas.openxmlformats.org/markup-compatibility/2006">
-          <mc:Choice xmlns:p14="http://schemas.microsoft.com/office/powerpoint/2010/main" Requires="p14">
+        <mc:AlternateContent xmlns:mc="http://schemas.openxmlformats.org/markup-compatibility/2006" xmlns:p14="http://schemas.microsoft.com/office/powerpoint/2010/main">
+          <mc:Choice Requires="p14">
             <p:contentPart p14:bwMode="auto" r:id="rId184">
               <p14:nvContentPartPr>
                 <p14:cNvPr id="91" name="墨迹 90">
@@ -32525,7 +32432,7 @@
               </p14:xfrm>
             </p:contentPart>
           </mc:Choice>
-          <mc:Fallback>
+          <mc:Fallback xmlns="">
             <p:pic>
               <p:nvPicPr>
                 <p:cNvPr id="91" name="墨迹 90">
@@ -32556,8 +32463,8 @@
             </p:pic>
           </mc:Fallback>
         </mc:AlternateContent>
-        <mc:AlternateContent xmlns:mc="http://schemas.openxmlformats.org/markup-compatibility/2006">
-          <mc:Choice xmlns:p14="http://schemas.microsoft.com/office/powerpoint/2010/main" Requires="p14">
+        <mc:AlternateContent xmlns:mc="http://schemas.openxmlformats.org/markup-compatibility/2006" xmlns:p14="http://schemas.microsoft.com/office/powerpoint/2010/main">
+          <mc:Choice Requires="p14">
             <p:contentPart p14:bwMode="auto" r:id="rId186">
               <p14:nvContentPartPr>
                 <p14:cNvPr id="92" name="墨迹 91">
@@ -32576,7 +32483,7 @@
               </p14:xfrm>
             </p:contentPart>
           </mc:Choice>
-          <mc:Fallback>
+          <mc:Fallback xmlns="">
             <p:pic>
               <p:nvPicPr>
                 <p:cNvPr id="92" name="墨迹 91">
@@ -32607,8 +32514,8 @@
             </p:pic>
           </mc:Fallback>
         </mc:AlternateContent>
-        <mc:AlternateContent xmlns:mc="http://schemas.openxmlformats.org/markup-compatibility/2006">
-          <mc:Choice xmlns:p14="http://schemas.microsoft.com/office/powerpoint/2010/main" Requires="p14">
+        <mc:AlternateContent xmlns:mc="http://schemas.openxmlformats.org/markup-compatibility/2006" xmlns:p14="http://schemas.microsoft.com/office/powerpoint/2010/main">
+          <mc:Choice Requires="p14">
             <p:contentPart p14:bwMode="auto" r:id="rId188">
               <p14:nvContentPartPr>
                 <p14:cNvPr id="94" name="墨迹 93">
@@ -32627,7 +32534,7 @@
               </p14:xfrm>
             </p:contentPart>
           </mc:Choice>
-          <mc:Fallback>
+          <mc:Fallback xmlns="">
             <p:pic>
               <p:nvPicPr>
                 <p:cNvPr id="94" name="墨迹 93">
@@ -32658,8 +32565,8 @@
             </p:pic>
           </mc:Fallback>
         </mc:AlternateContent>
-        <mc:AlternateContent xmlns:mc="http://schemas.openxmlformats.org/markup-compatibility/2006">
-          <mc:Choice xmlns:p14="http://schemas.microsoft.com/office/powerpoint/2010/main" Requires="p14">
+        <mc:AlternateContent xmlns:mc="http://schemas.openxmlformats.org/markup-compatibility/2006" xmlns:p14="http://schemas.microsoft.com/office/powerpoint/2010/main">
+          <mc:Choice Requires="p14">
             <p:contentPart p14:bwMode="auto" r:id="rId190">
               <p14:nvContentPartPr>
                 <p14:cNvPr id="95" name="墨迹 94">
@@ -32678,7 +32585,7 @@
               </p14:xfrm>
             </p:contentPart>
           </mc:Choice>
-          <mc:Fallback>
+          <mc:Fallback xmlns="">
             <p:pic>
               <p:nvPicPr>
                 <p:cNvPr id="95" name="墨迹 94">
@@ -32709,8 +32616,8 @@
             </p:pic>
           </mc:Fallback>
         </mc:AlternateContent>
-        <mc:AlternateContent xmlns:mc="http://schemas.openxmlformats.org/markup-compatibility/2006">
-          <mc:Choice xmlns:p14="http://schemas.microsoft.com/office/powerpoint/2010/main" Requires="p14">
+        <mc:AlternateContent xmlns:mc="http://schemas.openxmlformats.org/markup-compatibility/2006" xmlns:p14="http://schemas.microsoft.com/office/powerpoint/2010/main">
+          <mc:Choice Requires="p14">
             <p:contentPart p14:bwMode="auto" r:id="rId192">
               <p14:nvContentPartPr>
                 <p14:cNvPr id="96" name="墨迹 95">
@@ -32729,7 +32636,7 @@
               </p14:xfrm>
             </p:contentPart>
           </mc:Choice>
-          <mc:Fallback>
+          <mc:Fallback xmlns="">
             <p:pic>
               <p:nvPicPr>
                 <p:cNvPr id="96" name="墨迹 95">
@@ -32760,8 +32667,8 @@
             </p:pic>
           </mc:Fallback>
         </mc:AlternateContent>
-        <mc:AlternateContent xmlns:mc="http://schemas.openxmlformats.org/markup-compatibility/2006">
-          <mc:Choice xmlns:p14="http://schemas.microsoft.com/office/powerpoint/2010/main" Requires="p14">
+        <mc:AlternateContent xmlns:mc="http://schemas.openxmlformats.org/markup-compatibility/2006" xmlns:p14="http://schemas.microsoft.com/office/powerpoint/2010/main">
+          <mc:Choice Requires="p14">
             <p:contentPart p14:bwMode="auto" r:id="rId194">
               <p14:nvContentPartPr>
                 <p14:cNvPr id="101" name="墨迹 100">
@@ -32780,7 +32687,7 @@
               </p14:xfrm>
             </p:contentPart>
           </mc:Choice>
-          <mc:Fallback>
+          <mc:Fallback xmlns="">
             <p:pic>
               <p:nvPicPr>
                 <p:cNvPr id="101" name="墨迹 100">
@@ -32811,8 +32718,8 @@
             </p:pic>
           </mc:Fallback>
         </mc:AlternateContent>
-        <mc:AlternateContent xmlns:mc="http://schemas.openxmlformats.org/markup-compatibility/2006">
-          <mc:Choice xmlns:p14="http://schemas.microsoft.com/office/powerpoint/2010/main" Requires="p14">
+        <mc:AlternateContent xmlns:mc="http://schemas.openxmlformats.org/markup-compatibility/2006" xmlns:p14="http://schemas.microsoft.com/office/powerpoint/2010/main">
+          <mc:Choice Requires="p14">
             <p:contentPart p14:bwMode="auto" r:id="rId196">
               <p14:nvContentPartPr>
                 <p14:cNvPr id="102" name="墨迹 101">
@@ -32831,7 +32738,7 @@
               </p14:xfrm>
             </p:contentPart>
           </mc:Choice>
-          <mc:Fallback>
+          <mc:Fallback xmlns="">
             <p:pic>
               <p:nvPicPr>
                 <p:cNvPr id="102" name="墨迹 101">
@@ -32862,8 +32769,8 @@
             </p:pic>
           </mc:Fallback>
         </mc:AlternateContent>
-        <mc:AlternateContent xmlns:mc="http://schemas.openxmlformats.org/markup-compatibility/2006">
-          <mc:Choice xmlns:p14="http://schemas.microsoft.com/office/powerpoint/2010/main" Requires="p14">
+        <mc:AlternateContent xmlns:mc="http://schemas.openxmlformats.org/markup-compatibility/2006" xmlns:p14="http://schemas.microsoft.com/office/powerpoint/2010/main">
+          <mc:Choice Requires="p14">
             <p:contentPart p14:bwMode="auto" r:id="rId198">
               <p14:nvContentPartPr>
                 <p14:cNvPr id="103" name="墨迹 102">
@@ -32882,7 +32789,7 @@
               </p14:xfrm>
             </p:contentPart>
           </mc:Choice>
-          <mc:Fallback>
+          <mc:Fallback xmlns="">
             <p:pic>
               <p:nvPicPr>
                 <p:cNvPr id="103" name="墨迹 102">
@@ -32934,8 +32841,8 @@
             <a:chExt cx="315720" cy="232200"/>
           </a:xfrm>
         </p:grpSpPr>
-        <mc:AlternateContent xmlns:mc="http://schemas.openxmlformats.org/markup-compatibility/2006">
-          <mc:Choice xmlns:p14="http://schemas.microsoft.com/office/powerpoint/2010/main" Requires="p14">
+        <mc:AlternateContent xmlns:mc="http://schemas.openxmlformats.org/markup-compatibility/2006" xmlns:p14="http://schemas.microsoft.com/office/powerpoint/2010/main">
+          <mc:Choice Requires="p14">
             <p:contentPart p14:bwMode="auto" r:id="rId200">
               <p14:nvContentPartPr>
                 <p14:cNvPr id="105" name="墨迹 104">
@@ -32954,7 +32861,7 @@
               </p14:xfrm>
             </p:contentPart>
           </mc:Choice>
-          <mc:Fallback>
+          <mc:Fallback xmlns="">
             <p:pic>
               <p:nvPicPr>
                 <p:cNvPr id="105" name="墨迹 104">
@@ -32985,8 +32892,8 @@
             </p:pic>
           </mc:Fallback>
         </mc:AlternateContent>
-        <mc:AlternateContent xmlns:mc="http://schemas.openxmlformats.org/markup-compatibility/2006">
-          <mc:Choice xmlns:p14="http://schemas.microsoft.com/office/powerpoint/2010/main" Requires="p14">
+        <mc:AlternateContent xmlns:mc="http://schemas.openxmlformats.org/markup-compatibility/2006" xmlns:p14="http://schemas.microsoft.com/office/powerpoint/2010/main">
+          <mc:Choice Requires="p14">
             <p:contentPart p14:bwMode="auto" r:id="rId202">
               <p14:nvContentPartPr>
                 <p14:cNvPr id="106" name="墨迹 105">
@@ -33005,7 +32912,7 @@
               </p14:xfrm>
             </p:contentPart>
           </mc:Choice>
-          <mc:Fallback>
+          <mc:Fallback xmlns="">
             <p:pic>
               <p:nvPicPr>
                 <p:cNvPr id="106" name="墨迹 105">
@@ -33036,8 +32943,8 @@
             </p:pic>
           </mc:Fallback>
         </mc:AlternateContent>
-        <mc:AlternateContent xmlns:mc="http://schemas.openxmlformats.org/markup-compatibility/2006">
-          <mc:Choice xmlns:p14="http://schemas.microsoft.com/office/powerpoint/2010/main" Requires="p14">
+        <mc:AlternateContent xmlns:mc="http://schemas.openxmlformats.org/markup-compatibility/2006" xmlns:p14="http://schemas.microsoft.com/office/powerpoint/2010/main">
+          <mc:Choice Requires="p14">
             <p:contentPart p14:bwMode="auto" r:id="rId204">
               <p14:nvContentPartPr>
                 <p14:cNvPr id="107" name="墨迹 106">
@@ -33056,7 +32963,7 @@
               </p14:xfrm>
             </p:contentPart>
           </mc:Choice>
-          <mc:Fallback>
+          <mc:Fallback xmlns="">
             <p:pic>
               <p:nvPicPr>
                 <p:cNvPr id="107" name="墨迹 106">
@@ -33108,8 +33015,8 @@
             <a:chExt cx="270360" cy="227160"/>
           </a:xfrm>
         </p:grpSpPr>
-        <mc:AlternateContent xmlns:mc="http://schemas.openxmlformats.org/markup-compatibility/2006">
-          <mc:Choice xmlns:p14="http://schemas.microsoft.com/office/powerpoint/2010/main" Requires="p14">
+        <mc:AlternateContent xmlns:mc="http://schemas.openxmlformats.org/markup-compatibility/2006" xmlns:p14="http://schemas.microsoft.com/office/powerpoint/2010/main">
+          <mc:Choice Requires="p14">
             <p:contentPart p14:bwMode="auto" r:id="rId206">
               <p14:nvContentPartPr>
                 <p14:cNvPr id="108" name="墨迹 107">
@@ -33128,7 +33035,7 @@
               </p14:xfrm>
             </p:contentPart>
           </mc:Choice>
-          <mc:Fallback>
+          <mc:Fallback xmlns="">
             <p:pic>
               <p:nvPicPr>
                 <p:cNvPr id="108" name="墨迹 107">
@@ -33159,8 +33066,8 @@
             </p:pic>
           </mc:Fallback>
         </mc:AlternateContent>
-        <mc:AlternateContent xmlns:mc="http://schemas.openxmlformats.org/markup-compatibility/2006">
-          <mc:Choice xmlns:p14="http://schemas.microsoft.com/office/powerpoint/2010/main" Requires="p14">
+        <mc:AlternateContent xmlns:mc="http://schemas.openxmlformats.org/markup-compatibility/2006" xmlns:p14="http://schemas.microsoft.com/office/powerpoint/2010/main">
+          <mc:Choice Requires="p14">
             <p:contentPart p14:bwMode="auto" r:id="rId208">
               <p14:nvContentPartPr>
                 <p14:cNvPr id="109" name="墨迹 108">
@@ -33179,7 +33086,7 @@
               </p14:xfrm>
             </p:contentPart>
           </mc:Choice>
-          <mc:Fallback>
+          <mc:Fallback xmlns="">
             <p:pic>
               <p:nvPicPr>
                 <p:cNvPr id="109" name="墨迹 108">
@@ -33231,8 +33138,8 @@
             <a:chExt cx="242280" cy="183240"/>
           </a:xfrm>
         </p:grpSpPr>
-        <mc:AlternateContent xmlns:mc="http://schemas.openxmlformats.org/markup-compatibility/2006">
-          <mc:Choice xmlns:p14="http://schemas.microsoft.com/office/powerpoint/2010/main" Requires="p14">
+        <mc:AlternateContent xmlns:mc="http://schemas.openxmlformats.org/markup-compatibility/2006" xmlns:p14="http://schemas.microsoft.com/office/powerpoint/2010/main">
+          <mc:Choice Requires="p14">
             <p:contentPart p14:bwMode="auto" r:id="rId210">
               <p14:nvContentPartPr>
                 <p14:cNvPr id="110" name="墨迹 109">
@@ -33251,7 +33158,7 @@
               </p14:xfrm>
             </p:contentPart>
           </mc:Choice>
-          <mc:Fallback>
+          <mc:Fallback xmlns="">
             <p:pic>
               <p:nvPicPr>
                 <p:cNvPr id="110" name="墨迹 109">
@@ -33282,8 +33189,8 @@
             </p:pic>
           </mc:Fallback>
         </mc:AlternateContent>
-        <mc:AlternateContent xmlns:mc="http://schemas.openxmlformats.org/markup-compatibility/2006">
-          <mc:Choice xmlns:p14="http://schemas.microsoft.com/office/powerpoint/2010/main" Requires="p14">
+        <mc:AlternateContent xmlns:mc="http://schemas.openxmlformats.org/markup-compatibility/2006" xmlns:p14="http://schemas.microsoft.com/office/powerpoint/2010/main">
+          <mc:Choice Requires="p14">
             <p:contentPart p14:bwMode="auto" r:id="rId212">
               <p14:nvContentPartPr>
                 <p14:cNvPr id="111" name="墨迹 110">
@@ -33302,7 +33209,7 @@
               </p14:xfrm>
             </p:contentPart>
           </mc:Choice>
-          <mc:Fallback>
+          <mc:Fallback xmlns="">
             <p:pic>
               <p:nvPicPr>
                 <p:cNvPr id="111" name="墨迹 110">
@@ -33354,8 +33261,8 @@
             <a:chExt cx="194400" cy="252000"/>
           </a:xfrm>
         </p:grpSpPr>
-        <mc:AlternateContent xmlns:mc="http://schemas.openxmlformats.org/markup-compatibility/2006">
-          <mc:Choice xmlns:p14="http://schemas.microsoft.com/office/powerpoint/2010/main" Requires="p14">
+        <mc:AlternateContent xmlns:mc="http://schemas.openxmlformats.org/markup-compatibility/2006" xmlns:p14="http://schemas.microsoft.com/office/powerpoint/2010/main">
+          <mc:Choice Requires="p14">
             <p:contentPart p14:bwMode="auto" r:id="rId214">
               <p14:nvContentPartPr>
                 <p14:cNvPr id="137" name="墨迹 136">
@@ -33374,7 +33281,7 @@
               </p14:xfrm>
             </p:contentPart>
           </mc:Choice>
-          <mc:Fallback>
+          <mc:Fallback xmlns="">
             <p:pic>
               <p:nvPicPr>
                 <p:cNvPr id="137" name="墨迹 136">
@@ -33405,8 +33312,8 @@
             </p:pic>
           </mc:Fallback>
         </mc:AlternateContent>
-        <mc:AlternateContent xmlns:mc="http://schemas.openxmlformats.org/markup-compatibility/2006">
-          <mc:Choice xmlns:p14="http://schemas.microsoft.com/office/powerpoint/2010/main" Requires="p14">
+        <mc:AlternateContent xmlns:mc="http://schemas.openxmlformats.org/markup-compatibility/2006" xmlns:p14="http://schemas.microsoft.com/office/powerpoint/2010/main">
+          <mc:Choice Requires="p14">
             <p:contentPart p14:bwMode="auto" r:id="rId216">
               <p14:nvContentPartPr>
                 <p14:cNvPr id="143" name="墨迹 142">
@@ -33425,7 +33332,7 @@
               </p14:xfrm>
             </p:contentPart>
           </mc:Choice>
-          <mc:Fallback>
+          <mc:Fallback xmlns="">
             <p:pic>
               <p:nvPicPr>
                 <p:cNvPr id="143" name="墨迹 142">
@@ -33477,8 +33384,8 @@
             <a:chExt cx="636840" cy="685080"/>
           </a:xfrm>
         </p:grpSpPr>
-        <mc:AlternateContent xmlns:mc="http://schemas.openxmlformats.org/markup-compatibility/2006">
-          <mc:Choice xmlns:p14="http://schemas.microsoft.com/office/powerpoint/2010/main" Requires="p14">
+        <mc:AlternateContent xmlns:mc="http://schemas.openxmlformats.org/markup-compatibility/2006" xmlns:p14="http://schemas.microsoft.com/office/powerpoint/2010/main">
+          <mc:Choice Requires="p14">
             <p:contentPart p14:bwMode="auto" r:id="rId218">
               <p14:nvContentPartPr>
                 <p14:cNvPr id="145" name="墨迹 144">
@@ -33497,7 +33404,7 @@
               </p14:xfrm>
             </p:contentPart>
           </mc:Choice>
-          <mc:Fallback>
+          <mc:Fallback xmlns="">
             <p:pic>
               <p:nvPicPr>
                 <p:cNvPr id="145" name="墨迹 144">
@@ -33528,8 +33435,8 @@
             </p:pic>
           </mc:Fallback>
         </mc:AlternateContent>
-        <mc:AlternateContent xmlns:mc="http://schemas.openxmlformats.org/markup-compatibility/2006">
-          <mc:Choice xmlns:p14="http://schemas.microsoft.com/office/powerpoint/2010/main" Requires="p14">
+        <mc:AlternateContent xmlns:mc="http://schemas.openxmlformats.org/markup-compatibility/2006" xmlns:p14="http://schemas.microsoft.com/office/powerpoint/2010/main">
+          <mc:Choice Requires="p14">
             <p:contentPart p14:bwMode="auto" r:id="rId220">
               <p14:nvContentPartPr>
                 <p14:cNvPr id="146" name="墨迹 145">
@@ -33548,7 +33455,7 @@
               </p14:xfrm>
             </p:contentPart>
           </mc:Choice>
-          <mc:Fallback>
+          <mc:Fallback xmlns="">
             <p:pic>
               <p:nvPicPr>
                 <p:cNvPr id="146" name="墨迹 145">
@@ -33579,8 +33486,8 @@
             </p:pic>
           </mc:Fallback>
         </mc:AlternateContent>
-        <mc:AlternateContent xmlns:mc="http://schemas.openxmlformats.org/markup-compatibility/2006">
-          <mc:Choice xmlns:p14="http://schemas.microsoft.com/office/powerpoint/2010/main" Requires="p14">
+        <mc:AlternateContent xmlns:mc="http://schemas.openxmlformats.org/markup-compatibility/2006" xmlns:p14="http://schemas.microsoft.com/office/powerpoint/2010/main">
+          <mc:Choice Requires="p14">
             <p:contentPart p14:bwMode="auto" r:id="rId222">
               <p14:nvContentPartPr>
                 <p14:cNvPr id="148" name="墨迹 147">
@@ -33599,7 +33506,7 @@
               </p14:xfrm>
             </p:contentPart>
           </mc:Choice>
-          <mc:Fallback>
+          <mc:Fallback xmlns="">
             <p:pic>
               <p:nvPicPr>
                 <p:cNvPr id="148" name="墨迹 147">
@@ -33630,8 +33537,8 @@
             </p:pic>
           </mc:Fallback>
         </mc:AlternateContent>
-        <mc:AlternateContent xmlns:mc="http://schemas.openxmlformats.org/markup-compatibility/2006">
-          <mc:Choice xmlns:p14="http://schemas.microsoft.com/office/powerpoint/2010/main" Requires="p14">
+        <mc:AlternateContent xmlns:mc="http://schemas.openxmlformats.org/markup-compatibility/2006" xmlns:p14="http://schemas.microsoft.com/office/powerpoint/2010/main">
+          <mc:Choice Requires="p14">
             <p:contentPart p14:bwMode="auto" r:id="rId224">
               <p14:nvContentPartPr>
                 <p14:cNvPr id="149" name="墨迹 148">
@@ -33650,7 +33557,7 @@
               </p14:xfrm>
             </p:contentPart>
           </mc:Choice>
-          <mc:Fallback>
+          <mc:Fallback xmlns="">
             <p:pic>
               <p:nvPicPr>
                 <p:cNvPr id="149" name="墨迹 148">
@@ -33681,8 +33588,8 @@
             </p:pic>
           </mc:Fallback>
         </mc:AlternateContent>
-        <mc:AlternateContent xmlns:mc="http://schemas.openxmlformats.org/markup-compatibility/2006">
-          <mc:Choice xmlns:p14="http://schemas.microsoft.com/office/powerpoint/2010/main" Requires="p14">
+        <mc:AlternateContent xmlns:mc="http://schemas.openxmlformats.org/markup-compatibility/2006" xmlns:p14="http://schemas.microsoft.com/office/powerpoint/2010/main">
+          <mc:Choice Requires="p14">
             <p:contentPart p14:bwMode="auto" r:id="rId226">
               <p14:nvContentPartPr>
                 <p14:cNvPr id="150" name="墨迹 149">
@@ -33701,7 +33608,7 @@
               </p14:xfrm>
             </p:contentPart>
           </mc:Choice>
-          <mc:Fallback>
+          <mc:Fallback xmlns="">
             <p:pic>
               <p:nvPicPr>
                 <p:cNvPr id="150" name="墨迹 149">
@@ -33732,8 +33639,8 @@
             </p:pic>
           </mc:Fallback>
         </mc:AlternateContent>
-        <mc:AlternateContent xmlns:mc="http://schemas.openxmlformats.org/markup-compatibility/2006">
-          <mc:Choice xmlns:p14="http://schemas.microsoft.com/office/powerpoint/2010/main" Requires="p14">
+        <mc:AlternateContent xmlns:mc="http://schemas.openxmlformats.org/markup-compatibility/2006" xmlns:p14="http://schemas.microsoft.com/office/powerpoint/2010/main">
+          <mc:Choice Requires="p14">
             <p:contentPart p14:bwMode="auto" r:id="rId228">
               <p14:nvContentPartPr>
                 <p14:cNvPr id="151" name="墨迹 150">
@@ -33752,7 +33659,7 @@
               </p14:xfrm>
             </p:contentPart>
           </mc:Choice>
-          <mc:Fallback>
+          <mc:Fallback xmlns="">
             <p:pic>
               <p:nvPicPr>
                 <p:cNvPr id="151" name="墨迹 150">
@@ -33784,8 +33691,8 @@
           </mc:Fallback>
         </mc:AlternateContent>
       </p:grpSp>
-      <mc:AlternateContent xmlns:mc="http://schemas.openxmlformats.org/markup-compatibility/2006">
-        <mc:Choice xmlns:p14="http://schemas.microsoft.com/office/powerpoint/2010/main" Requires="p14">
+      <mc:AlternateContent xmlns:mc="http://schemas.openxmlformats.org/markup-compatibility/2006" xmlns:p14="http://schemas.microsoft.com/office/powerpoint/2010/main">
+        <mc:Choice Requires="p14">
           <p:contentPart p14:bwMode="auto" r:id="rId230">
             <p14:nvContentPartPr>
               <p14:cNvPr id="152" name="墨迹 151">
@@ -33804,7 +33711,7 @@
             </p14:xfrm>
           </p:contentPart>
         </mc:Choice>
-        <mc:Fallback>
+        <mc:Fallback xmlns="">
           <p:pic>
             <p:nvPicPr>
               <p:cNvPr id="152" name="墨迹 151">
@@ -33835,8 +33742,8 @@
           </p:pic>
         </mc:Fallback>
       </mc:AlternateContent>
-      <mc:AlternateContent xmlns:mc="http://schemas.openxmlformats.org/markup-compatibility/2006">
-        <mc:Choice xmlns:p14="http://schemas.microsoft.com/office/powerpoint/2010/main" Requires="p14">
+      <mc:AlternateContent xmlns:mc="http://schemas.openxmlformats.org/markup-compatibility/2006" xmlns:p14="http://schemas.microsoft.com/office/powerpoint/2010/main">
+        <mc:Choice Requires="p14">
           <p:contentPart p14:bwMode="auto" r:id="rId232">
             <p14:nvContentPartPr>
               <p14:cNvPr id="154" name="墨迹 153">
@@ -33855,7 +33762,7 @@
             </p14:xfrm>
           </p:contentPart>
         </mc:Choice>
-        <mc:Fallback>
+        <mc:Fallback xmlns="">
           <p:pic>
             <p:nvPicPr>
               <p:cNvPr id="154" name="墨迹 153">
@@ -33886,8 +33793,8 @@
           </p:pic>
         </mc:Fallback>
       </mc:AlternateContent>
-      <mc:AlternateContent xmlns:mc="http://schemas.openxmlformats.org/markup-compatibility/2006">
-        <mc:Choice xmlns:p14="http://schemas.microsoft.com/office/powerpoint/2010/main" Requires="p14">
+      <mc:AlternateContent xmlns:mc="http://schemas.openxmlformats.org/markup-compatibility/2006" xmlns:p14="http://schemas.microsoft.com/office/powerpoint/2010/main">
+        <mc:Choice Requires="p14">
           <p:contentPart p14:bwMode="auto" r:id="rId234">
             <p14:nvContentPartPr>
               <p14:cNvPr id="155" name="墨迹 154">
@@ -33906,7 +33813,7 @@
             </p14:xfrm>
           </p:contentPart>
         </mc:Choice>
-        <mc:Fallback>
+        <mc:Fallback xmlns="">
           <p:pic>
             <p:nvPicPr>
               <p:cNvPr id="155" name="墨迹 154">
@@ -33957,8 +33864,8 @@
             <a:chExt cx="169560" cy="355680"/>
           </a:xfrm>
         </p:grpSpPr>
-        <mc:AlternateContent xmlns:mc="http://schemas.openxmlformats.org/markup-compatibility/2006">
-          <mc:Choice xmlns:p14="http://schemas.microsoft.com/office/powerpoint/2010/main" Requires="p14">
+        <mc:AlternateContent xmlns:mc="http://schemas.openxmlformats.org/markup-compatibility/2006" xmlns:p14="http://schemas.microsoft.com/office/powerpoint/2010/main">
+          <mc:Choice Requires="p14">
             <p:contentPart p14:bwMode="auto" r:id="rId236">
               <p14:nvContentPartPr>
                 <p14:cNvPr id="156" name="墨迹 155">
@@ -33977,7 +33884,7 @@
               </p14:xfrm>
             </p:contentPart>
           </mc:Choice>
-          <mc:Fallback>
+          <mc:Fallback xmlns="">
             <p:pic>
               <p:nvPicPr>
                 <p:cNvPr id="156" name="墨迹 155">
@@ -34008,8 +33915,8 @@
             </p:pic>
           </mc:Fallback>
         </mc:AlternateContent>
-        <mc:AlternateContent xmlns:mc="http://schemas.openxmlformats.org/markup-compatibility/2006">
-          <mc:Choice xmlns:p14="http://schemas.microsoft.com/office/powerpoint/2010/main" Requires="p14">
+        <mc:AlternateContent xmlns:mc="http://schemas.openxmlformats.org/markup-compatibility/2006" xmlns:p14="http://schemas.microsoft.com/office/powerpoint/2010/main">
+          <mc:Choice Requires="p14">
             <p:contentPart p14:bwMode="auto" r:id="rId238">
               <p14:nvContentPartPr>
                 <p14:cNvPr id="157" name="墨迹 156">
@@ -34028,7 +33935,7 @@
               </p14:xfrm>
             </p:contentPart>
           </mc:Choice>
-          <mc:Fallback>
+          <mc:Fallback xmlns="">
             <p:pic>
               <p:nvPicPr>
                 <p:cNvPr id="157" name="墨迹 156">
@@ -34059,8 +33966,8 @@
             </p:pic>
           </mc:Fallback>
         </mc:AlternateContent>
-        <mc:AlternateContent xmlns:mc="http://schemas.openxmlformats.org/markup-compatibility/2006">
-          <mc:Choice xmlns:p14="http://schemas.microsoft.com/office/powerpoint/2010/main" Requires="p14">
+        <mc:AlternateContent xmlns:mc="http://schemas.openxmlformats.org/markup-compatibility/2006" xmlns:p14="http://schemas.microsoft.com/office/powerpoint/2010/main">
+          <mc:Choice Requires="p14">
             <p:contentPart p14:bwMode="auto" r:id="rId240">
               <p14:nvContentPartPr>
                 <p14:cNvPr id="158" name="墨迹 157">
@@ -34079,7 +33986,7 @@
               </p14:xfrm>
             </p:contentPart>
           </mc:Choice>
-          <mc:Fallback>
+          <mc:Fallback xmlns="">
             <p:pic>
               <p:nvPicPr>
                 <p:cNvPr id="158" name="墨迹 157">
@@ -34131,8 +34038,8 @@
             <a:chExt cx="191160" cy="315000"/>
           </a:xfrm>
         </p:grpSpPr>
-        <mc:AlternateContent xmlns:mc="http://schemas.openxmlformats.org/markup-compatibility/2006">
-          <mc:Choice xmlns:p14="http://schemas.microsoft.com/office/powerpoint/2010/main" Requires="p14">
+        <mc:AlternateContent xmlns:mc="http://schemas.openxmlformats.org/markup-compatibility/2006" xmlns:p14="http://schemas.microsoft.com/office/powerpoint/2010/main">
+          <mc:Choice Requires="p14">
             <p:contentPart p14:bwMode="auto" r:id="rId242">
               <p14:nvContentPartPr>
                 <p14:cNvPr id="159" name="墨迹 158">
@@ -34151,7 +34058,7 @@
               </p14:xfrm>
             </p:contentPart>
           </mc:Choice>
-          <mc:Fallback>
+          <mc:Fallback xmlns="">
             <p:pic>
               <p:nvPicPr>
                 <p:cNvPr id="159" name="墨迹 158">
@@ -34182,8 +34089,8 @@
             </p:pic>
           </mc:Fallback>
         </mc:AlternateContent>
-        <mc:AlternateContent xmlns:mc="http://schemas.openxmlformats.org/markup-compatibility/2006">
-          <mc:Choice xmlns:p14="http://schemas.microsoft.com/office/powerpoint/2010/main" Requires="p14">
+        <mc:AlternateContent xmlns:mc="http://schemas.openxmlformats.org/markup-compatibility/2006" xmlns:p14="http://schemas.microsoft.com/office/powerpoint/2010/main">
+          <mc:Choice Requires="p14">
             <p:contentPart p14:bwMode="auto" r:id="rId244">
               <p14:nvContentPartPr>
                 <p14:cNvPr id="160" name="墨迹 159">
@@ -34202,7 +34109,7 @@
               </p14:xfrm>
             </p:contentPart>
           </mc:Choice>
-          <mc:Fallback>
+          <mc:Fallback xmlns="">
             <p:pic>
               <p:nvPicPr>
                 <p:cNvPr id="160" name="墨迹 159">
@@ -34233,8 +34140,8 @@
             </p:pic>
           </mc:Fallback>
         </mc:AlternateContent>
-        <mc:AlternateContent xmlns:mc="http://schemas.openxmlformats.org/markup-compatibility/2006">
-          <mc:Choice xmlns:p14="http://schemas.microsoft.com/office/powerpoint/2010/main" Requires="p14">
+        <mc:AlternateContent xmlns:mc="http://schemas.openxmlformats.org/markup-compatibility/2006" xmlns:p14="http://schemas.microsoft.com/office/powerpoint/2010/main">
+          <mc:Choice Requires="p14">
             <p:contentPart p14:bwMode="auto" r:id="rId246">
               <p14:nvContentPartPr>
                 <p14:cNvPr id="161" name="墨迹 160">
@@ -34253,7 +34160,7 @@
               </p14:xfrm>
             </p:contentPart>
           </mc:Choice>
-          <mc:Fallback>
+          <mc:Fallback xmlns="">
             <p:pic>
               <p:nvPicPr>
                 <p:cNvPr id="161" name="墨迹 160">
@@ -34305,8 +34212,8 @@
             <a:chExt cx="210240" cy="315000"/>
           </a:xfrm>
         </p:grpSpPr>
-        <mc:AlternateContent xmlns:mc="http://schemas.openxmlformats.org/markup-compatibility/2006">
-          <mc:Choice xmlns:p14="http://schemas.microsoft.com/office/powerpoint/2010/main" Requires="p14">
+        <mc:AlternateContent xmlns:mc="http://schemas.openxmlformats.org/markup-compatibility/2006" xmlns:p14="http://schemas.microsoft.com/office/powerpoint/2010/main">
+          <mc:Choice Requires="p14">
             <p:contentPart p14:bwMode="auto" r:id="rId248">
               <p14:nvContentPartPr>
                 <p14:cNvPr id="162" name="墨迹 161">
@@ -34325,7 +34232,7 @@
               </p14:xfrm>
             </p:contentPart>
           </mc:Choice>
-          <mc:Fallback>
+          <mc:Fallback xmlns="">
             <p:pic>
               <p:nvPicPr>
                 <p:cNvPr id="162" name="墨迹 161">
@@ -34356,8 +34263,8 @@
             </p:pic>
           </mc:Fallback>
         </mc:AlternateContent>
-        <mc:AlternateContent xmlns:mc="http://schemas.openxmlformats.org/markup-compatibility/2006">
-          <mc:Choice xmlns:p14="http://schemas.microsoft.com/office/powerpoint/2010/main" Requires="p14">
+        <mc:AlternateContent xmlns:mc="http://schemas.openxmlformats.org/markup-compatibility/2006" xmlns:p14="http://schemas.microsoft.com/office/powerpoint/2010/main">
+          <mc:Choice Requires="p14">
             <p:contentPart p14:bwMode="auto" r:id="rId250">
               <p14:nvContentPartPr>
                 <p14:cNvPr id="163" name="墨迹 162">
@@ -34376,7 +34283,7 @@
               </p14:xfrm>
             </p:contentPart>
           </mc:Choice>
-          <mc:Fallback>
+          <mc:Fallback xmlns="">
             <p:pic>
               <p:nvPicPr>
                 <p:cNvPr id="163" name="墨迹 162">
@@ -34428,8 +34335,8 @@
             <a:chExt cx="190800" cy="271440"/>
           </a:xfrm>
         </p:grpSpPr>
-        <mc:AlternateContent xmlns:mc="http://schemas.openxmlformats.org/markup-compatibility/2006">
-          <mc:Choice xmlns:p14="http://schemas.microsoft.com/office/powerpoint/2010/main" Requires="p14">
+        <mc:AlternateContent xmlns:mc="http://schemas.openxmlformats.org/markup-compatibility/2006" xmlns:p14="http://schemas.microsoft.com/office/powerpoint/2010/main">
+          <mc:Choice Requires="p14">
             <p:contentPart p14:bwMode="auto" r:id="rId252">
               <p14:nvContentPartPr>
                 <p14:cNvPr id="170" name="墨迹 169">
@@ -34448,7 +34355,7 @@
               </p14:xfrm>
             </p:contentPart>
           </mc:Choice>
-          <mc:Fallback>
+          <mc:Fallback xmlns="">
             <p:pic>
               <p:nvPicPr>
                 <p:cNvPr id="170" name="墨迹 169">
@@ -34479,8 +34386,8 @@
             </p:pic>
           </mc:Fallback>
         </mc:AlternateContent>
-        <mc:AlternateContent xmlns:mc="http://schemas.openxmlformats.org/markup-compatibility/2006">
-          <mc:Choice xmlns:p14="http://schemas.microsoft.com/office/powerpoint/2010/main" Requires="p14">
+        <mc:AlternateContent xmlns:mc="http://schemas.openxmlformats.org/markup-compatibility/2006" xmlns:p14="http://schemas.microsoft.com/office/powerpoint/2010/main">
+          <mc:Choice Requires="p14">
             <p:contentPart p14:bwMode="auto" r:id="rId254">
               <p14:nvContentPartPr>
                 <p14:cNvPr id="171" name="墨迹 170">
@@ -34499,7 +34406,7 @@
               </p14:xfrm>
             </p:contentPart>
           </mc:Choice>
-          <mc:Fallback>
+          <mc:Fallback xmlns="">
             <p:pic>
               <p:nvPicPr>
                 <p:cNvPr id="171" name="墨迹 170">
@@ -34551,8 +34458,8 @@
             <a:chExt cx="248400" cy="772920"/>
           </a:xfrm>
         </p:grpSpPr>
-        <mc:AlternateContent xmlns:mc="http://schemas.openxmlformats.org/markup-compatibility/2006">
-          <mc:Choice xmlns:p14="http://schemas.microsoft.com/office/powerpoint/2010/main" Requires="p14">
+        <mc:AlternateContent xmlns:mc="http://schemas.openxmlformats.org/markup-compatibility/2006" xmlns:p14="http://schemas.microsoft.com/office/powerpoint/2010/main">
+          <mc:Choice Requires="p14">
             <p:contentPart p14:bwMode="auto" r:id="rId256">
               <p14:nvContentPartPr>
                 <p14:cNvPr id="167" name="墨迹 166">
@@ -34571,7 +34478,7 @@
               </p14:xfrm>
             </p:contentPart>
           </mc:Choice>
-          <mc:Fallback>
+          <mc:Fallback xmlns="">
             <p:pic>
               <p:nvPicPr>
                 <p:cNvPr id="167" name="墨迹 166">
@@ -34602,8 +34509,8 @@
             </p:pic>
           </mc:Fallback>
         </mc:AlternateContent>
-        <mc:AlternateContent xmlns:mc="http://schemas.openxmlformats.org/markup-compatibility/2006">
-          <mc:Choice xmlns:p14="http://schemas.microsoft.com/office/powerpoint/2010/main" Requires="p14">
+        <mc:AlternateContent xmlns:mc="http://schemas.openxmlformats.org/markup-compatibility/2006" xmlns:p14="http://schemas.microsoft.com/office/powerpoint/2010/main">
+          <mc:Choice Requires="p14">
             <p:contentPart p14:bwMode="auto" r:id="rId258">
               <p14:nvContentPartPr>
                 <p14:cNvPr id="168" name="墨迹 167">
@@ -34622,7 +34529,7 @@
               </p14:xfrm>
             </p:contentPart>
           </mc:Choice>
-          <mc:Fallback>
+          <mc:Fallback xmlns="">
             <p:pic>
               <p:nvPicPr>
                 <p:cNvPr id="168" name="墨迹 167">
@@ -34653,8 +34560,8 @@
             </p:pic>
           </mc:Fallback>
         </mc:AlternateContent>
-        <mc:AlternateContent xmlns:mc="http://schemas.openxmlformats.org/markup-compatibility/2006">
-          <mc:Choice xmlns:p14="http://schemas.microsoft.com/office/powerpoint/2010/main" Requires="p14">
+        <mc:AlternateContent xmlns:mc="http://schemas.openxmlformats.org/markup-compatibility/2006" xmlns:p14="http://schemas.microsoft.com/office/powerpoint/2010/main">
+          <mc:Choice Requires="p14">
             <p:contentPart p14:bwMode="auto" r:id="rId260">
               <p14:nvContentPartPr>
                 <p14:cNvPr id="169" name="墨迹 168">
@@ -34673,7 +34580,7 @@
               </p14:xfrm>
             </p:contentPart>
           </mc:Choice>
-          <mc:Fallback>
+          <mc:Fallback xmlns="">
             <p:pic>
               <p:nvPicPr>
                 <p:cNvPr id="169" name="墨迹 168">
@@ -34704,8 +34611,8 @@
             </p:pic>
           </mc:Fallback>
         </mc:AlternateContent>
-        <mc:AlternateContent xmlns:mc="http://schemas.openxmlformats.org/markup-compatibility/2006">
-          <mc:Choice xmlns:p14="http://schemas.microsoft.com/office/powerpoint/2010/main" Requires="p14">
+        <mc:AlternateContent xmlns:mc="http://schemas.openxmlformats.org/markup-compatibility/2006" xmlns:p14="http://schemas.microsoft.com/office/powerpoint/2010/main">
+          <mc:Choice Requires="p14">
             <p:contentPart p14:bwMode="auto" r:id="rId262">
               <p14:nvContentPartPr>
                 <p14:cNvPr id="174" name="墨迹 173">
@@ -34724,7 +34631,7 @@
               </p14:xfrm>
             </p:contentPart>
           </mc:Choice>
-          <mc:Fallback>
+          <mc:Fallback xmlns="">
             <p:pic>
               <p:nvPicPr>
                 <p:cNvPr id="174" name="墨迹 173">
@@ -34755,8 +34662,8 @@
             </p:pic>
           </mc:Fallback>
         </mc:AlternateContent>
-        <mc:AlternateContent xmlns:mc="http://schemas.openxmlformats.org/markup-compatibility/2006">
-          <mc:Choice xmlns:p14="http://schemas.microsoft.com/office/powerpoint/2010/main" Requires="p14">
+        <mc:AlternateContent xmlns:mc="http://schemas.openxmlformats.org/markup-compatibility/2006" xmlns:p14="http://schemas.microsoft.com/office/powerpoint/2010/main">
+          <mc:Choice Requires="p14">
             <p:contentPart p14:bwMode="auto" r:id="rId264">
               <p14:nvContentPartPr>
                 <p14:cNvPr id="175" name="墨迹 174">
@@ -34775,7 +34682,7 @@
               </p14:xfrm>
             </p:contentPart>
           </mc:Choice>
-          <mc:Fallback>
+          <mc:Fallback xmlns="">
             <p:pic>
               <p:nvPicPr>
                 <p:cNvPr id="175" name="墨迹 174">
@@ -34806,8 +34713,8 @@
             </p:pic>
           </mc:Fallback>
         </mc:AlternateContent>
-        <mc:AlternateContent xmlns:mc="http://schemas.openxmlformats.org/markup-compatibility/2006">
-          <mc:Choice xmlns:p14="http://schemas.microsoft.com/office/powerpoint/2010/main" Requires="p14">
+        <mc:AlternateContent xmlns:mc="http://schemas.openxmlformats.org/markup-compatibility/2006" xmlns:p14="http://schemas.microsoft.com/office/powerpoint/2010/main">
+          <mc:Choice Requires="p14">
             <p:contentPart p14:bwMode="auto" r:id="rId266">
               <p14:nvContentPartPr>
                 <p14:cNvPr id="176" name="墨迹 175">
@@ -34826,7 +34733,7 @@
               </p14:xfrm>
             </p:contentPart>
           </mc:Choice>
-          <mc:Fallback>
+          <mc:Fallback xmlns="">
             <p:pic>
               <p:nvPicPr>
                 <p:cNvPr id="176" name="墨迹 175">
@@ -34878,8 +34785,8 @@
             <a:chExt cx="203760" cy="402840"/>
           </a:xfrm>
         </p:grpSpPr>
-        <mc:AlternateContent xmlns:mc="http://schemas.openxmlformats.org/markup-compatibility/2006">
-          <mc:Choice xmlns:p14="http://schemas.microsoft.com/office/powerpoint/2010/main" Requires="p14">
+        <mc:AlternateContent xmlns:mc="http://schemas.openxmlformats.org/markup-compatibility/2006" xmlns:p14="http://schemas.microsoft.com/office/powerpoint/2010/main">
+          <mc:Choice Requires="p14">
             <p:contentPart p14:bwMode="auto" r:id="rId268">
               <p14:nvContentPartPr>
                 <p14:cNvPr id="177" name="墨迹 176">
@@ -34898,7 +34805,7 @@
               </p14:xfrm>
             </p:contentPart>
           </mc:Choice>
-          <mc:Fallback>
+          <mc:Fallback xmlns="">
             <p:pic>
               <p:nvPicPr>
                 <p:cNvPr id="177" name="墨迹 176">
@@ -34929,8 +34836,8 @@
             </p:pic>
           </mc:Fallback>
         </mc:AlternateContent>
-        <mc:AlternateContent xmlns:mc="http://schemas.openxmlformats.org/markup-compatibility/2006">
-          <mc:Choice xmlns:p14="http://schemas.microsoft.com/office/powerpoint/2010/main" Requires="p14">
+        <mc:AlternateContent xmlns:mc="http://schemas.openxmlformats.org/markup-compatibility/2006" xmlns:p14="http://schemas.microsoft.com/office/powerpoint/2010/main">
+          <mc:Choice Requires="p14">
             <p:contentPart p14:bwMode="auto" r:id="rId270">
               <p14:nvContentPartPr>
                 <p14:cNvPr id="178" name="墨迹 177">
@@ -34949,7 +34856,7 @@
               </p14:xfrm>
             </p:contentPart>
           </mc:Choice>
-          <mc:Fallback>
+          <mc:Fallback xmlns="">
             <p:pic>
               <p:nvPicPr>
                 <p:cNvPr id="178" name="墨迹 177">
@@ -35001,8 +34908,8 @@
             <a:chExt cx="270720" cy="780840"/>
           </a:xfrm>
         </p:grpSpPr>
-        <mc:AlternateContent xmlns:mc="http://schemas.openxmlformats.org/markup-compatibility/2006">
-          <mc:Choice xmlns:p14="http://schemas.microsoft.com/office/powerpoint/2010/main" Requires="p14">
+        <mc:AlternateContent xmlns:mc="http://schemas.openxmlformats.org/markup-compatibility/2006" xmlns:p14="http://schemas.microsoft.com/office/powerpoint/2010/main">
+          <mc:Choice Requires="p14">
             <p:contentPart p14:bwMode="auto" r:id="rId272">
               <p14:nvContentPartPr>
                 <p14:cNvPr id="172" name="墨迹 171">
@@ -35021,7 +34928,7 @@
               </p14:xfrm>
             </p:contentPart>
           </mc:Choice>
-          <mc:Fallback>
+          <mc:Fallback xmlns="">
             <p:pic>
               <p:nvPicPr>
                 <p:cNvPr id="172" name="墨迹 171">
@@ -35052,8 +34959,8 @@
             </p:pic>
           </mc:Fallback>
         </mc:AlternateContent>
-        <mc:AlternateContent xmlns:mc="http://schemas.openxmlformats.org/markup-compatibility/2006">
-          <mc:Choice xmlns:p14="http://schemas.microsoft.com/office/powerpoint/2010/main" Requires="p14">
+        <mc:AlternateContent xmlns:mc="http://schemas.openxmlformats.org/markup-compatibility/2006" xmlns:p14="http://schemas.microsoft.com/office/powerpoint/2010/main">
+          <mc:Choice Requires="p14">
             <p:contentPart p14:bwMode="auto" r:id="rId274">
               <p14:nvContentPartPr>
                 <p14:cNvPr id="173" name="墨迹 172">
@@ -35072,7 +34979,7 @@
               </p14:xfrm>
             </p:contentPart>
           </mc:Choice>
-          <mc:Fallback>
+          <mc:Fallback xmlns="">
             <p:pic>
               <p:nvPicPr>
                 <p:cNvPr id="173" name="墨迹 172">
@@ -35103,8 +35010,8 @@
             </p:pic>
           </mc:Fallback>
         </mc:AlternateContent>
-        <mc:AlternateContent xmlns:mc="http://schemas.openxmlformats.org/markup-compatibility/2006">
-          <mc:Choice xmlns:p14="http://schemas.microsoft.com/office/powerpoint/2010/main" Requires="p14">
+        <mc:AlternateContent xmlns:mc="http://schemas.openxmlformats.org/markup-compatibility/2006" xmlns:p14="http://schemas.microsoft.com/office/powerpoint/2010/main">
+          <mc:Choice Requires="p14">
             <p:contentPart p14:bwMode="auto" r:id="rId276">
               <p14:nvContentPartPr>
                 <p14:cNvPr id="179" name="墨迹 178">
@@ -35123,7 +35030,7 @@
               </p14:xfrm>
             </p:contentPart>
           </mc:Choice>
-          <mc:Fallback>
+          <mc:Fallback xmlns="">
             <p:pic>
               <p:nvPicPr>
                 <p:cNvPr id="179" name="墨迹 178">
@@ -35154,8 +35061,8 @@
             </p:pic>
           </mc:Fallback>
         </mc:AlternateContent>
-        <mc:AlternateContent xmlns:mc="http://schemas.openxmlformats.org/markup-compatibility/2006">
-          <mc:Choice xmlns:p14="http://schemas.microsoft.com/office/powerpoint/2010/main" Requires="p14">
+        <mc:AlternateContent xmlns:mc="http://schemas.openxmlformats.org/markup-compatibility/2006" xmlns:p14="http://schemas.microsoft.com/office/powerpoint/2010/main">
+          <mc:Choice Requires="p14">
             <p:contentPart p14:bwMode="auto" r:id="rId278">
               <p14:nvContentPartPr>
                 <p14:cNvPr id="180" name="墨迹 179">
@@ -35174,7 +35081,7 @@
               </p14:xfrm>
             </p:contentPart>
           </mc:Choice>
-          <mc:Fallback>
+          <mc:Fallback xmlns="">
             <p:pic>
               <p:nvPicPr>
                 <p:cNvPr id="180" name="墨迹 179">
@@ -35206,8 +35113,8 @@
           </mc:Fallback>
         </mc:AlternateContent>
       </p:grpSp>
-      <mc:AlternateContent xmlns:mc="http://schemas.openxmlformats.org/markup-compatibility/2006">
-        <mc:Choice xmlns:p14="http://schemas.microsoft.com/office/powerpoint/2010/main" Requires="p14">
+      <mc:AlternateContent xmlns:mc="http://schemas.openxmlformats.org/markup-compatibility/2006" xmlns:p14="http://schemas.microsoft.com/office/powerpoint/2010/main">
+        <mc:Choice Requires="p14">
           <p:contentPart p14:bwMode="auto" r:id="rId280">
             <p14:nvContentPartPr>
               <p14:cNvPr id="185" name="墨迹 184">
@@ -35226,7 +35133,7 @@
             </p14:xfrm>
           </p:contentPart>
         </mc:Choice>
-        <mc:Fallback>
+        <mc:Fallback xmlns="">
           <p:pic>
             <p:nvPicPr>
               <p:cNvPr id="185" name="墨迹 184">
@@ -35277,8 +35184,8 @@
             <a:chExt cx="207360" cy="423000"/>
           </a:xfrm>
         </p:grpSpPr>
-        <mc:AlternateContent xmlns:mc="http://schemas.openxmlformats.org/markup-compatibility/2006">
-          <mc:Choice xmlns:p14="http://schemas.microsoft.com/office/powerpoint/2010/main" Requires="p14">
+        <mc:AlternateContent xmlns:mc="http://schemas.openxmlformats.org/markup-compatibility/2006" xmlns:p14="http://schemas.microsoft.com/office/powerpoint/2010/main">
+          <mc:Choice Requires="p14">
             <p:contentPart p14:bwMode="auto" r:id="rId282">
               <p14:nvContentPartPr>
                 <p14:cNvPr id="186" name="墨迹 185">
@@ -35297,7 +35204,7 @@
               </p14:xfrm>
             </p:contentPart>
           </mc:Choice>
-          <mc:Fallback>
+          <mc:Fallback xmlns="">
             <p:pic>
               <p:nvPicPr>
                 <p:cNvPr id="186" name="墨迹 185">
@@ -35328,8 +35235,8 @@
             </p:pic>
           </mc:Fallback>
         </mc:AlternateContent>
-        <mc:AlternateContent xmlns:mc="http://schemas.openxmlformats.org/markup-compatibility/2006">
-          <mc:Choice xmlns:p14="http://schemas.microsoft.com/office/powerpoint/2010/main" Requires="p14">
+        <mc:AlternateContent xmlns:mc="http://schemas.openxmlformats.org/markup-compatibility/2006" xmlns:p14="http://schemas.microsoft.com/office/powerpoint/2010/main">
+          <mc:Choice Requires="p14">
             <p:contentPart p14:bwMode="auto" r:id="rId284">
               <p14:nvContentPartPr>
                 <p14:cNvPr id="187" name="墨迹 186">
@@ -35348,7 +35255,7 @@
               </p14:xfrm>
             </p:contentPart>
           </mc:Choice>
-          <mc:Fallback>
+          <mc:Fallback xmlns="">
             <p:pic>
               <p:nvPicPr>
                 <p:cNvPr id="187" name="墨迹 186">
@@ -35400,8 +35307,8 @@
             <a:chExt cx="195120" cy="414720"/>
           </a:xfrm>
         </p:grpSpPr>
-        <mc:AlternateContent xmlns:mc="http://schemas.openxmlformats.org/markup-compatibility/2006">
-          <mc:Choice xmlns:p14="http://schemas.microsoft.com/office/powerpoint/2010/main" Requires="p14">
+        <mc:AlternateContent xmlns:mc="http://schemas.openxmlformats.org/markup-compatibility/2006" xmlns:p14="http://schemas.microsoft.com/office/powerpoint/2010/main">
+          <mc:Choice Requires="p14">
             <p:contentPart p14:bwMode="auto" r:id="rId286">
               <p14:nvContentPartPr>
                 <p14:cNvPr id="188" name="墨迹 187">
@@ -35420,7 +35327,7 @@
               </p14:xfrm>
             </p:contentPart>
           </mc:Choice>
-          <mc:Fallback>
+          <mc:Fallback xmlns="">
             <p:pic>
               <p:nvPicPr>
                 <p:cNvPr id="188" name="墨迹 187">
@@ -35451,8 +35358,8 @@
             </p:pic>
           </mc:Fallback>
         </mc:AlternateContent>
-        <mc:AlternateContent xmlns:mc="http://schemas.openxmlformats.org/markup-compatibility/2006">
-          <mc:Choice xmlns:p14="http://schemas.microsoft.com/office/powerpoint/2010/main" Requires="p14">
+        <mc:AlternateContent xmlns:mc="http://schemas.openxmlformats.org/markup-compatibility/2006" xmlns:p14="http://schemas.microsoft.com/office/powerpoint/2010/main">
+          <mc:Choice Requires="p14">
             <p:contentPart p14:bwMode="auto" r:id="rId288">
               <p14:nvContentPartPr>
                 <p14:cNvPr id="189" name="墨迹 188">
@@ -35471,7 +35378,7 @@
               </p14:xfrm>
             </p:contentPart>
           </mc:Choice>
-          <mc:Fallback>
+          <mc:Fallback xmlns="">
             <p:pic>
               <p:nvPicPr>
                 <p:cNvPr id="189" name="墨迹 188">
@@ -35502,8 +35409,8 @@
             </p:pic>
           </mc:Fallback>
         </mc:AlternateContent>
-        <mc:AlternateContent xmlns:mc="http://schemas.openxmlformats.org/markup-compatibility/2006">
-          <mc:Choice xmlns:p14="http://schemas.microsoft.com/office/powerpoint/2010/main" Requires="p14">
+        <mc:AlternateContent xmlns:mc="http://schemas.openxmlformats.org/markup-compatibility/2006" xmlns:p14="http://schemas.microsoft.com/office/powerpoint/2010/main">
+          <mc:Choice Requires="p14">
             <p:contentPart p14:bwMode="auto" r:id="rId290">
               <p14:nvContentPartPr>
                 <p14:cNvPr id="190" name="墨迹 189">
@@ -35522,7 +35429,7 @@
               </p14:xfrm>
             </p:contentPart>
           </mc:Choice>
-          <mc:Fallback>
+          <mc:Fallback xmlns="">
             <p:pic>
               <p:nvPicPr>
                 <p:cNvPr id="190" name="墨迹 189">
@@ -35574,8 +35481,8 @@
             <a:chExt cx="237960" cy="469080"/>
           </a:xfrm>
         </p:grpSpPr>
-        <mc:AlternateContent xmlns:mc="http://schemas.openxmlformats.org/markup-compatibility/2006">
-          <mc:Choice xmlns:p14="http://schemas.microsoft.com/office/powerpoint/2010/main" Requires="p14">
+        <mc:AlternateContent xmlns:mc="http://schemas.openxmlformats.org/markup-compatibility/2006" xmlns:p14="http://schemas.microsoft.com/office/powerpoint/2010/main">
+          <mc:Choice Requires="p14">
             <p:contentPart p14:bwMode="auto" r:id="rId292">
               <p14:nvContentPartPr>
                 <p14:cNvPr id="191" name="墨迹 190">
@@ -35594,7 +35501,7 @@
               </p14:xfrm>
             </p:contentPart>
           </mc:Choice>
-          <mc:Fallback>
+          <mc:Fallback xmlns="">
             <p:pic>
               <p:nvPicPr>
                 <p:cNvPr id="191" name="墨迹 190">
@@ -35625,8 +35532,8 @@
             </p:pic>
           </mc:Fallback>
         </mc:AlternateContent>
-        <mc:AlternateContent xmlns:mc="http://schemas.openxmlformats.org/markup-compatibility/2006">
-          <mc:Choice xmlns:p14="http://schemas.microsoft.com/office/powerpoint/2010/main" Requires="p14">
+        <mc:AlternateContent xmlns:mc="http://schemas.openxmlformats.org/markup-compatibility/2006" xmlns:p14="http://schemas.microsoft.com/office/powerpoint/2010/main">
+          <mc:Choice Requires="p14">
             <p:contentPart p14:bwMode="auto" r:id="rId294">
               <p14:nvContentPartPr>
                 <p14:cNvPr id="192" name="墨迹 191">
@@ -35645,7 +35552,7 @@
               </p14:xfrm>
             </p:contentPart>
           </mc:Choice>
-          <mc:Fallback>
+          <mc:Fallback xmlns="">
             <p:pic>
               <p:nvPicPr>
                 <p:cNvPr id="192" name="墨迹 191">
@@ -35697,8 +35604,8 @@
             <a:chExt cx="1910880" cy="1990440"/>
           </a:xfrm>
         </p:grpSpPr>
-        <mc:AlternateContent xmlns:mc="http://schemas.openxmlformats.org/markup-compatibility/2006">
-          <mc:Choice xmlns:p14="http://schemas.microsoft.com/office/powerpoint/2010/main" Requires="p14">
+        <mc:AlternateContent xmlns:mc="http://schemas.openxmlformats.org/markup-compatibility/2006" xmlns:p14="http://schemas.microsoft.com/office/powerpoint/2010/main">
+          <mc:Choice Requires="p14">
             <p:contentPart p14:bwMode="auto" r:id="rId296">
               <p14:nvContentPartPr>
                 <p14:cNvPr id="47" name="墨迹 46">
@@ -35717,7 +35624,7 @@
               </p14:xfrm>
             </p:contentPart>
           </mc:Choice>
-          <mc:Fallback>
+          <mc:Fallback xmlns="">
             <p:pic>
               <p:nvPicPr>
                 <p:cNvPr id="47" name="墨迹 46">
@@ -35748,8 +35655,8 @@
             </p:pic>
           </mc:Fallback>
         </mc:AlternateContent>
-        <mc:AlternateContent xmlns:mc="http://schemas.openxmlformats.org/markup-compatibility/2006">
-          <mc:Choice xmlns:p14="http://schemas.microsoft.com/office/powerpoint/2010/main" Requires="p14">
+        <mc:AlternateContent xmlns:mc="http://schemas.openxmlformats.org/markup-compatibility/2006" xmlns:p14="http://schemas.microsoft.com/office/powerpoint/2010/main">
+          <mc:Choice Requires="p14">
             <p:contentPart p14:bwMode="auto" r:id="rId298">
               <p14:nvContentPartPr>
                 <p14:cNvPr id="48" name="墨迹 47">
@@ -35768,7 +35675,7 @@
               </p14:xfrm>
             </p:contentPart>
           </mc:Choice>
-          <mc:Fallback>
+          <mc:Fallback xmlns="">
             <p:pic>
               <p:nvPicPr>
                 <p:cNvPr id="48" name="墨迹 47">
@@ -35799,8 +35706,8 @@
             </p:pic>
           </mc:Fallback>
         </mc:AlternateContent>
-        <mc:AlternateContent xmlns:mc="http://schemas.openxmlformats.org/markup-compatibility/2006">
-          <mc:Choice xmlns:p14="http://schemas.microsoft.com/office/powerpoint/2010/main" Requires="p14">
+        <mc:AlternateContent xmlns:mc="http://schemas.openxmlformats.org/markup-compatibility/2006" xmlns:p14="http://schemas.microsoft.com/office/powerpoint/2010/main">
+          <mc:Choice Requires="p14">
             <p:contentPart p14:bwMode="auto" r:id="rId300">
               <p14:nvContentPartPr>
                 <p14:cNvPr id="49" name="墨迹 48">
@@ -35819,7 +35726,7 @@
               </p14:xfrm>
             </p:contentPart>
           </mc:Choice>
-          <mc:Fallback>
+          <mc:Fallback xmlns="">
             <p:pic>
               <p:nvPicPr>
                 <p:cNvPr id="49" name="墨迹 48">
@@ -35850,8 +35757,8 @@
             </p:pic>
           </mc:Fallback>
         </mc:AlternateContent>
-        <mc:AlternateContent xmlns:mc="http://schemas.openxmlformats.org/markup-compatibility/2006">
-          <mc:Choice xmlns:p14="http://schemas.microsoft.com/office/powerpoint/2010/main" Requires="p14">
+        <mc:AlternateContent xmlns:mc="http://schemas.openxmlformats.org/markup-compatibility/2006" xmlns:p14="http://schemas.microsoft.com/office/powerpoint/2010/main">
+          <mc:Choice Requires="p14">
             <p:contentPart p14:bwMode="auto" r:id="rId302">
               <p14:nvContentPartPr>
                 <p14:cNvPr id="50" name="墨迹 49">
@@ -35870,7 +35777,7 @@
               </p14:xfrm>
             </p:contentPart>
           </mc:Choice>
-          <mc:Fallback>
+          <mc:Fallback xmlns="">
             <p:pic>
               <p:nvPicPr>
                 <p:cNvPr id="50" name="墨迹 49">
@@ -35901,8 +35808,8 @@
             </p:pic>
           </mc:Fallback>
         </mc:AlternateContent>
-        <mc:AlternateContent xmlns:mc="http://schemas.openxmlformats.org/markup-compatibility/2006">
-          <mc:Choice xmlns:p14="http://schemas.microsoft.com/office/powerpoint/2010/main" Requires="p14">
+        <mc:AlternateContent xmlns:mc="http://schemas.openxmlformats.org/markup-compatibility/2006" xmlns:p14="http://schemas.microsoft.com/office/powerpoint/2010/main">
+          <mc:Choice Requires="p14">
             <p:contentPart p14:bwMode="auto" r:id="rId304">
               <p14:nvContentPartPr>
                 <p14:cNvPr id="51" name="墨迹 50">
@@ -35921,7 +35828,7 @@
               </p14:xfrm>
             </p:contentPart>
           </mc:Choice>
-          <mc:Fallback>
+          <mc:Fallback xmlns="">
             <p:pic>
               <p:nvPicPr>
                 <p:cNvPr id="51" name="墨迹 50">
@@ -35952,8 +35859,8 @@
             </p:pic>
           </mc:Fallback>
         </mc:AlternateContent>
-        <mc:AlternateContent xmlns:mc="http://schemas.openxmlformats.org/markup-compatibility/2006">
-          <mc:Choice xmlns:p14="http://schemas.microsoft.com/office/powerpoint/2010/main" Requires="p14">
+        <mc:AlternateContent xmlns:mc="http://schemas.openxmlformats.org/markup-compatibility/2006" xmlns:p14="http://schemas.microsoft.com/office/powerpoint/2010/main">
+          <mc:Choice Requires="p14">
             <p:contentPart p14:bwMode="auto" r:id="rId306">
               <p14:nvContentPartPr>
                 <p14:cNvPr id="55" name="墨迹 54">
@@ -35972,7 +35879,7 @@
               </p14:xfrm>
             </p:contentPart>
           </mc:Choice>
-          <mc:Fallback>
+          <mc:Fallback xmlns="">
             <p:pic>
               <p:nvPicPr>
                 <p:cNvPr id="55" name="墨迹 54">
@@ -36003,8 +35910,8 @@
             </p:pic>
           </mc:Fallback>
         </mc:AlternateContent>
-        <mc:AlternateContent xmlns:mc="http://schemas.openxmlformats.org/markup-compatibility/2006">
-          <mc:Choice xmlns:p14="http://schemas.microsoft.com/office/powerpoint/2010/main" Requires="p14">
+        <mc:AlternateContent xmlns:mc="http://schemas.openxmlformats.org/markup-compatibility/2006" xmlns:p14="http://schemas.microsoft.com/office/powerpoint/2010/main">
+          <mc:Choice Requires="p14">
             <p:contentPart p14:bwMode="auto" r:id="rId308">
               <p14:nvContentPartPr>
                 <p14:cNvPr id="196" name="墨迹 195">
@@ -36023,7 +35930,7 @@
               </p14:xfrm>
             </p:contentPart>
           </mc:Choice>
-          <mc:Fallback>
+          <mc:Fallback xmlns="">
             <p:pic>
               <p:nvPicPr>
                 <p:cNvPr id="196" name="墨迹 195">
@@ -36054,8 +35961,8 @@
             </p:pic>
           </mc:Fallback>
         </mc:AlternateContent>
-        <mc:AlternateContent xmlns:mc="http://schemas.openxmlformats.org/markup-compatibility/2006">
-          <mc:Choice xmlns:p14="http://schemas.microsoft.com/office/powerpoint/2010/main" Requires="p14">
+        <mc:AlternateContent xmlns:mc="http://schemas.openxmlformats.org/markup-compatibility/2006" xmlns:p14="http://schemas.microsoft.com/office/powerpoint/2010/main">
+          <mc:Choice Requires="p14">
             <p:contentPart p14:bwMode="auto" r:id="rId310">
               <p14:nvContentPartPr>
                 <p14:cNvPr id="197" name="墨迹 196">
@@ -36074,7 +35981,7 @@
               </p14:xfrm>
             </p:contentPart>
           </mc:Choice>
-          <mc:Fallback>
+          <mc:Fallback xmlns="">
             <p:pic>
               <p:nvPicPr>
                 <p:cNvPr id="197" name="墨迹 196">
@@ -36106,8 +36013,8 @@
           </mc:Fallback>
         </mc:AlternateContent>
       </p:grpSp>
-      <mc:AlternateContent xmlns:mc="http://schemas.openxmlformats.org/markup-compatibility/2006">
-        <mc:Choice xmlns:p14="http://schemas.microsoft.com/office/powerpoint/2010/main" Requires="p14">
+      <mc:AlternateContent xmlns:mc="http://schemas.openxmlformats.org/markup-compatibility/2006" xmlns:p14="http://schemas.microsoft.com/office/powerpoint/2010/main">
+        <mc:Choice Requires="p14">
           <p:contentPart p14:bwMode="auto" r:id="rId312">
             <p14:nvContentPartPr>
               <p14:cNvPr id="199" name="墨迹 198">
@@ -36126,7 +36033,7 @@
             </p14:xfrm>
           </p:contentPart>
         </mc:Choice>
-        <mc:Fallback>
+        <mc:Fallback xmlns="">
           <p:pic>
             <p:nvPicPr>
               <p:cNvPr id="199" name="墨迹 198">
@@ -36161,6 +36068,1290 @@
     <p:extLst>
       <p:ext uri="{BB962C8B-B14F-4D97-AF65-F5344CB8AC3E}">
         <p14:creationId xmlns:p14="http://schemas.microsoft.com/office/powerpoint/2010/main" val="2854310288"/>
+      </p:ext>
+    </p:extLst>
+  </p:cSld>
+  <p:clrMapOvr>
+    <a:masterClrMapping/>
+  </p:clrMapOvr>
+</p:sld>
+</file>
+
+<file path=ppt/slides/slide4.xml><?xml version="1.0" encoding="utf-8"?>
+<p:sld xmlns:a="http://schemas.openxmlformats.org/drawingml/2006/main" xmlns:r="http://schemas.openxmlformats.org/officeDocument/2006/relationships" xmlns:p="http://schemas.openxmlformats.org/presentationml/2006/main">
+  <p:cSld>
+    <p:spTree>
+      <p:nvGrpSpPr>
+        <p:cNvPr id="1" name=""/>
+        <p:cNvGrpSpPr/>
+        <p:nvPr/>
+      </p:nvGrpSpPr>
+      <p:grpSpPr>
+        <a:xfrm>
+          <a:off x="0" y="0"/>
+          <a:ext cx="0" cy="0"/>
+          <a:chOff x="0" y="0"/>
+          <a:chExt cx="0" cy="0"/>
+        </a:xfrm>
+      </p:grpSpPr>
+      <p:sp>
+        <p:nvSpPr>
+          <p:cNvPr id="5" name="矩形: 圆角 4">
+            <a:extLst>
+              <a:ext uri="{FF2B5EF4-FFF2-40B4-BE49-F238E27FC236}">
+                <a16:creationId xmlns:a16="http://schemas.microsoft.com/office/drawing/2014/main" id="{0B200593-3980-4BA0-BD1E-D758D975DCD4}"/>
+              </a:ext>
+            </a:extLst>
+          </p:cNvPr>
+          <p:cNvSpPr/>
+          <p:nvPr/>
+        </p:nvSpPr>
+        <p:spPr>
+          <a:xfrm>
+            <a:off x="1668607" y="3340566"/>
+            <a:ext cx="1478845" cy="368305"/>
+          </a:xfrm>
+          <a:prstGeom prst="roundRect">
+            <a:avLst/>
+          </a:prstGeom>
+          <a:solidFill>
+            <a:srgbClr val="CDB0E2"/>
+          </a:solidFill>
+          <a:ln w="28575">
+            <a:solidFill>
+              <a:schemeClr val="tx1"/>
+            </a:solidFill>
+          </a:ln>
+        </p:spPr>
+        <p:style>
+          <a:lnRef idx="2">
+            <a:schemeClr val="accent1">
+              <a:shade val="50000"/>
+            </a:schemeClr>
+          </a:lnRef>
+          <a:fillRef idx="1">
+            <a:schemeClr val="accent1"/>
+          </a:fillRef>
+          <a:effectRef idx="0">
+            <a:schemeClr val="accent1"/>
+          </a:effectRef>
+          <a:fontRef idx="minor">
+            <a:schemeClr val="lt1"/>
+          </a:fontRef>
+        </p:style>
+        <p:txBody>
+          <a:bodyPr rtlCol="0" anchor="ctr"/>
+          <a:lstStyle/>
+          <a:p>
+            <a:pPr algn="ctr"/>
+            <a:endParaRPr lang="zh-CN" altLang="en-US" dirty="0"/>
+          </a:p>
+        </p:txBody>
+      </p:sp>
+      <p:sp>
+        <p:nvSpPr>
+          <p:cNvPr id="6" name="矩形: 圆角 5">
+            <a:extLst>
+              <a:ext uri="{FF2B5EF4-FFF2-40B4-BE49-F238E27FC236}">
+                <a16:creationId xmlns:a16="http://schemas.microsoft.com/office/drawing/2014/main" id="{FAFC2651-CDB3-4925-B727-1CF44CF369BF}"/>
+              </a:ext>
+            </a:extLst>
+          </p:cNvPr>
+          <p:cNvSpPr/>
+          <p:nvPr/>
+        </p:nvSpPr>
+        <p:spPr>
+          <a:xfrm>
+            <a:off x="1935308" y="2625158"/>
+            <a:ext cx="945445" cy="379931"/>
+          </a:xfrm>
+          <a:prstGeom prst="roundRect">
+            <a:avLst/>
+          </a:prstGeom>
+          <a:solidFill>
+            <a:schemeClr val="accent4">
+              <a:lumMod val="40000"/>
+              <a:lumOff val="60000"/>
+            </a:schemeClr>
+          </a:solidFill>
+          <a:ln w="28575">
+            <a:solidFill>
+              <a:schemeClr val="tx1"/>
+            </a:solidFill>
+          </a:ln>
+        </p:spPr>
+        <p:style>
+          <a:lnRef idx="2">
+            <a:schemeClr val="accent1">
+              <a:shade val="50000"/>
+            </a:schemeClr>
+          </a:lnRef>
+          <a:fillRef idx="1">
+            <a:schemeClr val="accent1"/>
+          </a:fillRef>
+          <a:effectRef idx="0">
+            <a:schemeClr val="accent1"/>
+          </a:effectRef>
+          <a:fontRef idx="minor">
+            <a:schemeClr val="lt1"/>
+          </a:fontRef>
+        </p:style>
+        <p:txBody>
+          <a:bodyPr rtlCol="0" anchor="ctr"/>
+          <a:lstStyle/>
+          <a:p>
+            <a:pPr algn="ctr"/>
+            <a:endParaRPr lang="zh-CN" altLang="en-US" dirty="0"/>
+          </a:p>
+        </p:txBody>
+      </p:sp>
+      <p:sp>
+        <p:nvSpPr>
+          <p:cNvPr id="7" name="矩形: 圆角 6">
+            <a:extLst>
+              <a:ext uri="{FF2B5EF4-FFF2-40B4-BE49-F238E27FC236}">
+                <a16:creationId xmlns:a16="http://schemas.microsoft.com/office/drawing/2014/main" id="{A3A2DAB8-ADD4-42FC-85FF-9D2207BEC6C9}"/>
+              </a:ext>
+            </a:extLst>
+          </p:cNvPr>
+          <p:cNvSpPr/>
+          <p:nvPr/>
+        </p:nvSpPr>
+        <p:spPr>
+          <a:xfrm>
+            <a:off x="1874630" y="1921376"/>
+            <a:ext cx="1066800" cy="379931"/>
+          </a:xfrm>
+          <a:prstGeom prst="roundRect">
+            <a:avLst/>
+          </a:prstGeom>
+          <a:solidFill>
+            <a:schemeClr val="accent6">
+              <a:lumMod val="40000"/>
+              <a:lumOff val="60000"/>
+            </a:schemeClr>
+          </a:solidFill>
+          <a:ln w="28575">
+            <a:solidFill>
+              <a:schemeClr val="tx1"/>
+            </a:solidFill>
+          </a:ln>
+        </p:spPr>
+        <p:style>
+          <a:lnRef idx="2">
+            <a:schemeClr val="accent1">
+              <a:shade val="50000"/>
+            </a:schemeClr>
+          </a:lnRef>
+          <a:fillRef idx="1">
+            <a:schemeClr val="accent1"/>
+          </a:fillRef>
+          <a:effectRef idx="0">
+            <a:schemeClr val="accent1"/>
+          </a:effectRef>
+          <a:fontRef idx="minor">
+            <a:schemeClr val="lt1"/>
+          </a:fontRef>
+        </p:style>
+        <p:txBody>
+          <a:bodyPr rtlCol="0" anchor="ctr"/>
+          <a:lstStyle/>
+          <a:p>
+            <a:pPr algn="ctr"/>
+            <a:endParaRPr lang="zh-CN" altLang="en-US" dirty="0"/>
+          </a:p>
+        </p:txBody>
+      </p:sp>
+      <p:cxnSp>
+        <p:nvCxnSpPr>
+          <p:cNvPr id="9" name="直接箭头连接符 8">
+            <a:extLst>
+              <a:ext uri="{FF2B5EF4-FFF2-40B4-BE49-F238E27FC236}">
+                <a16:creationId xmlns:a16="http://schemas.microsoft.com/office/drawing/2014/main" id="{C2F1020F-21AE-40DB-B8C8-94C818B9ABD1}"/>
+              </a:ext>
+            </a:extLst>
+          </p:cNvPr>
+          <p:cNvCxnSpPr>
+            <a:cxnSpLocks/>
+            <a:endCxn id="6" idx="2"/>
+          </p:cNvCxnSpPr>
+          <p:nvPr/>
+        </p:nvCxnSpPr>
+        <p:spPr>
+          <a:xfrm flipV="1">
+            <a:off x="2408031" y="3005089"/>
+            <a:ext cx="0" cy="323851"/>
+          </a:xfrm>
+          <a:prstGeom prst="straightConnector1">
+            <a:avLst/>
+          </a:prstGeom>
+          <a:ln w="31750">
+            <a:solidFill>
+              <a:schemeClr val="tx1"/>
+            </a:solidFill>
+            <a:tailEnd type="triangle"/>
+          </a:ln>
+        </p:spPr>
+        <p:style>
+          <a:lnRef idx="1">
+            <a:schemeClr val="accent1"/>
+          </a:lnRef>
+          <a:fillRef idx="0">
+            <a:schemeClr val="accent1"/>
+          </a:fillRef>
+          <a:effectRef idx="0">
+            <a:schemeClr val="accent1"/>
+          </a:effectRef>
+          <a:fontRef idx="minor">
+            <a:schemeClr val="tx1"/>
+          </a:fontRef>
+        </p:style>
+      </p:cxnSp>
+      <p:cxnSp>
+        <p:nvCxnSpPr>
+          <p:cNvPr id="10" name="直接箭头连接符 9">
+            <a:extLst>
+              <a:ext uri="{FF2B5EF4-FFF2-40B4-BE49-F238E27FC236}">
+                <a16:creationId xmlns:a16="http://schemas.microsoft.com/office/drawing/2014/main" id="{AD01285F-B794-4938-9501-552C931C63EE}"/>
+              </a:ext>
+            </a:extLst>
+          </p:cNvPr>
+          <p:cNvCxnSpPr/>
+          <p:nvPr/>
+        </p:nvCxnSpPr>
+        <p:spPr>
+          <a:xfrm flipH="1" flipV="1">
+            <a:off x="2408030" y="2301307"/>
+            <a:ext cx="1" cy="323851"/>
+          </a:xfrm>
+          <a:prstGeom prst="straightConnector1">
+            <a:avLst/>
+          </a:prstGeom>
+          <a:ln w="31750">
+            <a:solidFill>
+              <a:schemeClr val="tx1"/>
+            </a:solidFill>
+            <a:tailEnd type="triangle"/>
+          </a:ln>
+        </p:spPr>
+        <p:style>
+          <a:lnRef idx="1">
+            <a:schemeClr val="accent1"/>
+          </a:lnRef>
+          <a:fillRef idx="0">
+            <a:schemeClr val="accent1"/>
+          </a:fillRef>
+          <a:effectRef idx="0">
+            <a:schemeClr val="accent1"/>
+          </a:effectRef>
+          <a:fontRef idx="minor">
+            <a:schemeClr val="tx1"/>
+          </a:fontRef>
+        </p:style>
+      </p:cxnSp>
+      <p:cxnSp>
+        <p:nvCxnSpPr>
+          <p:cNvPr id="11" name="直接箭头连接符 10">
+            <a:extLst>
+              <a:ext uri="{FF2B5EF4-FFF2-40B4-BE49-F238E27FC236}">
+                <a16:creationId xmlns:a16="http://schemas.microsoft.com/office/drawing/2014/main" id="{F8780B79-76F2-4EF8-8C60-5B859A5559D3}"/>
+              </a:ext>
+            </a:extLst>
+          </p:cNvPr>
+          <p:cNvCxnSpPr/>
+          <p:nvPr/>
+        </p:nvCxnSpPr>
+        <p:spPr>
+          <a:xfrm flipH="1" flipV="1">
+            <a:off x="2408030" y="1582714"/>
+            <a:ext cx="1" cy="323851"/>
+          </a:xfrm>
+          <a:prstGeom prst="straightConnector1">
+            <a:avLst/>
+          </a:prstGeom>
+          <a:ln w="31750">
+            <a:solidFill>
+              <a:schemeClr val="tx1"/>
+            </a:solidFill>
+            <a:tailEnd type="triangle"/>
+          </a:ln>
+        </p:spPr>
+        <p:style>
+          <a:lnRef idx="1">
+            <a:schemeClr val="accent1"/>
+          </a:lnRef>
+          <a:fillRef idx="0">
+            <a:schemeClr val="accent1"/>
+          </a:fillRef>
+          <a:effectRef idx="0">
+            <a:schemeClr val="accent1"/>
+          </a:effectRef>
+          <a:fontRef idx="minor">
+            <a:schemeClr val="tx1"/>
+          </a:fontRef>
+        </p:style>
+      </p:cxnSp>
+      <p:sp>
+        <p:nvSpPr>
+          <p:cNvPr id="12" name="矩形: 圆角 11">
+            <a:extLst>
+              <a:ext uri="{FF2B5EF4-FFF2-40B4-BE49-F238E27FC236}">
+                <a16:creationId xmlns:a16="http://schemas.microsoft.com/office/drawing/2014/main" id="{153DB6C2-7CA1-4427-9045-A772A659B87C}"/>
+              </a:ext>
+            </a:extLst>
+          </p:cNvPr>
+          <p:cNvSpPr/>
+          <p:nvPr/>
+        </p:nvSpPr>
+        <p:spPr>
+          <a:xfrm>
+            <a:off x="1945803" y="1195846"/>
+            <a:ext cx="2132823" cy="433945"/>
+          </a:xfrm>
+          <a:prstGeom prst="roundRect">
+            <a:avLst/>
+          </a:prstGeom>
+          <a:solidFill>
+            <a:srgbClr val="CDB0E2"/>
+          </a:solidFill>
+          <a:ln w="28575">
+            <a:solidFill>
+              <a:schemeClr val="tx1"/>
+            </a:solidFill>
+          </a:ln>
+        </p:spPr>
+        <p:style>
+          <a:lnRef idx="2">
+            <a:schemeClr val="accent1">
+              <a:shade val="50000"/>
+            </a:schemeClr>
+          </a:lnRef>
+          <a:fillRef idx="1">
+            <a:schemeClr val="accent1"/>
+          </a:fillRef>
+          <a:effectRef idx="0">
+            <a:schemeClr val="accent1"/>
+          </a:effectRef>
+          <a:fontRef idx="minor">
+            <a:schemeClr val="lt1"/>
+          </a:fontRef>
+        </p:style>
+        <p:txBody>
+          <a:bodyPr rtlCol="0" anchor="ctr"/>
+          <a:lstStyle/>
+          <a:p>
+            <a:pPr algn="ctr"/>
+            <a:endParaRPr lang="zh-CN" altLang="en-US" dirty="0"/>
+          </a:p>
+        </p:txBody>
+      </p:sp>
+      <p:cxnSp>
+        <p:nvCxnSpPr>
+          <p:cNvPr id="13" name="直接箭头连接符 12">
+            <a:extLst>
+              <a:ext uri="{FF2B5EF4-FFF2-40B4-BE49-F238E27FC236}">
+                <a16:creationId xmlns:a16="http://schemas.microsoft.com/office/drawing/2014/main" id="{8E5BAB4E-F3DB-4474-8CCA-941589E08957}"/>
+              </a:ext>
+            </a:extLst>
+          </p:cNvPr>
+          <p:cNvCxnSpPr>
+            <a:cxnSpLocks/>
+          </p:cNvCxnSpPr>
+          <p:nvPr/>
+        </p:nvCxnSpPr>
+        <p:spPr>
+          <a:xfrm flipV="1">
+            <a:off x="3727325" y="1582714"/>
+            <a:ext cx="0" cy="2500807"/>
+          </a:xfrm>
+          <a:prstGeom prst="straightConnector1">
+            <a:avLst/>
+          </a:prstGeom>
+          <a:ln w="31750">
+            <a:solidFill>
+              <a:schemeClr val="tx1"/>
+            </a:solidFill>
+            <a:tailEnd type="triangle"/>
+          </a:ln>
+        </p:spPr>
+        <p:style>
+          <a:lnRef idx="1">
+            <a:schemeClr val="accent1"/>
+          </a:lnRef>
+          <a:fillRef idx="0">
+            <a:schemeClr val="accent1"/>
+          </a:fillRef>
+          <a:effectRef idx="0">
+            <a:schemeClr val="accent1"/>
+          </a:effectRef>
+          <a:fontRef idx="minor">
+            <a:schemeClr val="tx1"/>
+          </a:fontRef>
+        </p:style>
+      </p:cxnSp>
+      <p:cxnSp>
+        <p:nvCxnSpPr>
+          <p:cNvPr id="16" name="直接箭头连接符 15">
+            <a:extLst>
+              <a:ext uri="{FF2B5EF4-FFF2-40B4-BE49-F238E27FC236}">
+                <a16:creationId xmlns:a16="http://schemas.microsoft.com/office/drawing/2014/main" id="{D4729D66-D3B3-4736-A638-D73A825225BB}"/>
+              </a:ext>
+            </a:extLst>
+          </p:cNvPr>
+          <p:cNvCxnSpPr>
+            <a:cxnSpLocks/>
+          </p:cNvCxnSpPr>
+          <p:nvPr/>
+        </p:nvCxnSpPr>
+        <p:spPr>
+          <a:xfrm flipV="1">
+            <a:off x="1970942" y="3708871"/>
+            <a:ext cx="0" cy="374650"/>
+          </a:xfrm>
+          <a:prstGeom prst="straightConnector1">
+            <a:avLst/>
+          </a:prstGeom>
+          <a:ln w="31750">
+            <a:solidFill>
+              <a:schemeClr val="tx1"/>
+            </a:solidFill>
+            <a:tailEnd type="triangle"/>
+          </a:ln>
+        </p:spPr>
+        <p:style>
+          <a:lnRef idx="1">
+            <a:schemeClr val="accent1"/>
+          </a:lnRef>
+          <a:fillRef idx="0">
+            <a:schemeClr val="accent1"/>
+          </a:fillRef>
+          <a:effectRef idx="0">
+            <a:schemeClr val="accent1"/>
+          </a:effectRef>
+          <a:fontRef idx="minor">
+            <a:schemeClr val="tx1"/>
+          </a:fontRef>
+        </p:style>
+      </p:cxnSp>
+      <p:cxnSp>
+        <p:nvCxnSpPr>
+          <p:cNvPr id="19" name="直接箭头连接符 18">
+            <a:extLst>
+              <a:ext uri="{FF2B5EF4-FFF2-40B4-BE49-F238E27FC236}">
+                <a16:creationId xmlns:a16="http://schemas.microsoft.com/office/drawing/2014/main" id="{C21504C8-6285-4313-B4A2-348920540BB0}"/>
+              </a:ext>
+            </a:extLst>
+          </p:cNvPr>
+          <p:cNvCxnSpPr>
+            <a:cxnSpLocks/>
+          </p:cNvCxnSpPr>
+          <p:nvPr/>
+        </p:nvCxnSpPr>
+        <p:spPr>
+          <a:xfrm flipV="1">
+            <a:off x="2880753" y="3705695"/>
+            <a:ext cx="0" cy="377826"/>
+          </a:xfrm>
+          <a:prstGeom prst="straightConnector1">
+            <a:avLst/>
+          </a:prstGeom>
+          <a:ln w="31750">
+            <a:solidFill>
+              <a:schemeClr val="tx1"/>
+            </a:solidFill>
+            <a:tailEnd type="triangle"/>
+          </a:ln>
+        </p:spPr>
+        <p:style>
+          <a:lnRef idx="1">
+            <a:schemeClr val="accent1"/>
+          </a:lnRef>
+          <a:fillRef idx="0">
+            <a:schemeClr val="accent1"/>
+          </a:fillRef>
+          <a:effectRef idx="0">
+            <a:schemeClr val="accent1"/>
+          </a:effectRef>
+          <a:fontRef idx="minor">
+            <a:schemeClr val="tx1"/>
+          </a:fontRef>
+        </p:style>
+      </p:cxnSp>
+      <p:sp>
+        <p:nvSpPr>
+          <p:cNvPr id="20" name="文本框 19">
+            <a:extLst>
+              <a:ext uri="{FF2B5EF4-FFF2-40B4-BE49-F238E27FC236}">
+                <a16:creationId xmlns:a16="http://schemas.microsoft.com/office/drawing/2014/main" id="{3E120C6B-DA67-4585-8CC1-519F500357D7}"/>
+              </a:ext>
+            </a:extLst>
+          </p:cNvPr>
+          <p:cNvSpPr txBox="1"/>
+          <p:nvPr/>
+        </p:nvSpPr>
+        <p:spPr>
+          <a:xfrm>
+            <a:off x="1948495" y="3351165"/>
+            <a:ext cx="952505" cy="369332"/>
+          </a:xfrm>
+          <a:prstGeom prst="rect">
+            <a:avLst/>
+          </a:prstGeom>
+          <a:noFill/>
+        </p:spPr>
+        <p:txBody>
+          <a:bodyPr wrap="none" rtlCol="0">
+            <a:spAutoFit/>
+          </a:bodyPr>
+          <a:lstStyle/>
+          <a:p>
+            <a:r>
+              <a:rPr lang="en-US" altLang="zh-CN" dirty="0" err="1"/>
+              <a:t>MatMul</a:t>
+            </a:r>
+            <a:endParaRPr lang="zh-CN" altLang="en-US" dirty="0"/>
+          </a:p>
+        </p:txBody>
+      </p:sp>
+      <p:sp>
+        <p:nvSpPr>
+          <p:cNvPr id="39" name="矩形: 圆角 38">
+            <a:extLst>
+              <a:ext uri="{FF2B5EF4-FFF2-40B4-BE49-F238E27FC236}">
+                <a16:creationId xmlns:a16="http://schemas.microsoft.com/office/drawing/2014/main" id="{C206863E-22FD-4E85-8EFD-ADB063E50845}"/>
+              </a:ext>
+            </a:extLst>
+          </p:cNvPr>
+          <p:cNvSpPr/>
+          <p:nvPr/>
+        </p:nvSpPr>
+        <p:spPr>
+          <a:xfrm>
+            <a:off x="5971796" y="3341078"/>
+            <a:ext cx="1478845" cy="368305"/>
+          </a:xfrm>
+          <a:prstGeom prst="roundRect">
+            <a:avLst/>
+          </a:prstGeom>
+          <a:solidFill>
+            <a:srgbClr val="CDB0E2"/>
+          </a:solidFill>
+          <a:ln w="28575">
+            <a:solidFill>
+              <a:schemeClr val="tx1"/>
+            </a:solidFill>
+          </a:ln>
+        </p:spPr>
+        <p:style>
+          <a:lnRef idx="2">
+            <a:schemeClr val="accent1">
+              <a:shade val="50000"/>
+            </a:schemeClr>
+          </a:lnRef>
+          <a:fillRef idx="1">
+            <a:schemeClr val="accent1"/>
+          </a:fillRef>
+          <a:effectRef idx="0">
+            <a:schemeClr val="accent1"/>
+          </a:effectRef>
+          <a:fontRef idx="minor">
+            <a:schemeClr val="lt1"/>
+          </a:fontRef>
+        </p:style>
+        <p:txBody>
+          <a:bodyPr rtlCol="0" anchor="ctr"/>
+          <a:lstStyle/>
+          <a:p>
+            <a:pPr algn="ctr"/>
+            <a:endParaRPr lang="zh-CN" altLang="en-US" dirty="0"/>
+          </a:p>
+        </p:txBody>
+      </p:sp>
+      <p:sp>
+        <p:nvSpPr>
+          <p:cNvPr id="40" name="矩形: 圆角 39">
+            <a:extLst>
+              <a:ext uri="{FF2B5EF4-FFF2-40B4-BE49-F238E27FC236}">
+                <a16:creationId xmlns:a16="http://schemas.microsoft.com/office/drawing/2014/main" id="{A3854D1C-05B0-46C2-9FB7-BBB36BCF94A1}"/>
+              </a:ext>
+            </a:extLst>
+          </p:cNvPr>
+          <p:cNvSpPr/>
+          <p:nvPr/>
+        </p:nvSpPr>
+        <p:spPr>
+          <a:xfrm>
+            <a:off x="6238497" y="2625670"/>
+            <a:ext cx="945445" cy="379931"/>
+          </a:xfrm>
+          <a:prstGeom prst="roundRect">
+            <a:avLst/>
+          </a:prstGeom>
+          <a:solidFill>
+            <a:schemeClr val="accent4">
+              <a:lumMod val="40000"/>
+              <a:lumOff val="60000"/>
+            </a:schemeClr>
+          </a:solidFill>
+          <a:ln w="28575">
+            <a:solidFill>
+              <a:schemeClr val="tx1"/>
+            </a:solidFill>
+          </a:ln>
+        </p:spPr>
+        <p:style>
+          <a:lnRef idx="2">
+            <a:schemeClr val="accent1">
+              <a:shade val="50000"/>
+            </a:schemeClr>
+          </a:lnRef>
+          <a:fillRef idx="1">
+            <a:schemeClr val="accent1"/>
+          </a:fillRef>
+          <a:effectRef idx="0">
+            <a:schemeClr val="accent1"/>
+          </a:effectRef>
+          <a:fontRef idx="minor">
+            <a:schemeClr val="lt1"/>
+          </a:fontRef>
+        </p:style>
+        <p:txBody>
+          <a:bodyPr rtlCol="0" anchor="ctr"/>
+          <a:lstStyle/>
+          <a:p>
+            <a:pPr algn="ctr"/>
+            <a:endParaRPr lang="zh-CN" altLang="en-US" dirty="0"/>
+          </a:p>
+        </p:txBody>
+      </p:sp>
+      <p:sp>
+        <p:nvSpPr>
+          <p:cNvPr id="41" name="矩形: 圆角 40">
+            <a:extLst>
+              <a:ext uri="{FF2B5EF4-FFF2-40B4-BE49-F238E27FC236}">
+                <a16:creationId xmlns:a16="http://schemas.microsoft.com/office/drawing/2014/main" id="{B636ADDA-C6DE-45EA-9751-303D75A5CD2E}"/>
+              </a:ext>
+            </a:extLst>
+          </p:cNvPr>
+          <p:cNvSpPr/>
+          <p:nvPr/>
+        </p:nvSpPr>
+        <p:spPr>
+          <a:xfrm>
+            <a:off x="6177819" y="1921888"/>
+            <a:ext cx="1066800" cy="379931"/>
+          </a:xfrm>
+          <a:prstGeom prst="roundRect">
+            <a:avLst/>
+          </a:prstGeom>
+          <a:solidFill>
+            <a:schemeClr val="accent6">
+              <a:lumMod val="40000"/>
+              <a:lumOff val="60000"/>
+            </a:schemeClr>
+          </a:solidFill>
+          <a:ln w="28575">
+            <a:solidFill>
+              <a:schemeClr val="tx1"/>
+            </a:solidFill>
+          </a:ln>
+        </p:spPr>
+        <p:style>
+          <a:lnRef idx="2">
+            <a:schemeClr val="accent1">
+              <a:shade val="50000"/>
+            </a:schemeClr>
+          </a:lnRef>
+          <a:fillRef idx="1">
+            <a:schemeClr val="accent1"/>
+          </a:fillRef>
+          <a:effectRef idx="0">
+            <a:schemeClr val="accent1"/>
+          </a:effectRef>
+          <a:fontRef idx="minor">
+            <a:schemeClr val="lt1"/>
+          </a:fontRef>
+        </p:style>
+        <p:txBody>
+          <a:bodyPr rtlCol="0" anchor="ctr"/>
+          <a:lstStyle/>
+          <a:p>
+            <a:pPr algn="ctr"/>
+            <a:endParaRPr lang="zh-CN" altLang="en-US" dirty="0"/>
+          </a:p>
+        </p:txBody>
+      </p:sp>
+      <p:cxnSp>
+        <p:nvCxnSpPr>
+          <p:cNvPr id="42" name="直接箭头连接符 41">
+            <a:extLst>
+              <a:ext uri="{FF2B5EF4-FFF2-40B4-BE49-F238E27FC236}">
+                <a16:creationId xmlns:a16="http://schemas.microsoft.com/office/drawing/2014/main" id="{1826C03D-F8A0-4A23-9BC3-2B729893816E}"/>
+              </a:ext>
+            </a:extLst>
+          </p:cNvPr>
+          <p:cNvCxnSpPr>
+            <a:cxnSpLocks/>
+            <a:endCxn id="40" idx="2"/>
+          </p:cNvCxnSpPr>
+          <p:nvPr/>
+        </p:nvCxnSpPr>
+        <p:spPr>
+          <a:xfrm flipV="1">
+            <a:off x="6711220" y="3005601"/>
+            <a:ext cx="0" cy="323851"/>
+          </a:xfrm>
+          <a:prstGeom prst="straightConnector1">
+            <a:avLst/>
+          </a:prstGeom>
+          <a:ln w="31750">
+            <a:solidFill>
+              <a:schemeClr val="tx1"/>
+            </a:solidFill>
+            <a:tailEnd type="triangle"/>
+          </a:ln>
+        </p:spPr>
+        <p:style>
+          <a:lnRef idx="1">
+            <a:schemeClr val="accent1"/>
+          </a:lnRef>
+          <a:fillRef idx="0">
+            <a:schemeClr val="accent1"/>
+          </a:fillRef>
+          <a:effectRef idx="0">
+            <a:schemeClr val="accent1"/>
+          </a:effectRef>
+          <a:fontRef idx="minor">
+            <a:schemeClr val="tx1"/>
+          </a:fontRef>
+        </p:style>
+      </p:cxnSp>
+      <p:cxnSp>
+        <p:nvCxnSpPr>
+          <p:cNvPr id="43" name="直接箭头连接符 42">
+            <a:extLst>
+              <a:ext uri="{FF2B5EF4-FFF2-40B4-BE49-F238E27FC236}">
+                <a16:creationId xmlns:a16="http://schemas.microsoft.com/office/drawing/2014/main" id="{F6F92092-2CD8-4E06-BCB0-F3EA3939C05F}"/>
+              </a:ext>
+            </a:extLst>
+          </p:cNvPr>
+          <p:cNvCxnSpPr/>
+          <p:nvPr/>
+        </p:nvCxnSpPr>
+        <p:spPr>
+          <a:xfrm flipH="1" flipV="1">
+            <a:off x="6711219" y="2301819"/>
+            <a:ext cx="1" cy="323851"/>
+          </a:xfrm>
+          <a:prstGeom prst="straightConnector1">
+            <a:avLst/>
+          </a:prstGeom>
+          <a:ln w="31750">
+            <a:solidFill>
+              <a:schemeClr val="tx1"/>
+            </a:solidFill>
+            <a:tailEnd type="triangle"/>
+          </a:ln>
+        </p:spPr>
+        <p:style>
+          <a:lnRef idx="1">
+            <a:schemeClr val="accent1"/>
+          </a:lnRef>
+          <a:fillRef idx="0">
+            <a:schemeClr val="accent1"/>
+          </a:fillRef>
+          <a:effectRef idx="0">
+            <a:schemeClr val="accent1"/>
+          </a:effectRef>
+          <a:fontRef idx="minor">
+            <a:schemeClr val="tx1"/>
+          </a:fontRef>
+        </p:style>
+      </p:cxnSp>
+      <p:cxnSp>
+        <p:nvCxnSpPr>
+          <p:cNvPr id="44" name="直接箭头连接符 43">
+            <a:extLst>
+              <a:ext uri="{FF2B5EF4-FFF2-40B4-BE49-F238E27FC236}">
+                <a16:creationId xmlns:a16="http://schemas.microsoft.com/office/drawing/2014/main" id="{EC34CD4B-F9ED-4039-BA55-704921D698EC}"/>
+              </a:ext>
+            </a:extLst>
+          </p:cNvPr>
+          <p:cNvCxnSpPr/>
+          <p:nvPr/>
+        </p:nvCxnSpPr>
+        <p:spPr>
+          <a:xfrm flipH="1" flipV="1">
+            <a:off x="6701049" y="1592224"/>
+            <a:ext cx="1" cy="323851"/>
+          </a:xfrm>
+          <a:prstGeom prst="straightConnector1">
+            <a:avLst/>
+          </a:prstGeom>
+          <a:ln w="31750">
+            <a:solidFill>
+              <a:schemeClr val="tx1"/>
+            </a:solidFill>
+            <a:tailEnd type="triangle"/>
+          </a:ln>
+        </p:spPr>
+        <p:style>
+          <a:lnRef idx="1">
+            <a:schemeClr val="accent1"/>
+          </a:lnRef>
+          <a:fillRef idx="0">
+            <a:schemeClr val="accent1"/>
+          </a:fillRef>
+          <a:effectRef idx="0">
+            <a:schemeClr val="accent1"/>
+          </a:effectRef>
+          <a:fontRef idx="minor">
+            <a:schemeClr val="tx1"/>
+          </a:fontRef>
+        </p:style>
+      </p:cxnSp>
+      <p:sp>
+        <p:nvSpPr>
+          <p:cNvPr id="45" name="矩形: 圆角 44">
+            <a:extLst>
+              <a:ext uri="{FF2B5EF4-FFF2-40B4-BE49-F238E27FC236}">
+                <a16:creationId xmlns:a16="http://schemas.microsoft.com/office/drawing/2014/main" id="{18B11D1F-9484-41BE-9C19-6C7E24D26A62}"/>
+              </a:ext>
+            </a:extLst>
+          </p:cNvPr>
+          <p:cNvSpPr/>
+          <p:nvPr/>
+        </p:nvSpPr>
+        <p:spPr>
+          <a:xfrm>
+            <a:off x="4905385" y="1181587"/>
+            <a:ext cx="2132823" cy="433945"/>
+          </a:xfrm>
+          <a:prstGeom prst="roundRect">
+            <a:avLst/>
+          </a:prstGeom>
+          <a:solidFill>
+            <a:srgbClr val="CDB0E2"/>
+          </a:solidFill>
+          <a:ln w="28575">
+            <a:solidFill>
+              <a:schemeClr val="tx1"/>
+            </a:solidFill>
+          </a:ln>
+        </p:spPr>
+        <p:style>
+          <a:lnRef idx="2">
+            <a:schemeClr val="accent1">
+              <a:shade val="50000"/>
+            </a:schemeClr>
+          </a:lnRef>
+          <a:fillRef idx="1">
+            <a:schemeClr val="accent1"/>
+          </a:fillRef>
+          <a:effectRef idx="0">
+            <a:schemeClr val="accent1"/>
+          </a:effectRef>
+          <a:fontRef idx="minor">
+            <a:schemeClr val="lt1"/>
+          </a:fontRef>
+        </p:style>
+        <p:txBody>
+          <a:bodyPr rtlCol="0" anchor="ctr"/>
+          <a:lstStyle/>
+          <a:p>
+            <a:pPr algn="ctr"/>
+            <a:endParaRPr lang="zh-CN" altLang="en-US" dirty="0"/>
+          </a:p>
+        </p:txBody>
+      </p:sp>
+      <p:cxnSp>
+        <p:nvCxnSpPr>
+          <p:cNvPr id="46" name="直接箭头连接符 45">
+            <a:extLst>
+              <a:ext uri="{FF2B5EF4-FFF2-40B4-BE49-F238E27FC236}">
+                <a16:creationId xmlns:a16="http://schemas.microsoft.com/office/drawing/2014/main" id="{BF710D49-4FDD-4CF6-B182-D10ECF0A46E7}"/>
+              </a:ext>
+            </a:extLst>
+          </p:cNvPr>
+          <p:cNvCxnSpPr>
+            <a:cxnSpLocks/>
+          </p:cNvCxnSpPr>
+          <p:nvPr/>
+        </p:nvCxnSpPr>
+        <p:spPr>
+          <a:xfrm flipV="1">
+            <a:off x="5246670" y="1583225"/>
+            <a:ext cx="0" cy="2500807"/>
+          </a:xfrm>
+          <a:prstGeom prst="straightConnector1">
+            <a:avLst/>
+          </a:prstGeom>
+          <a:ln w="31750">
+            <a:solidFill>
+              <a:schemeClr val="tx1"/>
+            </a:solidFill>
+            <a:tailEnd type="triangle"/>
+          </a:ln>
+        </p:spPr>
+        <p:style>
+          <a:lnRef idx="1">
+            <a:schemeClr val="accent1"/>
+          </a:lnRef>
+          <a:fillRef idx="0">
+            <a:schemeClr val="accent1"/>
+          </a:fillRef>
+          <a:effectRef idx="0">
+            <a:schemeClr val="accent1"/>
+          </a:effectRef>
+          <a:fontRef idx="minor">
+            <a:schemeClr val="tx1"/>
+          </a:fontRef>
+        </p:style>
+      </p:cxnSp>
+      <p:cxnSp>
+        <p:nvCxnSpPr>
+          <p:cNvPr id="47" name="直接箭头连接符 46">
+            <a:extLst>
+              <a:ext uri="{FF2B5EF4-FFF2-40B4-BE49-F238E27FC236}">
+                <a16:creationId xmlns:a16="http://schemas.microsoft.com/office/drawing/2014/main" id="{9D4B758D-9DD5-4E7C-B942-E325EFCC140E}"/>
+              </a:ext>
+            </a:extLst>
+          </p:cNvPr>
+          <p:cNvCxnSpPr>
+            <a:cxnSpLocks/>
+          </p:cNvCxnSpPr>
+          <p:nvPr/>
+        </p:nvCxnSpPr>
+        <p:spPr>
+          <a:xfrm flipV="1">
+            <a:off x="6274131" y="3709383"/>
+            <a:ext cx="0" cy="374650"/>
+          </a:xfrm>
+          <a:prstGeom prst="straightConnector1">
+            <a:avLst/>
+          </a:prstGeom>
+          <a:ln w="31750">
+            <a:solidFill>
+              <a:schemeClr val="tx1"/>
+            </a:solidFill>
+            <a:tailEnd type="triangle"/>
+          </a:ln>
+        </p:spPr>
+        <p:style>
+          <a:lnRef idx="1">
+            <a:schemeClr val="accent1"/>
+          </a:lnRef>
+          <a:fillRef idx="0">
+            <a:schemeClr val="accent1"/>
+          </a:fillRef>
+          <a:effectRef idx="0">
+            <a:schemeClr val="accent1"/>
+          </a:effectRef>
+          <a:fontRef idx="minor">
+            <a:schemeClr val="tx1"/>
+          </a:fontRef>
+        </p:style>
+      </p:cxnSp>
+      <p:cxnSp>
+        <p:nvCxnSpPr>
+          <p:cNvPr id="48" name="直接箭头连接符 47">
+            <a:extLst>
+              <a:ext uri="{FF2B5EF4-FFF2-40B4-BE49-F238E27FC236}">
+                <a16:creationId xmlns:a16="http://schemas.microsoft.com/office/drawing/2014/main" id="{1DFFDA92-04A5-445B-87C8-3A4D541B4908}"/>
+              </a:ext>
+            </a:extLst>
+          </p:cNvPr>
+          <p:cNvCxnSpPr>
+            <a:cxnSpLocks/>
+          </p:cNvCxnSpPr>
+          <p:nvPr/>
+        </p:nvCxnSpPr>
+        <p:spPr>
+          <a:xfrm flipV="1">
+            <a:off x="7183942" y="3706207"/>
+            <a:ext cx="0" cy="377826"/>
+          </a:xfrm>
+          <a:prstGeom prst="straightConnector1">
+            <a:avLst/>
+          </a:prstGeom>
+          <a:ln w="31750">
+            <a:solidFill>
+              <a:schemeClr val="tx1"/>
+            </a:solidFill>
+            <a:tailEnd type="triangle"/>
+          </a:ln>
+        </p:spPr>
+        <p:style>
+          <a:lnRef idx="1">
+            <a:schemeClr val="accent1"/>
+          </a:lnRef>
+          <a:fillRef idx="0">
+            <a:schemeClr val="accent1"/>
+          </a:fillRef>
+          <a:effectRef idx="0">
+            <a:schemeClr val="accent1"/>
+          </a:effectRef>
+          <a:fontRef idx="minor">
+            <a:schemeClr val="tx1"/>
+          </a:fontRef>
+        </p:style>
+      </p:cxnSp>
+      <p:sp>
+        <p:nvSpPr>
+          <p:cNvPr id="49" name="文本框 48">
+            <a:extLst>
+              <a:ext uri="{FF2B5EF4-FFF2-40B4-BE49-F238E27FC236}">
+                <a16:creationId xmlns:a16="http://schemas.microsoft.com/office/drawing/2014/main" id="{67F8D4CA-86F3-4527-B578-F2A2EE07306A}"/>
+              </a:ext>
+            </a:extLst>
+          </p:cNvPr>
+          <p:cNvSpPr txBox="1"/>
+          <p:nvPr/>
+        </p:nvSpPr>
+        <p:spPr>
+          <a:xfrm>
+            <a:off x="6274843" y="3340564"/>
+            <a:ext cx="952505" cy="369332"/>
+          </a:xfrm>
+          <a:prstGeom prst="rect">
+            <a:avLst/>
+          </a:prstGeom>
+          <a:noFill/>
+        </p:spPr>
+        <p:txBody>
+          <a:bodyPr wrap="none" rtlCol="0">
+            <a:spAutoFit/>
+          </a:bodyPr>
+          <a:lstStyle/>
+          <a:p>
+            <a:r>
+              <a:rPr lang="en-US" altLang="zh-CN" dirty="0" err="1"/>
+              <a:t>MatMul</a:t>
+            </a:r>
+            <a:endParaRPr lang="zh-CN" altLang="en-US" dirty="0"/>
+          </a:p>
+        </p:txBody>
+      </p:sp>
+      <p:sp>
+        <p:nvSpPr>
+          <p:cNvPr id="50" name="文本框 49">
+            <a:extLst>
+              <a:ext uri="{FF2B5EF4-FFF2-40B4-BE49-F238E27FC236}">
+                <a16:creationId xmlns:a16="http://schemas.microsoft.com/office/drawing/2014/main" id="{5CE66051-2CE3-4C60-B2CC-1EA4C8BFFE85}"/>
+              </a:ext>
+            </a:extLst>
+          </p:cNvPr>
+          <p:cNvSpPr txBox="1"/>
+          <p:nvPr/>
+        </p:nvSpPr>
+        <p:spPr>
+          <a:xfrm>
+            <a:off x="2063109" y="2642065"/>
+            <a:ext cx="692818" cy="369332"/>
+          </a:xfrm>
+          <a:prstGeom prst="rect">
+            <a:avLst/>
+          </a:prstGeom>
+          <a:noFill/>
+        </p:spPr>
+        <p:txBody>
+          <a:bodyPr wrap="none" rtlCol="0">
+            <a:spAutoFit/>
+          </a:bodyPr>
+          <a:lstStyle/>
+          <a:p>
+            <a:r>
+              <a:rPr lang="en-US" altLang="zh-CN" dirty="0"/>
+              <a:t>Scale</a:t>
+            </a:r>
+            <a:endParaRPr lang="zh-CN" altLang="en-US" dirty="0"/>
+          </a:p>
+        </p:txBody>
+      </p:sp>
+      <p:sp>
+        <p:nvSpPr>
+          <p:cNvPr id="51" name="文本框 50">
+            <a:extLst>
+              <a:ext uri="{FF2B5EF4-FFF2-40B4-BE49-F238E27FC236}">
+                <a16:creationId xmlns:a16="http://schemas.microsoft.com/office/drawing/2014/main" id="{F1BB74FA-1213-4E4D-85D6-B52F4148BD3F}"/>
+              </a:ext>
+            </a:extLst>
+          </p:cNvPr>
+          <p:cNvSpPr txBox="1"/>
+          <p:nvPr/>
+        </p:nvSpPr>
+        <p:spPr>
+          <a:xfrm>
+            <a:off x="6339411" y="2647381"/>
+            <a:ext cx="692818" cy="369332"/>
+          </a:xfrm>
+          <a:prstGeom prst="rect">
+            <a:avLst/>
+          </a:prstGeom>
+          <a:noFill/>
+        </p:spPr>
+        <p:txBody>
+          <a:bodyPr wrap="none" rtlCol="0">
+            <a:spAutoFit/>
+          </a:bodyPr>
+          <a:lstStyle/>
+          <a:p>
+            <a:r>
+              <a:rPr lang="en-US" altLang="zh-CN" dirty="0"/>
+              <a:t>Scale</a:t>
+            </a:r>
+            <a:endParaRPr lang="zh-CN" altLang="en-US" dirty="0"/>
+          </a:p>
+        </p:txBody>
+      </p:sp>
+      <p:sp>
+        <p:nvSpPr>
+          <p:cNvPr id="52" name="文本框 51">
+            <a:extLst>
+              <a:ext uri="{FF2B5EF4-FFF2-40B4-BE49-F238E27FC236}">
+                <a16:creationId xmlns:a16="http://schemas.microsoft.com/office/drawing/2014/main" id="{19373E83-7FCC-437E-9BD7-C3D6FC2CBCF4}"/>
+              </a:ext>
+            </a:extLst>
+          </p:cNvPr>
+          <p:cNvSpPr txBox="1"/>
+          <p:nvPr/>
+        </p:nvSpPr>
+        <p:spPr>
+          <a:xfrm>
+            <a:off x="1929852" y="1932487"/>
+            <a:ext cx="987771" cy="369332"/>
+          </a:xfrm>
+          <a:prstGeom prst="rect">
+            <a:avLst/>
+          </a:prstGeom>
+          <a:noFill/>
+        </p:spPr>
+        <p:txBody>
+          <a:bodyPr wrap="none" rtlCol="0">
+            <a:spAutoFit/>
+          </a:bodyPr>
+          <a:lstStyle/>
+          <a:p>
+            <a:r>
+              <a:rPr lang="en-US" altLang="zh-CN" dirty="0" err="1"/>
+              <a:t>Softmax</a:t>
+            </a:r>
+            <a:endParaRPr lang="zh-CN" altLang="en-US" dirty="0"/>
+          </a:p>
+        </p:txBody>
+      </p:sp>
+      <p:sp>
+        <p:nvSpPr>
+          <p:cNvPr id="53" name="文本框 52">
+            <a:extLst>
+              <a:ext uri="{FF2B5EF4-FFF2-40B4-BE49-F238E27FC236}">
+                <a16:creationId xmlns:a16="http://schemas.microsoft.com/office/drawing/2014/main" id="{FCB28A02-3A93-4940-B7CA-642B4A76A6C3}"/>
+              </a:ext>
+            </a:extLst>
+          </p:cNvPr>
+          <p:cNvSpPr txBox="1"/>
+          <p:nvPr/>
+        </p:nvSpPr>
+        <p:spPr>
+          <a:xfrm>
+            <a:off x="6225149" y="1921632"/>
+            <a:ext cx="987771" cy="369332"/>
+          </a:xfrm>
+          <a:prstGeom prst="rect">
+            <a:avLst/>
+          </a:prstGeom>
+          <a:noFill/>
+        </p:spPr>
+        <p:txBody>
+          <a:bodyPr wrap="none" rtlCol="0">
+            <a:spAutoFit/>
+          </a:bodyPr>
+          <a:lstStyle/>
+          <a:p>
+            <a:r>
+              <a:rPr lang="en-US" altLang="zh-CN" dirty="0" err="1"/>
+              <a:t>Softmax</a:t>
+            </a:r>
+            <a:endParaRPr lang="zh-CN" altLang="en-US" dirty="0"/>
+          </a:p>
+        </p:txBody>
+      </p:sp>
+      <p:sp>
+        <p:nvSpPr>
+          <p:cNvPr id="54" name="文本框 53">
+            <a:extLst>
+              <a:ext uri="{FF2B5EF4-FFF2-40B4-BE49-F238E27FC236}">
+                <a16:creationId xmlns:a16="http://schemas.microsoft.com/office/drawing/2014/main" id="{867474B4-38EA-45B0-A483-E34441E5F4CC}"/>
+              </a:ext>
+            </a:extLst>
+          </p:cNvPr>
+          <p:cNvSpPr txBox="1"/>
+          <p:nvPr/>
+        </p:nvSpPr>
+        <p:spPr>
+          <a:xfrm>
+            <a:off x="2535961" y="1213893"/>
+            <a:ext cx="952505" cy="369332"/>
+          </a:xfrm>
+          <a:prstGeom prst="rect">
+            <a:avLst/>
+          </a:prstGeom>
+          <a:noFill/>
+        </p:spPr>
+        <p:txBody>
+          <a:bodyPr wrap="none" rtlCol="0">
+            <a:spAutoFit/>
+          </a:bodyPr>
+          <a:lstStyle/>
+          <a:p>
+            <a:r>
+              <a:rPr lang="en-US" altLang="zh-CN" dirty="0" err="1"/>
+              <a:t>MatMul</a:t>
+            </a:r>
+            <a:endParaRPr lang="zh-CN" altLang="en-US" dirty="0"/>
+          </a:p>
+        </p:txBody>
+      </p:sp>
+      <p:sp>
+        <p:nvSpPr>
+          <p:cNvPr id="55" name="文本框 54">
+            <a:extLst>
+              <a:ext uri="{FF2B5EF4-FFF2-40B4-BE49-F238E27FC236}">
+                <a16:creationId xmlns:a16="http://schemas.microsoft.com/office/drawing/2014/main" id="{266BBB72-202F-46BB-A92B-937F21155AD4}"/>
+              </a:ext>
+            </a:extLst>
+          </p:cNvPr>
+          <p:cNvSpPr txBox="1"/>
+          <p:nvPr/>
+        </p:nvSpPr>
+        <p:spPr>
+          <a:xfrm>
+            <a:off x="5529997" y="1203124"/>
+            <a:ext cx="952505" cy="369332"/>
+          </a:xfrm>
+          <a:prstGeom prst="rect">
+            <a:avLst/>
+          </a:prstGeom>
+          <a:noFill/>
+        </p:spPr>
+        <p:txBody>
+          <a:bodyPr wrap="none" rtlCol="0">
+            <a:spAutoFit/>
+          </a:bodyPr>
+          <a:lstStyle/>
+          <a:p>
+            <a:r>
+              <a:rPr lang="en-US" altLang="zh-CN" dirty="0" err="1"/>
+              <a:t>MatMul</a:t>
+            </a:r>
+            <a:endParaRPr lang="zh-CN" altLang="en-US" dirty="0"/>
+          </a:p>
+        </p:txBody>
+      </p:sp>
+    </p:spTree>
+    <p:extLst>
+      <p:ext uri="{BB962C8B-B14F-4D97-AF65-F5344CB8AC3E}">
+        <p14:creationId xmlns:p14="http://schemas.microsoft.com/office/powerpoint/2010/main" val="3415080930"/>
       </p:ext>
     </p:extLst>
   </p:cSld>

--- a/visualization.pptx
+++ b/visualization.pptx
@@ -36096,6 +36096,63 @@
       </p:grpSpPr>
       <p:sp>
         <p:nvSpPr>
+          <p:cNvPr id="252" name="矩形: 圆角 251">
+            <a:extLst>
+              <a:ext uri="{FF2B5EF4-FFF2-40B4-BE49-F238E27FC236}">
+                <a16:creationId xmlns:a16="http://schemas.microsoft.com/office/drawing/2014/main" id="{4E2BE0FD-0522-4000-B913-2ADAC0BA293A}"/>
+              </a:ext>
+            </a:extLst>
+          </p:cNvPr>
+          <p:cNvSpPr/>
+          <p:nvPr/>
+        </p:nvSpPr>
+        <p:spPr>
+          <a:xfrm>
+            <a:off x="979349" y="2061033"/>
+            <a:ext cx="764163" cy="406937"/>
+          </a:xfrm>
+          <a:prstGeom prst="roundRect">
+            <a:avLst/>
+          </a:prstGeom>
+          <a:solidFill>
+            <a:schemeClr val="accent2">
+              <a:lumMod val="20000"/>
+              <a:lumOff val="80000"/>
+            </a:schemeClr>
+          </a:solidFill>
+          <a:ln w="28575">
+            <a:solidFill>
+              <a:schemeClr val="tx1"/>
+            </a:solidFill>
+          </a:ln>
+        </p:spPr>
+        <p:style>
+          <a:lnRef idx="2">
+            <a:schemeClr val="accent1">
+              <a:shade val="50000"/>
+            </a:schemeClr>
+          </a:lnRef>
+          <a:fillRef idx="1">
+            <a:schemeClr val="accent1"/>
+          </a:fillRef>
+          <a:effectRef idx="0">
+            <a:schemeClr val="accent1"/>
+          </a:effectRef>
+          <a:fontRef idx="minor">
+            <a:schemeClr val="lt1"/>
+          </a:fontRef>
+        </p:style>
+        <p:txBody>
+          <a:bodyPr rtlCol="0" anchor="ctr"/>
+          <a:lstStyle/>
+          <a:p>
+            <a:pPr algn="ctr"/>
+            <a:endParaRPr lang="zh-CN" altLang="en-US" dirty="0"/>
+          </a:p>
+        </p:txBody>
+      </p:sp>
+      <p:sp>
+        <p:nvSpPr>
           <p:cNvPr id="5" name="矩形: 圆角 4">
             <a:extLst>
               <a:ext uri="{FF2B5EF4-FFF2-40B4-BE49-F238E27FC236}">
@@ -36108,7 +36165,7 @@
         </p:nvSpPr>
         <p:spPr>
           <a:xfrm>
-            <a:off x="1668607" y="3340566"/>
+            <a:off x="1669757" y="4205754"/>
             <a:ext cx="1478845" cy="368305"/>
           </a:xfrm>
           <a:prstGeom prst="roundRect">
@@ -36162,7 +36219,7 @@
         </p:nvSpPr>
         <p:spPr>
           <a:xfrm>
-            <a:off x="1935308" y="2625158"/>
+            <a:off x="1936458" y="3490346"/>
             <a:ext cx="945445" cy="379931"/>
           </a:xfrm>
           <a:prstGeom prst="roundRect">
@@ -36219,7 +36276,7 @@
         </p:nvSpPr>
         <p:spPr>
           <a:xfrm>
-            <a:off x="1874630" y="1921376"/>
+            <a:off x="1875780" y="2786564"/>
             <a:ext cx="1066800" cy="379931"/>
           </a:xfrm>
           <a:prstGeom prst="roundRect">
@@ -36279,13 +36336,13 @@
         </p:nvCxnSpPr>
         <p:spPr>
           <a:xfrm flipV="1">
-            <a:off x="2408031" y="3005089"/>
+            <a:off x="2409181" y="3870277"/>
             <a:ext cx="0" cy="323851"/>
           </a:xfrm>
           <a:prstGeom prst="straightConnector1">
             <a:avLst/>
           </a:prstGeom>
-          <a:ln w="31750">
+          <a:ln w="38100">
             <a:solidFill>
               <a:schemeClr val="tx1"/>
             </a:solidFill>
@@ -36321,13 +36378,13 @@
         </p:nvCxnSpPr>
         <p:spPr>
           <a:xfrm flipH="1" flipV="1">
-            <a:off x="2408030" y="2301307"/>
+            <a:off x="2409180" y="3166495"/>
             <a:ext cx="1" cy="323851"/>
           </a:xfrm>
           <a:prstGeom prst="straightConnector1">
             <a:avLst/>
           </a:prstGeom>
-          <a:ln w="31750">
+          <a:ln w="38100">
             <a:solidFill>
               <a:schemeClr val="tx1"/>
             </a:solidFill>
@@ -36358,18 +36415,20 @@
               </a:ext>
             </a:extLst>
           </p:cNvPr>
-          <p:cNvCxnSpPr/>
+          <p:cNvCxnSpPr>
+            <a:cxnSpLocks/>
+          </p:cNvCxnSpPr>
           <p:nvPr/>
         </p:nvCxnSpPr>
         <p:spPr>
           <a:xfrm flipH="1" flipV="1">
-            <a:off x="2408030" y="1582714"/>
-            <a:ext cx="1" cy="323851"/>
+            <a:off x="2409180" y="2494978"/>
+            <a:ext cx="1" cy="276775"/>
           </a:xfrm>
           <a:prstGeom prst="straightConnector1">
             <a:avLst/>
           </a:prstGeom>
-          <a:ln w="31750">
+          <a:ln w="38100">
             <a:solidFill>
               <a:schemeClr val="tx1"/>
             </a:solidFill>
@@ -36405,8 +36464,8 @@
         </p:nvSpPr>
         <p:spPr>
           <a:xfrm>
-            <a:off x="1945803" y="1195846"/>
-            <a:ext cx="2132823" cy="433945"/>
+            <a:off x="2244034" y="2061033"/>
+            <a:ext cx="1837996" cy="433945"/>
           </a:xfrm>
           <a:prstGeom prst="roundRect">
             <a:avLst/>
@@ -36461,13 +36520,13 @@
         </p:nvCxnSpPr>
         <p:spPr>
           <a:xfrm flipV="1">
-            <a:off x="3727325" y="1582714"/>
-            <a:ext cx="0" cy="2500807"/>
+            <a:off x="3723338" y="2494979"/>
+            <a:ext cx="0" cy="2318321"/>
           </a:xfrm>
           <a:prstGeom prst="straightConnector1">
             <a:avLst/>
           </a:prstGeom>
-          <a:ln w="31750">
+          <a:ln w="38100">
             <a:solidFill>
               <a:schemeClr val="tx1"/>
             </a:solidFill>
@@ -36504,14 +36563,14 @@
           <p:nvPr/>
         </p:nvCxnSpPr>
         <p:spPr>
-          <a:xfrm flipV="1">
-            <a:off x="1970942" y="3708871"/>
-            <a:ext cx="0" cy="374650"/>
+          <a:xfrm flipH="1" flipV="1">
+            <a:off x="1972092" y="4574059"/>
+            <a:ext cx="4473" cy="281151"/>
           </a:xfrm>
           <a:prstGeom prst="straightConnector1">
             <a:avLst/>
           </a:prstGeom>
-          <a:ln w="31750">
+          <a:ln w="38100">
             <a:solidFill>
               <a:schemeClr val="tx1"/>
             </a:solidFill>
@@ -36549,13 +36608,13 @@
         </p:nvCxnSpPr>
         <p:spPr>
           <a:xfrm flipV="1">
-            <a:off x="2880753" y="3705695"/>
-            <a:ext cx="0" cy="377826"/>
+            <a:off x="2881903" y="4570883"/>
+            <a:ext cx="0" cy="284327"/>
           </a:xfrm>
           <a:prstGeom prst="straightConnector1">
             <a:avLst/>
           </a:prstGeom>
-          <a:ln w="31750">
+          <a:ln w="38100">
             <a:solidFill>
               <a:schemeClr val="tx1"/>
             </a:solidFill>
@@ -36591,7 +36650,7 @@
         </p:nvSpPr>
         <p:spPr>
           <a:xfrm>
-            <a:off x="1948495" y="3351165"/>
+            <a:off x="1949645" y="4216353"/>
             <a:ext cx="952505" cy="369332"/>
           </a:xfrm>
           <a:prstGeom prst="rect">
@@ -36627,7 +36686,7 @@
         </p:nvSpPr>
         <p:spPr>
           <a:xfrm>
-            <a:off x="5971796" y="3341078"/>
+            <a:off x="6135973" y="4219273"/>
             <a:ext cx="1478845" cy="368305"/>
           </a:xfrm>
           <a:prstGeom prst="roundRect">
@@ -36681,7 +36740,7 @@
         </p:nvSpPr>
         <p:spPr>
           <a:xfrm>
-            <a:off x="6238497" y="2625670"/>
+            <a:off x="6402674" y="3503865"/>
             <a:ext cx="945445" cy="379931"/>
           </a:xfrm>
           <a:prstGeom prst="roundRect">
@@ -36738,7 +36797,7 @@
         </p:nvSpPr>
         <p:spPr>
           <a:xfrm>
-            <a:off x="6177819" y="1921888"/>
+            <a:off x="6341996" y="2800083"/>
             <a:ext cx="1066800" cy="379931"/>
           </a:xfrm>
           <a:prstGeom prst="roundRect">
@@ -36798,13 +36857,13 @@
         </p:nvCxnSpPr>
         <p:spPr>
           <a:xfrm flipV="1">
-            <a:off x="6711220" y="3005601"/>
+            <a:off x="6875397" y="3883796"/>
             <a:ext cx="0" cy="323851"/>
           </a:xfrm>
           <a:prstGeom prst="straightConnector1">
             <a:avLst/>
           </a:prstGeom>
-          <a:ln w="31750">
+          <a:ln w="38100">
             <a:solidFill>
               <a:schemeClr val="tx1"/>
             </a:solidFill>
@@ -36840,13 +36899,13 @@
         </p:nvCxnSpPr>
         <p:spPr>
           <a:xfrm flipH="1" flipV="1">
-            <a:off x="6711219" y="2301819"/>
+            <a:off x="6875396" y="3180014"/>
             <a:ext cx="1" cy="323851"/>
           </a:xfrm>
           <a:prstGeom prst="straightConnector1">
             <a:avLst/>
           </a:prstGeom>
-          <a:ln w="31750">
+          <a:ln w="38100">
             <a:solidFill>
               <a:schemeClr val="tx1"/>
             </a:solidFill>
@@ -36882,13 +36941,13 @@
         </p:nvCxnSpPr>
         <p:spPr>
           <a:xfrm flipH="1" flipV="1">
-            <a:off x="6701049" y="1592224"/>
+            <a:off x="6865226" y="2470419"/>
             <a:ext cx="1" cy="323851"/>
           </a:xfrm>
           <a:prstGeom prst="straightConnector1">
             <a:avLst/>
           </a:prstGeom>
-          <a:ln w="31750">
+          <a:ln w="38100">
             <a:solidFill>
               <a:schemeClr val="tx1"/>
             </a:solidFill>
@@ -36924,8 +36983,8 @@
         </p:nvSpPr>
         <p:spPr>
           <a:xfrm>
-            <a:off x="4905385" y="1181587"/>
-            <a:ext cx="2132823" cy="433945"/>
+            <a:off x="5297945" y="2061033"/>
+            <a:ext cx="1917951" cy="433945"/>
           </a:xfrm>
           <a:prstGeom prst="roundRect">
             <a:avLst/>
@@ -36980,13 +37039,13 @@
         </p:nvCxnSpPr>
         <p:spPr>
           <a:xfrm flipV="1">
-            <a:off x="5246670" y="1583225"/>
-            <a:ext cx="0" cy="2500807"/>
+            <a:off x="5590469" y="2507986"/>
+            <a:ext cx="0" cy="2347224"/>
           </a:xfrm>
           <a:prstGeom prst="straightConnector1">
             <a:avLst/>
           </a:prstGeom>
-          <a:ln w="31750">
+          <a:ln w="38100">
             <a:solidFill>
               <a:schemeClr val="tx1"/>
             </a:solidFill>
@@ -37023,9 +37082,9 @@
           <p:nvPr/>
         </p:nvCxnSpPr>
         <p:spPr>
-          <a:xfrm flipV="1">
-            <a:off x="6274131" y="3709383"/>
-            <a:ext cx="0" cy="374650"/>
+          <a:xfrm flipH="1" flipV="1">
+            <a:off x="6438308" y="4587578"/>
+            <a:ext cx="712" cy="267632"/>
           </a:xfrm>
           <a:prstGeom prst="straightConnector1">
             <a:avLst/>
@@ -37068,8 +37127,8 @@
         </p:nvCxnSpPr>
         <p:spPr>
           <a:xfrm flipV="1">
-            <a:off x="7183942" y="3706207"/>
-            <a:ext cx="0" cy="377826"/>
+            <a:off x="7348119" y="4584402"/>
+            <a:ext cx="0" cy="270808"/>
           </a:xfrm>
           <a:prstGeom prst="straightConnector1">
             <a:avLst/>
@@ -37110,7 +37169,7 @@
         </p:nvSpPr>
         <p:spPr>
           <a:xfrm>
-            <a:off x="6274843" y="3340564"/>
+            <a:off x="6439020" y="4218759"/>
             <a:ext cx="952505" cy="369332"/>
           </a:xfrm>
           <a:prstGeom prst="rect">
@@ -37146,8 +37205,8 @@
         </p:nvSpPr>
         <p:spPr>
           <a:xfrm>
-            <a:off x="2063109" y="2642065"/>
-            <a:ext cx="692818" cy="369332"/>
+            <a:off x="1022047" y="2075689"/>
+            <a:ext cx="598241" cy="369332"/>
           </a:xfrm>
           <a:prstGeom prst="rect">
             <a:avLst/>
@@ -37162,7 +37221,7 @@
           <a:p>
             <a:r>
               <a:rPr lang="en-US" altLang="zh-CN" dirty="0"/>
-              <a:t>Scale</a:t>
+              <a:t>Add</a:t>
             </a:r>
             <a:endParaRPr lang="zh-CN" altLang="en-US" dirty="0"/>
           </a:p>
@@ -37182,7 +37241,7 @@
         </p:nvSpPr>
         <p:spPr>
           <a:xfrm>
-            <a:off x="6339411" y="2647381"/>
+            <a:off x="6503588" y="3525576"/>
             <a:ext cx="692818" cy="369332"/>
           </a:xfrm>
           <a:prstGeom prst="rect">
@@ -37218,7 +37277,7 @@
         </p:nvSpPr>
         <p:spPr>
           <a:xfrm>
-            <a:off x="1929852" y="1932487"/>
+            <a:off x="1931002" y="2797675"/>
             <a:ext cx="987771" cy="369332"/>
           </a:xfrm>
           <a:prstGeom prst="rect">
@@ -37254,7 +37313,7 @@
         </p:nvSpPr>
         <p:spPr>
           <a:xfrm>
-            <a:off x="6225149" y="1921632"/>
+            <a:off x="6389326" y="2799827"/>
             <a:ext cx="987771" cy="369332"/>
           </a:xfrm>
           <a:prstGeom prst="rect">
@@ -37290,7 +37349,7 @@
         </p:nvSpPr>
         <p:spPr>
           <a:xfrm>
-            <a:off x="2535961" y="1213893"/>
+            <a:off x="2723447" y="2079093"/>
             <a:ext cx="952505" cy="369332"/>
           </a:xfrm>
           <a:prstGeom prst="rect">
@@ -37326,7 +37385,7 @@
         </p:nvSpPr>
         <p:spPr>
           <a:xfrm>
-            <a:off x="5529997" y="1203124"/>
+            <a:off x="5694174" y="2081319"/>
             <a:ext cx="952505" cy="369332"/>
           </a:xfrm>
           <a:prstGeom prst="rect">
@@ -37348,6 +37407,5723 @@
           </a:p>
         </p:txBody>
       </p:sp>
+      <p:pic>
+        <p:nvPicPr>
+          <p:cNvPr id="8" name="图片 7" descr="\documentclass{article}&#10;\usepackage{amsmath}&#10;\pagestyle{empty}&#10;\begin{document}&#10;$\mathbf{P}_{m}^{\alpha}$&#10;\end{document}" title="IguanaTex Bitmap Display">
+            <a:extLst>
+              <a:ext uri="{FF2B5EF4-FFF2-40B4-BE49-F238E27FC236}">
+                <a16:creationId xmlns:a16="http://schemas.microsoft.com/office/drawing/2014/main" id="{FE701F80-C8DD-44F3-80C6-C1D2BC0D8D53}"/>
+              </a:ext>
+            </a:extLst>
+          </p:cNvPr>
+          <p:cNvPicPr>
+            <a:picLocks noChangeAspect="1"/>
+          </p:cNvPicPr>
+          <p:nvPr>
+            <p:custDataLst>
+              <p:tags r:id="rId1"/>
+            </p:custDataLst>
+          </p:nvPr>
+        </p:nvPicPr>
+        <p:blipFill>
+          <a:blip r:embed="rId12">
+            <a:extLst>
+              <a:ext uri="{28A0092B-C50C-407E-A947-70E740481C1C}">
+                <a14:useLocalDpi xmlns:a14="http://schemas.microsoft.com/office/drawing/2010/main" val="0"/>
+              </a:ext>
+            </a:extLst>
+          </a:blip>
+          <a:stretch>
+            <a:fillRect/>
+          </a:stretch>
+        </p:blipFill>
+        <p:spPr>
+          <a:xfrm>
+            <a:off x="2820799" y="5679652"/>
+            <a:ext cx="361143" cy="237714"/>
+          </a:xfrm>
+          <a:prstGeom prst="rect">
+            <a:avLst/>
+          </a:prstGeom>
+        </p:spPr>
+      </p:pic>
+      <p:pic>
+        <p:nvPicPr>
+          <p:cNvPr id="15" name="图片 14" descr="\documentclass{article}&#10;\usepackage{amsmath}&#10;\pagestyle{empty}&#10;\begin{document}&#10;$\mathbf{P}_{m}^{\beta}$&#10;\end{document}" title="IguanaTex Bitmap Display">
+            <a:extLst>
+              <a:ext uri="{FF2B5EF4-FFF2-40B4-BE49-F238E27FC236}">
+                <a16:creationId xmlns:a16="http://schemas.microsoft.com/office/drawing/2014/main" id="{3A1668E0-628F-4D89-B4BC-7DB334B13693}"/>
+              </a:ext>
+            </a:extLst>
+          </p:cNvPr>
+          <p:cNvPicPr>
+            <a:picLocks noChangeAspect="1"/>
+          </p:cNvPicPr>
+          <p:nvPr>
+            <p:custDataLst>
+              <p:tags r:id="rId2"/>
+            </p:custDataLst>
+          </p:nvPr>
+        </p:nvPicPr>
+        <p:blipFill>
+          <a:blip r:embed="rId13">
+            <a:extLst>
+              <a:ext uri="{28A0092B-C50C-407E-A947-70E740481C1C}">
+                <a14:useLocalDpi xmlns:a14="http://schemas.microsoft.com/office/drawing/2010/main" val="0"/>
+              </a:ext>
+            </a:extLst>
+          </a:blip>
+          <a:stretch>
+            <a:fillRect/>
+          </a:stretch>
+        </p:blipFill>
+        <p:spPr>
+          <a:xfrm>
+            <a:off x="6219115" y="5656054"/>
+            <a:ext cx="361143" cy="281905"/>
+          </a:xfrm>
+          <a:prstGeom prst="rect">
+            <a:avLst/>
+          </a:prstGeom>
+        </p:spPr>
+      </p:pic>
+      <p:grpSp>
+        <p:nvGrpSpPr>
+          <p:cNvPr id="250" name="组合 249">
+            <a:extLst>
+              <a:ext uri="{FF2B5EF4-FFF2-40B4-BE49-F238E27FC236}">
+                <a16:creationId xmlns:a16="http://schemas.microsoft.com/office/drawing/2014/main" id="{3709014B-FD85-4E65-B35E-5CD22C09D98D}"/>
+              </a:ext>
+            </a:extLst>
+          </p:cNvPr>
+          <p:cNvGrpSpPr/>
+          <p:nvPr/>
+        </p:nvGrpSpPr>
+        <p:grpSpPr>
+          <a:xfrm>
+            <a:off x="1758428" y="5987250"/>
+            <a:ext cx="2302353" cy="132448"/>
+            <a:chOff x="1873329" y="4909253"/>
+            <a:chExt cx="2302353" cy="132448"/>
+          </a:xfrm>
+        </p:grpSpPr>
+        <p:sp>
+          <p:nvSpPr>
+            <p:cNvPr id="3" name="矩形 2">
+              <a:extLst>
+                <a:ext uri="{FF2B5EF4-FFF2-40B4-BE49-F238E27FC236}">
+                  <a16:creationId xmlns:a16="http://schemas.microsoft.com/office/drawing/2014/main" id="{6C507250-3E3A-4A17-84BC-CD2E5A0056AB}"/>
+                </a:ext>
+              </a:extLst>
+            </p:cNvPr>
+            <p:cNvSpPr/>
+            <p:nvPr/>
+          </p:nvSpPr>
+          <p:spPr>
+            <a:xfrm>
+              <a:off x="1873329" y="4910756"/>
+              <a:ext cx="2302353" cy="128921"/>
+            </a:xfrm>
+            <a:prstGeom prst="rect">
+              <a:avLst/>
+            </a:prstGeom>
+            <a:solidFill>
+              <a:schemeClr val="accent1">
+                <a:lumMod val="40000"/>
+                <a:lumOff val="60000"/>
+              </a:schemeClr>
+            </a:solidFill>
+          </p:spPr>
+          <p:style>
+            <a:lnRef idx="2">
+              <a:schemeClr val="accent1">
+                <a:shade val="50000"/>
+              </a:schemeClr>
+            </a:lnRef>
+            <a:fillRef idx="1">
+              <a:schemeClr val="accent1"/>
+            </a:fillRef>
+            <a:effectRef idx="0">
+              <a:schemeClr val="accent1"/>
+            </a:effectRef>
+            <a:fontRef idx="minor">
+              <a:schemeClr val="lt1"/>
+            </a:fontRef>
+          </p:style>
+          <p:txBody>
+            <a:bodyPr rtlCol="0" anchor="ctr"/>
+            <a:lstStyle/>
+            <a:p>
+              <a:pPr algn="ctr"/>
+              <a:endParaRPr lang="zh-CN" altLang="en-US" dirty="0"/>
+            </a:p>
+          </p:txBody>
+        </p:sp>
+        <p:cxnSp>
+          <p:nvCxnSpPr>
+            <p:cNvPr id="18" name="直接连接符 17">
+              <a:extLst>
+                <a:ext uri="{FF2B5EF4-FFF2-40B4-BE49-F238E27FC236}">
+                  <a16:creationId xmlns:a16="http://schemas.microsoft.com/office/drawing/2014/main" id="{EA4AD1E3-1AF9-4577-8EDF-4FE4AC5738A2}"/>
+                </a:ext>
+              </a:extLst>
+            </p:cNvPr>
+            <p:cNvCxnSpPr>
+              <a:cxnSpLocks/>
+            </p:cNvCxnSpPr>
+            <p:nvPr/>
+          </p:nvCxnSpPr>
+          <p:spPr>
+            <a:xfrm>
+              <a:off x="3962377" y="4909253"/>
+              <a:ext cx="0" cy="128921"/>
+            </a:xfrm>
+            <a:prstGeom prst="line">
+              <a:avLst/>
+            </a:prstGeom>
+            <a:ln w="12700">
+              <a:solidFill>
+                <a:schemeClr val="accent1">
+                  <a:lumMod val="75000"/>
+                </a:schemeClr>
+              </a:solidFill>
+            </a:ln>
+          </p:spPr>
+          <p:style>
+            <a:lnRef idx="1">
+              <a:schemeClr val="accent1"/>
+            </a:lnRef>
+            <a:fillRef idx="0">
+              <a:schemeClr val="accent1"/>
+            </a:fillRef>
+            <a:effectRef idx="0">
+              <a:schemeClr val="accent1"/>
+            </a:effectRef>
+            <a:fontRef idx="minor">
+              <a:schemeClr val="tx1"/>
+            </a:fontRef>
+          </p:style>
+        </p:cxnSp>
+        <p:cxnSp>
+          <p:nvCxnSpPr>
+            <p:cNvPr id="56" name="直接连接符 55">
+              <a:extLst>
+                <a:ext uri="{FF2B5EF4-FFF2-40B4-BE49-F238E27FC236}">
+                  <a16:creationId xmlns:a16="http://schemas.microsoft.com/office/drawing/2014/main" id="{6E548068-7716-46D8-8C53-026BAD0854C1}"/>
+                </a:ext>
+              </a:extLst>
+            </p:cNvPr>
+            <p:cNvCxnSpPr>
+              <a:cxnSpLocks/>
+            </p:cNvCxnSpPr>
+            <p:nvPr/>
+          </p:nvCxnSpPr>
+          <p:spPr>
+            <a:xfrm>
+              <a:off x="3757022" y="4910756"/>
+              <a:ext cx="0" cy="128921"/>
+            </a:xfrm>
+            <a:prstGeom prst="line">
+              <a:avLst/>
+            </a:prstGeom>
+            <a:ln w="12700">
+              <a:solidFill>
+                <a:schemeClr val="accent1">
+                  <a:lumMod val="75000"/>
+                </a:schemeClr>
+              </a:solidFill>
+            </a:ln>
+          </p:spPr>
+          <p:style>
+            <a:lnRef idx="1">
+              <a:schemeClr val="accent1"/>
+            </a:lnRef>
+            <a:fillRef idx="0">
+              <a:schemeClr val="accent1"/>
+            </a:fillRef>
+            <a:effectRef idx="0">
+              <a:schemeClr val="accent1"/>
+            </a:effectRef>
+            <a:fontRef idx="minor">
+              <a:schemeClr val="tx1"/>
+            </a:fontRef>
+          </p:style>
+        </p:cxnSp>
+        <p:cxnSp>
+          <p:nvCxnSpPr>
+            <p:cNvPr id="57" name="直接连接符 56">
+              <a:extLst>
+                <a:ext uri="{FF2B5EF4-FFF2-40B4-BE49-F238E27FC236}">
+                  <a16:creationId xmlns:a16="http://schemas.microsoft.com/office/drawing/2014/main" id="{DBA262B8-6A1B-4680-AEDF-D85A03C4FD4F}"/>
+                </a:ext>
+              </a:extLst>
+            </p:cNvPr>
+            <p:cNvCxnSpPr>
+              <a:cxnSpLocks/>
+            </p:cNvCxnSpPr>
+            <p:nvPr/>
+          </p:nvCxnSpPr>
+          <p:spPr>
+            <a:xfrm>
+              <a:off x="2116023" y="4909253"/>
+              <a:ext cx="0" cy="128921"/>
+            </a:xfrm>
+            <a:prstGeom prst="line">
+              <a:avLst/>
+            </a:prstGeom>
+            <a:ln w="12700">
+              <a:solidFill>
+                <a:schemeClr val="accent1">
+                  <a:lumMod val="75000"/>
+                </a:schemeClr>
+              </a:solidFill>
+            </a:ln>
+          </p:spPr>
+          <p:style>
+            <a:lnRef idx="1">
+              <a:schemeClr val="accent1"/>
+            </a:lnRef>
+            <a:fillRef idx="0">
+              <a:schemeClr val="accent1"/>
+            </a:fillRef>
+            <a:effectRef idx="0">
+              <a:schemeClr val="accent1"/>
+            </a:effectRef>
+            <a:fontRef idx="minor">
+              <a:schemeClr val="tx1"/>
+            </a:fontRef>
+          </p:style>
+        </p:cxnSp>
+        <p:cxnSp>
+          <p:nvCxnSpPr>
+            <p:cNvPr id="58" name="直接连接符 57">
+              <a:extLst>
+                <a:ext uri="{FF2B5EF4-FFF2-40B4-BE49-F238E27FC236}">
+                  <a16:creationId xmlns:a16="http://schemas.microsoft.com/office/drawing/2014/main" id="{70A09AEC-5873-4973-88B6-21A8E1049DE7}"/>
+                </a:ext>
+              </a:extLst>
+            </p:cNvPr>
+            <p:cNvCxnSpPr>
+              <a:cxnSpLocks/>
+            </p:cNvCxnSpPr>
+            <p:nvPr/>
+          </p:nvCxnSpPr>
+          <p:spPr>
+            <a:xfrm>
+              <a:off x="2348835" y="4910756"/>
+              <a:ext cx="0" cy="128921"/>
+            </a:xfrm>
+            <a:prstGeom prst="line">
+              <a:avLst/>
+            </a:prstGeom>
+            <a:ln w="12700">
+              <a:solidFill>
+                <a:schemeClr val="accent1">
+                  <a:lumMod val="75000"/>
+                </a:schemeClr>
+              </a:solidFill>
+            </a:ln>
+          </p:spPr>
+          <p:style>
+            <a:lnRef idx="1">
+              <a:schemeClr val="accent1"/>
+            </a:lnRef>
+            <a:fillRef idx="0">
+              <a:schemeClr val="accent1"/>
+            </a:fillRef>
+            <a:effectRef idx="0">
+              <a:schemeClr val="accent1"/>
+            </a:effectRef>
+            <a:fontRef idx="minor">
+              <a:schemeClr val="tx1"/>
+            </a:fontRef>
+          </p:style>
+        </p:cxnSp>
+        <p:cxnSp>
+          <p:nvCxnSpPr>
+            <p:cNvPr id="59" name="直接连接符 58">
+              <a:extLst>
+                <a:ext uri="{FF2B5EF4-FFF2-40B4-BE49-F238E27FC236}">
+                  <a16:creationId xmlns:a16="http://schemas.microsoft.com/office/drawing/2014/main" id="{80DE1364-865F-4F21-BF33-AE6AE5CC38E5}"/>
+                </a:ext>
+              </a:extLst>
+            </p:cNvPr>
+            <p:cNvCxnSpPr>
+              <a:cxnSpLocks/>
+            </p:cNvCxnSpPr>
+            <p:nvPr/>
+          </p:nvCxnSpPr>
+          <p:spPr>
+            <a:xfrm>
+              <a:off x="2579397" y="4910756"/>
+              <a:ext cx="0" cy="128921"/>
+            </a:xfrm>
+            <a:prstGeom prst="line">
+              <a:avLst/>
+            </a:prstGeom>
+            <a:ln w="12700">
+              <a:solidFill>
+                <a:schemeClr val="accent1">
+                  <a:lumMod val="75000"/>
+                </a:schemeClr>
+              </a:solidFill>
+            </a:ln>
+          </p:spPr>
+          <p:style>
+            <a:lnRef idx="1">
+              <a:schemeClr val="accent1"/>
+            </a:lnRef>
+            <a:fillRef idx="0">
+              <a:schemeClr val="accent1"/>
+            </a:fillRef>
+            <a:effectRef idx="0">
+              <a:schemeClr val="accent1"/>
+            </a:effectRef>
+            <a:fontRef idx="minor">
+              <a:schemeClr val="tx1"/>
+            </a:fontRef>
+          </p:style>
+        </p:cxnSp>
+        <p:cxnSp>
+          <p:nvCxnSpPr>
+            <p:cNvPr id="60" name="直接连接符 59">
+              <a:extLst>
+                <a:ext uri="{FF2B5EF4-FFF2-40B4-BE49-F238E27FC236}">
+                  <a16:creationId xmlns:a16="http://schemas.microsoft.com/office/drawing/2014/main" id="{A556364C-9FFF-4265-9A2B-389FBDA1C0C6}"/>
+                </a:ext>
+              </a:extLst>
+            </p:cNvPr>
+            <p:cNvCxnSpPr>
+              <a:cxnSpLocks/>
+            </p:cNvCxnSpPr>
+            <p:nvPr/>
+          </p:nvCxnSpPr>
+          <p:spPr>
+            <a:xfrm>
+              <a:off x="2812804" y="4911203"/>
+              <a:ext cx="0" cy="128921"/>
+            </a:xfrm>
+            <a:prstGeom prst="line">
+              <a:avLst/>
+            </a:prstGeom>
+            <a:ln w="12700">
+              <a:solidFill>
+                <a:schemeClr val="accent1">
+                  <a:lumMod val="75000"/>
+                </a:schemeClr>
+              </a:solidFill>
+            </a:ln>
+          </p:spPr>
+          <p:style>
+            <a:lnRef idx="1">
+              <a:schemeClr val="accent1"/>
+            </a:lnRef>
+            <a:fillRef idx="0">
+              <a:schemeClr val="accent1"/>
+            </a:fillRef>
+            <a:effectRef idx="0">
+              <a:schemeClr val="accent1"/>
+            </a:effectRef>
+            <a:fontRef idx="minor">
+              <a:schemeClr val="tx1"/>
+            </a:fontRef>
+          </p:style>
+        </p:cxnSp>
+        <p:cxnSp>
+          <p:nvCxnSpPr>
+            <p:cNvPr id="61" name="直接连接符 60">
+              <a:extLst>
+                <a:ext uri="{FF2B5EF4-FFF2-40B4-BE49-F238E27FC236}">
+                  <a16:creationId xmlns:a16="http://schemas.microsoft.com/office/drawing/2014/main" id="{04F80F8C-040D-4C20-9970-CA440F933093}"/>
+                </a:ext>
+              </a:extLst>
+            </p:cNvPr>
+            <p:cNvCxnSpPr>
+              <a:cxnSpLocks/>
+            </p:cNvCxnSpPr>
+            <p:nvPr/>
+          </p:nvCxnSpPr>
+          <p:spPr>
+            <a:xfrm>
+              <a:off x="3057215" y="4909253"/>
+              <a:ext cx="0" cy="128921"/>
+            </a:xfrm>
+            <a:prstGeom prst="line">
+              <a:avLst/>
+            </a:prstGeom>
+            <a:ln w="12700">
+              <a:solidFill>
+                <a:schemeClr val="accent1">
+                  <a:lumMod val="75000"/>
+                </a:schemeClr>
+              </a:solidFill>
+            </a:ln>
+          </p:spPr>
+          <p:style>
+            <a:lnRef idx="1">
+              <a:schemeClr val="accent1"/>
+            </a:lnRef>
+            <a:fillRef idx="0">
+              <a:schemeClr val="accent1"/>
+            </a:fillRef>
+            <a:effectRef idx="0">
+              <a:schemeClr val="accent1"/>
+            </a:effectRef>
+            <a:fontRef idx="minor">
+              <a:schemeClr val="tx1"/>
+            </a:fontRef>
+          </p:style>
+        </p:cxnSp>
+        <p:cxnSp>
+          <p:nvCxnSpPr>
+            <p:cNvPr id="62" name="直接连接符 61">
+              <a:extLst>
+                <a:ext uri="{FF2B5EF4-FFF2-40B4-BE49-F238E27FC236}">
+                  <a16:creationId xmlns:a16="http://schemas.microsoft.com/office/drawing/2014/main" id="{E1AF543C-AC14-4BC7-95B7-265C0B0FB543}"/>
+                </a:ext>
+              </a:extLst>
+            </p:cNvPr>
+            <p:cNvCxnSpPr>
+              <a:cxnSpLocks/>
+            </p:cNvCxnSpPr>
+            <p:nvPr/>
+          </p:nvCxnSpPr>
+          <p:spPr>
+            <a:xfrm>
+              <a:off x="3307463" y="4912780"/>
+              <a:ext cx="0" cy="128921"/>
+            </a:xfrm>
+            <a:prstGeom prst="line">
+              <a:avLst/>
+            </a:prstGeom>
+            <a:ln w="12700">
+              <a:solidFill>
+                <a:schemeClr val="accent1">
+                  <a:lumMod val="75000"/>
+                </a:schemeClr>
+              </a:solidFill>
+            </a:ln>
+          </p:spPr>
+          <p:style>
+            <a:lnRef idx="1">
+              <a:schemeClr val="accent1"/>
+            </a:lnRef>
+            <a:fillRef idx="0">
+              <a:schemeClr val="accent1"/>
+            </a:fillRef>
+            <a:effectRef idx="0">
+              <a:schemeClr val="accent1"/>
+            </a:effectRef>
+            <a:fontRef idx="minor">
+              <a:schemeClr val="tx1"/>
+            </a:fontRef>
+          </p:style>
+        </p:cxnSp>
+        <p:cxnSp>
+          <p:nvCxnSpPr>
+            <p:cNvPr id="63" name="直接连接符 62">
+              <a:extLst>
+                <a:ext uri="{FF2B5EF4-FFF2-40B4-BE49-F238E27FC236}">
+                  <a16:creationId xmlns:a16="http://schemas.microsoft.com/office/drawing/2014/main" id="{B342C5EF-BF60-46E8-9207-283C222D8AE8}"/>
+                </a:ext>
+              </a:extLst>
+            </p:cNvPr>
+            <p:cNvCxnSpPr>
+              <a:cxnSpLocks/>
+            </p:cNvCxnSpPr>
+            <p:nvPr/>
+          </p:nvCxnSpPr>
+          <p:spPr>
+            <a:xfrm>
+              <a:off x="3530288" y="4909253"/>
+              <a:ext cx="0" cy="128921"/>
+            </a:xfrm>
+            <a:prstGeom prst="line">
+              <a:avLst/>
+            </a:prstGeom>
+            <a:ln w="12700">
+              <a:solidFill>
+                <a:schemeClr val="accent1">
+                  <a:lumMod val="75000"/>
+                </a:schemeClr>
+              </a:solidFill>
+            </a:ln>
+          </p:spPr>
+          <p:style>
+            <a:lnRef idx="1">
+              <a:schemeClr val="accent1"/>
+            </a:lnRef>
+            <a:fillRef idx="0">
+              <a:schemeClr val="accent1"/>
+            </a:fillRef>
+            <a:effectRef idx="0">
+              <a:schemeClr val="accent1"/>
+            </a:effectRef>
+            <a:fontRef idx="minor">
+              <a:schemeClr val="tx1"/>
+            </a:fontRef>
+          </p:style>
+        </p:cxnSp>
+      </p:grpSp>
+      <p:pic>
+        <p:nvPicPr>
+          <p:cNvPr id="147" name="图片 146" descr="\documentclass{article}&#10;\usepackage{amsmath}&#10;\pagestyle{empty}&#10;\begin{document}&#10;$\mathbf{Q}_{m}^{\alpha}$&#10;\end{document}" title="IguanaTex Bitmap Display">
+            <a:extLst>
+              <a:ext uri="{FF2B5EF4-FFF2-40B4-BE49-F238E27FC236}">
+                <a16:creationId xmlns:a16="http://schemas.microsoft.com/office/drawing/2014/main" id="{90A6E0C4-4E51-4224-817C-2159559E8B69}"/>
+              </a:ext>
+            </a:extLst>
+          </p:cNvPr>
+          <p:cNvPicPr>
+            <a:picLocks noChangeAspect="1"/>
+          </p:cNvPicPr>
+          <p:nvPr>
+            <p:custDataLst>
+              <p:tags r:id="rId3"/>
+            </p:custDataLst>
+          </p:nvPr>
+        </p:nvPicPr>
+        <p:blipFill>
+          <a:blip r:embed="rId14">
+            <a:extLst>
+              <a:ext uri="{28A0092B-C50C-407E-A947-70E740481C1C}">
+                <a14:useLocalDpi xmlns:a14="http://schemas.microsoft.com/office/drawing/2010/main" val="0"/>
+              </a:ext>
+            </a:extLst>
+          </a:blip>
+          <a:stretch>
+            <a:fillRect/>
+          </a:stretch>
+        </p:blipFill>
+        <p:spPr>
+          <a:xfrm>
+            <a:off x="1818332" y="4897492"/>
+            <a:ext cx="374857" cy="240762"/>
+          </a:xfrm>
+          <a:prstGeom prst="rect">
+            <a:avLst/>
+          </a:prstGeom>
+        </p:spPr>
+      </p:pic>
+      <p:pic>
+        <p:nvPicPr>
+          <p:cNvPr id="148" name="图片 147" descr="\documentclass{article}&#10;\usepackage{amsmath}&#10;\pagestyle{empty}&#10;\begin{document}&#10;$\mathbf{K}_{m}^{\beta}$&#10;\end{document}" title="IguanaTex Bitmap Display">
+            <a:extLst>
+              <a:ext uri="{FF2B5EF4-FFF2-40B4-BE49-F238E27FC236}">
+                <a16:creationId xmlns:a16="http://schemas.microsoft.com/office/drawing/2014/main" id="{7FE802C2-876F-4F93-9B32-A9D13A1BB4F3}"/>
+              </a:ext>
+            </a:extLst>
+          </p:cNvPr>
+          <p:cNvPicPr>
+            <a:picLocks noChangeAspect="1"/>
+          </p:cNvPicPr>
+          <p:nvPr>
+            <p:custDataLst>
+              <p:tags r:id="rId4"/>
+            </p:custDataLst>
+          </p:nvPr>
+        </p:nvPicPr>
+        <p:blipFill>
+          <a:blip r:embed="rId15">
+            <a:extLst>
+              <a:ext uri="{28A0092B-C50C-407E-A947-70E740481C1C}">
+                <a14:useLocalDpi xmlns:a14="http://schemas.microsoft.com/office/drawing/2010/main" val="0"/>
+              </a:ext>
+            </a:extLst>
+          </a:blip>
+          <a:stretch>
+            <a:fillRect/>
+          </a:stretch>
+        </p:blipFill>
+        <p:spPr>
+          <a:xfrm>
+            <a:off x="2706340" y="4848550"/>
+            <a:ext cx="391619" cy="281904"/>
+          </a:xfrm>
+          <a:prstGeom prst="rect">
+            <a:avLst/>
+          </a:prstGeom>
+        </p:spPr>
+      </p:pic>
+      <p:pic>
+        <p:nvPicPr>
+          <p:cNvPr id="149" name="图片 148" descr="\documentclass{article}&#10;\usepackage{amsmath}&#10;\pagestyle{empty}&#10;\begin{document}&#10;$\mathbf{V}_{m}^{\beta}$&#10;\end{document}" title="IguanaTex Bitmap Display">
+            <a:extLst>
+              <a:ext uri="{FF2B5EF4-FFF2-40B4-BE49-F238E27FC236}">
+                <a16:creationId xmlns:a16="http://schemas.microsoft.com/office/drawing/2014/main" id="{F6849654-B80A-4043-9D51-2ECD9A3BD2D2}"/>
+              </a:ext>
+            </a:extLst>
+          </p:cNvPr>
+          <p:cNvPicPr>
+            <a:picLocks noChangeAspect="1"/>
+          </p:cNvPicPr>
+          <p:nvPr>
+            <p:custDataLst>
+              <p:tags r:id="rId5"/>
+            </p:custDataLst>
+          </p:nvPr>
+        </p:nvPicPr>
+        <p:blipFill>
+          <a:blip r:embed="rId16">
+            <a:extLst>
+              <a:ext uri="{28A0092B-C50C-407E-A947-70E740481C1C}">
+                <a14:useLocalDpi xmlns:a14="http://schemas.microsoft.com/office/drawing/2010/main" val="0"/>
+              </a:ext>
+            </a:extLst>
+          </a:blip>
+          <a:stretch>
+            <a:fillRect/>
+          </a:stretch>
+        </p:blipFill>
+        <p:spPr>
+          <a:xfrm>
+            <a:off x="3606283" y="4843058"/>
+            <a:ext cx="385524" cy="281904"/>
+          </a:xfrm>
+          <a:prstGeom prst="rect">
+            <a:avLst/>
+          </a:prstGeom>
+        </p:spPr>
+      </p:pic>
+      <p:pic>
+        <p:nvPicPr>
+          <p:cNvPr id="150" name="图片 149" descr="\documentclass{article}&#10;\usepackage{amsmath}&#10;\pagestyle{empty}&#10;\begin{document}&#10;$\mathbf{V}_{m}^{\alpha}$&#10;\end{document}" title="IguanaTex Bitmap Display">
+            <a:extLst>
+              <a:ext uri="{FF2B5EF4-FFF2-40B4-BE49-F238E27FC236}">
+                <a16:creationId xmlns:a16="http://schemas.microsoft.com/office/drawing/2014/main" id="{A878DDD5-9757-4124-88C5-C7C89ABB496F}"/>
+              </a:ext>
+            </a:extLst>
+          </p:cNvPr>
+          <p:cNvPicPr>
+            <a:picLocks noChangeAspect="1"/>
+          </p:cNvPicPr>
+          <p:nvPr>
+            <p:custDataLst>
+              <p:tags r:id="rId6"/>
+            </p:custDataLst>
+          </p:nvPr>
+        </p:nvPicPr>
+        <p:blipFill>
+          <a:blip r:embed="rId17">
+            <a:extLst>
+              <a:ext uri="{28A0092B-C50C-407E-A947-70E740481C1C}">
+                <a14:useLocalDpi xmlns:a14="http://schemas.microsoft.com/office/drawing/2010/main" val="0"/>
+              </a:ext>
+            </a:extLst>
+          </a:blip>
+          <a:stretch>
+            <a:fillRect/>
+          </a:stretch>
+        </p:blipFill>
+        <p:spPr>
+          <a:xfrm>
+            <a:off x="5346287" y="4912023"/>
+            <a:ext cx="385524" cy="237714"/>
+          </a:xfrm>
+          <a:prstGeom prst="rect">
+            <a:avLst/>
+          </a:prstGeom>
+        </p:spPr>
+      </p:pic>
+      <p:pic>
+        <p:nvPicPr>
+          <p:cNvPr id="151" name="图片 150" descr="\documentclass{article}&#10;\usepackage{amsmath}&#10;\pagestyle{empty}&#10;\begin{document}&#10;$\mathbf{K}_{m}^{\alpha}$&#10;\end{document}" title="IguanaTex Bitmap Display">
+            <a:extLst>
+              <a:ext uri="{FF2B5EF4-FFF2-40B4-BE49-F238E27FC236}">
+                <a16:creationId xmlns:a16="http://schemas.microsoft.com/office/drawing/2014/main" id="{FE9D1069-E8CC-49BF-92BF-44A39AF8D6B7}"/>
+              </a:ext>
+            </a:extLst>
+          </p:cNvPr>
+          <p:cNvPicPr>
+            <a:picLocks noChangeAspect="1"/>
+          </p:cNvPicPr>
+          <p:nvPr>
+            <p:custDataLst>
+              <p:tags r:id="rId7"/>
+            </p:custDataLst>
+          </p:nvPr>
+        </p:nvPicPr>
+        <p:blipFill>
+          <a:blip r:embed="rId18">
+            <a:extLst>
+              <a:ext uri="{28A0092B-C50C-407E-A947-70E740481C1C}">
+                <a14:useLocalDpi xmlns:a14="http://schemas.microsoft.com/office/drawing/2010/main" val="0"/>
+              </a:ext>
+            </a:extLst>
+          </a:blip>
+          <a:stretch>
+            <a:fillRect/>
+          </a:stretch>
+        </p:blipFill>
+        <p:spPr>
+          <a:xfrm>
+            <a:off x="6315646" y="4922541"/>
+            <a:ext cx="391619" cy="237714"/>
+          </a:xfrm>
+          <a:prstGeom prst="rect">
+            <a:avLst/>
+          </a:prstGeom>
+        </p:spPr>
+      </p:pic>
+      <p:pic>
+        <p:nvPicPr>
+          <p:cNvPr id="153" name="图片 152" descr="\documentclass{article}&#10;\usepackage{amsmath}&#10;\pagestyle{empty}&#10;\begin{document}&#10;$\mathbf{Q}_{m}^{\beta}$&#10;\end{document}" title="IguanaTex Bitmap Display">
+            <a:extLst>
+              <a:ext uri="{FF2B5EF4-FFF2-40B4-BE49-F238E27FC236}">
+                <a16:creationId xmlns:a16="http://schemas.microsoft.com/office/drawing/2014/main" id="{640F53D3-5D77-4489-AB9F-9D0C6C7EAC84}"/>
+              </a:ext>
+            </a:extLst>
+          </p:cNvPr>
+          <p:cNvPicPr>
+            <a:picLocks noChangeAspect="1"/>
+          </p:cNvPicPr>
+          <p:nvPr>
+            <p:custDataLst>
+              <p:tags r:id="rId8"/>
+            </p:custDataLst>
+          </p:nvPr>
+        </p:nvPicPr>
+        <p:blipFill>
+          <a:blip r:embed="rId19">
+            <a:extLst>
+              <a:ext uri="{28A0092B-C50C-407E-A947-70E740481C1C}">
+                <a14:useLocalDpi xmlns:a14="http://schemas.microsoft.com/office/drawing/2010/main" val="0"/>
+              </a:ext>
+            </a:extLst>
+          </a:blip>
+          <a:stretch>
+            <a:fillRect/>
+          </a:stretch>
+        </p:blipFill>
+        <p:spPr>
+          <a:xfrm>
+            <a:off x="7238662" y="4889928"/>
+            <a:ext cx="374857" cy="281905"/>
+          </a:xfrm>
+          <a:prstGeom prst="rect">
+            <a:avLst/>
+          </a:prstGeom>
+        </p:spPr>
+      </p:pic>
+      <p:grpSp>
+        <p:nvGrpSpPr>
+          <p:cNvPr id="154" name="组合 153">
+            <a:extLst>
+              <a:ext uri="{FF2B5EF4-FFF2-40B4-BE49-F238E27FC236}">
+                <a16:creationId xmlns:a16="http://schemas.microsoft.com/office/drawing/2014/main" id="{4C08BDDD-6A62-4307-B7CE-3ACDDA6DDE0B}"/>
+              </a:ext>
+            </a:extLst>
+          </p:cNvPr>
+          <p:cNvGrpSpPr/>
+          <p:nvPr/>
+        </p:nvGrpSpPr>
+        <p:grpSpPr>
+          <a:xfrm>
+            <a:off x="1725087" y="5156836"/>
+            <a:ext cx="577646" cy="128921"/>
+            <a:chOff x="1875984" y="5876466"/>
+            <a:chExt cx="2302353" cy="128921"/>
+          </a:xfrm>
+        </p:grpSpPr>
+        <p:sp>
+          <p:nvSpPr>
+            <p:cNvPr id="155" name="矩形 154">
+              <a:extLst>
+                <a:ext uri="{FF2B5EF4-FFF2-40B4-BE49-F238E27FC236}">
+                  <a16:creationId xmlns:a16="http://schemas.microsoft.com/office/drawing/2014/main" id="{5DBF5332-6215-4F9B-9FAA-1D3D42C59F68}"/>
+                </a:ext>
+              </a:extLst>
+            </p:cNvPr>
+            <p:cNvSpPr/>
+            <p:nvPr/>
+          </p:nvSpPr>
+          <p:spPr>
+            <a:xfrm>
+              <a:off x="1875984" y="5876466"/>
+              <a:ext cx="2302353" cy="128921"/>
+            </a:xfrm>
+            <a:prstGeom prst="rect">
+              <a:avLst/>
+            </a:prstGeom>
+            <a:solidFill>
+              <a:schemeClr val="accent1">
+                <a:lumMod val="40000"/>
+                <a:lumOff val="60000"/>
+              </a:schemeClr>
+            </a:solidFill>
+          </p:spPr>
+          <p:style>
+            <a:lnRef idx="2">
+              <a:schemeClr val="accent1">
+                <a:shade val="50000"/>
+              </a:schemeClr>
+            </a:lnRef>
+            <a:fillRef idx="1">
+              <a:schemeClr val="accent1"/>
+            </a:fillRef>
+            <a:effectRef idx="0">
+              <a:schemeClr val="accent1"/>
+            </a:effectRef>
+            <a:fontRef idx="minor">
+              <a:schemeClr val="lt1"/>
+            </a:fontRef>
+          </p:style>
+          <p:txBody>
+            <a:bodyPr rtlCol="0" anchor="ctr"/>
+            <a:lstStyle/>
+            <a:p>
+              <a:pPr algn="ctr"/>
+              <a:endParaRPr lang="zh-CN" altLang="en-US" dirty="0"/>
+            </a:p>
+          </p:txBody>
+        </p:sp>
+        <p:cxnSp>
+          <p:nvCxnSpPr>
+            <p:cNvPr id="156" name="直接连接符 155">
+              <a:extLst>
+                <a:ext uri="{FF2B5EF4-FFF2-40B4-BE49-F238E27FC236}">
+                  <a16:creationId xmlns:a16="http://schemas.microsoft.com/office/drawing/2014/main" id="{690FD5DD-05FF-4605-9A96-3374A446DECF}"/>
+                </a:ext>
+              </a:extLst>
+            </p:cNvPr>
+            <p:cNvCxnSpPr/>
+            <p:nvPr/>
+          </p:nvCxnSpPr>
+          <p:spPr>
+            <a:xfrm>
+              <a:off x="2128838" y="5876466"/>
+              <a:ext cx="0" cy="128921"/>
+            </a:xfrm>
+            <a:prstGeom prst="line">
+              <a:avLst/>
+            </a:prstGeom>
+            <a:ln>
+              <a:solidFill>
+                <a:schemeClr val="accent1">
+                  <a:lumMod val="75000"/>
+                </a:schemeClr>
+              </a:solidFill>
+            </a:ln>
+          </p:spPr>
+          <p:style>
+            <a:lnRef idx="1">
+              <a:schemeClr val="accent1"/>
+            </a:lnRef>
+            <a:fillRef idx="0">
+              <a:schemeClr val="accent1"/>
+            </a:fillRef>
+            <a:effectRef idx="0">
+              <a:schemeClr val="accent1"/>
+            </a:effectRef>
+            <a:fontRef idx="minor">
+              <a:schemeClr val="tx1"/>
+            </a:fontRef>
+          </p:style>
+        </p:cxnSp>
+        <p:cxnSp>
+          <p:nvCxnSpPr>
+            <p:cNvPr id="157" name="直接连接符 156">
+              <a:extLst>
+                <a:ext uri="{FF2B5EF4-FFF2-40B4-BE49-F238E27FC236}">
+                  <a16:creationId xmlns:a16="http://schemas.microsoft.com/office/drawing/2014/main" id="{8C0C6577-71A7-44AD-A109-C47D190D5DBA}"/>
+                </a:ext>
+              </a:extLst>
+            </p:cNvPr>
+            <p:cNvCxnSpPr/>
+            <p:nvPr/>
+          </p:nvCxnSpPr>
+          <p:spPr>
+            <a:xfrm>
+              <a:off x="2354263" y="5876466"/>
+              <a:ext cx="0" cy="128921"/>
+            </a:xfrm>
+            <a:prstGeom prst="line">
+              <a:avLst/>
+            </a:prstGeom>
+            <a:ln>
+              <a:solidFill>
+                <a:schemeClr val="accent1">
+                  <a:lumMod val="75000"/>
+                </a:schemeClr>
+              </a:solidFill>
+            </a:ln>
+          </p:spPr>
+          <p:style>
+            <a:lnRef idx="1">
+              <a:schemeClr val="accent1"/>
+            </a:lnRef>
+            <a:fillRef idx="0">
+              <a:schemeClr val="accent1"/>
+            </a:fillRef>
+            <a:effectRef idx="0">
+              <a:schemeClr val="accent1"/>
+            </a:effectRef>
+            <a:fontRef idx="minor">
+              <a:schemeClr val="tx1"/>
+            </a:fontRef>
+          </p:style>
+        </p:cxnSp>
+        <p:cxnSp>
+          <p:nvCxnSpPr>
+            <p:cNvPr id="158" name="直接连接符 157">
+              <a:extLst>
+                <a:ext uri="{FF2B5EF4-FFF2-40B4-BE49-F238E27FC236}">
+                  <a16:creationId xmlns:a16="http://schemas.microsoft.com/office/drawing/2014/main" id="{8B874063-7808-4CEF-842C-39FFAED3ADE4}"/>
+                </a:ext>
+              </a:extLst>
+            </p:cNvPr>
+            <p:cNvCxnSpPr/>
+            <p:nvPr/>
+          </p:nvCxnSpPr>
+          <p:spPr>
+            <a:xfrm>
+              <a:off x="2579688" y="5876466"/>
+              <a:ext cx="0" cy="128921"/>
+            </a:xfrm>
+            <a:prstGeom prst="line">
+              <a:avLst/>
+            </a:prstGeom>
+            <a:ln>
+              <a:solidFill>
+                <a:schemeClr val="accent1">
+                  <a:lumMod val="75000"/>
+                </a:schemeClr>
+              </a:solidFill>
+            </a:ln>
+          </p:spPr>
+          <p:style>
+            <a:lnRef idx="1">
+              <a:schemeClr val="accent1"/>
+            </a:lnRef>
+            <a:fillRef idx="0">
+              <a:schemeClr val="accent1"/>
+            </a:fillRef>
+            <a:effectRef idx="0">
+              <a:schemeClr val="accent1"/>
+            </a:effectRef>
+            <a:fontRef idx="minor">
+              <a:schemeClr val="tx1"/>
+            </a:fontRef>
+          </p:style>
+        </p:cxnSp>
+        <p:cxnSp>
+          <p:nvCxnSpPr>
+            <p:cNvPr id="159" name="直接连接符 158">
+              <a:extLst>
+                <a:ext uri="{FF2B5EF4-FFF2-40B4-BE49-F238E27FC236}">
+                  <a16:creationId xmlns:a16="http://schemas.microsoft.com/office/drawing/2014/main" id="{A096ACFB-A57B-4FBF-A334-132E8B84EF53}"/>
+                </a:ext>
+              </a:extLst>
+            </p:cNvPr>
+            <p:cNvCxnSpPr/>
+            <p:nvPr/>
+          </p:nvCxnSpPr>
+          <p:spPr>
+            <a:xfrm>
+              <a:off x="2808288" y="5876466"/>
+              <a:ext cx="0" cy="128921"/>
+            </a:xfrm>
+            <a:prstGeom prst="line">
+              <a:avLst/>
+            </a:prstGeom>
+            <a:ln>
+              <a:solidFill>
+                <a:schemeClr val="accent1">
+                  <a:lumMod val="75000"/>
+                </a:schemeClr>
+              </a:solidFill>
+            </a:ln>
+          </p:spPr>
+          <p:style>
+            <a:lnRef idx="1">
+              <a:schemeClr val="accent1"/>
+            </a:lnRef>
+            <a:fillRef idx="0">
+              <a:schemeClr val="accent1"/>
+            </a:fillRef>
+            <a:effectRef idx="0">
+              <a:schemeClr val="accent1"/>
+            </a:effectRef>
+            <a:fontRef idx="minor">
+              <a:schemeClr val="tx1"/>
+            </a:fontRef>
+          </p:style>
+        </p:cxnSp>
+        <p:cxnSp>
+          <p:nvCxnSpPr>
+            <p:cNvPr id="160" name="直接连接符 159">
+              <a:extLst>
+                <a:ext uri="{FF2B5EF4-FFF2-40B4-BE49-F238E27FC236}">
+                  <a16:creationId xmlns:a16="http://schemas.microsoft.com/office/drawing/2014/main" id="{1EB81676-0A31-4007-A78B-1C4BA0A1C23B}"/>
+                </a:ext>
+              </a:extLst>
+            </p:cNvPr>
+            <p:cNvCxnSpPr/>
+            <p:nvPr/>
+          </p:nvCxnSpPr>
+          <p:spPr>
+            <a:xfrm>
+              <a:off x="3027161" y="5876466"/>
+              <a:ext cx="0" cy="128921"/>
+            </a:xfrm>
+            <a:prstGeom prst="line">
+              <a:avLst/>
+            </a:prstGeom>
+            <a:ln>
+              <a:solidFill>
+                <a:schemeClr val="accent1">
+                  <a:lumMod val="75000"/>
+                </a:schemeClr>
+              </a:solidFill>
+            </a:ln>
+          </p:spPr>
+          <p:style>
+            <a:lnRef idx="1">
+              <a:schemeClr val="accent1"/>
+            </a:lnRef>
+            <a:fillRef idx="0">
+              <a:schemeClr val="accent1"/>
+            </a:fillRef>
+            <a:effectRef idx="0">
+              <a:schemeClr val="accent1"/>
+            </a:effectRef>
+            <a:fontRef idx="minor">
+              <a:schemeClr val="tx1"/>
+            </a:fontRef>
+          </p:style>
+        </p:cxnSp>
+        <p:cxnSp>
+          <p:nvCxnSpPr>
+            <p:cNvPr id="161" name="直接连接符 160">
+              <a:extLst>
+                <a:ext uri="{FF2B5EF4-FFF2-40B4-BE49-F238E27FC236}">
+                  <a16:creationId xmlns:a16="http://schemas.microsoft.com/office/drawing/2014/main" id="{E809E4AF-0224-4C8E-9738-E63428489661}"/>
+                </a:ext>
+              </a:extLst>
+            </p:cNvPr>
+            <p:cNvCxnSpPr/>
+            <p:nvPr/>
+          </p:nvCxnSpPr>
+          <p:spPr>
+            <a:xfrm>
+              <a:off x="3256990" y="5876466"/>
+              <a:ext cx="0" cy="128921"/>
+            </a:xfrm>
+            <a:prstGeom prst="line">
+              <a:avLst/>
+            </a:prstGeom>
+            <a:ln>
+              <a:solidFill>
+                <a:schemeClr val="accent1">
+                  <a:lumMod val="75000"/>
+                </a:schemeClr>
+              </a:solidFill>
+            </a:ln>
+          </p:spPr>
+          <p:style>
+            <a:lnRef idx="1">
+              <a:schemeClr val="accent1"/>
+            </a:lnRef>
+            <a:fillRef idx="0">
+              <a:schemeClr val="accent1"/>
+            </a:fillRef>
+            <a:effectRef idx="0">
+              <a:schemeClr val="accent1"/>
+            </a:effectRef>
+            <a:fontRef idx="minor">
+              <a:schemeClr val="tx1"/>
+            </a:fontRef>
+          </p:style>
+        </p:cxnSp>
+        <p:cxnSp>
+          <p:nvCxnSpPr>
+            <p:cNvPr id="162" name="直接连接符 161">
+              <a:extLst>
+                <a:ext uri="{FF2B5EF4-FFF2-40B4-BE49-F238E27FC236}">
+                  <a16:creationId xmlns:a16="http://schemas.microsoft.com/office/drawing/2014/main" id="{7E748016-5715-4013-8FF0-68CB9A4592FB}"/>
+                </a:ext>
+              </a:extLst>
+            </p:cNvPr>
+            <p:cNvCxnSpPr/>
+            <p:nvPr/>
+          </p:nvCxnSpPr>
+          <p:spPr>
+            <a:xfrm>
+              <a:off x="3491940" y="5876466"/>
+              <a:ext cx="0" cy="128921"/>
+            </a:xfrm>
+            <a:prstGeom prst="line">
+              <a:avLst/>
+            </a:prstGeom>
+            <a:ln>
+              <a:solidFill>
+                <a:schemeClr val="accent1">
+                  <a:lumMod val="75000"/>
+                </a:schemeClr>
+              </a:solidFill>
+            </a:ln>
+          </p:spPr>
+          <p:style>
+            <a:lnRef idx="1">
+              <a:schemeClr val="accent1"/>
+            </a:lnRef>
+            <a:fillRef idx="0">
+              <a:schemeClr val="accent1"/>
+            </a:fillRef>
+            <a:effectRef idx="0">
+              <a:schemeClr val="accent1"/>
+            </a:effectRef>
+            <a:fontRef idx="minor">
+              <a:schemeClr val="tx1"/>
+            </a:fontRef>
+          </p:style>
+        </p:cxnSp>
+        <p:cxnSp>
+          <p:nvCxnSpPr>
+            <p:cNvPr id="163" name="直接连接符 162">
+              <a:extLst>
+                <a:ext uri="{FF2B5EF4-FFF2-40B4-BE49-F238E27FC236}">
+                  <a16:creationId xmlns:a16="http://schemas.microsoft.com/office/drawing/2014/main" id="{66DC7667-E6D2-4D0F-84C9-0B211B643B8D}"/>
+                </a:ext>
+              </a:extLst>
+            </p:cNvPr>
+            <p:cNvCxnSpPr/>
+            <p:nvPr/>
+          </p:nvCxnSpPr>
+          <p:spPr>
+            <a:xfrm>
+              <a:off x="3712602" y="5876466"/>
+              <a:ext cx="0" cy="128921"/>
+            </a:xfrm>
+            <a:prstGeom prst="line">
+              <a:avLst/>
+            </a:prstGeom>
+          </p:spPr>
+          <p:style>
+            <a:lnRef idx="1">
+              <a:schemeClr val="accent1"/>
+            </a:lnRef>
+            <a:fillRef idx="0">
+              <a:schemeClr val="accent1"/>
+            </a:fillRef>
+            <a:effectRef idx="0">
+              <a:schemeClr val="accent1"/>
+            </a:effectRef>
+            <a:fontRef idx="minor">
+              <a:schemeClr val="tx1"/>
+            </a:fontRef>
+          </p:style>
+        </p:cxnSp>
+        <p:cxnSp>
+          <p:nvCxnSpPr>
+            <p:cNvPr id="164" name="直接连接符 163">
+              <a:extLst>
+                <a:ext uri="{FF2B5EF4-FFF2-40B4-BE49-F238E27FC236}">
+                  <a16:creationId xmlns:a16="http://schemas.microsoft.com/office/drawing/2014/main" id="{FF0230DD-237C-4BBD-9801-B90F3411578C}"/>
+                </a:ext>
+              </a:extLst>
+            </p:cNvPr>
+            <p:cNvCxnSpPr/>
+            <p:nvPr/>
+          </p:nvCxnSpPr>
+          <p:spPr>
+            <a:xfrm>
+              <a:off x="3944377" y="5876466"/>
+              <a:ext cx="0" cy="128921"/>
+            </a:xfrm>
+            <a:prstGeom prst="line">
+              <a:avLst/>
+            </a:prstGeom>
+          </p:spPr>
+          <p:style>
+            <a:lnRef idx="1">
+              <a:schemeClr val="accent1"/>
+            </a:lnRef>
+            <a:fillRef idx="0">
+              <a:schemeClr val="accent1"/>
+            </a:fillRef>
+            <a:effectRef idx="0">
+              <a:schemeClr val="accent1"/>
+            </a:effectRef>
+            <a:fontRef idx="minor">
+              <a:schemeClr val="tx1"/>
+            </a:fontRef>
+          </p:style>
+        </p:cxnSp>
+      </p:grpSp>
+      <p:grpSp>
+        <p:nvGrpSpPr>
+          <p:cNvPr id="165" name="组合 164">
+            <a:extLst>
+              <a:ext uri="{FF2B5EF4-FFF2-40B4-BE49-F238E27FC236}">
+                <a16:creationId xmlns:a16="http://schemas.microsoft.com/office/drawing/2014/main" id="{0D2A159E-7346-4265-8764-718BB9B152B9}"/>
+              </a:ext>
+            </a:extLst>
+          </p:cNvPr>
+          <p:cNvGrpSpPr/>
+          <p:nvPr/>
+        </p:nvGrpSpPr>
+        <p:grpSpPr>
+          <a:xfrm>
+            <a:off x="2596387" y="5158824"/>
+            <a:ext cx="577646" cy="128921"/>
+            <a:chOff x="3933917" y="6163249"/>
+            <a:chExt cx="2302353" cy="128921"/>
+          </a:xfrm>
+        </p:grpSpPr>
+        <p:sp>
+          <p:nvSpPr>
+            <p:cNvPr id="166" name="矩形 165">
+              <a:extLst>
+                <a:ext uri="{FF2B5EF4-FFF2-40B4-BE49-F238E27FC236}">
+                  <a16:creationId xmlns:a16="http://schemas.microsoft.com/office/drawing/2014/main" id="{7D44DAA0-7CD8-4D1C-9858-EB9F8C9FE9C2}"/>
+                </a:ext>
+              </a:extLst>
+            </p:cNvPr>
+            <p:cNvSpPr/>
+            <p:nvPr/>
+          </p:nvSpPr>
+          <p:spPr>
+            <a:xfrm>
+              <a:off x="3933917" y="6163249"/>
+              <a:ext cx="2302353" cy="128921"/>
+            </a:xfrm>
+            <a:prstGeom prst="rect">
+              <a:avLst/>
+            </a:prstGeom>
+            <a:solidFill>
+              <a:schemeClr val="accent2">
+                <a:lumMod val="60000"/>
+                <a:lumOff val="40000"/>
+              </a:schemeClr>
+            </a:solidFill>
+            <a:ln>
+              <a:solidFill>
+                <a:schemeClr val="accent2"/>
+              </a:solidFill>
+            </a:ln>
+          </p:spPr>
+          <p:style>
+            <a:lnRef idx="2">
+              <a:schemeClr val="accent1">
+                <a:shade val="50000"/>
+              </a:schemeClr>
+            </a:lnRef>
+            <a:fillRef idx="1">
+              <a:schemeClr val="accent1"/>
+            </a:fillRef>
+            <a:effectRef idx="0">
+              <a:schemeClr val="accent1"/>
+            </a:effectRef>
+            <a:fontRef idx="minor">
+              <a:schemeClr val="lt1"/>
+            </a:fontRef>
+          </p:style>
+          <p:txBody>
+            <a:bodyPr rtlCol="0" anchor="ctr"/>
+            <a:lstStyle/>
+            <a:p>
+              <a:pPr algn="ctr"/>
+              <a:endParaRPr lang="zh-CN" altLang="en-US"/>
+            </a:p>
+          </p:txBody>
+        </p:sp>
+        <p:cxnSp>
+          <p:nvCxnSpPr>
+            <p:cNvPr id="167" name="直接连接符 166">
+              <a:extLst>
+                <a:ext uri="{FF2B5EF4-FFF2-40B4-BE49-F238E27FC236}">
+                  <a16:creationId xmlns:a16="http://schemas.microsoft.com/office/drawing/2014/main" id="{0866F2CE-546A-4748-92D6-F260A7E67525}"/>
+                </a:ext>
+              </a:extLst>
+            </p:cNvPr>
+            <p:cNvCxnSpPr/>
+            <p:nvPr/>
+          </p:nvCxnSpPr>
+          <p:spPr>
+            <a:xfrm>
+              <a:off x="4184544" y="6163249"/>
+              <a:ext cx="0" cy="128921"/>
+            </a:xfrm>
+            <a:prstGeom prst="line">
+              <a:avLst/>
+            </a:prstGeom>
+            <a:ln>
+              <a:solidFill>
+                <a:schemeClr val="accent2"/>
+              </a:solidFill>
+            </a:ln>
+          </p:spPr>
+          <p:style>
+            <a:lnRef idx="1">
+              <a:schemeClr val="accent1"/>
+            </a:lnRef>
+            <a:fillRef idx="0">
+              <a:schemeClr val="accent1"/>
+            </a:fillRef>
+            <a:effectRef idx="0">
+              <a:schemeClr val="accent1"/>
+            </a:effectRef>
+            <a:fontRef idx="minor">
+              <a:schemeClr val="tx1"/>
+            </a:fontRef>
+          </p:style>
+        </p:cxnSp>
+        <p:cxnSp>
+          <p:nvCxnSpPr>
+            <p:cNvPr id="168" name="直接连接符 167">
+              <a:extLst>
+                <a:ext uri="{FF2B5EF4-FFF2-40B4-BE49-F238E27FC236}">
+                  <a16:creationId xmlns:a16="http://schemas.microsoft.com/office/drawing/2014/main" id="{ED23E271-AEAE-4CFB-A8E5-69CAC1D69E3A}"/>
+                </a:ext>
+              </a:extLst>
+            </p:cNvPr>
+            <p:cNvCxnSpPr/>
+            <p:nvPr/>
+          </p:nvCxnSpPr>
+          <p:spPr>
+            <a:xfrm>
+              <a:off x="4409969" y="6163249"/>
+              <a:ext cx="0" cy="128921"/>
+            </a:xfrm>
+            <a:prstGeom prst="line">
+              <a:avLst/>
+            </a:prstGeom>
+            <a:ln>
+              <a:solidFill>
+                <a:schemeClr val="accent2"/>
+              </a:solidFill>
+            </a:ln>
+          </p:spPr>
+          <p:style>
+            <a:lnRef idx="1">
+              <a:schemeClr val="accent1"/>
+            </a:lnRef>
+            <a:fillRef idx="0">
+              <a:schemeClr val="accent1"/>
+            </a:fillRef>
+            <a:effectRef idx="0">
+              <a:schemeClr val="accent1"/>
+            </a:effectRef>
+            <a:fontRef idx="minor">
+              <a:schemeClr val="tx1"/>
+            </a:fontRef>
+          </p:style>
+        </p:cxnSp>
+        <p:cxnSp>
+          <p:nvCxnSpPr>
+            <p:cNvPr id="169" name="直接连接符 168">
+              <a:extLst>
+                <a:ext uri="{FF2B5EF4-FFF2-40B4-BE49-F238E27FC236}">
+                  <a16:creationId xmlns:a16="http://schemas.microsoft.com/office/drawing/2014/main" id="{BF085AD1-508F-4F44-A6B1-0F7EB1EBB781}"/>
+                </a:ext>
+              </a:extLst>
+            </p:cNvPr>
+            <p:cNvCxnSpPr/>
+            <p:nvPr/>
+          </p:nvCxnSpPr>
+          <p:spPr>
+            <a:xfrm>
+              <a:off x="4635394" y="6163249"/>
+              <a:ext cx="0" cy="128921"/>
+            </a:xfrm>
+            <a:prstGeom prst="line">
+              <a:avLst/>
+            </a:prstGeom>
+            <a:ln>
+              <a:solidFill>
+                <a:schemeClr val="accent2"/>
+              </a:solidFill>
+            </a:ln>
+          </p:spPr>
+          <p:style>
+            <a:lnRef idx="1">
+              <a:schemeClr val="accent1"/>
+            </a:lnRef>
+            <a:fillRef idx="0">
+              <a:schemeClr val="accent1"/>
+            </a:fillRef>
+            <a:effectRef idx="0">
+              <a:schemeClr val="accent1"/>
+            </a:effectRef>
+            <a:fontRef idx="minor">
+              <a:schemeClr val="tx1"/>
+            </a:fontRef>
+          </p:style>
+        </p:cxnSp>
+        <p:cxnSp>
+          <p:nvCxnSpPr>
+            <p:cNvPr id="170" name="直接连接符 169">
+              <a:extLst>
+                <a:ext uri="{FF2B5EF4-FFF2-40B4-BE49-F238E27FC236}">
+                  <a16:creationId xmlns:a16="http://schemas.microsoft.com/office/drawing/2014/main" id="{67E66E0D-71F7-43E4-8627-EE8F70406916}"/>
+                </a:ext>
+              </a:extLst>
+            </p:cNvPr>
+            <p:cNvCxnSpPr/>
+            <p:nvPr/>
+          </p:nvCxnSpPr>
+          <p:spPr>
+            <a:xfrm>
+              <a:off x="4863994" y="6163249"/>
+              <a:ext cx="0" cy="128921"/>
+            </a:xfrm>
+            <a:prstGeom prst="line">
+              <a:avLst/>
+            </a:prstGeom>
+            <a:ln>
+              <a:solidFill>
+                <a:schemeClr val="accent2"/>
+              </a:solidFill>
+            </a:ln>
+          </p:spPr>
+          <p:style>
+            <a:lnRef idx="1">
+              <a:schemeClr val="accent1"/>
+            </a:lnRef>
+            <a:fillRef idx="0">
+              <a:schemeClr val="accent1"/>
+            </a:fillRef>
+            <a:effectRef idx="0">
+              <a:schemeClr val="accent1"/>
+            </a:effectRef>
+            <a:fontRef idx="minor">
+              <a:schemeClr val="tx1"/>
+            </a:fontRef>
+          </p:style>
+        </p:cxnSp>
+        <p:cxnSp>
+          <p:nvCxnSpPr>
+            <p:cNvPr id="171" name="直接连接符 170">
+              <a:extLst>
+                <a:ext uri="{FF2B5EF4-FFF2-40B4-BE49-F238E27FC236}">
+                  <a16:creationId xmlns:a16="http://schemas.microsoft.com/office/drawing/2014/main" id="{03191D19-5A70-4979-A6C9-14AC801D10E1}"/>
+                </a:ext>
+              </a:extLst>
+            </p:cNvPr>
+            <p:cNvCxnSpPr/>
+            <p:nvPr/>
+          </p:nvCxnSpPr>
+          <p:spPr>
+            <a:xfrm>
+              <a:off x="5082867" y="6163249"/>
+              <a:ext cx="0" cy="128921"/>
+            </a:xfrm>
+            <a:prstGeom prst="line">
+              <a:avLst/>
+            </a:prstGeom>
+            <a:ln>
+              <a:solidFill>
+                <a:schemeClr val="accent2"/>
+              </a:solidFill>
+            </a:ln>
+          </p:spPr>
+          <p:style>
+            <a:lnRef idx="1">
+              <a:schemeClr val="accent1"/>
+            </a:lnRef>
+            <a:fillRef idx="0">
+              <a:schemeClr val="accent1"/>
+            </a:fillRef>
+            <a:effectRef idx="0">
+              <a:schemeClr val="accent1"/>
+            </a:effectRef>
+            <a:fontRef idx="minor">
+              <a:schemeClr val="tx1"/>
+            </a:fontRef>
+          </p:style>
+        </p:cxnSp>
+        <p:cxnSp>
+          <p:nvCxnSpPr>
+            <p:cNvPr id="172" name="直接连接符 171">
+              <a:extLst>
+                <a:ext uri="{FF2B5EF4-FFF2-40B4-BE49-F238E27FC236}">
+                  <a16:creationId xmlns:a16="http://schemas.microsoft.com/office/drawing/2014/main" id="{311E337F-D8D6-4521-B727-F24F97288327}"/>
+                </a:ext>
+              </a:extLst>
+            </p:cNvPr>
+            <p:cNvCxnSpPr/>
+            <p:nvPr/>
+          </p:nvCxnSpPr>
+          <p:spPr>
+            <a:xfrm>
+              <a:off x="5312696" y="6163249"/>
+              <a:ext cx="0" cy="128921"/>
+            </a:xfrm>
+            <a:prstGeom prst="line">
+              <a:avLst/>
+            </a:prstGeom>
+            <a:ln>
+              <a:solidFill>
+                <a:schemeClr val="accent2"/>
+              </a:solidFill>
+            </a:ln>
+          </p:spPr>
+          <p:style>
+            <a:lnRef idx="1">
+              <a:schemeClr val="accent1"/>
+            </a:lnRef>
+            <a:fillRef idx="0">
+              <a:schemeClr val="accent1"/>
+            </a:fillRef>
+            <a:effectRef idx="0">
+              <a:schemeClr val="accent1"/>
+            </a:effectRef>
+            <a:fontRef idx="minor">
+              <a:schemeClr val="tx1"/>
+            </a:fontRef>
+          </p:style>
+        </p:cxnSp>
+        <p:cxnSp>
+          <p:nvCxnSpPr>
+            <p:cNvPr id="173" name="直接连接符 172">
+              <a:extLst>
+                <a:ext uri="{FF2B5EF4-FFF2-40B4-BE49-F238E27FC236}">
+                  <a16:creationId xmlns:a16="http://schemas.microsoft.com/office/drawing/2014/main" id="{2D4B82B3-4592-47D7-920E-346FDBF2437D}"/>
+                </a:ext>
+              </a:extLst>
+            </p:cNvPr>
+            <p:cNvCxnSpPr/>
+            <p:nvPr/>
+          </p:nvCxnSpPr>
+          <p:spPr>
+            <a:xfrm>
+              <a:off x="5547646" y="6163249"/>
+              <a:ext cx="0" cy="128921"/>
+            </a:xfrm>
+            <a:prstGeom prst="line">
+              <a:avLst/>
+            </a:prstGeom>
+            <a:ln>
+              <a:solidFill>
+                <a:schemeClr val="accent2"/>
+              </a:solidFill>
+            </a:ln>
+          </p:spPr>
+          <p:style>
+            <a:lnRef idx="1">
+              <a:schemeClr val="accent1"/>
+            </a:lnRef>
+            <a:fillRef idx="0">
+              <a:schemeClr val="accent1"/>
+            </a:fillRef>
+            <a:effectRef idx="0">
+              <a:schemeClr val="accent1"/>
+            </a:effectRef>
+            <a:fontRef idx="minor">
+              <a:schemeClr val="tx1"/>
+            </a:fontRef>
+          </p:style>
+        </p:cxnSp>
+        <p:cxnSp>
+          <p:nvCxnSpPr>
+            <p:cNvPr id="174" name="直接连接符 173">
+              <a:extLst>
+                <a:ext uri="{FF2B5EF4-FFF2-40B4-BE49-F238E27FC236}">
+                  <a16:creationId xmlns:a16="http://schemas.microsoft.com/office/drawing/2014/main" id="{780BE9A1-3A78-4678-BB1F-3A7DA2176B10}"/>
+                </a:ext>
+              </a:extLst>
+            </p:cNvPr>
+            <p:cNvCxnSpPr/>
+            <p:nvPr/>
+          </p:nvCxnSpPr>
+          <p:spPr>
+            <a:xfrm>
+              <a:off x="5768308" y="6163249"/>
+              <a:ext cx="0" cy="128921"/>
+            </a:xfrm>
+            <a:prstGeom prst="line">
+              <a:avLst/>
+            </a:prstGeom>
+            <a:ln>
+              <a:solidFill>
+                <a:schemeClr val="accent2"/>
+              </a:solidFill>
+            </a:ln>
+          </p:spPr>
+          <p:style>
+            <a:lnRef idx="1">
+              <a:schemeClr val="accent1"/>
+            </a:lnRef>
+            <a:fillRef idx="0">
+              <a:schemeClr val="accent1"/>
+            </a:fillRef>
+            <a:effectRef idx="0">
+              <a:schemeClr val="accent1"/>
+            </a:effectRef>
+            <a:fontRef idx="minor">
+              <a:schemeClr val="tx1"/>
+            </a:fontRef>
+          </p:style>
+        </p:cxnSp>
+        <p:cxnSp>
+          <p:nvCxnSpPr>
+            <p:cNvPr id="175" name="直接连接符 174">
+              <a:extLst>
+                <a:ext uri="{FF2B5EF4-FFF2-40B4-BE49-F238E27FC236}">
+                  <a16:creationId xmlns:a16="http://schemas.microsoft.com/office/drawing/2014/main" id="{B6205230-94D1-450D-AF23-8A2941F736E6}"/>
+                </a:ext>
+              </a:extLst>
+            </p:cNvPr>
+            <p:cNvCxnSpPr/>
+            <p:nvPr/>
+          </p:nvCxnSpPr>
+          <p:spPr>
+            <a:xfrm>
+              <a:off x="6000083" y="6163249"/>
+              <a:ext cx="0" cy="128921"/>
+            </a:xfrm>
+            <a:prstGeom prst="line">
+              <a:avLst/>
+            </a:prstGeom>
+            <a:ln>
+              <a:solidFill>
+                <a:schemeClr val="accent2"/>
+              </a:solidFill>
+            </a:ln>
+          </p:spPr>
+          <p:style>
+            <a:lnRef idx="1">
+              <a:schemeClr val="accent1"/>
+            </a:lnRef>
+            <a:fillRef idx="0">
+              <a:schemeClr val="accent1"/>
+            </a:fillRef>
+            <a:effectRef idx="0">
+              <a:schemeClr val="accent1"/>
+            </a:effectRef>
+            <a:fontRef idx="minor">
+              <a:schemeClr val="tx1"/>
+            </a:fontRef>
+          </p:style>
+        </p:cxnSp>
+      </p:grpSp>
+      <p:grpSp>
+        <p:nvGrpSpPr>
+          <p:cNvPr id="176" name="组合 175">
+            <a:extLst>
+              <a:ext uri="{FF2B5EF4-FFF2-40B4-BE49-F238E27FC236}">
+                <a16:creationId xmlns:a16="http://schemas.microsoft.com/office/drawing/2014/main" id="{69D9707C-EAAB-488C-8E87-C971364A3925}"/>
+              </a:ext>
+            </a:extLst>
+          </p:cNvPr>
+          <p:cNvGrpSpPr/>
+          <p:nvPr/>
+        </p:nvGrpSpPr>
+        <p:grpSpPr>
+          <a:xfrm>
+            <a:off x="3442601" y="5154720"/>
+            <a:ext cx="577646" cy="128921"/>
+            <a:chOff x="3933917" y="6163249"/>
+            <a:chExt cx="2302353" cy="128921"/>
+          </a:xfrm>
+        </p:grpSpPr>
+        <p:sp>
+          <p:nvSpPr>
+            <p:cNvPr id="177" name="矩形 176">
+              <a:extLst>
+                <a:ext uri="{FF2B5EF4-FFF2-40B4-BE49-F238E27FC236}">
+                  <a16:creationId xmlns:a16="http://schemas.microsoft.com/office/drawing/2014/main" id="{004C215D-1EB3-4072-9C5E-B421B29E9E4A}"/>
+                </a:ext>
+              </a:extLst>
+            </p:cNvPr>
+            <p:cNvSpPr/>
+            <p:nvPr/>
+          </p:nvSpPr>
+          <p:spPr>
+            <a:xfrm>
+              <a:off x="3933917" y="6163249"/>
+              <a:ext cx="2302353" cy="128921"/>
+            </a:xfrm>
+            <a:prstGeom prst="rect">
+              <a:avLst/>
+            </a:prstGeom>
+            <a:solidFill>
+              <a:schemeClr val="accent2">
+                <a:lumMod val="60000"/>
+                <a:lumOff val="40000"/>
+              </a:schemeClr>
+            </a:solidFill>
+            <a:ln>
+              <a:solidFill>
+                <a:schemeClr val="accent2"/>
+              </a:solidFill>
+            </a:ln>
+          </p:spPr>
+          <p:style>
+            <a:lnRef idx="2">
+              <a:schemeClr val="accent1">
+                <a:shade val="50000"/>
+              </a:schemeClr>
+            </a:lnRef>
+            <a:fillRef idx="1">
+              <a:schemeClr val="accent1"/>
+            </a:fillRef>
+            <a:effectRef idx="0">
+              <a:schemeClr val="accent1"/>
+            </a:effectRef>
+            <a:fontRef idx="minor">
+              <a:schemeClr val="lt1"/>
+            </a:fontRef>
+          </p:style>
+          <p:txBody>
+            <a:bodyPr rtlCol="0" anchor="ctr"/>
+            <a:lstStyle/>
+            <a:p>
+              <a:pPr algn="ctr"/>
+              <a:endParaRPr lang="zh-CN" altLang="en-US"/>
+            </a:p>
+          </p:txBody>
+        </p:sp>
+        <p:cxnSp>
+          <p:nvCxnSpPr>
+            <p:cNvPr id="178" name="直接连接符 177">
+              <a:extLst>
+                <a:ext uri="{FF2B5EF4-FFF2-40B4-BE49-F238E27FC236}">
+                  <a16:creationId xmlns:a16="http://schemas.microsoft.com/office/drawing/2014/main" id="{86E8E3C3-5EB6-40BC-B3A2-A584F79E1C9B}"/>
+                </a:ext>
+              </a:extLst>
+            </p:cNvPr>
+            <p:cNvCxnSpPr/>
+            <p:nvPr/>
+          </p:nvCxnSpPr>
+          <p:spPr>
+            <a:xfrm>
+              <a:off x="4184544" y="6163249"/>
+              <a:ext cx="0" cy="128921"/>
+            </a:xfrm>
+            <a:prstGeom prst="line">
+              <a:avLst/>
+            </a:prstGeom>
+            <a:ln>
+              <a:solidFill>
+                <a:schemeClr val="accent2"/>
+              </a:solidFill>
+            </a:ln>
+          </p:spPr>
+          <p:style>
+            <a:lnRef idx="1">
+              <a:schemeClr val="accent1"/>
+            </a:lnRef>
+            <a:fillRef idx="0">
+              <a:schemeClr val="accent1"/>
+            </a:fillRef>
+            <a:effectRef idx="0">
+              <a:schemeClr val="accent1"/>
+            </a:effectRef>
+            <a:fontRef idx="minor">
+              <a:schemeClr val="tx1"/>
+            </a:fontRef>
+          </p:style>
+        </p:cxnSp>
+        <p:cxnSp>
+          <p:nvCxnSpPr>
+            <p:cNvPr id="179" name="直接连接符 178">
+              <a:extLst>
+                <a:ext uri="{FF2B5EF4-FFF2-40B4-BE49-F238E27FC236}">
+                  <a16:creationId xmlns:a16="http://schemas.microsoft.com/office/drawing/2014/main" id="{6F977CEC-8A98-4BF8-80B1-699C8254A85A}"/>
+                </a:ext>
+              </a:extLst>
+            </p:cNvPr>
+            <p:cNvCxnSpPr/>
+            <p:nvPr/>
+          </p:nvCxnSpPr>
+          <p:spPr>
+            <a:xfrm>
+              <a:off x="4409969" y="6163249"/>
+              <a:ext cx="0" cy="128921"/>
+            </a:xfrm>
+            <a:prstGeom prst="line">
+              <a:avLst/>
+            </a:prstGeom>
+            <a:ln>
+              <a:solidFill>
+                <a:schemeClr val="accent2"/>
+              </a:solidFill>
+            </a:ln>
+          </p:spPr>
+          <p:style>
+            <a:lnRef idx="1">
+              <a:schemeClr val="accent1"/>
+            </a:lnRef>
+            <a:fillRef idx="0">
+              <a:schemeClr val="accent1"/>
+            </a:fillRef>
+            <a:effectRef idx="0">
+              <a:schemeClr val="accent1"/>
+            </a:effectRef>
+            <a:fontRef idx="minor">
+              <a:schemeClr val="tx1"/>
+            </a:fontRef>
+          </p:style>
+        </p:cxnSp>
+        <p:cxnSp>
+          <p:nvCxnSpPr>
+            <p:cNvPr id="180" name="直接连接符 179">
+              <a:extLst>
+                <a:ext uri="{FF2B5EF4-FFF2-40B4-BE49-F238E27FC236}">
+                  <a16:creationId xmlns:a16="http://schemas.microsoft.com/office/drawing/2014/main" id="{156D6AB2-CE67-4056-9324-7C6D2018B46B}"/>
+                </a:ext>
+              </a:extLst>
+            </p:cNvPr>
+            <p:cNvCxnSpPr/>
+            <p:nvPr/>
+          </p:nvCxnSpPr>
+          <p:spPr>
+            <a:xfrm>
+              <a:off x="4635394" y="6163249"/>
+              <a:ext cx="0" cy="128921"/>
+            </a:xfrm>
+            <a:prstGeom prst="line">
+              <a:avLst/>
+            </a:prstGeom>
+            <a:ln>
+              <a:solidFill>
+                <a:schemeClr val="accent2"/>
+              </a:solidFill>
+            </a:ln>
+          </p:spPr>
+          <p:style>
+            <a:lnRef idx="1">
+              <a:schemeClr val="accent1"/>
+            </a:lnRef>
+            <a:fillRef idx="0">
+              <a:schemeClr val="accent1"/>
+            </a:fillRef>
+            <a:effectRef idx="0">
+              <a:schemeClr val="accent1"/>
+            </a:effectRef>
+            <a:fontRef idx="minor">
+              <a:schemeClr val="tx1"/>
+            </a:fontRef>
+          </p:style>
+        </p:cxnSp>
+        <p:cxnSp>
+          <p:nvCxnSpPr>
+            <p:cNvPr id="181" name="直接连接符 180">
+              <a:extLst>
+                <a:ext uri="{FF2B5EF4-FFF2-40B4-BE49-F238E27FC236}">
+                  <a16:creationId xmlns:a16="http://schemas.microsoft.com/office/drawing/2014/main" id="{69FDE3A9-BAB6-46DA-8513-98A6F37D35F2}"/>
+                </a:ext>
+              </a:extLst>
+            </p:cNvPr>
+            <p:cNvCxnSpPr/>
+            <p:nvPr/>
+          </p:nvCxnSpPr>
+          <p:spPr>
+            <a:xfrm>
+              <a:off x="4863994" y="6163249"/>
+              <a:ext cx="0" cy="128921"/>
+            </a:xfrm>
+            <a:prstGeom prst="line">
+              <a:avLst/>
+            </a:prstGeom>
+            <a:ln>
+              <a:solidFill>
+                <a:schemeClr val="accent2"/>
+              </a:solidFill>
+            </a:ln>
+          </p:spPr>
+          <p:style>
+            <a:lnRef idx="1">
+              <a:schemeClr val="accent1"/>
+            </a:lnRef>
+            <a:fillRef idx="0">
+              <a:schemeClr val="accent1"/>
+            </a:fillRef>
+            <a:effectRef idx="0">
+              <a:schemeClr val="accent1"/>
+            </a:effectRef>
+            <a:fontRef idx="minor">
+              <a:schemeClr val="tx1"/>
+            </a:fontRef>
+          </p:style>
+        </p:cxnSp>
+        <p:cxnSp>
+          <p:nvCxnSpPr>
+            <p:cNvPr id="182" name="直接连接符 181">
+              <a:extLst>
+                <a:ext uri="{FF2B5EF4-FFF2-40B4-BE49-F238E27FC236}">
+                  <a16:creationId xmlns:a16="http://schemas.microsoft.com/office/drawing/2014/main" id="{4E144607-1F0B-41ED-9273-97BED701AAB0}"/>
+                </a:ext>
+              </a:extLst>
+            </p:cNvPr>
+            <p:cNvCxnSpPr/>
+            <p:nvPr/>
+          </p:nvCxnSpPr>
+          <p:spPr>
+            <a:xfrm>
+              <a:off x="5082867" y="6163249"/>
+              <a:ext cx="0" cy="128921"/>
+            </a:xfrm>
+            <a:prstGeom prst="line">
+              <a:avLst/>
+            </a:prstGeom>
+            <a:ln>
+              <a:solidFill>
+                <a:schemeClr val="accent2"/>
+              </a:solidFill>
+            </a:ln>
+          </p:spPr>
+          <p:style>
+            <a:lnRef idx="1">
+              <a:schemeClr val="accent1"/>
+            </a:lnRef>
+            <a:fillRef idx="0">
+              <a:schemeClr val="accent1"/>
+            </a:fillRef>
+            <a:effectRef idx="0">
+              <a:schemeClr val="accent1"/>
+            </a:effectRef>
+            <a:fontRef idx="minor">
+              <a:schemeClr val="tx1"/>
+            </a:fontRef>
+          </p:style>
+        </p:cxnSp>
+        <p:cxnSp>
+          <p:nvCxnSpPr>
+            <p:cNvPr id="183" name="直接连接符 182">
+              <a:extLst>
+                <a:ext uri="{FF2B5EF4-FFF2-40B4-BE49-F238E27FC236}">
+                  <a16:creationId xmlns:a16="http://schemas.microsoft.com/office/drawing/2014/main" id="{CDB18246-7F5C-4A06-B00E-FCE549E556AD}"/>
+                </a:ext>
+              </a:extLst>
+            </p:cNvPr>
+            <p:cNvCxnSpPr/>
+            <p:nvPr/>
+          </p:nvCxnSpPr>
+          <p:spPr>
+            <a:xfrm>
+              <a:off x="5312696" y="6163249"/>
+              <a:ext cx="0" cy="128921"/>
+            </a:xfrm>
+            <a:prstGeom prst="line">
+              <a:avLst/>
+            </a:prstGeom>
+            <a:ln>
+              <a:solidFill>
+                <a:schemeClr val="accent2"/>
+              </a:solidFill>
+            </a:ln>
+          </p:spPr>
+          <p:style>
+            <a:lnRef idx="1">
+              <a:schemeClr val="accent1"/>
+            </a:lnRef>
+            <a:fillRef idx="0">
+              <a:schemeClr val="accent1"/>
+            </a:fillRef>
+            <a:effectRef idx="0">
+              <a:schemeClr val="accent1"/>
+            </a:effectRef>
+            <a:fontRef idx="minor">
+              <a:schemeClr val="tx1"/>
+            </a:fontRef>
+          </p:style>
+        </p:cxnSp>
+        <p:cxnSp>
+          <p:nvCxnSpPr>
+            <p:cNvPr id="184" name="直接连接符 183">
+              <a:extLst>
+                <a:ext uri="{FF2B5EF4-FFF2-40B4-BE49-F238E27FC236}">
+                  <a16:creationId xmlns:a16="http://schemas.microsoft.com/office/drawing/2014/main" id="{5699A40B-98FE-4795-B03B-DA7472031B5F}"/>
+                </a:ext>
+              </a:extLst>
+            </p:cNvPr>
+            <p:cNvCxnSpPr/>
+            <p:nvPr/>
+          </p:nvCxnSpPr>
+          <p:spPr>
+            <a:xfrm>
+              <a:off x="5547646" y="6163249"/>
+              <a:ext cx="0" cy="128921"/>
+            </a:xfrm>
+            <a:prstGeom prst="line">
+              <a:avLst/>
+            </a:prstGeom>
+            <a:ln>
+              <a:solidFill>
+                <a:schemeClr val="accent2"/>
+              </a:solidFill>
+            </a:ln>
+          </p:spPr>
+          <p:style>
+            <a:lnRef idx="1">
+              <a:schemeClr val="accent1"/>
+            </a:lnRef>
+            <a:fillRef idx="0">
+              <a:schemeClr val="accent1"/>
+            </a:fillRef>
+            <a:effectRef idx="0">
+              <a:schemeClr val="accent1"/>
+            </a:effectRef>
+            <a:fontRef idx="minor">
+              <a:schemeClr val="tx1"/>
+            </a:fontRef>
+          </p:style>
+        </p:cxnSp>
+        <p:cxnSp>
+          <p:nvCxnSpPr>
+            <p:cNvPr id="185" name="直接连接符 184">
+              <a:extLst>
+                <a:ext uri="{FF2B5EF4-FFF2-40B4-BE49-F238E27FC236}">
+                  <a16:creationId xmlns:a16="http://schemas.microsoft.com/office/drawing/2014/main" id="{08ACE9C8-19AB-497D-B105-2E149D2AD84C}"/>
+                </a:ext>
+              </a:extLst>
+            </p:cNvPr>
+            <p:cNvCxnSpPr/>
+            <p:nvPr/>
+          </p:nvCxnSpPr>
+          <p:spPr>
+            <a:xfrm>
+              <a:off x="5768308" y="6163249"/>
+              <a:ext cx="0" cy="128921"/>
+            </a:xfrm>
+            <a:prstGeom prst="line">
+              <a:avLst/>
+            </a:prstGeom>
+            <a:ln>
+              <a:solidFill>
+                <a:schemeClr val="accent2"/>
+              </a:solidFill>
+            </a:ln>
+          </p:spPr>
+          <p:style>
+            <a:lnRef idx="1">
+              <a:schemeClr val="accent1"/>
+            </a:lnRef>
+            <a:fillRef idx="0">
+              <a:schemeClr val="accent1"/>
+            </a:fillRef>
+            <a:effectRef idx="0">
+              <a:schemeClr val="accent1"/>
+            </a:effectRef>
+            <a:fontRef idx="minor">
+              <a:schemeClr val="tx1"/>
+            </a:fontRef>
+          </p:style>
+        </p:cxnSp>
+        <p:cxnSp>
+          <p:nvCxnSpPr>
+            <p:cNvPr id="186" name="直接连接符 185">
+              <a:extLst>
+                <a:ext uri="{FF2B5EF4-FFF2-40B4-BE49-F238E27FC236}">
+                  <a16:creationId xmlns:a16="http://schemas.microsoft.com/office/drawing/2014/main" id="{E38D2888-0642-49AF-AD1B-3873CC2B2B91}"/>
+                </a:ext>
+              </a:extLst>
+            </p:cNvPr>
+            <p:cNvCxnSpPr/>
+            <p:nvPr/>
+          </p:nvCxnSpPr>
+          <p:spPr>
+            <a:xfrm>
+              <a:off x="6000083" y="6163249"/>
+              <a:ext cx="0" cy="128921"/>
+            </a:xfrm>
+            <a:prstGeom prst="line">
+              <a:avLst/>
+            </a:prstGeom>
+            <a:ln>
+              <a:solidFill>
+                <a:schemeClr val="accent2"/>
+              </a:solidFill>
+            </a:ln>
+          </p:spPr>
+          <p:style>
+            <a:lnRef idx="1">
+              <a:schemeClr val="accent1"/>
+            </a:lnRef>
+            <a:fillRef idx="0">
+              <a:schemeClr val="accent1"/>
+            </a:fillRef>
+            <a:effectRef idx="0">
+              <a:schemeClr val="accent1"/>
+            </a:effectRef>
+            <a:fontRef idx="minor">
+              <a:schemeClr val="tx1"/>
+            </a:fontRef>
+          </p:style>
+        </p:cxnSp>
+      </p:grpSp>
+      <p:grpSp>
+        <p:nvGrpSpPr>
+          <p:cNvPr id="187" name="组合 186">
+            <a:extLst>
+              <a:ext uri="{FF2B5EF4-FFF2-40B4-BE49-F238E27FC236}">
+                <a16:creationId xmlns:a16="http://schemas.microsoft.com/office/drawing/2014/main" id="{73BB4889-B0F9-4E1F-84E8-1EC9E6BC5ABD}"/>
+              </a:ext>
+            </a:extLst>
+          </p:cNvPr>
+          <p:cNvGrpSpPr/>
+          <p:nvPr/>
+        </p:nvGrpSpPr>
+        <p:grpSpPr>
+          <a:xfrm>
+            <a:off x="7048680" y="5184841"/>
+            <a:ext cx="577646" cy="128921"/>
+            <a:chOff x="3933917" y="6163249"/>
+            <a:chExt cx="2302353" cy="128921"/>
+          </a:xfrm>
+        </p:grpSpPr>
+        <p:sp>
+          <p:nvSpPr>
+            <p:cNvPr id="188" name="矩形 187">
+              <a:extLst>
+                <a:ext uri="{FF2B5EF4-FFF2-40B4-BE49-F238E27FC236}">
+                  <a16:creationId xmlns:a16="http://schemas.microsoft.com/office/drawing/2014/main" id="{FFB6991D-1929-40C6-901A-386ED09C1DCC}"/>
+                </a:ext>
+              </a:extLst>
+            </p:cNvPr>
+            <p:cNvSpPr/>
+            <p:nvPr/>
+          </p:nvSpPr>
+          <p:spPr>
+            <a:xfrm>
+              <a:off x="3933917" y="6163249"/>
+              <a:ext cx="2302353" cy="128921"/>
+            </a:xfrm>
+            <a:prstGeom prst="rect">
+              <a:avLst/>
+            </a:prstGeom>
+            <a:solidFill>
+              <a:schemeClr val="accent2">
+                <a:lumMod val="60000"/>
+                <a:lumOff val="40000"/>
+              </a:schemeClr>
+            </a:solidFill>
+            <a:ln>
+              <a:solidFill>
+                <a:schemeClr val="accent2"/>
+              </a:solidFill>
+            </a:ln>
+          </p:spPr>
+          <p:style>
+            <a:lnRef idx="2">
+              <a:schemeClr val="accent1">
+                <a:shade val="50000"/>
+              </a:schemeClr>
+            </a:lnRef>
+            <a:fillRef idx="1">
+              <a:schemeClr val="accent1"/>
+            </a:fillRef>
+            <a:effectRef idx="0">
+              <a:schemeClr val="accent1"/>
+            </a:effectRef>
+            <a:fontRef idx="minor">
+              <a:schemeClr val="lt1"/>
+            </a:fontRef>
+          </p:style>
+          <p:txBody>
+            <a:bodyPr rtlCol="0" anchor="ctr"/>
+            <a:lstStyle/>
+            <a:p>
+              <a:pPr algn="ctr"/>
+              <a:endParaRPr lang="zh-CN" altLang="en-US"/>
+            </a:p>
+          </p:txBody>
+        </p:sp>
+        <p:cxnSp>
+          <p:nvCxnSpPr>
+            <p:cNvPr id="189" name="直接连接符 188">
+              <a:extLst>
+                <a:ext uri="{FF2B5EF4-FFF2-40B4-BE49-F238E27FC236}">
+                  <a16:creationId xmlns:a16="http://schemas.microsoft.com/office/drawing/2014/main" id="{17A5772E-C695-42DF-B5CE-A50EDF5AE61A}"/>
+                </a:ext>
+              </a:extLst>
+            </p:cNvPr>
+            <p:cNvCxnSpPr/>
+            <p:nvPr/>
+          </p:nvCxnSpPr>
+          <p:spPr>
+            <a:xfrm>
+              <a:off x="4184544" y="6163249"/>
+              <a:ext cx="0" cy="128921"/>
+            </a:xfrm>
+            <a:prstGeom prst="line">
+              <a:avLst/>
+            </a:prstGeom>
+            <a:ln>
+              <a:solidFill>
+                <a:schemeClr val="accent2"/>
+              </a:solidFill>
+            </a:ln>
+          </p:spPr>
+          <p:style>
+            <a:lnRef idx="1">
+              <a:schemeClr val="accent1"/>
+            </a:lnRef>
+            <a:fillRef idx="0">
+              <a:schemeClr val="accent1"/>
+            </a:fillRef>
+            <a:effectRef idx="0">
+              <a:schemeClr val="accent1"/>
+            </a:effectRef>
+            <a:fontRef idx="minor">
+              <a:schemeClr val="tx1"/>
+            </a:fontRef>
+          </p:style>
+        </p:cxnSp>
+        <p:cxnSp>
+          <p:nvCxnSpPr>
+            <p:cNvPr id="190" name="直接连接符 189">
+              <a:extLst>
+                <a:ext uri="{FF2B5EF4-FFF2-40B4-BE49-F238E27FC236}">
+                  <a16:creationId xmlns:a16="http://schemas.microsoft.com/office/drawing/2014/main" id="{08E7483A-629B-4FE7-BEC2-EE6789149F7B}"/>
+                </a:ext>
+              </a:extLst>
+            </p:cNvPr>
+            <p:cNvCxnSpPr/>
+            <p:nvPr/>
+          </p:nvCxnSpPr>
+          <p:spPr>
+            <a:xfrm>
+              <a:off x="4409969" y="6163249"/>
+              <a:ext cx="0" cy="128921"/>
+            </a:xfrm>
+            <a:prstGeom prst="line">
+              <a:avLst/>
+            </a:prstGeom>
+            <a:ln>
+              <a:solidFill>
+                <a:schemeClr val="accent2"/>
+              </a:solidFill>
+            </a:ln>
+          </p:spPr>
+          <p:style>
+            <a:lnRef idx="1">
+              <a:schemeClr val="accent1"/>
+            </a:lnRef>
+            <a:fillRef idx="0">
+              <a:schemeClr val="accent1"/>
+            </a:fillRef>
+            <a:effectRef idx="0">
+              <a:schemeClr val="accent1"/>
+            </a:effectRef>
+            <a:fontRef idx="minor">
+              <a:schemeClr val="tx1"/>
+            </a:fontRef>
+          </p:style>
+        </p:cxnSp>
+        <p:cxnSp>
+          <p:nvCxnSpPr>
+            <p:cNvPr id="191" name="直接连接符 190">
+              <a:extLst>
+                <a:ext uri="{FF2B5EF4-FFF2-40B4-BE49-F238E27FC236}">
+                  <a16:creationId xmlns:a16="http://schemas.microsoft.com/office/drawing/2014/main" id="{186F4E0F-AB78-4F8F-9AEC-27FF1BD34893}"/>
+                </a:ext>
+              </a:extLst>
+            </p:cNvPr>
+            <p:cNvCxnSpPr/>
+            <p:nvPr/>
+          </p:nvCxnSpPr>
+          <p:spPr>
+            <a:xfrm>
+              <a:off x="4635394" y="6163249"/>
+              <a:ext cx="0" cy="128921"/>
+            </a:xfrm>
+            <a:prstGeom prst="line">
+              <a:avLst/>
+            </a:prstGeom>
+            <a:ln>
+              <a:solidFill>
+                <a:schemeClr val="accent2"/>
+              </a:solidFill>
+            </a:ln>
+          </p:spPr>
+          <p:style>
+            <a:lnRef idx="1">
+              <a:schemeClr val="accent1"/>
+            </a:lnRef>
+            <a:fillRef idx="0">
+              <a:schemeClr val="accent1"/>
+            </a:fillRef>
+            <a:effectRef idx="0">
+              <a:schemeClr val="accent1"/>
+            </a:effectRef>
+            <a:fontRef idx="minor">
+              <a:schemeClr val="tx1"/>
+            </a:fontRef>
+          </p:style>
+        </p:cxnSp>
+        <p:cxnSp>
+          <p:nvCxnSpPr>
+            <p:cNvPr id="192" name="直接连接符 191">
+              <a:extLst>
+                <a:ext uri="{FF2B5EF4-FFF2-40B4-BE49-F238E27FC236}">
+                  <a16:creationId xmlns:a16="http://schemas.microsoft.com/office/drawing/2014/main" id="{E3A4665F-8DBE-40FE-B69F-2F908A84E0F5}"/>
+                </a:ext>
+              </a:extLst>
+            </p:cNvPr>
+            <p:cNvCxnSpPr/>
+            <p:nvPr/>
+          </p:nvCxnSpPr>
+          <p:spPr>
+            <a:xfrm>
+              <a:off x="4863994" y="6163249"/>
+              <a:ext cx="0" cy="128921"/>
+            </a:xfrm>
+            <a:prstGeom prst="line">
+              <a:avLst/>
+            </a:prstGeom>
+            <a:ln>
+              <a:solidFill>
+                <a:schemeClr val="accent2"/>
+              </a:solidFill>
+            </a:ln>
+          </p:spPr>
+          <p:style>
+            <a:lnRef idx="1">
+              <a:schemeClr val="accent1"/>
+            </a:lnRef>
+            <a:fillRef idx="0">
+              <a:schemeClr val="accent1"/>
+            </a:fillRef>
+            <a:effectRef idx="0">
+              <a:schemeClr val="accent1"/>
+            </a:effectRef>
+            <a:fontRef idx="minor">
+              <a:schemeClr val="tx1"/>
+            </a:fontRef>
+          </p:style>
+        </p:cxnSp>
+        <p:cxnSp>
+          <p:nvCxnSpPr>
+            <p:cNvPr id="193" name="直接连接符 192">
+              <a:extLst>
+                <a:ext uri="{FF2B5EF4-FFF2-40B4-BE49-F238E27FC236}">
+                  <a16:creationId xmlns:a16="http://schemas.microsoft.com/office/drawing/2014/main" id="{DFC6FE37-AFAD-4693-89B3-A34559EA8C09}"/>
+                </a:ext>
+              </a:extLst>
+            </p:cNvPr>
+            <p:cNvCxnSpPr/>
+            <p:nvPr/>
+          </p:nvCxnSpPr>
+          <p:spPr>
+            <a:xfrm>
+              <a:off x="5082867" y="6163249"/>
+              <a:ext cx="0" cy="128921"/>
+            </a:xfrm>
+            <a:prstGeom prst="line">
+              <a:avLst/>
+            </a:prstGeom>
+            <a:ln>
+              <a:solidFill>
+                <a:schemeClr val="accent2"/>
+              </a:solidFill>
+            </a:ln>
+          </p:spPr>
+          <p:style>
+            <a:lnRef idx="1">
+              <a:schemeClr val="accent1"/>
+            </a:lnRef>
+            <a:fillRef idx="0">
+              <a:schemeClr val="accent1"/>
+            </a:fillRef>
+            <a:effectRef idx="0">
+              <a:schemeClr val="accent1"/>
+            </a:effectRef>
+            <a:fontRef idx="minor">
+              <a:schemeClr val="tx1"/>
+            </a:fontRef>
+          </p:style>
+        </p:cxnSp>
+        <p:cxnSp>
+          <p:nvCxnSpPr>
+            <p:cNvPr id="194" name="直接连接符 193">
+              <a:extLst>
+                <a:ext uri="{FF2B5EF4-FFF2-40B4-BE49-F238E27FC236}">
+                  <a16:creationId xmlns:a16="http://schemas.microsoft.com/office/drawing/2014/main" id="{764BAD48-3EB1-4892-82F8-EF7433954A2B}"/>
+                </a:ext>
+              </a:extLst>
+            </p:cNvPr>
+            <p:cNvCxnSpPr/>
+            <p:nvPr/>
+          </p:nvCxnSpPr>
+          <p:spPr>
+            <a:xfrm>
+              <a:off x="5312696" y="6163249"/>
+              <a:ext cx="0" cy="128921"/>
+            </a:xfrm>
+            <a:prstGeom prst="line">
+              <a:avLst/>
+            </a:prstGeom>
+            <a:ln>
+              <a:solidFill>
+                <a:schemeClr val="accent2"/>
+              </a:solidFill>
+            </a:ln>
+          </p:spPr>
+          <p:style>
+            <a:lnRef idx="1">
+              <a:schemeClr val="accent1"/>
+            </a:lnRef>
+            <a:fillRef idx="0">
+              <a:schemeClr val="accent1"/>
+            </a:fillRef>
+            <a:effectRef idx="0">
+              <a:schemeClr val="accent1"/>
+            </a:effectRef>
+            <a:fontRef idx="minor">
+              <a:schemeClr val="tx1"/>
+            </a:fontRef>
+          </p:style>
+        </p:cxnSp>
+        <p:cxnSp>
+          <p:nvCxnSpPr>
+            <p:cNvPr id="195" name="直接连接符 194">
+              <a:extLst>
+                <a:ext uri="{FF2B5EF4-FFF2-40B4-BE49-F238E27FC236}">
+                  <a16:creationId xmlns:a16="http://schemas.microsoft.com/office/drawing/2014/main" id="{6502835E-9977-4993-B9DA-D1F6CD425D65}"/>
+                </a:ext>
+              </a:extLst>
+            </p:cNvPr>
+            <p:cNvCxnSpPr/>
+            <p:nvPr/>
+          </p:nvCxnSpPr>
+          <p:spPr>
+            <a:xfrm>
+              <a:off x="5547646" y="6163249"/>
+              <a:ext cx="0" cy="128921"/>
+            </a:xfrm>
+            <a:prstGeom prst="line">
+              <a:avLst/>
+            </a:prstGeom>
+            <a:ln>
+              <a:solidFill>
+                <a:schemeClr val="accent2"/>
+              </a:solidFill>
+            </a:ln>
+          </p:spPr>
+          <p:style>
+            <a:lnRef idx="1">
+              <a:schemeClr val="accent1"/>
+            </a:lnRef>
+            <a:fillRef idx="0">
+              <a:schemeClr val="accent1"/>
+            </a:fillRef>
+            <a:effectRef idx="0">
+              <a:schemeClr val="accent1"/>
+            </a:effectRef>
+            <a:fontRef idx="minor">
+              <a:schemeClr val="tx1"/>
+            </a:fontRef>
+          </p:style>
+        </p:cxnSp>
+        <p:cxnSp>
+          <p:nvCxnSpPr>
+            <p:cNvPr id="196" name="直接连接符 195">
+              <a:extLst>
+                <a:ext uri="{FF2B5EF4-FFF2-40B4-BE49-F238E27FC236}">
+                  <a16:creationId xmlns:a16="http://schemas.microsoft.com/office/drawing/2014/main" id="{B5268042-FD52-407A-8771-CB24B5D1D3BE}"/>
+                </a:ext>
+              </a:extLst>
+            </p:cNvPr>
+            <p:cNvCxnSpPr/>
+            <p:nvPr/>
+          </p:nvCxnSpPr>
+          <p:spPr>
+            <a:xfrm>
+              <a:off x="5768308" y="6163249"/>
+              <a:ext cx="0" cy="128921"/>
+            </a:xfrm>
+            <a:prstGeom prst="line">
+              <a:avLst/>
+            </a:prstGeom>
+            <a:ln>
+              <a:solidFill>
+                <a:schemeClr val="accent2"/>
+              </a:solidFill>
+            </a:ln>
+          </p:spPr>
+          <p:style>
+            <a:lnRef idx="1">
+              <a:schemeClr val="accent1"/>
+            </a:lnRef>
+            <a:fillRef idx="0">
+              <a:schemeClr val="accent1"/>
+            </a:fillRef>
+            <a:effectRef idx="0">
+              <a:schemeClr val="accent1"/>
+            </a:effectRef>
+            <a:fontRef idx="minor">
+              <a:schemeClr val="tx1"/>
+            </a:fontRef>
+          </p:style>
+        </p:cxnSp>
+        <p:cxnSp>
+          <p:nvCxnSpPr>
+            <p:cNvPr id="197" name="直接连接符 196">
+              <a:extLst>
+                <a:ext uri="{FF2B5EF4-FFF2-40B4-BE49-F238E27FC236}">
+                  <a16:creationId xmlns:a16="http://schemas.microsoft.com/office/drawing/2014/main" id="{5D86B970-C289-40E1-8E93-9A7EA809DDBD}"/>
+                </a:ext>
+              </a:extLst>
+            </p:cNvPr>
+            <p:cNvCxnSpPr/>
+            <p:nvPr/>
+          </p:nvCxnSpPr>
+          <p:spPr>
+            <a:xfrm>
+              <a:off x="6000083" y="6163249"/>
+              <a:ext cx="0" cy="128921"/>
+            </a:xfrm>
+            <a:prstGeom prst="line">
+              <a:avLst/>
+            </a:prstGeom>
+            <a:ln>
+              <a:solidFill>
+                <a:schemeClr val="accent2"/>
+              </a:solidFill>
+            </a:ln>
+          </p:spPr>
+          <p:style>
+            <a:lnRef idx="1">
+              <a:schemeClr val="accent1"/>
+            </a:lnRef>
+            <a:fillRef idx="0">
+              <a:schemeClr val="accent1"/>
+            </a:fillRef>
+            <a:effectRef idx="0">
+              <a:schemeClr val="accent1"/>
+            </a:effectRef>
+            <a:fontRef idx="minor">
+              <a:schemeClr val="tx1"/>
+            </a:fontRef>
+          </p:style>
+        </p:cxnSp>
+      </p:grpSp>
+      <p:grpSp>
+        <p:nvGrpSpPr>
+          <p:cNvPr id="198" name="组合 197">
+            <a:extLst>
+              <a:ext uri="{FF2B5EF4-FFF2-40B4-BE49-F238E27FC236}">
+                <a16:creationId xmlns:a16="http://schemas.microsoft.com/office/drawing/2014/main" id="{9C09CA50-5FC0-4357-81DE-CCE261FFFC4C}"/>
+              </a:ext>
+            </a:extLst>
+          </p:cNvPr>
+          <p:cNvGrpSpPr/>
+          <p:nvPr/>
+        </p:nvGrpSpPr>
+        <p:grpSpPr>
+          <a:xfrm>
+            <a:off x="5217812" y="5185668"/>
+            <a:ext cx="577646" cy="128921"/>
+            <a:chOff x="1875984" y="5876466"/>
+            <a:chExt cx="2302353" cy="128921"/>
+          </a:xfrm>
+        </p:grpSpPr>
+        <p:sp>
+          <p:nvSpPr>
+            <p:cNvPr id="199" name="矩形 198">
+              <a:extLst>
+                <a:ext uri="{FF2B5EF4-FFF2-40B4-BE49-F238E27FC236}">
+                  <a16:creationId xmlns:a16="http://schemas.microsoft.com/office/drawing/2014/main" id="{C66C1273-CC88-4FAB-AF2F-77598DC77F34}"/>
+                </a:ext>
+              </a:extLst>
+            </p:cNvPr>
+            <p:cNvSpPr/>
+            <p:nvPr/>
+          </p:nvSpPr>
+          <p:spPr>
+            <a:xfrm>
+              <a:off x="1875984" y="5876466"/>
+              <a:ext cx="2302353" cy="128921"/>
+            </a:xfrm>
+            <a:prstGeom prst="rect">
+              <a:avLst/>
+            </a:prstGeom>
+            <a:solidFill>
+              <a:schemeClr val="accent1">
+                <a:lumMod val="40000"/>
+                <a:lumOff val="60000"/>
+              </a:schemeClr>
+            </a:solidFill>
+          </p:spPr>
+          <p:style>
+            <a:lnRef idx="2">
+              <a:schemeClr val="accent1">
+                <a:shade val="50000"/>
+              </a:schemeClr>
+            </a:lnRef>
+            <a:fillRef idx="1">
+              <a:schemeClr val="accent1"/>
+            </a:fillRef>
+            <a:effectRef idx="0">
+              <a:schemeClr val="accent1"/>
+            </a:effectRef>
+            <a:fontRef idx="minor">
+              <a:schemeClr val="lt1"/>
+            </a:fontRef>
+          </p:style>
+          <p:txBody>
+            <a:bodyPr rtlCol="0" anchor="ctr"/>
+            <a:lstStyle/>
+            <a:p>
+              <a:pPr algn="ctr"/>
+              <a:endParaRPr lang="zh-CN" altLang="en-US" dirty="0"/>
+            </a:p>
+          </p:txBody>
+        </p:sp>
+        <p:cxnSp>
+          <p:nvCxnSpPr>
+            <p:cNvPr id="200" name="直接连接符 199">
+              <a:extLst>
+                <a:ext uri="{FF2B5EF4-FFF2-40B4-BE49-F238E27FC236}">
+                  <a16:creationId xmlns:a16="http://schemas.microsoft.com/office/drawing/2014/main" id="{B56637B7-7772-45FA-8BA9-30EA126CAB52}"/>
+                </a:ext>
+              </a:extLst>
+            </p:cNvPr>
+            <p:cNvCxnSpPr/>
+            <p:nvPr/>
+          </p:nvCxnSpPr>
+          <p:spPr>
+            <a:xfrm>
+              <a:off x="2128838" y="5876466"/>
+              <a:ext cx="0" cy="128921"/>
+            </a:xfrm>
+            <a:prstGeom prst="line">
+              <a:avLst/>
+            </a:prstGeom>
+            <a:ln>
+              <a:solidFill>
+                <a:schemeClr val="accent1">
+                  <a:lumMod val="75000"/>
+                </a:schemeClr>
+              </a:solidFill>
+            </a:ln>
+          </p:spPr>
+          <p:style>
+            <a:lnRef idx="1">
+              <a:schemeClr val="accent1"/>
+            </a:lnRef>
+            <a:fillRef idx="0">
+              <a:schemeClr val="accent1"/>
+            </a:fillRef>
+            <a:effectRef idx="0">
+              <a:schemeClr val="accent1"/>
+            </a:effectRef>
+            <a:fontRef idx="minor">
+              <a:schemeClr val="tx1"/>
+            </a:fontRef>
+          </p:style>
+        </p:cxnSp>
+        <p:cxnSp>
+          <p:nvCxnSpPr>
+            <p:cNvPr id="201" name="直接连接符 200">
+              <a:extLst>
+                <a:ext uri="{FF2B5EF4-FFF2-40B4-BE49-F238E27FC236}">
+                  <a16:creationId xmlns:a16="http://schemas.microsoft.com/office/drawing/2014/main" id="{EFC43D1B-C7A7-4BD0-8A89-B6BE0D8E58DF}"/>
+                </a:ext>
+              </a:extLst>
+            </p:cNvPr>
+            <p:cNvCxnSpPr/>
+            <p:nvPr/>
+          </p:nvCxnSpPr>
+          <p:spPr>
+            <a:xfrm>
+              <a:off x="2354263" y="5876466"/>
+              <a:ext cx="0" cy="128921"/>
+            </a:xfrm>
+            <a:prstGeom prst="line">
+              <a:avLst/>
+            </a:prstGeom>
+            <a:ln>
+              <a:solidFill>
+                <a:schemeClr val="accent1">
+                  <a:lumMod val="75000"/>
+                </a:schemeClr>
+              </a:solidFill>
+            </a:ln>
+          </p:spPr>
+          <p:style>
+            <a:lnRef idx="1">
+              <a:schemeClr val="accent1"/>
+            </a:lnRef>
+            <a:fillRef idx="0">
+              <a:schemeClr val="accent1"/>
+            </a:fillRef>
+            <a:effectRef idx="0">
+              <a:schemeClr val="accent1"/>
+            </a:effectRef>
+            <a:fontRef idx="minor">
+              <a:schemeClr val="tx1"/>
+            </a:fontRef>
+          </p:style>
+        </p:cxnSp>
+        <p:cxnSp>
+          <p:nvCxnSpPr>
+            <p:cNvPr id="202" name="直接连接符 201">
+              <a:extLst>
+                <a:ext uri="{FF2B5EF4-FFF2-40B4-BE49-F238E27FC236}">
+                  <a16:creationId xmlns:a16="http://schemas.microsoft.com/office/drawing/2014/main" id="{8784BD78-ED37-43F6-9818-9EB29624D5AC}"/>
+                </a:ext>
+              </a:extLst>
+            </p:cNvPr>
+            <p:cNvCxnSpPr/>
+            <p:nvPr/>
+          </p:nvCxnSpPr>
+          <p:spPr>
+            <a:xfrm>
+              <a:off x="2579688" y="5876466"/>
+              <a:ext cx="0" cy="128921"/>
+            </a:xfrm>
+            <a:prstGeom prst="line">
+              <a:avLst/>
+            </a:prstGeom>
+            <a:ln>
+              <a:solidFill>
+                <a:schemeClr val="accent1">
+                  <a:lumMod val="75000"/>
+                </a:schemeClr>
+              </a:solidFill>
+            </a:ln>
+          </p:spPr>
+          <p:style>
+            <a:lnRef idx="1">
+              <a:schemeClr val="accent1"/>
+            </a:lnRef>
+            <a:fillRef idx="0">
+              <a:schemeClr val="accent1"/>
+            </a:fillRef>
+            <a:effectRef idx="0">
+              <a:schemeClr val="accent1"/>
+            </a:effectRef>
+            <a:fontRef idx="minor">
+              <a:schemeClr val="tx1"/>
+            </a:fontRef>
+          </p:style>
+        </p:cxnSp>
+        <p:cxnSp>
+          <p:nvCxnSpPr>
+            <p:cNvPr id="203" name="直接连接符 202">
+              <a:extLst>
+                <a:ext uri="{FF2B5EF4-FFF2-40B4-BE49-F238E27FC236}">
+                  <a16:creationId xmlns:a16="http://schemas.microsoft.com/office/drawing/2014/main" id="{85AAEA40-A160-4141-906C-711E160B8679}"/>
+                </a:ext>
+              </a:extLst>
+            </p:cNvPr>
+            <p:cNvCxnSpPr/>
+            <p:nvPr/>
+          </p:nvCxnSpPr>
+          <p:spPr>
+            <a:xfrm>
+              <a:off x="2808288" y="5876466"/>
+              <a:ext cx="0" cy="128921"/>
+            </a:xfrm>
+            <a:prstGeom prst="line">
+              <a:avLst/>
+            </a:prstGeom>
+            <a:ln>
+              <a:solidFill>
+                <a:schemeClr val="accent1">
+                  <a:lumMod val="75000"/>
+                </a:schemeClr>
+              </a:solidFill>
+            </a:ln>
+          </p:spPr>
+          <p:style>
+            <a:lnRef idx="1">
+              <a:schemeClr val="accent1"/>
+            </a:lnRef>
+            <a:fillRef idx="0">
+              <a:schemeClr val="accent1"/>
+            </a:fillRef>
+            <a:effectRef idx="0">
+              <a:schemeClr val="accent1"/>
+            </a:effectRef>
+            <a:fontRef idx="minor">
+              <a:schemeClr val="tx1"/>
+            </a:fontRef>
+          </p:style>
+        </p:cxnSp>
+        <p:cxnSp>
+          <p:nvCxnSpPr>
+            <p:cNvPr id="204" name="直接连接符 203">
+              <a:extLst>
+                <a:ext uri="{FF2B5EF4-FFF2-40B4-BE49-F238E27FC236}">
+                  <a16:creationId xmlns:a16="http://schemas.microsoft.com/office/drawing/2014/main" id="{E0C2DB44-7DDB-4466-BAC3-DC6B301DD579}"/>
+                </a:ext>
+              </a:extLst>
+            </p:cNvPr>
+            <p:cNvCxnSpPr/>
+            <p:nvPr/>
+          </p:nvCxnSpPr>
+          <p:spPr>
+            <a:xfrm>
+              <a:off x="3027161" y="5876466"/>
+              <a:ext cx="0" cy="128921"/>
+            </a:xfrm>
+            <a:prstGeom prst="line">
+              <a:avLst/>
+            </a:prstGeom>
+            <a:ln>
+              <a:solidFill>
+                <a:schemeClr val="accent1">
+                  <a:lumMod val="75000"/>
+                </a:schemeClr>
+              </a:solidFill>
+            </a:ln>
+          </p:spPr>
+          <p:style>
+            <a:lnRef idx="1">
+              <a:schemeClr val="accent1"/>
+            </a:lnRef>
+            <a:fillRef idx="0">
+              <a:schemeClr val="accent1"/>
+            </a:fillRef>
+            <a:effectRef idx="0">
+              <a:schemeClr val="accent1"/>
+            </a:effectRef>
+            <a:fontRef idx="minor">
+              <a:schemeClr val="tx1"/>
+            </a:fontRef>
+          </p:style>
+        </p:cxnSp>
+        <p:cxnSp>
+          <p:nvCxnSpPr>
+            <p:cNvPr id="205" name="直接连接符 204">
+              <a:extLst>
+                <a:ext uri="{FF2B5EF4-FFF2-40B4-BE49-F238E27FC236}">
+                  <a16:creationId xmlns:a16="http://schemas.microsoft.com/office/drawing/2014/main" id="{360F66D4-E0FA-4549-B2F9-D64CB8001E7B}"/>
+                </a:ext>
+              </a:extLst>
+            </p:cNvPr>
+            <p:cNvCxnSpPr/>
+            <p:nvPr/>
+          </p:nvCxnSpPr>
+          <p:spPr>
+            <a:xfrm>
+              <a:off x="3256990" y="5876466"/>
+              <a:ext cx="0" cy="128921"/>
+            </a:xfrm>
+            <a:prstGeom prst="line">
+              <a:avLst/>
+            </a:prstGeom>
+            <a:ln>
+              <a:solidFill>
+                <a:schemeClr val="accent1">
+                  <a:lumMod val="75000"/>
+                </a:schemeClr>
+              </a:solidFill>
+            </a:ln>
+          </p:spPr>
+          <p:style>
+            <a:lnRef idx="1">
+              <a:schemeClr val="accent1"/>
+            </a:lnRef>
+            <a:fillRef idx="0">
+              <a:schemeClr val="accent1"/>
+            </a:fillRef>
+            <a:effectRef idx="0">
+              <a:schemeClr val="accent1"/>
+            </a:effectRef>
+            <a:fontRef idx="minor">
+              <a:schemeClr val="tx1"/>
+            </a:fontRef>
+          </p:style>
+        </p:cxnSp>
+        <p:cxnSp>
+          <p:nvCxnSpPr>
+            <p:cNvPr id="206" name="直接连接符 205">
+              <a:extLst>
+                <a:ext uri="{FF2B5EF4-FFF2-40B4-BE49-F238E27FC236}">
+                  <a16:creationId xmlns:a16="http://schemas.microsoft.com/office/drawing/2014/main" id="{1D56528A-5D85-469E-B30F-2A6458C7C8E5}"/>
+                </a:ext>
+              </a:extLst>
+            </p:cNvPr>
+            <p:cNvCxnSpPr/>
+            <p:nvPr/>
+          </p:nvCxnSpPr>
+          <p:spPr>
+            <a:xfrm>
+              <a:off x="3491940" y="5876466"/>
+              <a:ext cx="0" cy="128921"/>
+            </a:xfrm>
+            <a:prstGeom prst="line">
+              <a:avLst/>
+            </a:prstGeom>
+            <a:ln>
+              <a:solidFill>
+                <a:schemeClr val="accent1">
+                  <a:lumMod val="75000"/>
+                </a:schemeClr>
+              </a:solidFill>
+            </a:ln>
+          </p:spPr>
+          <p:style>
+            <a:lnRef idx="1">
+              <a:schemeClr val="accent1"/>
+            </a:lnRef>
+            <a:fillRef idx="0">
+              <a:schemeClr val="accent1"/>
+            </a:fillRef>
+            <a:effectRef idx="0">
+              <a:schemeClr val="accent1"/>
+            </a:effectRef>
+            <a:fontRef idx="minor">
+              <a:schemeClr val="tx1"/>
+            </a:fontRef>
+          </p:style>
+        </p:cxnSp>
+        <p:cxnSp>
+          <p:nvCxnSpPr>
+            <p:cNvPr id="207" name="直接连接符 206">
+              <a:extLst>
+                <a:ext uri="{FF2B5EF4-FFF2-40B4-BE49-F238E27FC236}">
+                  <a16:creationId xmlns:a16="http://schemas.microsoft.com/office/drawing/2014/main" id="{F0137EB0-331A-442E-8B2D-4D3F9D5879E2}"/>
+                </a:ext>
+              </a:extLst>
+            </p:cNvPr>
+            <p:cNvCxnSpPr/>
+            <p:nvPr/>
+          </p:nvCxnSpPr>
+          <p:spPr>
+            <a:xfrm>
+              <a:off x="3712602" y="5876466"/>
+              <a:ext cx="0" cy="128921"/>
+            </a:xfrm>
+            <a:prstGeom prst="line">
+              <a:avLst/>
+            </a:prstGeom>
+          </p:spPr>
+          <p:style>
+            <a:lnRef idx="1">
+              <a:schemeClr val="accent1"/>
+            </a:lnRef>
+            <a:fillRef idx="0">
+              <a:schemeClr val="accent1"/>
+            </a:fillRef>
+            <a:effectRef idx="0">
+              <a:schemeClr val="accent1"/>
+            </a:effectRef>
+            <a:fontRef idx="minor">
+              <a:schemeClr val="tx1"/>
+            </a:fontRef>
+          </p:style>
+        </p:cxnSp>
+        <p:cxnSp>
+          <p:nvCxnSpPr>
+            <p:cNvPr id="208" name="直接连接符 207">
+              <a:extLst>
+                <a:ext uri="{FF2B5EF4-FFF2-40B4-BE49-F238E27FC236}">
+                  <a16:creationId xmlns:a16="http://schemas.microsoft.com/office/drawing/2014/main" id="{65446BE1-0ED5-49D5-8AFC-ED6264681AFC}"/>
+                </a:ext>
+              </a:extLst>
+            </p:cNvPr>
+            <p:cNvCxnSpPr/>
+            <p:nvPr/>
+          </p:nvCxnSpPr>
+          <p:spPr>
+            <a:xfrm>
+              <a:off x="3944377" y="5876466"/>
+              <a:ext cx="0" cy="128921"/>
+            </a:xfrm>
+            <a:prstGeom prst="line">
+              <a:avLst/>
+            </a:prstGeom>
+          </p:spPr>
+          <p:style>
+            <a:lnRef idx="1">
+              <a:schemeClr val="accent1"/>
+            </a:lnRef>
+            <a:fillRef idx="0">
+              <a:schemeClr val="accent1"/>
+            </a:fillRef>
+            <a:effectRef idx="0">
+              <a:schemeClr val="accent1"/>
+            </a:effectRef>
+            <a:fontRef idx="minor">
+              <a:schemeClr val="tx1"/>
+            </a:fontRef>
+          </p:style>
+        </p:cxnSp>
+      </p:grpSp>
+      <p:grpSp>
+        <p:nvGrpSpPr>
+          <p:cNvPr id="209" name="组合 208">
+            <a:extLst>
+              <a:ext uri="{FF2B5EF4-FFF2-40B4-BE49-F238E27FC236}">
+                <a16:creationId xmlns:a16="http://schemas.microsoft.com/office/drawing/2014/main" id="{E09223F5-AB8A-4385-A0F9-A909A4AE7962}"/>
+              </a:ext>
+            </a:extLst>
+          </p:cNvPr>
+          <p:cNvGrpSpPr/>
+          <p:nvPr/>
+        </p:nvGrpSpPr>
+        <p:grpSpPr>
+          <a:xfrm>
+            <a:off x="6149485" y="5184840"/>
+            <a:ext cx="577646" cy="128921"/>
+            <a:chOff x="1875984" y="5876466"/>
+            <a:chExt cx="2302353" cy="128921"/>
+          </a:xfrm>
+        </p:grpSpPr>
+        <p:sp>
+          <p:nvSpPr>
+            <p:cNvPr id="210" name="矩形 209">
+              <a:extLst>
+                <a:ext uri="{FF2B5EF4-FFF2-40B4-BE49-F238E27FC236}">
+                  <a16:creationId xmlns:a16="http://schemas.microsoft.com/office/drawing/2014/main" id="{6AA10F83-D7D4-4DC0-80F0-0627C888B8EA}"/>
+                </a:ext>
+              </a:extLst>
+            </p:cNvPr>
+            <p:cNvSpPr/>
+            <p:nvPr/>
+          </p:nvSpPr>
+          <p:spPr>
+            <a:xfrm>
+              <a:off x="1875984" y="5876466"/>
+              <a:ext cx="2302353" cy="128921"/>
+            </a:xfrm>
+            <a:prstGeom prst="rect">
+              <a:avLst/>
+            </a:prstGeom>
+            <a:solidFill>
+              <a:schemeClr val="accent1">
+                <a:lumMod val="40000"/>
+                <a:lumOff val="60000"/>
+              </a:schemeClr>
+            </a:solidFill>
+          </p:spPr>
+          <p:style>
+            <a:lnRef idx="2">
+              <a:schemeClr val="accent1">
+                <a:shade val="50000"/>
+              </a:schemeClr>
+            </a:lnRef>
+            <a:fillRef idx="1">
+              <a:schemeClr val="accent1"/>
+            </a:fillRef>
+            <a:effectRef idx="0">
+              <a:schemeClr val="accent1"/>
+            </a:effectRef>
+            <a:fontRef idx="minor">
+              <a:schemeClr val="lt1"/>
+            </a:fontRef>
+          </p:style>
+          <p:txBody>
+            <a:bodyPr rtlCol="0" anchor="ctr"/>
+            <a:lstStyle/>
+            <a:p>
+              <a:pPr algn="ctr"/>
+              <a:endParaRPr lang="zh-CN" altLang="en-US" dirty="0"/>
+            </a:p>
+          </p:txBody>
+        </p:sp>
+        <p:cxnSp>
+          <p:nvCxnSpPr>
+            <p:cNvPr id="211" name="直接连接符 210">
+              <a:extLst>
+                <a:ext uri="{FF2B5EF4-FFF2-40B4-BE49-F238E27FC236}">
+                  <a16:creationId xmlns:a16="http://schemas.microsoft.com/office/drawing/2014/main" id="{CFE15D83-3CC1-4D00-843D-8133B97C4CA3}"/>
+                </a:ext>
+              </a:extLst>
+            </p:cNvPr>
+            <p:cNvCxnSpPr/>
+            <p:nvPr/>
+          </p:nvCxnSpPr>
+          <p:spPr>
+            <a:xfrm>
+              <a:off x="2128838" y="5876466"/>
+              <a:ext cx="0" cy="128921"/>
+            </a:xfrm>
+            <a:prstGeom prst="line">
+              <a:avLst/>
+            </a:prstGeom>
+            <a:ln>
+              <a:solidFill>
+                <a:schemeClr val="accent1">
+                  <a:lumMod val="75000"/>
+                </a:schemeClr>
+              </a:solidFill>
+            </a:ln>
+          </p:spPr>
+          <p:style>
+            <a:lnRef idx="1">
+              <a:schemeClr val="accent1"/>
+            </a:lnRef>
+            <a:fillRef idx="0">
+              <a:schemeClr val="accent1"/>
+            </a:fillRef>
+            <a:effectRef idx="0">
+              <a:schemeClr val="accent1"/>
+            </a:effectRef>
+            <a:fontRef idx="minor">
+              <a:schemeClr val="tx1"/>
+            </a:fontRef>
+          </p:style>
+        </p:cxnSp>
+        <p:cxnSp>
+          <p:nvCxnSpPr>
+            <p:cNvPr id="212" name="直接连接符 211">
+              <a:extLst>
+                <a:ext uri="{FF2B5EF4-FFF2-40B4-BE49-F238E27FC236}">
+                  <a16:creationId xmlns:a16="http://schemas.microsoft.com/office/drawing/2014/main" id="{920B5FCB-6800-4B60-8629-0F521682DECB}"/>
+                </a:ext>
+              </a:extLst>
+            </p:cNvPr>
+            <p:cNvCxnSpPr/>
+            <p:nvPr/>
+          </p:nvCxnSpPr>
+          <p:spPr>
+            <a:xfrm>
+              <a:off x="2354263" y="5876466"/>
+              <a:ext cx="0" cy="128921"/>
+            </a:xfrm>
+            <a:prstGeom prst="line">
+              <a:avLst/>
+            </a:prstGeom>
+            <a:ln>
+              <a:solidFill>
+                <a:schemeClr val="accent1">
+                  <a:lumMod val="75000"/>
+                </a:schemeClr>
+              </a:solidFill>
+            </a:ln>
+          </p:spPr>
+          <p:style>
+            <a:lnRef idx="1">
+              <a:schemeClr val="accent1"/>
+            </a:lnRef>
+            <a:fillRef idx="0">
+              <a:schemeClr val="accent1"/>
+            </a:fillRef>
+            <a:effectRef idx="0">
+              <a:schemeClr val="accent1"/>
+            </a:effectRef>
+            <a:fontRef idx="minor">
+              <a:schemeClr val="tx1"/>
+            </a:fontRef>
+          </p:style>
+        </p:cxnSp>
+        <p:cxnSp>
+          <p:nvCxnSpPr>
+            <p:cNvPr id="213" name="直接连接符 212">
+              <a:extLst>
+                <a:ext uri="{FF2B5EF4-FFF2-40B4-BE49-F238E27FC236}">
+                  <a16:creationId xmlns:a16="http://schemas.microsoft.com/office/drawing/2014/main" id="{AD079391-51EE-4F7B-BBA6-733603BE5691}"/>
+                </a:ext>
+              </a:extLst>
+            </p:cNvPr>
+            <p:cNvCxnSpPr/>
+            <p:nvPr/>
+          </p:nvCxnSpPr>
+          <p:spPr>
+            <a:xfrm>
+              <a:off x="2579688" y="5876466"/>
+              <a:ext cx="0" cy="128921"/>
+            </a:xfrm>
+            <a:prstGeom prst="line">
+              <a:avLst/>
+            </a:prstGeom>
+            <a:ln>
+              <a:solidFill>
+                <a:schemeClr val="accent1">
+                  <a:lumMod val="75000"/>
+                </a:schemeClr>
+              </a:solidFill>
+            </a:ln>
+          </p:spPr>
+          <p:style>
+            <a:lnRef idx="1">
+              <a:schemeClr val="accent1"/>
+            </a:lnRef>
+            <a:fillRef idx="0">
+              <a:schemeClr val="accent1"/>
+            </a:fillRef>
+            <a:effectRef idx="0">
+              <a:schemeClr val="accent1"/>
+            </a:effectRef>
+            <a:fontRef idx="minor">
+              <a:schemeClr val="tx1"/>
+            </a:fontRef>
+          </p:style>
+        </p:cxnSp>
+        <p:cxnSp>
+          <p:nvCxnSpPr>
+            <p:cNvPr id="214" name="直接连接符 213">
+              <a:extLst>
+                <a:ext uri="{FF2B5EF4-FFF2-40B4-BE49-F238E27FC236}">
+                  <a16:creationId xmlns:a16="http://schemas.microsoft.com/office/drawing/2014/main" id="{77E2117B-7311-47E1-A47A-B0C151A11724}"/>
+                </a:ext>
+              </a:extLst>
+            </p:cNvPr>
+            <p:cNvCxnSpPr/>
+            <p:nvPr/>
+          </p:nvCxnSpPr>
+          <p:spPr>
+            <a:xfrm>
+              <a:off x="2808288" y="5876466"/>
+              <a:ext cx="0" cy="128921"/>
+            </a:xfrm>
+            <a:prstGeom prst="line">
+              <a:avLst/>
+            </a:prstGeom>
+            <a:ln>
+              <a:solidFill>
+                <a:schemeClr val="accent1">
+                  <a:lumMod val="75000"/>
+                </a:schemeClr>
+              </a:solidFill>
+            </a:ln>
+          </p:spPr>
+          <p:style>
+            <a:lnRef idx="1">
+              <a:schemeClr val="accent1"/>
+            </a:lnRef>
+            <a:fillRef idx="0">
+              <a:schemeClr val="accent1"/>
+            </a:fillRef>
+            <a:effectRef idx="0">
+              <a:schemeClr val="accent1"/>
+            </a:effectRef>
+            <a:fontRef idx="minor">
+              <a:schemeClr val="tx1"/>
+            </a:fontRef>
+          </p:style>
+        </p:cxnSp>
+        <p:cxnSp>
+          <p:nvCxnSpPr>
+            <p:cNvPr id="215" name="直接连接符 214">
+              <a:extLst>
+                <a:ext uri="{FF2B5EF4-FFF2-40B4-BE49-F238E27FC236}">
+                  <a16:creationId xmlns:a16="http://schemas.microsoft.com/office/drawing/2014/main" id="{0554BD30-6E3D-4213-A2F4-AEC3B4554217}"/>
+                </a:ext>
+              </a:extLst>
+            </p:cNvPr>
+            <p:cNvCxnSpPr/>
+            <p:nvPr/>
+          </p:nvCxnSpPr>
+          <p:spPr>
+            <a:xfrm>
+              <a:off x="3027161" y="5876466"/>
+              <a:ext cx="0" cy="128921"/>
+            </a:xfrm>
+            <a:prstGeom prst="line">
+              <a:avLst/>
+            </a:prstGeom>
+            <a:ln>
+              <a:solidFill>
+                <a:schemeClr val="accent1">
+                  <a:lumMod val="75000"/>
+                </a:schemeClr>
+              </a:solidFill>
+            </a:ln>
+          </p:spPr>
+          <p:style>
+            <a:lnRef idx="1">
+              <a:schemeClr val="accent1"/>
+            </a:lnRef>
+            <a:fillRef idx="0">
+              <a:schemeClr val="accent1"/>
+            </a:fillRef>
+            <a:effectRef idx="0">
+              <a:schemeClr val="accent1"/>
+            </a:effectRef>
+            <a:fontRef idx="minor">
+              <a:schemeClr val="tx1"/>
+            </a:fontRef>
+          </p:style>
+        </p:cxnSp>
+        <p:cxnSp>
+          <p:nvCxnSpPr>
+            <p:cNvPr id="216" name="直接连接符 215">
+              <a:extLst>
+                <a:ext uri="{FF2B5EF4-FFF2-40B4-BE49-F238E27FC236}">
+                  <a16:creationId xmlns:a16="http://schemas.microsoft.com/office/drawing/2014/main" id="{25579C88-E8DA-4FF7-9212-F543CBF13620}"/>
+                </a:ext>
+              </a:extLst>
+            </p:cNvPr>
+            <p:cNvCxnSpPr/>
+            <p:nvPr/>
+          </p:nvCxnSpPr>
+          <p:spPr>
+            <a:xfrm>
+              <a:off x="3256990" y="5876466"/>
+              <a:ext cx="0" cy="128921"/>
+            </a:xfrm>
+            <a:prstGeom prst="line">
+              <a:avLst/>
+            </a:prstGeom>
+            <a:ln>
+              <a:solidFill>
+                <a:schemeClr val="accent1">
+                  <a:lumMod val="75000"/>
+                </a:schemeClr>
+              </a:solidFill>
+            </a:ln>
+          </p:spPr>
+          <p:style>
+            <a:lnRef idx="1">
+              <a:schemeClr val="accent1"/>
+            </a:lnRef>
+            <a:fillRef idx="0">
+              <a:schemeClr val="accent1"/>
+            </a:fillRef>
+            <a:effectRef idx="0">
+              <a:schemeClr val="accent1"/>
+            </a:effectRef>
+            <a:fontRef idx="minor">
+              <a:schemeClr val="tx1"/>
+            </a:fontRef>
+          </p:style>
+        </p:cxnSp>
+        <p:cxnSp>
+          <p:nvCxnSpPr>
+            <p:cNvPr id="217" name="直接连接符 216">
+              <a:extLst>
+                <a:ext uri="{FF2B5EF4-FFF2-40B4-BE49-F238E27FC236}">
+                  <a16:creationId xmlns:a16="http://schemas.microsoft.com/office/drawing/2014/main" id="{ACBCDE5F-FA8F-444B-BAC4-9767AC42491B}"/>
+                </a:ext>
+              </a:extLst>
+            </p:cNvPr>
+            <p:cNvCxnSpPr/>
+            <p:nvPr/>
+          </p:nvCxnSpPr>
+          <p:spPr>
+            <a:xfrm>
+              <a:off x="3491940" y="5876466"/>
+              <a:ext cx="0" cy="128921"/>
+            </a:xfrm>
+            <a:prstGeom prst="line">
+              <a:avLst/>
+            </a:prstGeom>
+            <a:ln>
+              <a:solidFill>
+                <a:schemeClr val="accent1">
+                  <a:lumMod val="75000"/>
+                </a:schemeClr>
+              </a:solidFill>
+            </a:ln>
+          </p:spPr>
+          <p:style>
+            <a:lnRef idx="1">
+              <a:schemeClr val="accent1"/>
+            </a:lnRef>
+            <a:fillRef idx="0">
+              <a:schemeClr val="accent1"/>
+            </a:fillRef>
+            <a:effectRef idx="0">
+              <a:schemeClr val="accent1"/>
+            </a:effectRef>
+            <a:fontRef idx="minor">
+              <a:schemeClr val="tx1"/>
+            </a:fontRef>
+          </p:style>
+        </p:cxnSp>
+        <p:cxnSp>
+          <p:nvCxnSpPr>
+            <p:cNvPr id="218" name="直接连接符 217">
+              <a:extLst>
+                <a:ext uri="{FF2B5EF4-FFF2-40B4-BE49-F238E27FC236}">
+                  <a16:creationId xmlns:a16="http://schemas.microsoft.com/office/drawing/2014/main" id="{85244D9B-27AB-4A33-96C8-895A8B921AD1}"/>
+                </a:ext>
+              </a:extLst>
+            </p:cNvPr>
+            <p:cNvCxnSpPr/>
+            <p:nvPr/>
+          </p:nvCxnSpPr>
+          <p:spPr>
+            <a:xfrm>
+              <a:off x="3712602" y="5876466"/>
+              <a:ext cx="0" cy="128921"/>
+            </a:xfrm>
+            <a:prstGeom prst="line">
+              <a:avLst/>
+            </a:prstGeom>
+          </p:spPr>
+          <p:style>
+            <a:lnRef idx="1">
+              <a:schemeClr val="accent1"/>
+            </a:lnRef>
+            <a:fillRef idx="0">
+              <a:schemeClr val="accent1"/>
+            </a:fillRef>
+            <a:effectRef idx="0">
+              <a:schemeClr val="accent1"/>
+            </a:effectRef>
+            <a:fontRef idx="minor">
+              <a:schemeClr val="tx1"/>
+            </a:fontRef>
+          </p:style>
+        </p:cxnSp>
+        <p:cxnSp>
+          <p:nvCxnSpPr>
+            <p:cNvPr id="219" name="直接连接符 218">
+              <a:extLst>
+                <a:ext uri="{FF2B5EF4-FFF2-40B4-BE49-F238E27FC236}">
+                  <a16:creationId xmlns:a16="http://schemas.microsoft.com/office/drawing/2014/main" id="{29E28A47-83B0-4DF1-A437-AF216381928E}"/>
+                </a:ext>
+              </a:extLst>
+            </p:cNvPr>
+            <p:cNvCxnSpPr/>
+            <p:nvPr/>
+          </p:nvCxnSpPr>
+          <p:spPr>
+            <a:xfrm>
+              <a:off x="3944377" y="5876466"/>
+              <a:ext cx="0" cy="128921"/>
+            </a:xfrm>
+            <a:prstGeom prst="line">
+              <a:avLst/>
+            </a:prstGeom>
+          </p:spPr>
+          <p:style>
+            <a:lnRef idx="1">
+              <a:schemeClr val="accent1"/>
+            </a:lnRef>
+            <a:fillRef idx="0">
+              <a:schemeClr val="accent1"/>
+            </a:fillRef>
+            <a:effectRef idx="0">
+              <a:schemeClr val="accent1"/>
+            </a:effectRef>
+            <a:fontRef idx="minor">
+              <a:schemeClr val="tx1"/>
+            </a:fontRef>
+          </p:style>
+        </p:cxnSp>
+      </p:grpSp>
+      <p:grpSp>
+        <p:nvGrpSpPr>
+          <p:cNvPr id="251" name="组合 250">
+            <a:extLst>
+              <a:ext uri="{FF2B5EF4-FFF2-40B4-BE49-F238E27FC236}">
+                <a16:creationId xmlns:a16="http://schemas.microsoft.com/office/drawing/2014/main" id="{A47C105C-828F-476F-A25E-CA9FF647755A}"/>
+              </a:ext>
+            </a:extLst>
+          </p:cNvPr>
+          <p:cNvGrpSpPr/>
+          <p:nvPr/>
+        </p:nvGrpSpPr>
+        <p:grpSpPr>
+          <a:xfrm>
+            <a:off x="5305716" y="5988001"/>
+            <a:ext cx="2302353" cy="130424"/>
+            <a:chOff x="5192615" y="4909253"/>
+            <a:chExt cx="2302353" cy="130424"/>
+          </a:xfrm>
+        </p:grpSpPr>
+        <p:sp>
+          <p:nvSpPr>
+            <p:cNvPr id="32" name="矩形 31">
+              <a:extLst>
+                <a:ext uri="{FF2B5EF4-FFF2-40B4-BE49-F238E27FC236}">
+                  <a16:creationId xmlns:a16="http://schemas.microsoft.com/office/drawing/2014/main" id="{B0AE4224-2C1C-4232-B093-1FB52E3E2874}"/>
+                </a:ext>
+              </a:extLst>
+            </p:cNvPr>
+            <p:cNvSpPr/>
+            <p:nvPr/>
+          </p:nvSpPr>
+          <p:spPr>
+            <a:xfrm>
+              <a:off x="5192615" y="4910756"/>
+              <a:ext cx="2302353" cy="128921"/>
+            </a:xfrm>
+            <a:prstGeom prst="rect">
+              <a:avLst/>
+            </a:prstGeom>
+            <a:solidFill>
+              <a:schemeClr val="accent2">
+                <a:lumMod val="60000"/>
+                <a:lumOff val="40000"/>
+              </a:schemeClr>
+            </a:solidFill>
+            <a:ln>
+              <a:solidFill>
+                <a:schemeClr val="accent2"/>
+              </a:solidFill>
+            </a:ln>
+          </p:spPr>
+          <p:style>
+            <a:lnRef idx="2">
+              <a:schemeClr val="accent1">
+                <a:shade val="50000"/>
+              </a:schemeClr>
+            </a:lnRef>
+            <a:fillRef idx="1">
+              <a:schemeClr val="accent1"/>
+            </a:fillRef>
+            <a:effectRef idx="0">
+              <a:schemeClr val="accent1"/>
+            </a:effectRef>
+            <a:fontRef idx="minor">
+              <a:schemeClr val="lt1"/>
+            </a:fontRef>
+          </p:style>
+          <p:txBody>
+            <a:bodyPr rtlCol="0" anchor="ctr"/>
+            <a:lstStyle/>
+            <a:p>
+              <a:pPr algn="ctr"/>
+              <a:endParaRPr lang="zh-CN" altLang="en-US"/>
+            </a:p>
+          </p:txBody>
+        </p:sp>
+        <p:cxnSp>
+          <p:nvCxnSpPr>
+            <p:cNvPr id="65" name="直接连接符 64">
+              <a:extLst>
+                <a:ext uri="{FF2B5EF4-FFF2-40B4-BE49-F238E27FC236}">
+                  <a16:creationId xmlns:a16="http://schemas.microsoft.com/office/drawing/2014/main" id="{17452F7C-7DDD-480C-A1AE-591A0FB8224D}"/>
+                </a:ext>
+              </a:extLst>
+            </p:cNvPr>
+            <p:cNvCxnSpPr>
+              <a:cxnSpLocks/>
+            </p:cNvCxnSpPr>
+            <p:nvPr/>
+          </p:nvCxnSpPr>
+          <p:spPr>
+            <a:xfrm>
+              <a:off x="5423480" y="4909253"/>
+              <a:ext cx="0" cy="128921"/>
+            </a:xfrm>
+            <a:prstGeom prst="line">
+              <a:avLst/>
+            </a:prstGeom>
+            <a:ln w="12700">
+              <a:solidFill>
+                <a:schemeClr val="accent2"/>
+              </a:solidFill>
+            </a:ln>
+          </p:spPr>
+          <p:style>
+            <a:lnRef idx="1">
+              <a:schemeClr val="accent1"/>
+            </a:lnRef>
+            <a:fillRef idx="0">
+              <a:schemeClr val="accent1"/>
+            </a:fillRef>
+            <a:effectRef idx="0">
+              <a:schemeClr val="accent1"/>
+            </a:effectRef>
+            <a:fontRef idx="minor">
+              <a:schemeClr val="tx1"/>
+            </a:fontRef>
+          </p:style>
+        </p:cxnSp>
+        <p:cxnSp>
+          <p:nvCxnSpPr>
+            <p:cNvPr id="66" name="直接连接符 65">
+              <a:extLst>
+                <a:ext uri="{FF2B5EF4-FFF2-40B4-BE49-F238E27FC236}">
+                  <a16:creationId xmlns:a16="http://schemas.microsoft.com/office/drawing/2014/main" id="{48CC2EC8-2DAA-4C01-AF53-327AEBE3AE54}"/>
+                </a:ext>
+              </a:extLst>
+            </p:cNvPr>
+            <p:cNvCxnSpPr>
+              <a:cxnSpLocks/>
+            </p:cNvCxnSpPr>
+            <p:nvPr/>
+          </p:nvCxnSpPr>
+          <p:spPr>
+            <a:xfrm>
+              <a:off x="5664100" y="4909253"/>
+              <a:ext cx="0" cy="128921"/>
+            </a:xfrm>
+            <a:prstGeom prst="line">
+              <a:avLst/>
+            </a:prstGeom>
+            <a:ln w="12700">
+              <a:solidFill>
+                <a:schemeClr val="accent2"/>
+              </a:solidFill>
+            </a:ln>
+          </p:spPr>
+          <p:style>
+            <a:lnRef idx="1">
+              <a:schemeClr val="accent1"/>
+            </a:lnRef>
+            <a:fillRef idx="0">
+              <a:schemeClr val="accent1"/>
+            </a:fillRef>
+            <a:effectRef idx="0">
+              <a:schemeClr val="accent1"/>
+            </a:effectRef>
+            <a:fontRef idx="minor">
+              <a:schemeClr val="tx1"/>
+            </a:fontRef>
+          </p:style>
+        </p:cxnSp>
+        <p:cxnSp>
+          <p:nvCxnSpPr>
+            <p:cNvPr id="67" name="直接连接符 66">
+              <a:extLst>
+                <a:ext uri="{FF2B5EF4-FFF2-40B4-BE49-F238E27FC236}">
+                  <a16:creationId xmlns:a16="http://schemas.microsoft.com/office/drawing/2014/main" id="{D207A055-9794-4234-8342-10E64C4315F2}"/>
+                </a:ext>
+              </a:extLst>
+            </p:cNvPr>
+            <p:cNvCxnSpPr>
+              <a:cxnSpLocks/>
+            </p:cNvCxnSpPr>
+            <p:nvPr/>
+          </p:nvCxnSpPr>
+          <p:spPr>
+            <a:xfrm>
+              <a:off x="5898009" y="4909253"/>
+              <a:ext cx="0" cy="128921"/>
+            </a:xfrm>
+            <a:prstGeom prst="line">
+              <a:avLst/>
+            </a:prstGeom>
+            <a:ln w="12700">
+              <a:solidFill>
+                <a:schemeClr val="accent2"/>
+              </a:solidFill>
+            </a:ln>
+          </p:spPr>
+          <p:style>
+            <a:lnRef idx="1">
+              <a:schemeClr val="accent1"/>
+            </a:lnRef>
+            <a:fillRef idx="0">
+              <a:schemeClr val="accent1"/>
+            </a:fillRef>
+            <a:effectRef idx="0">
+              <a:schemeClr val="accent1"/>
+            </a:effectRef>
+            <a:fontRef idx="minor">
+              <a:schemeClr val="tx1"/>
+            </a:fontRef>
+          </p:style>
+        </p:cxnSp>
+        <p:cxnSp>
+          <p:nvCxnSpPr>
+            <p:cNvPr id="68" name="直接连接符 67">
+              <a:extLst>
+                <a:ext uri="{FF2B5EF4-FFF2-40B4-BE49-F238E27FC236}">
+                  <a16:creationId xmlns:a16="http://schemas.microsoft.com/office/drawing/2014/main" id="{A2F754D7-5E06-46B6-8483-E9A442E5C129}"/>
+                </a:ext>
+              </a:extLst>
+            </p:cNvPr>
+            <p:cNvCxnSpPr>
+              <a:cxnSpLocks/>
+            </p:cNvCxnSpPr>
+            <p:nvPr/>
+          </p:nvCxnSpPr>
+          <p:spPr>
+            <a:xfrm>
+              <a:off x="6124896" y="4909253"/>
+              <a:ext cx="0" cy="128921"/>
+            </a:xfrm>
+            <a:prstGeom prst="line">
+              <a:avLst/>
+            </a:prstGeom>
+            <a:ln w="12700">
+              <a:solidFill>
+                <a:schemeClr val="accent2"/>
+              </a:solidFill>
+            </a:ln>
+          </p:spPr>
+          <p:style>
+            <a:lnRef idx="1">
+              <a:schemeClr val="accent1"/>
+            </a:lnRef>
+            <a:fillRef idx="0">
+              <a:schemeClr val="accent1"/>
+            </a:fillRef>
+            <a:effectRef idx="0">
+              <a:schemeClr val="accent1"/>
+            </a:effectRef>
+            <a:fontRef idx="minor">
+              <a:schemeClr val="tx1"/>
+            </a:fontRef>
+          </p:style>
+        </p:cxnSp>
+        <p:cxnSp>
+          <p:nvCxnSpPr>
+            <p:cNvPr id="69" name="直接连接符 68">
+              <a:extLst>
+                <a:ext uri="{FF2B5EF4-FFF2-40B4-BE49-F238E27FC236}">
+                  <a16:creationId xmlns:a16="http://schemas.microsoft.com/office/drawing/2014/main" id="{7309CEE5-76A7-4367-B2D9-8ADC2BA308B9}"/>
+                </a:ext>
+              </a:extLst>
+            </p:cNvPr>
+            <p:cNvCxnSpPr>
+              <a:cxnSpLocks/>
+            </p:cNvCxnSpPr>
+            <p:nvPr/>
+          </p:nvCxnSpPr>
+          <p:spPr>
+            <a:xfrm>
+              <a:off x="6378953" y="4909253"/>
+              <a:ext cx="0" cy="128921"/>
+            </a:xfrm>
+            <a:prstGeom prst="line">
+              <a:avLst/>
+            </a:prstGeom>
+            <a:ln w="12700">
+              <a:solidFill>
+                <a:schemeClr val="accent2"/>
+              </a:solidFill>
+            </a:ln>
+          </p:spPr>
+          <p:style>
+            <a:lnRef idx="1">
+              <a:schemeClr val="accent1"/>
+            </a:lnRef>
+            <a:fillRef idx="0">
+              <a:schemeClr val="accent1"/>
+            </a:fillRef>
+            <a:effectRef idx="0">
+              <a:schemeClr val="accent1"/>
+            </a:effectRef>
+            <a:fontRef idx="minor">
+              <a:schemeClr val="tx1"/>
+            </a:fontRef>
+          </p:style>
+        </p:cxnSp>
+        <p:cxnSp>
+          <p:nvCxnSpPr>
+            <p:cNvPr id="70" name="直接连接符 69">
+              <a:extLst>
+                <a:ext uri="{FF2B5EF4-FFF2-40B4-BE49-F238E27FC236}">
+                  <a16:creationId xmlns:a16="http://schemas.microsoft.com/office/drawing/2014/main" id="{922F5110-3EEB-4D0F-848D-8A78B97CABD6}"/>
+                </a:ext>
+              </a:extLst>
+            </p:cNvPr>
+            <p:cNvCxnSpPr>
+              <a:cxnSpLocks/>
+            </p:cNvCxnSpPr>
+            <p:nvPr/>
+          </p:nvCxnSpPr>
+          <p:spPr>
+            <a:xfrm>
+              <a:off x="6619634" y="4909253"/>
+              <a:ext cx="0" cy="128921"/>
+            </a:xfrm>
+            <a:prstGeom prst="line">
+              <a:avLst/>
+            </a:prstGeom>
+            <a:ln w="12700">
+              <a:solidFill>
+                <a:schemeClr val="accent2"/>
+              </a:solidFill>
+            </a:ln>
+          </p:spPr>
+          <p:style>
+            <a:lnRef idx="1">
+              <a:schemeClr val="accent1"/>
+            </a:lnRef>
+            <a:fillRef idx="0">
+              <a:schemeClr val="accent1"/>
+            </a:fillRef>
+            <a:effectRef idx="0">
+              <a:schemeClr val="accent1"/>
+            </a:effectRef>
+            <a:fontRef idx="minor">
+              <a:schemeClr val="tx1"/>
+            </a:fontRef>
+          </p:style>
+        </p:cxnSp>
+        <p:cxnSp>
+          <p:nvCxnSpPr>
+            <p:cNvPr id="71" name="直接连接符 70">
+              <a:extLst>
+                <a:ext uri="{FF2B5EF4-FFF2-40B4-BE49-F238E27FC236}">
+                  <a16:creationId xmlns:a16="http://schemas.microsoft.com/office/drawing/2014/main" id="{AA50B921-A1DE-4BBE-8B07-FF1226D8C6F7}"/>
+                </a:ext>
+              </a:extLst>
+            </p:cNvPr>
+            <p:cNvCxnSpPr>
+              <a:cxnSpLocks/>
+            </p:cNvCxnSpPr>
+            <p:nvPr/>
+          </p:nvCxnSpPr>
+          <p:spPr>
+            <a:xfrm>
+              <a:off x="6856719" y="4909253"/>
+              <a:ext cx="0" cy="128921"/>
+            </a:xfrm>
+            <a:prstGeom prst="line">
+              <a:avLst/>
+            </a:prstGeom>
+            <a:ln w="12700">
+              <a:solidFill>
+                <a:schemeClr val="accent2"/>
+              </a:solidFill>
+            </a:ln>
+          </p:spPr>
+          <p:style>
+            <a:lnRef idx="1">
+              <a:schemeClr val="accent1"/>
+            </a:lnRef>
+            <a:fillRef idx="0">
+              <a:schemeClr val="accent1"/>
+            </a:fillRef>
+            <a:effectRef idx="0">
+              <a:schemeClr val="accent1"/>
+            </a:effectRef>
+            <a:fontRef idx="minor">
+              <a:schemeClr val="tx1"/>
+            </a:fontRef>
+          </p:style>
+        </p:cxnSp>
+        <p:cxnSp>
+          <p:nvCxnSpPr>
+            <p:cNvPr id="72" name="直接连接符 71">
+              <a:extLst>
+                <a:ext uri="{FF2B5EF4-FFF2-40B4-BE49-F238E27FC236}">
+                  <a16:creationId xmlns:a16="http://schemas.microsoft.com/office/drawing/2014/main" id="{E0F169BD-F88C-4E90-8CBE-5875AC3D6362}"/>
+                </a:ext>
+              </a:extLst>
+            </p:cNvPr>
+            <p:cNvCxnSpPr>
+              <a:cxnSpLocks/>
+            </p:cNvCxnSpPr>
+            <p:nvPr/>
+          </p:nvCxnSpPr>
+          <p:spPr>
+            <a:xfrm>
+              <a:off x="7071961" y="4909253"/>
+              <a:ext cx="0" cy="128921"/>
+            </a:xfrm>
+            <a:prstGeom prst="line">
+              <a:avLst/>
+            </a:prstGeom>
+            <a:ln w="12700">
+              <a:solidFill>
+                <a:schemeClr val="accent2"/>
+              </a:solidFill>
+            </a:ln>
+          </p:spPr>
+          <p:style>
+            <a:lnRef idx="1">
+              <a:schemeClr val="accent1"/>
+            </a:lnRef>
+            <a:fillRef idx="0">
+              <a:schemeClr val="accent1"/>
+            </a:fillRef>
+            <a:effectRef idx="0">
+              <a:schemeClr val="accent1"/>
+            </a:effectRef>
+            <a:fontRef idx="minor">
+              <a:schemeClr val="tx1"/>
+            </a:fontRef>
+          </p:style>
+        </p:cxnSp>
+        <p:cxnSp>
+          <p:nvCxnSpPr>
+            <p:cNvPr id="249" name="直接连接符 248">
+              <a:extLst>
+                <a:ext uri="{FF2B5EF4-FFF2-40B4-BE49-F238E27FC236}">
+                  <a16:creationId xmlns:a16="http://schemas.microsoft.com/office/drawing/2014/main" id="{2FA218D4-8634-43F6-BC31-4DF1D529E514}"/>
+                </a:ext>
+              </a:extLst>
+            </p:cNvPr>
+            <p:cNvCxnSpPr>
+              <a:cxnSpLocks/>
+            </p:cNvCxnSpPr>
+            <p:nvPr/>
+          </p:nvCxnSpPr>
+          <p:spPr>
+            <a:xfrm>
+              <a:off x="7284003" y="4909253"/>
+              <a:ext cx="0" cy="128921"/>
+            </a:xfrm>
+            <a:prstGeom prst="line">
+              <a:avLst/>
+            </a:prstGeom>
+            <a:ln w="12700">
+              <a:solidFill>
+                <a:schemeClr val="accent2"/>
+              </a:solidFill>
+            </a:ln>
+          </p:spPr>
+          <p:style>
+            <a:lnRef idx="1">
+              <a:schemeClr val="accent1"/>
+            </a:lnRef>
+            <a:fillRef idx="0">
+              <a:schemeClr val="accent1"/>
+            </a:fillRef>
+            <a:effectRef idx="0">
+              <a:schemeClr val="accent1"/>
+            </a:effectRef>
+            <a:fontRef idx="minor">
+              <a:schemeClr val="tx1"/>
+            </a:fontRef>
+          </p:style>
+        </p:cxnSp>
+      </p:grpSp>
+      <p:sp>
+        <p:nvSpPr>
+          <p:cNvPr id="255" name="矩形: 圆角 254">
+            <a:extLst>
+              <a:ext uri="{FF2B5EF4-FFF2-40B4-BE49-F238E27FC236}">
+                <a16:creationId xmlns:a16="http://schemas.microsoft.com/office/drawing/2014/main" id="{F01AF670-2268-428B-99CD-476A6C450C35}"/>
+              </a:ext>
+            </a:extLst>
+          </p:cNvPr>
+          <p:cNvSpPr/>
+          <p:nvPr/>
+        </p:nvSpPr>
+        <p:spPr>
+          <a:xfrm>
+            <a:off x="7717633" y="2059258"/>
+            <a:ext cx="764163" cy="406937"/>
+          </a:xfrm>
+          <a:prstGeom prst="roundRect">
+            <a:avLst/>
+          </a:prstGeom>
+          <a:solidFill>
+            <a:schemeClr val="accent2">
+              <a:lumMod val="20000"/>
+              <a:lumOff val="80000"/>
+            </a:schemeClr>
+          </a:solidFill>
+          <a:ln w="28575">
+            <a:solidFill>
+              <a:schemeClr val="tx1"/>
+            </a:solidFill>
+          </a:ln>
+        </p:spPr>
+        <p:style>
+          <a:lnRef idx="2">
+            <a:schemeClr val="accent1">
+              <a:shade val="50000"/>
+            </a:schemeClr>
+          </a:lnRef>
+          <a:fillRef idx="1">
+            <a:schemeClr val="accent1"/>
+          </a:fillRef>
+          <a:effectRef idx="0">
+            <a:schemeClr val="accent1"/>
+          </a:effectRef>
+          <a:fontRef idx="minor">
+            <a:schemeClr val="lt1"/>
+          </a:fontRef>
+        </p:style>
+        <p:txBody>
+          <a:bodyPr rtlCol="0" anchor="ctr"/>
+          <a:lstStyle/>
+          <a:p>
+            <a:pPr algn="ctr"/>
+            <a:endParaRPr lang="zh-CN" altLang="en-US" dirty="0"/>
+          </a:p>
+        </p:txBody>
+      </p:sp>
+      <p:cxnSp>
+        <p:nvCxnSpPr>
+          <p:cNvPr id="256" name="直接箭头连接符 255">
+            <a:extLst>
+              <a:ext uri="{FF2B5EF4-FFF2-40B4-BE49-F238E27FC236}">
+                <a16:creationId xmlns:a16="http://schemas.microsoft.com/office/drawing/2014/main" id="{992B0357-C804-466D-8DBF-6C764B47D84D}"/>
+              </a:ext>
+            </a:extLst>
+          </p:cNvPr>
+          <p:cNvCxnSpPr>
+            <a:cxnSpLocks/>
+            <a:endCxn id="252" idx="3"/>
+          </p:cNvCxnSpPr>
+          <p:nvPr/>
+        </p:nvCxnSpPr>
+        <p:spPr>
+          <a:xfrm flipH="1" flipV="1">
+            <a:off x="1743512" y="2264502"/>
+            <a:ext cx="488340" cy="2432"/>
+          </a:xfrm>
+          <a:prstGeom prst="straightConnector1">
+            <a:avLst/>
+          </a:prstGeom>
+          <a:ln w="31750">
+            <a:solidFill>
+              <a:schemeClr val="tx1"/>
+            </a:solidFill>
+            <a:tailEnd type="triangle"/>
+          </a:ln>
+        </p:spPr>
+        <p:style>
+          <a:lnRef idx="1">
+            <a:schemeClr val="accent1"/>
+          </a:lnRef>
+          <a:fillRef idx="0">
+            <a:schemeClr val="accent1"/>
+          </a:fillRef>
+          <a:effectRef idx="0">
+            <a:schemeClr val="accent1"/>
+          </a:effectRef>
+          <a:fontRef idx="minor">
+            <a:schemeClr val="tx1"/>
+          </a:fontRef>
+        </p:style>
+      </p:cxnSp>
+      <p:sp>
+        <p:nvSpPr>
+          <p:cNvPr id="258" name="文本框 257">
+            <a:extLst>
+              <a:ext uri="{FF2B5EF4-FFF2-40B4-BE49-F238E27FC236}">
+                <a16:creationId xmlns:a16="http://schemas.microsoft.com/office/drawing/2014/main" id="{FFA67A43-89F5-47CC-80AA-B35EC9989DE7}"/>
+              </a:ext>
+            </a:extLst>
+          </p:cNvPr>
+          <p:cNvSpPr txBox="1"/>
+          <p:nvPr/>
+        </p:nvSpPr>
+        <p:spPr>
+          <a:xfrm>
+            <a:off x="2078478" y="3498847"/>
+            <a:ext cx="692818" cy="369332"/>
+          </a:xfrm>
+          <a:prstGeom prst="rect">
+            <a:avLst/>
+          </a:prstGeom>
+          <a:noFill/>
+        </p:spPr>
+        <p:txBody>
+          <a:bodyPr wrap="none" rtlCol="0">
+            <a:spAutoFit/>
+          </a:bodyPr>
+          <a:lstStyle/>
+          <a:p>
+            <a:r>
+              <a:rPr lang="en-US" altLang="zh-CN" dirty="0"/>
+              <a:t>Scale</a:t>
+            </a:r>
+            <a:endParaRPr lang="zh-CN" altLang="en-US" dirty="0"/>
+          </a:p>
+        </p:txBody>
+      </p:sp>
+      <p:cxnSp>
+        <p:nvCxnSpPr>
+          <p:cNvPr id="259" name="直接箭头连接符 258">
+            <a:extLst>
+              <a:ext uri="{FF2B5EF4-FFF2-40B4-BE49-F238E27FC236}">
+                <a16:creationId xmlns:a16="http://schemas.microsoft.com/office/drawing/2014/main" id="{3FA7C357-2EDE-4117-A30A-14C7FE13D53E}"/>
+              </a:ext>
+            </a:extLst>
+          </p:cNvPr>
+          <p:cNvCxnSpPr>
+            <a:cxnSpLocks/>
+          </p:cNvCxnSpPr>
+          <p:nvPr/>
+        </p:nvCxnSpPr>
+        <p:spPr>
+          <a:xfrm>
+            <a:off x="7224676" y="2277507"/>
+            <a:ext cx="484177" cy="5382"/>
+          </a:xfrm>
+          <a:prstGeom prst="straightConnector1">
+            <a:avLst/>
+          </a:prstGeom>
+          <a:ln w="31750">
+            <a:solidFill>
+              <a:schemeClr val="tx1"/>
+            </a:solidFill>
+            <a:tailEnd type="triangle"/>
+          </a:ln>
+        </p:spPr>
+        <p:style>
+          <a:lnRef idx="1">
+            <a:schemeClr val="accent1"/>
+          </a:lnRef>
+          <a:fillRef idx="0">
+            <a:schemeClr val="accent1"/>
+          </a:fillRef>
+          <a:effectRef idx="0">
+            <a:schemeClr val="accent1"/>
+          </a:effectRef>
+          <a:fontRef idx="minor">
+            <a:schemeClr val="tx1"/>
+          </a:fontRef>
+        </p:style>
+      </p:cxnSp>
+      <p:sp>
+        <p:nvSpPr>
+          <p:cNvPr id="264" name="文本框 263">
+            <a:extLst>
+              <a:ext uri="{FF2B5EF4-FFF2-40B4-BE49-F238E27FC236}">
+                <a16:creationId xmlns:a16="http://schemas.microsoft.com/office/drawing/2014/main" id="{6EB954E6-B45D-4A32-8152-5C20ABAC97D2}"/>
+              </a:ext>
+            </a:extLst>
+          </p:cNvPr>
+          <p:cNvSpPr txBox="1"/>
+          <p:nvPr/>
+        </p:nvSpPr>
+        <p:spPr>
+          <a:xfrm>
+            <a:off x="7826997" y="2059258"/>
+            <a:ext cx="598241" cy="369332"/>
+          </a:xfrm>
+          <a:prstGeom prst="rect">
+            <a:avLst/>
+          </a:prstGeom>
+          <a:noFill/>
+        </p:spPr>
+        <p:txBody>
+          <a:bodyPr wrap="none" rtlCol="0">
+            <a:spAutoFit/>
+          </a:bodyPr>
+          <a:lstStyle/>
+          <a:p>
+            <a:r>
+              <a:rPr lang="en-US" altLang="zh-CN" dirty="0"/>
+              <a:t>Add</a:t>
+            </a:r>
+            <a:endParaRPr lang="zh-CN" altLang="en-US" dirty="0"/>
+          </a:p>
+        </p:txBody>
+      </p:sp>
+      <p:cxnSp>
+        <p:nvCxnSpPr>
+          <p:cNvPr id="265" name="直接箭头连接符 264">
+            <a:extLst>
+              <a:ext uri="{FF2B5EF4-FFF2-40B4-BE49-F238E27FC236}">
+                <a16:creationId xmlns:a16="http://schemas.microsoft.com/office/drawing/2014/main" id="{E5FAE72A-626F-4DDA-83F0-F3B0DBA1EF08}"/>
+              </a:ext>
+            </a:extLst>
+          </p:cNvPr>
+          <p:cNvCxnSpPr>
+            <a:cxnSpLocks/>
+          </p:cNvCxnSpPr>
+          <p:nvPr/>
+        </p:nvCxnSpPr>
+        <p:spPr>
+          <a:xfrm flipH="1">
+            <a:off x="1323912" y="6050806"/>
+            <a:ext cx="441900" cy="0"/>
+          </a:xfrm>
+          <a:prstGeom prst="straightConnector1">
+            <a:avLst/>
+          </a:prstGeom>
+          <a:ln w="38100">
+            <a:solidFill>
+              <a:schemeClr val="tx1"/>
+            </a:solidFill>
+            <a:headEnd type="none" w="med" len="med"/>
+            <a:tailEnd type="none" w="med" len="med"/>
+          </a:ln>
+        </p:spPr>
+        <p:style>
+          <a:lnRef idx="1">
+            <a:schemeClr val="accent1"/>
+          </a:lnRef>
+          <a:fillRef idx="0">
+            <a:schemeClr val="accent1"/>
+          </a:fillRef>
+          <a:effectRef idx="0">
+            <a:schemeClr val="accent1"/>
+          </a:effectRef>
+          <a:fontRef idx="minor">
+            <a:schemeClr val="tx1"/>
+          </a:fontRef>
+        </p:style>
+      </p:cxnSp>
+      <p:cxnSp>
+        <p:nvCxnSpPr>
+          <p:cNvPr id="267" name="直接箭头连接符 266">
+            <a:extLst>
+              <a:ext uri="{FF2B5EF4-FFF2-40B4-BE49-F238E27FC236}">
+                <a16:creationId xmlns:a16="http://schemas.microsoft.com/office/drawing/2014/main" id="{A426D28C-F690-487D-ACC8-044854867DA6}"/>
+              </a:ext>
+            </a:extLst>
+          </p:cNvPr>
+          <p:cNvCxnSpPr>
+            <a:cxnSpLocks/>
+          </p:cNvCxnSpPr>
+          <p:nvPr/>
+        </p:nvCxnSpPr>
+        <p:spPr>
+          <a:xfrm flipH="1">
+            <a:off x="7613519" y="6050806"/>
+            <a:ext cx="485555" cy="0"/>
+          </a:xfrm>
+          <a:prstGeom prst="straightConnector1">
+            <a:avLst/>
+          </a:prstGeom>
+          <a:ln w="38100">
+            <a:solidFill>
+              <a:schemeClr val="tx1"/>
+            </a:solidFill>
+            <a:headEnd type="none" w="med" len="med"/>
+            <a:tailEnd type="none" w="med" len="med"/>
+          </a:ln>
+        </p:spPr>
+        <p:style>
+          <a:lnRef idx="1">
+            <a:schemeClr val="accent1"/>
+          </a:lnRef>
+          <a:fillRef idx="0">
+            <a:schemeClr val="accent1"/>
+          </a:fillRef>
+          <a:effectRef idx="0">
+            <a:schemeClr val="accent1"/>
+          </a:effectRef>
+          <a:fontRef idx="minor">
+            <a:schemeClr val="tx1"/>
+          </a:fontRef>
+        </p:style>
+      </p:cxnSp>
+      <p:cxnSp>
+        <p:nvCxnSpPr>
+          <p:cNvPr id="269" name="直接箭头连接符 268">
+            <a:extLst>
+              <a:ext uri="{FF2B5EF4-FFF2-40B4-BE49-F238E27FC236}">
+                <a16:creationId xmlns:a16="http://schemas.microsoft.com/office/drawing/2014/main" id="{7DE1B31C-FFAF-46F7-ACA8-23728987E9B1}"/>
+              </a:ext>
+            </a:extLst>
+          </p:cNvPr>
+          <p:cNvCxnSpPr>
+            <a:cxnSpLocks/>
+          </p:cNvCxnSpPr>
+          <p:nvPr/>
+        </p:nvCxnSpPr>
+        <p:spPr>
+          <a:xfrm flipV="1">
+            <a:off x="2013910" y="5390064"/>
+            <a:ext cx="0" cy="456370"/>
+          </a:xfrm>
+          <a:prstGeom prst="straightConnector1">
+            <a:avLst/>
+          </a:prstGeom>
+          <a:ln w="38100">
+            <a:solidFill>
+              <a:schemeClr val="tx1"/>
+            </a:solidFill>
+            <a:tailEnd type="triangle"/>
+          </a:ln>
+        </p:spPr>
+        <p:style>
+          <a:lnRef idx="1">
+            <a:schemeClr val="accent1"/>
+          </a:lnRef>
+          <a:fillRef idx="0">
+            <a:schemeClr val="accent1"/>
+          </a:fillRef>
+          <a:effectRef idx="0">
+            <a:schemeClr val="accent1"/>
+          </a:effectRef>
+          <a:fontRef idx="minor">
+            <a:schemeClr val="tx1"/>
+          </a:fontRef>
+        </p:style>
+      </p:cxnSp>
+      <p:cxnSp>
+        <p:nvCxnSpPr>
+          <p:cNvPr id="271" name="直接箭头连接符 270">
+            <a:extLst>
+              <a:ext uri="{FF2B5EF4-FFF2-40B4-BE49-F238E27FC236}">
+                <a16:creationId xmlns:a16="http://schemas.microsoft.com/office/drawing/2014/main" id="{A0D7F136-F044-4FE9-9ADC-04EBD3FB2978}"/>
+              </a:ext>
+            </a:extLst>
+          </p:cNvPr>
+          <p:cNvCxnSpPr>
+            <a:cxnSpLocks/>
+          </p:cNvCxnSpPr>
+          <p:nvPr/>
+        </p:nvCxnSpPr>
+        <p:spPr>
+          <a:xfrm flipV="1">
+            <a:off x="7336944" y="5390064"/>
+            <a:ext cx="0" cy="456370"/>
+          </a:xfrm>
+          <a:prstGeom prst="straightConnector1">
+            <a:avLst/>
+          </a:prstGeom>
+          <a:ln w="38100">
+            <a:solidFill>
+              <a:schemeClr val="tx1"/>
+            </a:solidFill>
+            <a:tailEnd type="triangle"/>
+          </a:ln>
+        </p:spPr>
+        <p:style>
+          <a:lnRef idx="1">
+            <a:schemeClr val="accent1"/>
+          </a:lnRef>
+          <a:fillRef idx="0">
+            <a:schemeClr val="accent1"/>
+          </a:fillRef>
+          <a:effectRef idx="0">
+            <a:schemeClr val="accent1"/>
+          </a:effectRef>
+          <a:fontRef idx="minor">
+            <a:schemeClr val="tx1"/>
+          </a:fontRef>
+        </p:style>
+      </p:cxnSp>
+      <p:cxnSp>
+        <p:nvCxnSpPr>
+          <p:cNvPr id="272" name="直接箭头连接符 271">
+            <a:extLst>
+              <a:ext uri="{FF2B5EF4-FFF2-40B4-BE49-F238E27FC236}">
+                <a16:creationId xmlns:a16="http://schemas.microsoft.com/office/drawing/2014/main" id="{AF8AC49F-BD75-4B1A-A167-AD416692F4B0}"/>
+              </a:ext>
+            </a:extLst>
+          </p:cNvPr>
+          <p:cNvCxnSpPr>
+            <a:cxnSpLocks/>
+          </p:cNvCxnSpPr>
+          <p:nvPr/>
+        </p:nvCxnSpPr>
+        <p:spPr>
+          <a:xfrm flipV="1">
+            <a:off x="3938628" y="5361490"/>
+            <a:ext cx="1945358" cy="582936"/>
+          </a:xfrm>
+          <a:prstGeom prst="straightConnector1">
+            <a:avLst/>
+          </a:prstGeom>
+          <a:ln w="38100">
+            <a:solidFill>
+              <a:schemeClr val="tx1"/>
+            </a:solidFill>
+            <a:tailEnd type="triangle"/>
+          </a:ln>
+        </p:spPr>
+        <p:style>
+          <a:lnRef idx="1">
+            <a:schemeClr val="accent1"/>
+          </a:lnRef>
+          <a:fillRef idx="0">
+            <a:schemeClr val="accent1"/>
+          </a:fillRef>
+          <a:effectRef idx="0">
+            <a:schemeClr val="accent1"/>
+          </a:effectRef>
+          <a:fontRef idx="minor">
+            <a:schemeClr val="tx1"/>
+          </a:fontRef>
+        </p:style>
+      </p:cxnSp>
+      <p:cxnSp>
+        <p:nvCxnSpPr>
+          <p:cNvPr id="276" name="直接箭头连接符 275">
+            <a:extLst>
+              <a:ext uri="{FF2B5EF4-FFF2-40B4-BE49-F238E27FC236}">
+                <a16:creationId xmlns:a16="http://schemas.microsoft.com/office/drawing/2014/main" id="{2661E2B0-E6F6-411B-A18E-82676AC6D92E}"/>
+              </a:ext>
+            </a:extLst>
+          </p:cNvPr>
+          <p:cNvCxnSpPr>
+            <a:cxnSpLocks/>
+          </p:cNvCxnSpPr>
+          <p:nvPr/>
+        </p:nvCxnSpPr>
+        <p:spPr>
+          <a:xfrm flipH="1" flipV="1">
+            <a:off x="3404667" y="5395505"/>
+            <a:ext cx="1939903" cy="542454"/>
+          </a:xfrm>
+          <a:prstGeom prst="straightConnector1">
+            <a:avLst/>
+          </a:prstGeom>
+          <a:ln w="38100">
+            <a:solidFill>
+              <a:schemeClr val="tx1"/>
+            </a:solidFill>
+            <a:tailEnd type="triangle"/>
+          </a:ln>
+        </p:spPr>
+        <p:style>
+          <a:lnRef idx="1">
+            <a:schemeClr val="accent1"/>
+          </a:lnRef>
+          <a:fillRef idx="0">
+            <a:schemeClr val="accent1"/>
+          </a:fillRef>
+          <a:effectRef idx="0">
+            <a:schemeClr val="accent1"/>
+          </a:effectRef>
+          <a:fontRef idx="minor">
+            <a:schemeClr val="tx1"/>
+          </a:fontRef>
+        </p:style>
+      </p:cxnSp>
+      <p:cxnSp>
+        <p:nvCxnSpPr>
+          <p:cNvPr id="282" name="直接箭头连接符 281">
+            <a:extLst>
+              <a:ext uri="{FF2B5EF4-FFF2-40B4-BE49-F238E27FC236}">
+                <a16:creationId xmlns:a16="http://schemas.microsoft.com/office/drawing/2014/main" id="{C0D2A6EC-F1F0-4949-80B0-EAD2A8793E7E}"/>
+              </a:ext>
+            </a:extLst>
+          </p:cNvPr>
+          <p:cNvCxnSpPr>
+            <a:cxnSpLocks/>
+          </p:cNvCxnSpPr>
+          <p:nvPr/>
+        </p:nvCxnSpPr>
+        <p:spPr>
+          <a:xfrm flipH="1" flipV="1">
+            <a:off x="1316937" y="2459677"/>
+            <a:ext cx="6975" cy="3593075"/>
+          </a:xfrm>
+          <a:prstGeom prst="straightConnector1">
+            <a:avLst/>
+          </a:prstGeom>
+          <a:ln w="38100">
+            <a:solidFill>
+              <a:schemeClr val="tx1"/>
+            </a:solidFill>
+            <a:tailEnd type="triangle"/>
+          </a:ln>
+        </p:spPr>
+        <p:style>
+          <a:lnRef idx="1">
+            <a:schemeClr val="accent1"/>
+          </a:lnRef>
+          <a:fillRef idx="0">
+            <a:schemeClr val="accent1"/>
+          </a:fillRef>
+          <a:effectRef idx="0">
+            <a:schemeClr val="accent1"/>
+          </a:effectRef>
+          <a:fontRef idx="minor">
+            <a:schemeClr val="tx1"/>
+          </a:fontRef>
+        </p:style>
+      </p:cxnSp>
+      <p:cxnSp>
+        <p:nvCxnSpPr>
+          <p:cNvPr id="284" name="直接箭头连接符 283">
+            <a:extLst>
+              <a:ext uri="{FF2B5EF4-FFF2-40B4-BE49-F238E27FC236}">
+                <a16:creationId xmlns:a16="http://schemas.microsoft.com/office/drawing/2014/main" id="{F83B82F5-030A-44A9-9F45-1B8BFB9CC7CB}"/>
+              </a:ext>
+            </a:extLst>
+          </p:cNvPr>
+          <p:cNvCxnSpPr>
+            <a:cxnSpLocks/>
+          </p:cNvCxnSpPr>
+          <p:nvPr/>
+        </p:nvCxnSpPr>
+        <p:spPr>
+          <a:xfrm flipV="1">
+            <a:off x="8081142" y="2442551"/>
+            <a:ext cx="30153" cy="3608255"/>
+          </a:xfrm>
+          <a:prstGeom prst="straightConnector1">
+            <a:avLst/>
+          </a:prstGeom>
+          <a:ln w="38100">
+            <a:solidFill>
+              <a:schemeClr val="tx1"/>
+            </a:solidFill>
+            <a:tailEnd type="triangle"/>
+          </a:ln>
+        </p:spPr>
+        <p:style>
+          <a:lnRef idx="1">
+            <a:schemeClr val="accent1"/>
+          </a:lnRef>
+          <a:fillRef idx="0">
+            <a:schemeClr val="accent1"/>
+          </a:fillRef>
+          <a:effectRef idx="0">
+            <a:schemeClr val="accent1"/>
+          </a:effectRef>
+          <a:fontRef idx="minor">
+            <a:schemeClr val="tx1"/>
+          </a:fontRef>
+        </p:style>
+      </p:cxnSp>
+      <p:cxnSp>
+        <p:nvCxnSpPr>
+          <p:cNvPr id="291" name="直接箭头连接符 290">
+            <a:extLst>
+              <a:ext uri="{FF2B5EF4-FFF2-40B4-BE49-F238E27FC236}">
+                <a16:creationId xmlns:a16="http://schemas.microsoft.com/office/drawing/2014/main" id="{B9EEDB62-2585-4CFE-A056-9158CD236438}"/>
+              </a:ext>
+            </a:extLst>
+          </p:cNvPr>
+          <p:cNvCxnSpPr>
+            <a:cxnSpLocks/>
+          </p:cNvCxnSpPr>
+          <p:nvPr/>
+        </p:nvCxnSpPr>
+        <p:spPr>
+          <a:xfrm>
+            <a:off x="1316937" y="1717675"/>
+            <a:ext cx="0" cy="358014"/>
+          </a:xfrm>
+          <a:prstGeom prst="straightConnector1">
+            <a:avLst/>
+          </a:prstGeom>
+          <a:ln w="38100">
+            <a:solidFill>
+              <a:schemeClr val="tx1"/>
+            </a:solidFill>
+            <a:headEnd type="none" w="med" len="med"/>
+            <a:tailEnd type="none" w="med" len="med"/>
+          </a:ln>
+        </p:spPr>
+        <p:style>
+          <a:lnRef idx="1">
+            <a:schemeClr val="accent1"/>
+          </a:lnRef>
+          <a:fillRef idx="0">
+            <a:schemeClr val="accent1"/>
+          </a:fillRef>
+          <a:effectRef idx="0">
+            <a:schemeClr val="accent1"/>
+          </a:effectRef>
+          <a:fontRef idx="minor">
+            <a:schemeClr val="tx1"/>
+          </a:fontRef>
+        </p:style>
+      </p:cxnSp>
+      <p:cxnSp>
+        <p:nvCxnSpPr>
+          <p:cNvPr id="294" name="直接箭头连接符 293">
+            <a:extLst>
+              <a:ext uri="{FF2B5EF4-FFF2-40B4-BE49-F238E27FC236}">
+                <a16:creationId xmlns:a16="http://schemas.microsoft.com/office/drawing/2014/main" id="{3DC3BF18-F23A-4073-BAE7-2B8F59908F36}"/>
+              </a:ext>
+            </a:extLst>
+          </p:cNvPr>
+          <p:cNvCxnSpPr>
+            <a:cxnSpLocks/>
+            <a:endCxn id="297" idx="1"/>
+          </p:cNvCxnSpPr>
+          <p:nvPr/>
+        </p:nvCxnSpPr>
+        <p:spPr>
+          <a:xfrm>
+            <a:off x="1298276" y="1708518"/>
+            <a:ext cx="562299" cy="1504"/>
+          </a:xfrm>
+          <a:prstGeom prst="straightConnector1">
+            <a:avLst/>
+          </a:prstGeom>
+          <a:ln w="31750">
+            <a:solidFill>
+              <a:schemeClr val="tx1"/>
+            </a:solidFill>
+            <a:tailEnd type="triangle"/>
+          </a:ln>
+        </p:spPr>
+        <p:style>
+          <a:lnRef idx="1">
+            <a:schemeClr val="accent1"/>
+          </a:lnRef>
+          <a:fillRef idx="0">
+            <a:schemeClr val="accent1"/>
+          </a:fillRef>
+          <a:effectRef idx="0">
+            <a:schemeClr val="accent1"/>
+          </a:effectRef>
+          <a:fontRef idx="minor">
+            <a:schemeClr val="tx1"/>
+          </a:fontRef>
+        </p:style>
+      </p:cxnSp>
+      <p:grpSp>
+        <p:nvGrpSpPr>
+          <p:cNvPr id="296" name="组合 295">
+            <a:extLst>
+              <a:ext uri="{FF2B5EF4-FFF2-40B4-BE49-F238E27FC236}">
+                <a16:creationId xmlns:a16="http://schemas.microsoft.com/office/drawing/2014/main" id="{5AE270AE-4E05-42E0-922E-AE830A7F01D4}"/>
+              </a:ext>
+            </a:extLst>
+          </p:cNvPr>
+          <p:cNvGrpSpPr/>
+          <p:nvPr/>
+        </p:nvGrpSpPr>
+        <p:grpSpPr>
+          <a:xfrm>
+            <a:off x="1860575" y="1644058"/>
+            <a:ext cx="2302353" cy="132448"/>
+            <a:chOff x="1873329" y="4909253"/>
+            <a:chExt cx="2302353" cy="132448"/>
+          </a:xfrm>
+        </p:grpSpPr>
+        <p:sp>
+          <p:nvSpPr>
+            <p:cNvPr id="297" name="矩形 296">
+              <a:extLst>
+                <a:ext uri="{FF2B5EF4-FFF2-40B4-BE49-F238E27FC236}">
+                  <a16:creationId xmlns:a16="http://schemas.microsoft.com/office/drawing/2014/main" id="{05FA581C-92F4-4438-BDC4-C120E44D2E86}"/>
+                </a:ext>
+              </a:extLst>
+            </p:cNvPr>
+            <p:cNvSpPr/>
+            <p:nvPr/>
+          </p:nvSpPr>
+          <p:spPr>
+            <a:xfrm>
+              <a:off x="1873329" y="4910756"/>
+              <a:ext cx="2302353" cy="128921"/>
+            </a:xfrm>
+            <a:prstGeom prst="rect">
+              <a:avLst/>
+            </a:prstGeom>
+            <a:solidFill>
+              <a:schemeClr val="accent1">
+                <a:lumMod val="40000"/>
+                <a:lumOff val="60000"/>
+              </a:schemeClr>
+            </a:solidFill>
+          </p:spPr>
+          <p:style>
+            <a:lnRef idx="2">
+              <a:schemeClr val="accent1">
+                <a:shade val="50000"/>
+              </a:schemeClr>
+            </a:lnRef>
+            <a:fillRef idx="1">
+              <a:schemeClr val="accent1"/>
+            </a:fillRef>
+            <a:effectRef idx="0">
+              <a:schemeClr val="accent1"/>
+            </a:effectRef>
+            <a:fontRef idx="minor">
+              <a:schemeClr val="lt1"/>
+            </a:fontRef>
+          </p:style>
+          <p:txBody>
+            <a:bodyPr rtlCol="0" anchor="ctr"/>
+            <a:lstStyle/>
+            <a:p>
+              <a:pPr algn="ctr"/>
+              <a:endParaRPr lang="zh-CN" altLang="en-US" dirty="0"/>
+            </a:p>
+          </p:txBody>
+        </p:sp>
+        <p:cxnSp>
+          <p:nvCxnSpPr>
+            <p:cNvPr id="298" name="直接连接符 297">
+              <a:extLst>
+                <a:ext uri="{FF2B5EF4-FFF2-40B4-BE49-F238E27FC236}">
+                  <a16:creationId xmlns:a16="http://schemas.microsoft.com/office/drawing/2014/main" id="{4E63527C-34BD-49D2-ACCC-DF24B2501994}"/>
+                </a:ext>
+              </a:extLst>
+            </p:cNvPr>
+            <p:cNvCxnSpPr>
+              <a:cxnSpLocks/>
+            </p:cNvCxnSpPr>
+            <p:nvPr/>
+          </p:nvCxnSpPr>
+          <p:spPr>
+            <a:xfrm>
+              <a:off x="3962377" y="4909253"/>
+              <a:ext cx="0" cy="128921"/>
+            </a:xfrm>
+            <a:prstGeom prst="line">
+              <a:avLst/>
+            </a:prstGeom>
+            <a:ln w="12700">
+              <a:solidFill>
+                <a:schemeClr val="accent1">
+                  <a:lumMod val="75000"/>
+                </a:schemeClr>
+              </a:solidFill>
+            </a:ln>
+          </p:spPr>
+          <p:style>
+            <a:lnRef idx="1">
+              <a:schemeClr val="accent1"/>
+            </a:lnRef>
+            <a:fillRef idx="0">
+              <a:schemeClr val="accent1"/>
+            </a:fillRef>
+            <a:effectRef idx="0">
+              <a:schemeClr val="accent1"/>
+            </a:effectRef>
+            <a:fontRef idx="minor">
+              <a:schemeClr val="tx1"/>
+            </a:fontRef>
+          </p:style>
+        </p:cxnSp>
+        <p:cxnSp>
+          <p:nvCxnSpPr>
+            <p:cNvPr id="299" name="直接连接符 298">
+              <a:extLst>
+                <a:ext uri="{FF2B5EF4-FFF2-40B4-BE49-F238E27FC236}">
+                  <a16:creationId xmlns:a16="http://schemas.microsoft.com/office/drawing/2014/main" id="{AF846B11-7E03-41F3-8768-3A07B5ECE984}"/>
+                </a:ext>
+              </a:extLst>
+            </p:cNvPr>
+            <p:cNvCxnSpPr>
+              <a:cxnSpLocks/>
+            </p:cNvCxnSpPr>
+            <p:nvPr/>
+          </p:nvCxnSpPr>
+          <p:spPr>
+            <a:xfrm>
+              <a:off x="3757022" y="4910756"/>
+              <a:ext cx="0" cy="128921"/>
+            </a:xfrm>
+            <a:prstGeom prst="line">
+              <a:avLst/>
+            </a:prstGeom>
+            <a:ln w="12700">
+              <a:solidFill>
+                <a:schemeClr val="accent1">
+                  <a:lumMod val="75000"/>
+                </a:schemeClr>
+              </a:solidFill>
+            </a:ln>
+          </p:spPr>
+          <p:style>
+            <a:lnRef idx="1">
+              <a:schemeClr val="accent1"/>
+            </a:lnRef>
+            <a:fillRef idx="0">
+              <a:schemeClr val="accent1"/>
+            </a:fillRef>
+            <a:effectRef idx="0">
+              <a:schemeClr val="accent1"/>
+            </a:effectRef>
+            <a:fontRef idx="minor">
+              <a:schemeClr val="tx1"/>
+            </a:fontRef>
+          </p:style>
+        </p:cxnSp>
+        <p:cxnSp>
+          <p:nvCxnSpPr>
+            <p:cNvPr id="300" name="直接连接符 299">
+              <a:extLst>
+                <a:ext uri="{FF2B5EF4-FFF2-40B4-BE49-F238E27FC236}">
+                  <a16:creationId xmlns:a16="http://schemas.microsoft.com/office/drawing/2014/main" id="{2FB3500F-A9F6-45CD-BF19-6041C8E6716D}"/>
+                </a:ext>
+              </a:extLst>
+            </p:cNvPr>
+            <p:cNvCxnSpPr>
+              <a:cxnSpLocks/>
+            </p:cNvCxnSpPr>
+            <p:nvPr/>
+          </p:nvCxnSpPr>
+          <p:spPr>
+            <a:xfrm>
+              <a:off x="2116023" y="4909253"/>
+              <a:ext cx="0" cy="128921"/>
+            </a:xfrm>
+            <a:prstGeom prst="line">
+              <a:avLst/>
+            </a:prstGeom>
+            <a:ln w="12700">
+              <a:solidFill>
+                <a:schemeClr val="accent1">
+                  <a:lumMod val="75000"/>
+                </a:schemeClr>
+              </a:solidFill>
+            </a:ln>
+          </p:spPr>
+          <p:style>
+            <a:lnRef idx="1">
+              <a:schemeClr val="accent1"/>
+            </a:lnRef>
+            <a:fillRef idx="0">
+              <a:schemeClr val="accent1"/>
+            </a:fillRef>
+            <a:effectRef idx="0">
+              <a:schemeClr val="accent1"/>
+            </a:effectRef>
+            <a:fontRef idx="minor">
+              <a:schemeClr val="tx1"/>
+            </a:fontRef>
+          </p:style>
+        </p:cxnSp>
+        <p:cxnSp>
+          <p:nvCxnSpPr>
+            <p:cNvPr id="301" name="直接连接符 300">
+              <a:extLst>
+                <a:ext uri="{FF2B5EF4-FFF2-40B4-BE49-F238E27FC236}">
+                  <a16:creationId xmlns:a16="http://schemas.microsoft.com/office/drawing/2014/main" id="{115A58AD-ADA7-4CF3-A7E2-003CB0E643F7}"/>
+                </a:ext>
+              </a:extLst>
+            </p:cNvPr>
+            <p:cNvCxnSpPr>
+              <a:cxnSpLocks/>
+            </p:cNvCxnSpPr>
+            <p:nvPr/>
+          </p:nvCxnSpPr>
+          <p:spPr>
+            <a:xfrm>
+              <a:off x="2348835" y="4910756"/>
+              <a:ext cx="0" cy="128921"/>
+            </a:xfrm>
+            <a:prstGeom prst="line">
+              <a:avLst/>
+            </a:prstGeom>
+            <a:ln w="12700">
+              <a:solidFill>
+                <a:schemeClr val="accent1">
+                  <a:lumMod val="75000"/>
+                </a:schemeClr>
+              </a:solidFill>
+            </a:ln>
+          </p:spPr>
+          <p:style>
+            <a:lnRef idx="1">
+              <a:schemeClr val="accent1"/>
+            </a:lnRef>
+            <a:fillRef idx="0">
+              <a:schemeClr val="accent1"/>
+            </a:fillRef>
+            <a:effectRef idx="0">
+              <a:schemeClr val="accent1"/>
+            </a:effectRef>
+            <a:fontRef idx="minor">
+              <a:schemeClr val="tx1"/>
+            </a:fontRef>
+          </p:style>
+        </p:cxnSp>
+        <p:cxnSp>
+          <p:nvCxnSpPr>
+            <p:cNvPr id="302" name="直接连接符 301">
+              <a:extLst>
+                <a:ext uri="{FF2B5EF4-FFF2-40B4-BE49-F238E27FC236}">
+                  <a16:creationId xmlns:a16="http://schemas.microsoft.com/office/drawing/2014/main" id="{932C5557-E7C3-4958-B7B8-FB04C9C2D06C}"/>
+                </a:ext>
+              </a:extLst>
+            </p:cNvPr>
+            <p:cNvCxnSpPr>
+              <a:cxnSpLocks/>
+            </p:cNvCxnSpPr>
+            <p:nvPr/>
+          </p:nvCxnSpPr>
+          <p:spPr>
+            <a:xfrm>
+              <a:off x="2579397" y="4910756"/>
+              <a:ext cx="0" cy="128921"/>
+            </a:xfrm>
+            <a:prstGeom prst="line">
+              <a:avLst/>
+            </a:prstGeom>
+            <a:ln w="12700">
+              <a:solidFill>
+                <a:schemeClr val="accent1">
+                  <a:lumMod val="75000"/>
+                </a:schemeClr>
+              </a:solidFill>
+            </a:ln>
+          </p:spPr>
+          <p:style>
+            <a:lnRef idx="1">
+              <a:schemeClr val="accent1"/>
+            </a:lnRef>
+            <a:fillRef idx="0">
+              <a:schemeClr val="accent1"/>
+            </a:fillRef>
+            <a:effectRef idx="0">
+              <a:schemeClr val="accent1"/>
+            </a:effectRef>
+            <a:fontRef idx="minor">
+              <a:schemeClr val="tx1"/>
+            </a:fontRef>
+          </p:style>
+        </p:cxnSp>
+        <p:cxnSp>
+          <p:nvCxnSpPr>
+            <p:cNvPr id="303" name="直接连接符 302">
+              <a:extLst>
+                <a:ext uri="{FF2B5EF4-FFF2-40B4-BE49-F238E27FC236}">
+                  <a16:creationId xmlns:a16="http://schemas.microsoft.com/office/drawing/2014/main" id="{C030D447-8C1F-48D4-9AA2-148DA7B528E1}"/>
+                </a:ext>
+              </a:extLst>
+            </p:cNvPr>
+            <p:cNvCxnSpPr>
+              <a:cxnSpLocks/>
+            </p:cNvCxnSpPr>
+            <p:nvPr/>
+          </p:nvCxnSpPr>
+          <p:spPr>
+            <a:xfrm>
+              <a:off x="2812804" y="4911203"/>
+              <a:ext cx="0" cy="128921"/>
+            </a:xfrm>
+            <a:prstGeom prst="line">
+              <a:avLst/>
+            </a:prstGeom>
+            <a:ln w="12700">
+              <a:solidFill>
+                <a:schemeClr val="accent1">
+                  <a:lumMod val="75000"/>
+                </a:schemeClr>
+              </a:solidFill>
+            </a:ln>
+          </p:spPr>
+          <p:style>
+            <a:lnRef idx="1">
+              <a:schemeClr val="accent1"/>
+            </a:lnRef>
+            <a:fillRef idx="0">
+              <a:schemeClr val="accent1"/>
+            </a:fillRef>
+            <a:effectRef idx="0">
+              <a:schemeClr val="accent1"/>
+            </a:effectRef>
+            <a:fontRef idx="minor">
+              <a:schemeClr val="tx1"/>
+            </a:fontRef>
+          </p:style>
+        </p:cxnSp>
+        <p:cxnSp>
+          <p:nvCxnSpPr>
+            <p:cNvPr id="304" name="直接连接符 303">
+              <a:extLst>
+                <a:ext uri="{FF2B5EF4-FFF2-40B4-BE49-F238E27FC236}">
+                  <a16:creationId xmlns:a16="http://schemas.microsoft.com/office/drawing/2014/main" id="{8A8F2544-CBB2-418E-910B-56A68A887399}"/>
+                </a:ext>
+              </a:extLst>
+            </p:cNvPr>
+            <p:cNvCxnSpPr>
+              <a:cxnSpLocks/>
+            </p:cNvCxnSpPr>
+            <p:nvPr/>
+          </p:nvCxnSpPr>
+          <p:spPr>
+            <a:xfrm>
+              <a:off x="3057215" y="4909253"/>
+              <a:ext cx="0" cy="128921"/>
+            </a:xfrm>
+            <a:prstGeom prst="line">
+              <a:avLst/>
+            </a:prstGeom>
+            <a:ln w="12700">
+              <a:solidFill>
+                <a:schemeClr val="accent1">
+                  <a:lumMod val="75000"/>
+                </a:schemeClr>
+              </a:solidFill>
+            </a:ln>
+          </p:spPr>
+          <p:style>
+            <a:lnRef idx="1">
+              <a:schemeClr val="accent1"/>
+            </a:lnRef>
+            <a:fillRef idx="0">
+              <a:schemeClr val="accent1"/>
+            </a:fillRef>
+            <a:effectRef idx="0">
+              <a:schemeClr val="accent1"/>
+            </a:effectRef>
+            <a:fontRef idx="minor">
+              <a:schemeClr val="tx1"/>
+            </a:fontRef>
+          </p:style>
+        </p:cxnSp>
+        <p:cxnSp>
+          <p:nvCxnSpPr>
+            <p:cNvPr id="305" name="直接连接符 304">
+              <a:extLst>
+                <a:ext uri="{FF2B5EF4-FFF2-40B4-BE49-F238E27FC236}">
+                  <a16:creationId xmlns:a16="http://schemas.microsoft.com/office/drawing/2014/main" id="{0294B84C-B2E7-45A5-9F02-CD77267DB46B}"/>
+                </a:ext>
+              </a:extLst>
+            </p:cNvPr>
+            <p:cNvCxnSpPr>
+              <a:cxnSpLocks/>
+            </p:cNvCxnSpPr>
+            <p:nvPr/>
+          </p:nvCxnSpPr>
+          <p:spPr>
+            <a:xfrm>
+              <a:off x="3307463" y="4912780"/>
+              <a:ext cx="0" cy="128921"/>
+            </a:xfrm>
+            <a:prstGeom prst="line">
+              <a:avLst/>
+            </a:prstGeom>
+            <a:ln w="12700">
+              <a:solidFill>
+                <a:schemeClr val="accent1">
+                  <a:lumMod val="75000"/>
+                </a:schemeClr>
+              </a:solidFill>
+            </a:ln>
+          </p:spPr>
+          <p:style>
+            <a:lnRef idx="1">
+              <a:schemeClr val="accent1"/>
+            </a:lnRef>
+            <a:fillRef idx="0">
+              <a:schemeClr val="accent1"/>
+            </a:fillRef>
+            <a:effectRef idx="0">
+              <a:schemeClr val="accent1"/>
+            </a:effectRef>
+            <a:fontRef idx="minor">
+              <a:schemeClr val="tx1"/>
+            </a:fontRef>
+          </p:style>
+        </p:cxnSp>
+        <p:cxnSp>
+          <p:nvCxnSpPr>
+            <p:cNvPr id="306" name="直接连接符 305">
+              <a:extLst>
+                <a:ext uri="{FF2B5EF4-FFF2-40B4-BE49-F238E27FC236}">
+                  <a16:creationId xmlns:a16="http://schemas.microsoft.com/office/drawing/2014/main" id="{3162F350-65A8-4B9E-86D2-E4FCF2E55025}"/>
+                </a:ext>
+              </a:extLst>
+            </p:cNvPr>
+            <p:cNvCxnSpPr>
+              <a:cxnSpLocks/>
+            </p:cNvCxnSpPr>
+            <p:nvPr/>
+          </p:nvCxnSpPr>
+          <p:spPr>
+            <a:xfrm>
+              <a:off x="3530288" y="4909253"/>
+              <a:ext cx="0" cy="128921"/>
+            </a:xfrm>
+            <a:prstGeom prst="line">
+              <a:avLst/>
+            </a:prstGeom>
+            <a:ln w="12700">
+              <a:solidFill>
+                <a:schemeClr val="accent1">
+                  <a:lumMod val="75000"/>
+                </a:schemeClr>
+              </a:solidFill>
+            </a:ln>
+          </p:spPr>
+          <p:style>
+            <a:lnRef idx="1">
+              <a:schemeClr val="accent1"/>
+            </a:lnRef>
+            <a:fillRef idx="0">
+              <a:schemeClr val="accent1"/>
+            </a:fillRef>
+            <a:effectRef idx="0">
+              <a:schemeClr val="accent1"/>
+            </a:effectRef>
+            <a:fontRef idx="minor">
+              <a:schemeClr val="tx1"/>
+            </a:fontRef>
+          </p:style>
+        </p:cxnSp>
+      </p:grpSp>
+      <p:grpSp>
+        <p:nvGrpSpPr>
+          <p:cNvPr id="307" name="组合 306">
+            <a:extLst>
+              <a:ext uri="{FF2B5EF4-FFF2-40B4-BE49-F238E27FC236}">
+                <a16:creationId xmlns:a16="http://schemas.microsoft.com/office/drawing/2014/main" id="{5FBBA2ED-3DCF-4917-BBC3-5CFCA9844D00}"/>
+              </a:ext>
+            </a:extLst>
+          </p:cNvPr>
+          <p:cNvGrpSpPr/>
+          <p:nvPr/>
+        </p:nvGrpSpPr>
+        <p:grpSpPr>
+          <a:xfrm>
+            <a:off x="5290319" y="1647585"/>
+            <a:ext cx="2302353" cy="130424"/>
+            <a:chOff x="5192615" y="4909253"/>
+            <a:chExt cx="2302353" cy="130424"/>
+          </a:xfrm>
+        </p:grpSpPr>
+        <p:sp>
+          <p:nvSpPr>
+            <p:cNvPr id="308" name="矩形 307">
+              <a:extLst>
+                <a:ext uri="{FF2B5EF4-FFF2-40B4-BE49-F238E27FC236}">
+                  <a16:creationId xmlns:a16="http://schemas.microsoft.com/office/drawing/2014/main" id="{C3828DAB-2898-4B13-A818-59A86E35DB1F}"/>
+                </a:ext>
+              </a:extLst>
+            </p:cNvPr>
+            <p:cNvSpPr/>
+            <p:nvPr/>
+          </p:nvSpPr>
+          <p:spPr>
+            <a:xfrm>
+              <a:off x="5192615" y="4910756"/>
+              <a:ext cx="2302353" cy="128921"/>
+            </a:xfrm>
+            <a:prstGeom prst="rect">
+              <a:avLst/>
+            </a:prstGeom>
+            <a:solidFill>
+              <a:schemeClr val="accent2">
+                <a:lumMod val="60000"/>
+                <a:lumOff val="40000"/>
+              </a:schemeClr>
+            </a:solidFill>
+            <a:ln>
+              <a:solidFill>
+                <a:schemeClr val="accent2"/>
+              </a:solidFill>
+            </a:ln>
+          </p:spPr>
+          <p:style>
+            <a:lnRef idx="2">
+              <a:schemeClr val="accent1">
+                <a:shade val="50000"/>
+              </a:schemeClr>
+            </a:lnRef>
+            <a:fillRef idx="1">
+              <a:schemeClr val="accent1"/>
+            </a:fillRef>
+            <a:effectRef idx="0">
+              <a:schemeClr val="accent1"/>
+            </a:effectRef>
+            <a:fontRef idx="minor">
+              <a:schemeClr val="lt1"/>
+            </a:fontRef>
+          </p:style>
+          <p:txBody>
+            <a:bodyPr rtlCol="0" anchor="ctr"/>
+            <a:lstStyle/>
+            <a:p>
+              <a:pPr algn="ctr"/>
+              <a:endParaRPr lang="zh-CN" altLang="en-US"/>
+            </a:p>
+          </p:txBody>
+        </p:sp>
+        <p:cxnSp>
+          <p:nvCxnSpPr>
+            <p:cNvPr id="309" name="直接连接符 308">
+              <a:extLst>
+                <a:ext uri="{FF2B5EF4-FFF2-40B4-BE49-F238E27FC236}">
+                  <a16:creationId xmlns:a16="http://schemas.microsoft.com/office/drawing/2014/main" id="{EC8220A5-307C-4442-B124-407FC2DF19EE}"/>
+                </a:ext>
+              </a:extLst>
+            </p:cNvPr>
+            <p:cNvCxnSpPr>
+              <a:cxnSpLocks/>
+            </p:cNvCxnSpPr>
+            <p:nvPr/>
+          </p:nvCxnSpPr>
+          <p:spPr>
+            <a:xfrm>
+              <a:off x="5423480" y="4909253"/>
+              <a:ext cx="0" cy="128921"/>
+            </a:xfrm>
+            <a:prstGeom prst="line">
+              <a:avLst/>
+            </a:prstGeom>
+            <a:ln w="12700">
+              <a:solidFill>
+                <a:schemeClr val="accent2"/>
+              </a:solidFill>
+            </a:ln>
+          </p:spPr>
+          <p:style>
+            <a:lnRef idx="1">
+              <a:schemeClr val="accent1"/>
+            </a:lnRef>
+            <a:fillRef idx="0">
+              <a:schemeClr val="accent1"/>
+            </a:fillRef>
+            <a:effectRef idx="0">
+              <a:schemeClr val="accent1"/>
+            </a:effectRef>
+            <a:fontRef idx="minor">
+              <a:schemeClr val="tx1"/>
+            </a:fontRef>
+          </p:style>
+        </p:cxnSp>
+        <p:cxnSp>
+          <p:nvCxnSpPr>
+            <p:cNvPr id="310" name="直接连接符 309">
+              <a:extLst>
+                <a:ext uri="{FF2B5EF4-FFF2-40B4-BE49-F238E27FC236}">
+                  <a16:creationId xmlns:a16="http://schemas.microsoft.com/office/drawing/2014/main" id="{74E46F62-B623-4645-AAFC-F53BED5A6BC5}"/>
+                </a:ext>
+              </a:extLst>
+            </p:cNvPr>
+            <p:cNvCxnSpPr>
+              <a:cxnSpLocks/>
+            </p:cNvCxnSpPr>
+            <p:nvPr/>
+          </p:nvCxnSpPr>
+          <p:spPr>
+            <a:xfrm>
+              <a:off x="5664100" y="4909253"/>
+              <a:ext cx="0" cy="128921"/>
+            </a:xfrm>
+            <a:prstGeom prst="line">
+              <a:avLst/>
+            </a:prstGeom>
+            <a:ln w="12700">
+              <a:solidFill>
+                <a:schemeClr val="accent2"/>
+              </a:solidFill>
+            </a:ln>
+          </p:spPr>
+          <p:style>
+            <a:lnRef idx="1">
+              <a:schemeClr val="accent1"/>
+            </a:lnRef>
+            <a:fillRef idx="0">
+              <a:schemeClr val="accent1"/>
+            </a:fillRef>
+            <a:effectRef idx="0">
+              <a:schemeClr val="accent1"/>
+            </a:effectRef>
+            <a:fontRef idx="minor">
+              <a:schemeClr val="tx1"/>
+            </a:fontRef>
+          </p:style>
+        </p:cxnSp>
+        <p:cxnSp>
+          <p:nvCxnSpPr>
+            <p:cNvPr id="311" name="直接连接符 310">
+              <a:extLst>
+                <a:ext uri="{FF2B5EF4-FFF2-40B4-BE49-F238E27FC236}">
+                  <a16:creationId xmlns:a16="http://schemas.microsoft.com/office/drawing/2014/main" id="{6DBF4570-A81A-4012-8A8B-677E7134C135}"/>
+                </a:ext>
+              </a:extLst>
+            </p:cNvPr>
+            <p:cNvCxnSpPr>
+              <a:cxnSpLocks/>
+            </p:cNvCxnSpPr>
+            <p:nvPr/>
+          </p:nvCxnSpPr>
+          <p:spPr>
+            <a:xfrm>
+              <a:off x="5898009" y="4909253"/>
+              <a:ext cx="0" cy="128921"/>
+            </a:xfrm>
+            <a:prstGeom prst="line">
+              <a:avLst/>
+            </a:prstGeom>
+            <a:ln w="12700">
+              <a:solidFill>
+                <a:schemeClr val="accent2"/>
+              </a:solidFill>
+            </a:ln>
+          </p:spPr>
+          <p:style>
+            <a:lnRef idx="1">
+              <a:schemeClr val="accent1"/>
+            </a:lnRef>
+            <a:fillRef idx="0">
+              <a:schemeClr val="accent1"/>
+            </a:fillRef>
+            <a:effectRef idx="0">
+              <a:schemeClr val="accent1"/>
+            </a:effectRef>
+            <a:fontRef idx="minor">
+              <a:schemeClr val="tx1"/>
+            </a:fontRef>
+          </p:style>
+        </p:cxnSp>
+        <p:cxnSp>
+          <p:nvCxnSpPr>
+            <p:cNvPr id="312" name="直接连接符 311">
+              <a:extLst>
+                <a:ext uri="{FF2B5EF4-FFF2-40B4-BE49-F238E27FC236}">
+                  <a16:creationId xmlns:a16="http://schemas.microsoft.com/office/drawing/2014/main" id="{72404880-B45F-4880-8FDE-601E9BA33EDF}"/>
+                </a:ext>
+              </a:extLst>
+            </p:cNvPr>
+            <p:cNvCxnSpPr>
+              <a:cxnSpLocks/>
+            </p:cNvCxnSpPr>
+            <p:nvPr/>
+          </p:nvCxnSpPr>
+          <p:spPr>
+            <a:xfrm>
+              <a:off x="6124896" y="4909253"/>
+              <a:ext cx="0" cy="128921"/>
+            </a:xfrm>
+            <a:prstGeom prst="line">
+              <a:avLst/>
+            </a:prstGeom>
+            <a:ln w="12700">
+              <a:solidFill>
+                <a:schemeClr val="accent2"/>
+              </a:solidFill>
+            </a:ln>
+          </p:spPr>
+          <p:style>
+            <a:lnRef idx="1">
+              <a:schemeClr val="accent1"/>
+            </a:lnRef>
+            <a:fillRef idx="0">
+              <a:schemeClr val="accent1"/>
+            </a:fillRef>
+            <a:effectRef idx="0">
+              <a:schemeClr val="accent1"/>
+            </a:effectRef>
+            <a:fontRef idx="minor">
+              <a:schemeClr val="tx1"/>
+            </a:fontRef>
+          </p:style>
+        </p:cxnSp>
+        <p:cxnSp>
+          <p:nvCxnSpPr>
+            <p:cNvPr id="313" name="直接连接符 312">
+              <a:extLst>
+                <a:ext uri="{FF2B5EF4-FFF2-40B4-BE49-F238E27FC236}">
+                  <a16:creationId xmlns:a16="http://schemas.microsoft.com/office/drawing/2014/main" id="{6751A67E-44E5-47CD-92CE-F60A0B11200F}"/>
+                </a:ext>
+              </a:extLst>
+            </p:cNvPr>
+            <p:cNvCxnSpPr>
+              <a:cxnSpLocks/>
+            </p:cNvCxnSpPr>
+            <p:nvPr/>
+          </p:nvCxnSpPr>
+          <p:spPr>
+            <a:xfrm>
+              <a:off x="6378953" y="4909253"/>
+              <a:ext cx="0" cy="128921"/>
+            </a:xfrm>
+            <a:prstGeom prst="line">
+              <a:avLst/>
+            </a:prstGeom>
+            <a:ln w="12700">
+              <a:solidFill>
+                <a:schemeClr val="accent2"/>
+              </a:solidFill>
+            </a:ln>
+          </p:spPr>
+          <p:style>
+            <a:lnRef idx="1">
+              <a:schemeClr val="accent1"/>
+            </a:lnRef>
+            <a:fillRef idx="0">
+              <a:schemeClr val="accent1"/>
+            </a:fillRef>
+            <a:effectRef idx="0">
+              <a:schemeClr val="accent1"/>
+            </a:effectRef>
+            <a:fontRef idx="minor">
+              <a:schemeClr val="tx1"/>
+            </a:fontRef>
+          </p:style>
+        </p:cxnSp>
+        <p:cxnSp>
+          <p:nvCxnSpPr>
+            <p:cNvPr id="314" name="直接连接符 313">
+              <a:extLst>
+                <a:ext uri="{FF2B5EF4-FFF2-40B4-BE49-F238E27FC236}">
+                  <a16:creationId xmlns:a16="http://schemas.microsoft.com/office/drawing/2014/main" id="{4069D6FC-FEB6-478D-9A90-F97ED2F12605}"/>
+                </a:ext>
+              </a:extLst>
+            </p:cNvPr>
+            <p:cNvCxnSpPr>
+              <a:cxnSpLocks/>
+            </p:cNvCxnSpPr>
+            <p:nvPr/>
+          </p:nvCxnSpPr>
+          <p:spPr>
+            <a:xfrm>
+              <a:off x="6619634" y="4909253"/>
+              <a:ext cx="0" cy="128921"/>
+            </a:xfrm>
+            <a:prstGeom prst="line">
+              <a:avLst/>
+            </a:prstGeom>
+            <a:ln w="12700">
+              <a:solidFill>
+                <a:schemeClr val="accent2"/>
+              </a:solidFill>
+            </a:ln>
+          </p:spPr>
+          <p:style>
+            <a:lnRef idx="1">
+              <a:schemeClr val="accent1"/>
+            </a:lnRef>
+            <a:fillRef idx="0">
+              <a:schemeClr val="accent1"/>
+            </a:fillRef>
+            <a:effectRef idx="0">
+              <a:schemeClr val="accent1"/>
+            </a:effectRef>
+            <a:fontRef idx="minor">
+              <a:schemeClr val="tx1"/>
+            </a:fontRef>
+          </p:style>
+        </p:cxnSp>
+        <p:cxnSp>
+          <p:nvCxnSpPr>
+            <p:cNvPr id="315" name="直接连接符 314">
+              <a:extLst>
+                <a:ext uri="{FF2B5EF4-FFF2-40B4-BE49-F238E27FC236}">
+                  <a16:creationId xmlns:a16="http://schemas.microsoft.com/office/drawing/2014/main" id="{9393E4B3-E7CE-4922-8F62-9B421A0FB270}"/>
+                </a:ext>
+              </a:extLst>
+            </p:cNvPr>
+            <p:cNvCxnSpPr>
+              <a:cxnSpLocks/>
+            </p:cNvCxnSpPr>
+            <p:nvPr/>
+          </p:nvCxnSpPr>
+          <p:spPr>
+            <a:xfrm>
+              <a:off x="6856719" y="4909253"/>
+              <a:ext cx="0" cy="128921"/>
+            </a:xfrm>
+            <a:prstGeom prst="line">
+              <a:avLst/>
+            </a:prstGeom>
+            <a:ln w="12700">
+              <a:solidFill>
+                <a:schemeClr val="accent2"/>
+              </a:solidFill>
+            </a:ln>
+          </p:spPr>
+          <p:style>
+            <a:lnRef idx="1">
+              <a:schemeClr val="accent1"/>
+            </a:lnRef>
+            <a:fillRef idx="0">
+              <a:schemeClr val="accent1"/>
+            </a:fillRef>
+            <a:effectRef idx="0">
+              <a:schemeClr val="accent1"/>
+            </a:effectRef>
+            <a:fontRef idx="minor">
+              <a:schemeClr val="tx1"/>
+            </a:fontRef>
+          </p:style>
+        </p:cxnSp>
+        <p:cxnSp>
+          <p:nvCxnSpPr>
+            <p:cNvPr id="316" name="直接连接符 315">
+              <a:extLst>
+                <a:ext uri="{FF2B5EF4-FFF2-40B4-BE49-F238E27FC236}">
+                  <a16:creationId xmlns:a16="http://schemas.microsoft.com/office/drawing/2014/main" id="{E106D4D0-F412-48C8-8666-117E4013DBF0}"/>
+                </a:ext>
+              </a:extLst>
+            </p:cNvPr>
+            <p:cNvCxnSpPr>
+              <a:cxnSpLocks/>
+            </p:cNvCxnSpPr>
+            <p:nvPr/>
+          </p:nvCxnSpPr>
+          <p:spPr>
+            <a:xfrm>
+              <a:off x="7071961" y="4909253"/>
+              <a:ext cx="0" cy="128921"/>
+            </a:xfrm>
+            <a:prstGeom prst="line">
+              <a:avLst/>
+            </a:prstGeom>
+            <a:ln w="12700">
+              <a:solidFill>
+                <a:schemeClr val="accent2"/>
+              </a:solidFill>
+            </a:ln>
+          </p:spPr>
+          <p:style>
+            <a:lnRef idx="1">
+              <a:schemeClr val="accent1"/>
+            </a:lnRef>
+            <a:fillRef idx="0">
+              <a:schemeClr val="accent1"/>
+            </a:fillRef>
+            <a:effectRef idx="0">
+              <a:schemeClr val="accent1"/>
+            </a:effectRef>
+            <a:fontRef idx="minor">
+              <a:schemeClr val="tx1"/>
+            </a:fontRef>
+          </p:style>
+        </p:cxnSp>
+        <p:cxnSp>
+          <p:nvCxnSpPr>
+            <p:cNvPr id="317" name="直接连接符 316">
+              <a:extLst>
+                <a:ext uri="{FF2B5EF4-FFF2-40B4-BE49-F238E27FC236}">
+                  <a16:creationId xmlns:a16="http://schemas.microsoft.com/office/drawing/2014/main" id="{5A227315-5105-402C-9A61-AEAA0D44FBCA}"/>
+                </a:ext>
+              </a:extLst>
+            </p:cNvPr>
+            <p:cNvCxnSpPr>
+              <a:cxnSpLocks/>
+            </p:cNvCxnSpPr>
+            <p:nvPr/>
+          </p:nvCxnSpPr>
+          <p:spPr>
+            <a:xfrm>
+              <a:off x="7284003" y="4909253"/>
+              <a:ext cx="0" cy="128921"/>
+            </a:xfrm>
+            <a:prstGeom prst="line">
+              <a:avLst/>
+            </a:prstGeom>
+            <a:ln w="12700">
+              <a:solidFill>
+                <a:schemeClr val="accent2"/>
+              </a:solidFill>
+            </a:ln>
+          </p:spPr>
+          <p:style>
+            <a:lnRef idx="1">
+              <a:schemeClr val="accent1"/>
+            </a:lnRef>
+            <a:fillRef idx="0">
+              <a:schemeClr val="accent1"/>
+            </a:fillRef>
+            <a:effectRef idx="0">
+              <a:schemeClr val="accent1"/>
+            </a:effectRef>
+            <a:fontRef idx="minor">
+              <a:schemeClr val="tx1"/>
+            </a:fontRef>
+          </p:style>
+        </p:cxnSp>
+      </p:grpSp>
+      <p:cxnSp>
+        <p:nvCxnSpPr>
+          <p:cNvPr id="321" name="直接箭头连接符 320">
+            <a:extLst>
+              <a:ext uri="{FF2B5EF4-FFF2-40B4-BE49-F238E27FC236}">
+                <a16:creationId xmlns:a16="http://schemas.microsoft.com/office/drawing/2014/main" id="{7EDE23FB-10E3-4788-A19B-2A0FE3898DB8}"/>
+              </a:ext>
+            </a:extLst>
+          </p:cNvPr>
+          <p:cNvCxnSpPr>
+            <a:cxnSpLocks/>
+          </p:cNvCxnSpPr>
+          <p:nvPr/>
+        </p:nvCxnSpPr>
+        <p:spPr>
+          <a:xfrm>
+            <a:off x="8111295" y="1701244"/>
+            <a:ext cx="0" cy="358014"/>
+          </a:xfrm>
+          <a:prstGeom prst="straightConnector1">
+            <a:avLst/>
+          </a:prstGeom>
+          <a:ln w="38100">
+            <a:solidFill>
+              <a:schemeClr val="tx1"/>
+            </a:solidFill>
+            <a:headEnd type="none" w="med" len="med"/>
+            <a:tailEnd type="none" w="med" len="med"/>
+          </a:ln>
+        </p:spPr>
+        <p:style>
+          <a:lnRef idx="1">
+            <a:schemeClr val="accent1"/>
+          </a:lnRef>
+          <a:fillRef idx="0">
+            <a:schemeClr val="accent1"/>
+          </a:fillRef>
+          <a:effectRef idx="0">
+            <a:schemeClr val="accent1"/>
+          </a:effectRef>
+          <a:fontRef idx="minor">
+            <a:schemeClr val="tx1"/>
+          </a:fontRef>
+        </p:style>
+      </p:cxnSp>
+      <p:cxnSp>
+        <p:nvCxnSpPr>
+          <p:cNvPr id="322" name="直接箭头连接符 321">
+            <a:extLst>
+              <a:ext uri="{FF2B5EF4-FFF2-40B4-BE49-F238E27FC236}">
+                <a16:creationId xmlns:a16="http://schemas.microsoft.com/office/drawing/2014/main" id="{F787BECF-FB7D-439A-AFDA-5CF43C09140F}"/>
+              </a:ext>
+            </a:extLst>
+          </p:cNvPr>
+          <p:cNvCxnSpPr>
+            <a:cxnSpLocks/>
+            <a:endCxn id="308" idx="3"/>
+          </p:cNvCxnSpPr>
+          <p:nvPr/>
+        </p:nvCxnSpPr>
+        <p:spPr>
+          <a:xfrm flipH="1" flipV="1">
+            <a:off x="7592672" y="1713549"/>
+            <a:ext cx="533445" cy="4126"/>
+          </a:xfrm>
+          <a:prstGeom prst="straightConnector1">
+            <a:avLst/>
+          </a:prstGeom>
+          <a:ln w="31750">
+            <a:solidFill>
+              <a:schemeClr val="tx1"/>
+            </a:solidFill>
+            <a:tailEnd type="triangle"/>
+          </a:ln>
+        </p:spPr>
+        <p:style>
+          <a:lnRef idx="1">
+            <a:schemeClr val="accent1"/>
+          </a:lnRef>
+          <a:fillRef idx="0">
+            <a:schemeClr val="accent1"/>
+          </a:fillRef>
+          <a:effectRef idx="0">
+            <a:schemeClr val="accent1"/>
+          </a:effectRef>
+          <a:fontRef idx="minor">
+            <a:schemeClr val="tx1"/>
+          </a:fontRef>
+        </p:style>
+      </p:cxnSp>
+      <p:pic>
+        <p:nvPicPr>
+          <p:cNvPr id="333" name="图片 332" descr="\documentclass{article}&#10;\usepackage{amsmath}&#10;\pagestyle{empty}&#10;\begin{document}&#10;$(\mathbf{P}_{m}^{\alpha})'$&#10;\end{document}" title="IguanaTex Bitmap Display">
+            <a:extLst>
+              <a:ext uri="{FF2B5EF4-FFF2-40B4-BE49-F238E27FC236}">
+                <a16:creationId xmlns:a16="http://schemas.microsoft.com/office/drawing/2014/main" id="{29041F19-8F7F-4371-A9D3-F0A4850C67FD}"/>
+              </a:ext>
+            </a:extLst>
+          </p:cNvPr>
+          <p:cNvPicPr>
+            <a:picLocks noChangeAspect="1"/>
+          </p:cNvPicPr>
+          <p:nvPr>
+            <p:custDataLst>
+              <p:tags r:id="rId9"/>
+            </p:custDataLst>
+          </p:nvPr>
+        </p:nvPicPr>
+        <p:blipFill>
+          <a:blip r:embed="rId20">
+            <a:extLst>
+              <a:ext uri="{28A0092B-C50C-407E-A947-70E740481C1C}">
+                <a14:useLocalDpi xmlns:a14="http://schemas.microsoft.com/office/drawing/2010/main" val="0"/>
+              </a:ext>
+            </a:extLst>
+          </a:blip>
+          <a:stretch>
+            <a:fillRect/>
+          </a:stretch>
+        </p:blipFill>
+        <p:spPr>
+          <a:xfrm>
+            <a:off x="3517534" y="1311733"/>
+            <a:ext cx="617143" cy="254476"/>
+          </a:xfrm>
+          <a:prstGeom prst="rect">
+            <a:avLst/>
+          </a:prstGeom>
+        </p:spPr>
+      </p:pic>
+      <p:pic>
+        <p:nvPicPr>
+          <p:cNvPr id="338" name="图片 337" descr="\documentclass{article}&#10;\usepackage{amsmath}&#10;\pagestyle{empty}&#10;\begin{document}&#10;$(\mathbf{P}_{m}^{\beta})'$&#10;\end{document}" title="IguanaTex Bitmap Display">
+            <a:extLst>
+              <a:ext uri="{FF2B5EF4-FFF2-40B4-BE49-F238E27FC236}">
+                <a16:creationId xmlns:a16="http://schemas.microsoft.com/office/drawing/2014/main" id="{7E6AC10B-2C25-44D4-BBC2-ACD23F1CB01C}"/>
+              </a:ext>
+            </a:extLst>
+          </p:cNvPr>
+          <p:cNvPicPr>
+            <a:picLocks noChangeAspect="1"/>
+          </p:cNvPicPr>
+          <p:nvPr>
+            <p:custDataLst>
+              <p:tags r:id="rId10"/>
+            </p:custDataLst>
+          </p:nvPr>
+        </p:nvPicPr>
+        <p:blipFill>
+          <a:blip r:embed="rId21">
+            <a:extLst>
+              <a:ext uri="{28A0092B-C50C-407E-A947-70E740481C1C}">
+                <a14:useLocalDpi xmlns:a14="http://schemas.microsoft.com/office/drawing/2010/main" val="0"/>
+              </a:ext>
+            </a:extLst>
+          </a:blip>
+          <a:stretch>
+            <a:fillRect/>
+          </a:stretch>
+        </p:blipFill>
+        <p:spPr>
+          <a:xfrm>
+            <a:off x="5085795" y="1309486"/>
+            <a:ext cx="617143" cy="281905"/>
+          </a:xfrm>
+          <a:prstGeom prst="rect">
+            <a:avLst/>
+          </a:prstGeom>
+        </p:spPr>
+      </p:pic>
     </p:spTree>
     <p:extLst>
       <p:ext uri="{BB962C8B-B14F-4D97-AF65-F5344CB8AC3E}">
@@ -37374,6 +43150,146 @@
   <p:tag name="TRANSPARENCY" val="True"/>
   <p:tag name="LATEXENGINEID" val="0"/>
   <p:tag name="TEMPFOLDER" val="C:\Users\chan\workspace\temp"/>
+  <p:tag name="LATEXFORMHEIGHT" val="320"/>
+  <p:tag name="LATEXFORMWIDTH" val="385"/>
+  <p:tag name="LATEXFORMWRAP" val="True"/>
+  <p:tag name="BITMAPVECTOR" val="0"/>
+</p:tagLst>
+</file>
+
+<file path=ppt/tags/tag10.xml><?xml version="1.0" encoding="utf-8"?>
+<p:tagLst xmlns:a="http://schemas.openxmlformats.org/drawingml/2006/main" xmlns:r="http://schemas.openxmlformats.org/officeDocument/2006/relationships" xmlns:p="http://schemas.openxmlformats.org/presentationml/2006/main">
+  <p:tag name="OUTPUTDPI" val="1200"/>
+  <p:tag name="ORIGINALHEIGHT" val="138.7327"/>
+  <p:tag name="ORIGINALWIDTH" val="192.7259"/>
+  <p:tag name="OUTPUTTYPE" val="PNG"/>
+  <p:tag name="IGUANATEXVERSION" val="159"/>
+  <p:tag name="LATEXADDIN" val="\documentclass{article}&#10;\usepackage{amsmath}&#10;\pagestyle{empty}&#10;\begin{document}&#10;$\mathbf{K}_{m}^{\beta}$&#10;\end{document}"/>
+  <p:tag name="IGUANATEXSIZE" val="20"/>
+  <p:tag name="IGUANATEXCURSOR" val="102"/>
+  <p:tag name="TRANSPARENCY" val="True"/>
+  <p:tag name="LATEXENGINEID" val="0"/>
+  <p:tag name="TEMPFOLDER" val="c:\temp\"/>
+  <p:tag name="LATEXFORMHEIGHT" val="320"/>
+  <p:tag name="LATEXFORMWIDTH" val="385"/>
+  <p:tag name="LATEXFORMWRAP" val="True"/>
+  <p:tag name="BITMAPVECTOR" val="0"/>
+</p:tagLst>
+</file>
+
+<file path=ppt/tags/tag11.xml><?xml version="1.0" encoding="utf-8"?>
+<p:tagLst xmlns:a="http://schemas.openxmlformats.org/drawingml/2006/main" xmlns:r="http://schemas.openxmlformats.org/officeDocument/2006/relationships" xmlns:p="http://schemas.openxmlformats.org/presentationml/2006/main">
+  <p:tag name="OUTPUTDPI" val="1200"/>
+  <p:tag name="ORIGINALHEIGHT" val="138.7327"/>
+  <p:tag name="ORIGINALWIDTH" val="189.7263"/>
+  <p:tag name="OUTPUTTYPE" val="PNG"/>
+  <p:tag name="IGUANATEXVERSION" val="159"/>
+  <p:tag name="LATEXADDIN" val="\documentclass{article}&#10;\usepackage{amsmath}&#10;\pagestyle{empty}&#10;\begin{document}&#10;$\mathbf{V}_{m}^{\beta}$&#10;\end{document}"/>
+  <p:tag name="IGUANATEXSIZE" val="20"/>
+  <p:tag name="IGUANATEXCURSOR" val="102"/>
+  <p:tag name="TRANSPARENCY" val="True"/>
+  <p:tag name="LATEXENGINEID" val="0"/>
+  <p:tag name="TEMPFOLDER" val="c:\temp\"/>
+  <p:tag name="LATEXFORMHEIGHT" val="320"/>
+  <p:tag name="LATEXFORMWIDTH" val="385"/>
+  <p:tag name="LATEXFORMWRAP" val="True"/>
+  <p:tag name="BITMAPVECTOR" val="0"/>
+</p:tagLst>
+</file>
+
+<file path=ppt/tags/tag12.xml><?xml version="1.0" encoding="utf-8"?>
+<p:tagLst xmlns:a="http://schemas.openxmlformats.org/drawingml/2006/main" xmlns:r="http://schemas.openxmlformats.org/officeDocument/2006/relationships" xmlns:p="http://schemas.openxmlformats.org/presentationml/2006/main">
+  <p:tag name="OUTPUTDPI" val="1200"/>
+  <p:tag name="ORIGINALHEIGHT" val="116.9854"/>
+  <p:tag name="ORIGINALWIDTH" val="189.7263"/>
+  <p:tag name="OUTPUTTYPE" val="PNG"/>
+  <p:tag name="IGUANATEXVERSION" val="159"/>
+  <p:tag name="LATEXADDIN" val="\documentclass{article}&#10;\usepackage{amsmath}&#10;\pagestyle{empty}&#10;\begin{document}&#10;$\mathbf{V}_{m}^{\alpha}$&#10;\end{document}"/>
+  <p:tag name="IGUANATEXSIZE" val="20"/>
+  <p:tag name="IGUANATEXCURSOR" val="90"/>
+  <p:tag name="TRANSPARENCY" val="True"/>
+  <p:tag name="LATEXENGINEID" val="0"/>
+  <p:tag name="TEMPFOLDER" val="c:\temp\"/>
+  <p:tag name="LATEXFORMHEIGHT" val="320"/>
+  <p:tag name="LATEXFORMWIDTH" val="385"/>
+  <p:tag name="LATEXFORMWRAP" val="True"/>
+  <p:tag name="BITMAPVECTOR" val="0"/>
+</p:tagLst>
+</file>
+
+<file path=ppt/tags/tag13.xml><?xml version="1.0" encoding="utf-8"?>
+<p:tagLst xmlns:a="http://schemas.openxmlformats.org/drawingml/2006/main" xmlns:r="http://schemas.openxmlformats.org/officeDocument/2006/relationships" xmlns:p="http://schemas.openxmlformats.org/presentationml/2006/main">
+  <p:tag name="OUTPUTDPI" val="1200"/>
+  <p:tag name="ORIGINALHEIGHT" val="116.9854"/>
+  <p:tag name="ORIGINALWIDTH" val="192.7259"/>
+  <p:tag name="OUTPUTTYPE" val="PNG"/>
+  <p:tag name="IGUANATEXVERSION" val="159"/>
+  <p:tag name="LATEXADDIN" val="\documentclass{article}&#10;\usepackage{amsmath}&#10;\pagestyle{empty}&#10;\begin{document}&#10;$\mathbf{K}_{m}^{\alpha}$&#10;\end{document}"/>
+  <p:tag name="IGUANATEXSIZE" val="20"/>
+  <p:tag name="IGUANATEXCURSOR" val="90"/>
+  <p:tag name="TRANSPARENCY" val="True"/>
+  <p:tag name="LATEXENGINEID" val="0"/>
+  <p:tag name="TEMPFOLDER" val="c:\temp\"/>
+  <p:tag name="LATEXFORMHEIGHT" val="320"/>
+  <p:tag name="LATEXFORMWIDTH" val="385"/>
+  <p:tag name="LATEXFORMWRAP" val="True"/>
+  <p:tag name="BITMAPVECTOR" val="0"/>
+</p:tagLst>
+</file>
+
+<file path=ppt/tags/tag14.xml><?xml version="1.0" encoding="utf-8"?>
+<p:tagLst xmlns:a="http://schemas.openxmlformats.org/drawingml/2006/main" xmlns:r="http://schemas.openxmlformats.org/officeDocument/2006/relationships" xmlns:p="http://schemas.openxmlformats.org/presentationml/2006/main">
+  <p:tag name="OUTPUTDPI" val="1200"/>
+  <p:tag name="ORIGINALHEIGHT" val="138.7327"/>
+  <p:tag name="ORIGINALWIDTH" val="184.4769"/>
+  <p:tag name="OUTPUTTYPE" val="PNG"/>
+  <p:tag name="IGUANATEXVERSION" val="159"/>
+  <p:tag name="LATEXADDIN" val="\documentclass{article}&#10;\usepackage{amsmath}&#10;\pagestyle{empty}&#10;\begin{document}&#10;$\mathbf{Q}_{m}^{\beta}$&#10;\end{document}"/>
+  <p:tag name="IGUANATEXSIZE" val="20"/>
+  <p:tag name="IGUANATEXCURSOR" val="102"/>
+  <p:tag name="TRANSPARENCY" val="True"/>
+  <p:tag name="LATEXENGINEID" val="0"/>
+  <p:tag name="TEMPFOLDER" val="c:\temp\"/>
+  <p:tag name="LATEXFORMHEIGHT" val="320"/>
+  <p:tag name="LATEXFORMWIDTH" val="385"/>
+  <p:tag name="LATEXFORMWRAP" val="True"/>
+  <p:tag name="BITMAPVECTOR" val="0"/>
+</p:tagLst>
+</file>
+
+<file path=ppt/tags/tag15.xml><?xml version="1.0" encoding="utf-8"?>
+<p:tagLst xmlns:a="http://schemas.openxmlformats.org/drawingml/2006/main" xmlns:r="http://schemas.openxmlformats.org/officeDocument/2006/relationships" xmlns:p="http://schemas.openxmlformats.org/presentationml/2006/main">
+  <p:tag name="OUTPUTDPI" val="1200"/>
+  <p:tag name="ORIGINALHEIGHT" val="125.2343"/>
+  <p:tag name="ORIGINALWIDTH" val="303.712"/>
+  <p:tag name="OUTPUTTYPE" val="PNG"/>
+  <p:tag name="IGUANATEXVERSION" val="159"/>
+  <p:tag name="LATEXADDIN" val="\documentclass{article}&#10;\usepackage{amsmath}&#10;\pagestyle{empty}&#10;\begin{document}&#10;$(\mathbf{P}_{m}^{\alpha})'$&#10;\end{document}"/>
+  <p:tag name="IGUANATEXSIZE" val="20"/>
+  <p:tag name="IGUANATEXCURSOR" val="107"/>
+  <p:tag name="TRANSPARENCY" val="True"/>
+  <p:tag name="LATEXENGINEID" val="0"/>
+  <p:tag name="TEMPFOLDER" val="c:\temp\"/>
+  <p:tag name="LATEXFORMHEIGHT" val="320"/>
+  <p:tag name="LATEXFORMWIDTH" val="385"/>
+  <p:tag name="LATEXFORMWRAP" val="True"/>
+  <p:tag name="BITMAPVECTOR" val="0"/>
+</p:tagLst>
+</file>
+
+<file path=ppt/tags/tag16.xml><?xml version="1.0" encoding="utf-8"?>
+<p:tagLst xmlns:a="http://schemas.openxmlformats.org/drawingml/2006/main" xmlns:r="http://schemas.openxmlformats.org/officeDocument/2006/relationships" xmlns:p="http://schemas.openxmlformats.org/presentationml/2006/main">
+  <p:tag name="OUTPUTDPI" val="1200"/>
+  <p:tag name="ORIGINALHEIGHT" val="138.7327"/>
+  <p:tag name="ORIGINALWIDTH" val="303.712"/>
+  <p:tag name="OUTPUTTYPE" val="PNG"/>
+  <p:tag name="IGUANATEXVERSION" val="159"/>
+  <p:tag name="LATEXADDIN" val="\documentclass{article}&#10;\usepackage{amsmath}&#10;\pagestyle{empty}&#10;\begin{document}&#10;$(\mathbf{P}_{m}^{\beta})'$&#10;\end{document}"/>
+  <p:tag name="IGUANATEXSIZE" val="20"/>
+  <p:tag name="IGUANATEXCURSOR" val="103"/>
+  <p:tag name="TRANSPARENCY" val="True"/>
+  <p:tag name="LATEXENGINEID" val="0"/>
+  <p:tag name="TEMPFOLDER" val="c:\temp\"/>
   <p:tag name="LATEXFORMHEIGHT" val="320"/>
   <p:tag name="LATEXFORMWIDTH" val="385"/>
   <p:tag name="LATEXFORMWRAP" val="True"/>
@@ -37469,6 +43385,66 @@
   <p:tag name="OUTPUTTYPE" val="PNG"/>
   <p:tag name="IGUANATEXVERSION" val="159"/>
   <p:tag name="LATEXADDIN" val="\documentclass{article}&#10;\usepackage{amsmath}&#10;\pagestyle{empty}&#10;\begin{document}&#10;$\lambda_{2}+\lambda_{2}$&#10;\end{document}"/>
+  <p:tag name="IGUANATEXSIZE" val="20"/>
+  <p:tag name="IGUANATEXCURSOR" val="103"/>
+  <p:tag name="TRANSPARENCY" val="True"/>
+  <p:tag name="LATEXENGINEID" val="0"/>
+  <p:tag name="TEMPFOLDER" val="c:\temp\"/>
+  <p:tag name="LATEXFORMHEIGHT" val="320"/>
+  <p:tag name="LATEXFORMWIDTH" val="385"/>
+  <p:tag name="LATEXFORMWRAP" val="True"/>
+  <p:tag name="BITMAPVECTOR" val="0"/>
+</p:tagLst>
+</file>
+
+<file path=ppt/tags/tag7.xml><?xml version="1.0" encoding="utf-8"?>
+<p:tagLst xmlns:a="http://schemas.openxmlformats.org/drawingml/2006/main" xmlns:r="http://schemas.openxmlformats.org/officeDocument/2006/relationships" xmlns:p="http://schemas.openxmlformats.org/presentationml/2006/main">
+  <p:tag name="OUTPUTDPI" val="1200"/>
+  <p:tag name="ORIGINALHEIGHT" val="116.9854"/>
+  <p:tag name="ORIGINALWIDTH" val="177.7278"/>
+  <p:tag name="OUTPUTTYPE" val="PNG"/>
+  <p:tag name="IGUANATEXVERSION" val="159"/>
+  <p:tag name="LATEXADDIN" val="\documentclass{article}&#10;\usepackage{amsmath}&#10;\pagestyle{empty}&#10;\begin{document}&#10;$\mathbf{P}_{m}^{\alpha}$&#10;\end{document}"/>
+  <p:tag name="IGUANATEXSIZE" val="20"/>
+  <p:tag name="IGUANATEXCURSOR" val="103"/>
+  <p:tag name="TRANSPARENCY" val="True"/>
+  <p:tag name="LATEXENGINEID" val="0"/>
+  <p:tag name="TEMPFOLDER" val="c:\temp\"/>
+  <p:tag name="LATEXFORMHEIGHT" val="320"/>
+  <p:tag name="LATEXFORMWIDTH" val="385"/>
+  <p:tag name="LATEXFORMWRAP" val="True"/>
+  <p:tag name="BITMAPVECTOR" val="0"/>
+</p:tagLst>
+</file>
+
+<file path=ppt/tags/tag8.xml><?xml version="1.0" encoding="utf-8"?>
+<p:tagLst xmlns:a="http://schemas.openxmlformats.org/drawingml/2006/main" xmlns:r="http://schemas.openxmlformats.org/officeDocument/2006/relationships" xmlns:p="http://schemas.openxmlformats.org/presentationml/2006/main">
+  <p:tag name="OUTPUTDPI" val="1200"/>
+  <p:tag name="ORIGINALHEIGHT" val="138.7327"/>
+  <p:tag name="ORIGINALWIDTH" val="177.7278"/>
+  <p:tag name="OUTPUTTYPE" val="PNG"/>
+  <p:tag name="IGUANATEXVERSION" val="159"/>
+  <p:tag name="LATEXADDIN" val="\documentclass{article}&#10;\usepackage{amsmath}&#10;\pagestyle{empty}&#10;\begin{document}&#10;$\mathbf{P}_{m}^{\beta}$&#10;\end{document}"/>
+  <p:tag name="IGUANATEXSIZE" val="20"/>
+  <p:tag name="IGUANATEXCURSOR" val="102"/>
+  <p:tag name="TRANSPARENCY" val="True"/>
+  <p:tag name="LATEXENGINEID" val="0"/>
+  <p:tag name="TEMPFOLDER" val="c:\temp\"/>
+  <p:tag name="LATEXFORMHEIGHT" val="320"/>
+  <p:tag name="LATEXFORMWIDTH" val="385"/>
+  <p:tag name="LATEXFORMWRAP" val="True"/>
+  <p:tag name="BITMAPVECTOR" val="0"/>
+</p:tagLst>
+</file>
+
+<file path=ppt/tags/tag9.xml><?xml version="1.0" encoding="utf-8"?>
+<p:tagLst xmlns:a="http://schemas.openxmlformats.org/drawingml/2006/main" xmlns:r="http://schemas.openxmlformats.org/officeDocument/2006/relationships" xmlns:p="http://schemas.openxmlformats.org/presentationml/2006/main">
+  <p:tag name="OUTPUTDPI" val="1200"/>
+  <p:tag name="ORIGINALHEIGHT" val="118.4852"/>
+  <p:tag name="ORIGINALWIDTH" val="184.4769"/>
+  <p:tag name="OUTPUTTYPE" val="PNG"/>
+  <p:tag name="IGUANATEXVERSION" val="159"/>
+  <p:tag name="LATEXADDIN" val="\documentclass{article}&#10;\usepackage{amsmath}&#10;\pagestyle{empty}&#10;\begin{document}&#10;$\mathbf{Q}_{m}^{\alpha}$&#10;\end{document}"/>
   <p:tag name="IGUANATEXSIZE" val="20"/>
   <p:tag name="IGUANATEXCURSOR" val="103"/>
   <p:tag name="TRANSPARENCY" val="True"/>
